--- a/materials/slides/ch03-3.pptx
+++ b/materials/slides/ch03-3.pptx
@@ -1,34 +1,34 @@
 
 <file path=ppt/presentation.xml><?xml version="1.0" encoding="utf-8"?>
-<p:presentation xmlns:a="http://schemas.openxmlformats.org/drawingml/2006/main" xmlns:r="http://schemas.openxmlformats.org/officeDocument/2006/relationships" xmlns:p="http://schemas.openxmlformats.org/presentationml/2006/main" showSpecialPlsOnTitleSld="0" saveSubsetFonts="1" bookmarkIdSeed="2">
+<p:presentation xmlns:a="http://schemas.openxmlformats.org/drawingml/2006/main" xmlns:r="http://schemas.openxmlformats.org/officeDocument/2006/relationships" xmlns:p="http://schemas.openxmlformats.org/presentationml/2006/main" bookmarkIdSeed="2" showSpecialPlsOnTitleSld="0">
   <p:sldMasterIdLst>
-    <p:sldMasterId id="2147483652" r:id="rId1"/>
+    <p:sldMasterId id="2147483648" r:id="rId1"/>
   </p:sldMasterIdLst>
   <p:notesMasterIdLst>
-    <p:notesMasterId r:id="rId18"/>
+    <p:notesMasterId r:id="rId8"/>
   </p:notesMasterIdLst>
   <p:handoutMasterIdLst>
-    <p:handoutMasterId r:id="rId19"/>
+    <p:handoutMasterId r:id="rId20"/>
   </p:handoutMasterIdLst>
   <p:sldIdLst>
-    <p:sldId id="256" r:id="rId2"/>
-    <p:sldId id="401" r:id="rId3"/>
-    <p:sldId id="378" r:id="rId4"/>
-    <p:sldId id="399" r:id="rId5"/>
-    <p:sldId id="267" r:id="rId6"/>
-    <p:sldId id="309" r:id="rId7"/>
-    <p:sldId id="310" r:id="rId8"/>
-    <p:sldId id="357" r:id="rId9"/>
-    <p:sldId id="406" r:id="rId10"/>
-    <p:sldId id="407" r:id="rId11"/>
-    <p:sldId id="313" r:id="rId12"/>
-    <p:sldId id="410" r:id="rId13"/>
-    <p:sldId id="411" r:id="rId14"/>
-    <p:sldId id="356" r:id="rId15"/>
-    <p:sldId id="459" r:id="rId16"/>
-    <p:sldId id="353" r:id="rId17"/>
+    <p:sldId id="256" r:id="rId3"/>
+    <p:sldId id="461" r:id="rId4"/>
+    <p:sldId id="462" r:id="rId5"/>
+    <p:sldId id="463" r:id="rId6"/>
+    <p:sldId id="267" r:id="rId7"/>
+    <p:sldId id="309" r:id="rId9"/>
+    <p:sldId id="310" r:id="rId10"/>
+    <p:sldId id="357" r:id="rId11"/>
+    <p:sldId id="406" r:id="rId12"/>
+    <p:sldId id="407" r:id="rId13"/>
+    <p:sldId id="313" r:id="rId14"/>
+    <p:sldId id="410" r:id="rId15"/>
+    <p:sldId id="411" r:id="rId16"/>
+    <p:sldId id="356" r:id="rId17"/>
+    <p:sldId id="459" r:id="rId18"/>
+    <p:sldId id="353" r:id="rId19"/>
   </p:sldIdLst>
-  <p:sldSz cx="9144000" cy="6858000" type="screen4x3"/>
+  <p:sldSz cx="12192000" cy="6858000"/>
   <p:notesSz cx="6858000" cy="9144000"/>
   <p:defaultTextStyle>
     <a:defPPr>
@@ -45,9 +45,9 @@
         <a:solidFill>
           <a:schemeClr val="tx1"/>
         </a:solidFill>
-        <a:latin typeface="Arial" charset="0"/>
+        <a:latin typeface="Arial" panose="020B0604020202020204" pitchFamily="34" charset="0"/>
         <a:ea typeface="+mn-ea"/>
-        <a:cs typeface="Arial" charset="0"/>
+        <a:cs typeface="Arial" panose="020B0604020202020204" pitchFamily="34" charset="0"/>
       </a:defRPr>
     </a:lvl1pPr>
     <a:lvl2pPr marL="457200" algn="l" rtl="0" fontAlgn="base">
@@ -61,9 +61,9 @@
         <a:solidFill>
           <a:schemeClr val="tx1"/>
         </a:solidFill>
-        <a:latin typeface="Arial" charset="0"/>
+        <a:latin typeface="Arial" panose="020B0604020202020204" pitchFamily="34" charset="0"/>
         <a:ea typeface="+mn-ea"/>
-        <a:cs typeface="Arial" charset="0"/>
+        <a:cs typeface="Arial" panose="020B0604020202020204" pitchFamily="34" charset="0"/>
       </a:defRPr>
     </a:lvl2pPr>
     <a:lvl3pPr marL="914400" algn="l" rtl="0" fontAlgn="base">
@@ -77,9 +77,9 @@
         <a:solidFill>
           <a:schemeClr val="tx1"/>
         </a:solidFill>
-        <a:latin typeface="Arial" charset="0"/>
+        <a:latin typeface="Arial" panose="020B0604020202020204" pitchFamily="34" charset="0"/>
         <a:ea typeface="+mn-ea"/>
-        <a:cs typeface="Arial" charset="0"/>
+        <a:cs typeface="Arial" panose="020B0604020202020204" pitchFamily="34" charset="0"/>
       </a:defRPr>
     </a:lvl3pPr>
     <a:lvl4pPr marL="1371600" algn="l" rtl="0" fontAlgn="base">
@@ -93,9 +93,9 @@
         <a:solidFill>
           <a:schemeClr val="tx1"/>
         </a:solidFill>
-        <a:latin typeface="Arial" charset="0"/>
+        <a:latin typeface="Arial" panose="020B0604020202020204" pitchFamily="34" charset="0"/>
         <a:ea typeface="+mn-ea"/>
-        <a:cs typeface="Arial" charset="0"/>
+        <a:cs typeface="Arial" panose="020B0604020202020204" pitchFamily="34" charset="0"/>
       </a:defRPr>
     </a:lvl4pPr>
     <a:lvl5pPr marL="1828800" algn="l" rtl="0" fontAlgn="base">
@@ -109,9 +109,9 @@
         <a:solidFill>
           <a:schemeClr val="tx1"/>
         </a:solidFill>
-        <a:latin typeface="Arial" charset="0"/>
+        <a:latin typeface="Arial" panose="020B0604020202020204" pitchFamily="34" charset="0"/>
         <a:ea typeface="+mn-ea"/>
-        <a:cs typeface="Arial" charset="0"/>
+        <a:cs typeface="Arial" panose="020B0604020202020204" pitchFamily="34" charset="0"/>
       </a:defRPr>
     </a:lvl5pPr>
     <a:lvl6pPr marL="2286000" algn="l" defTabSz="914400" rtl="0" eaLnBrk="1" latinLnBrk="0" hangingPunct="1">
@@ -119,9 +119,9 @@
         <a:solidFill>
           <a:schemeClr val="tx1"/>
         </a:solidFill>
-        <a:latin typeface="Arial" charset="0"/>
+        <a:latin typeface="Arial" panose="020B0604020202020204" pitchFamily="34" charset="0"/>
         <a:ea typeface="+mn-ea"/>
-        <a:cs typeface="Arial" charset="0"/>
+        <a:cs typeface="Arial" panose="020B0604020202020204" pitchFamily="34" charset="0"/>
       </a:defRPr>
     </a:lvl6pPr>
     <a:lvl7pPr marL="2743200" algn="l" defTabSz="914400" rtl="0" eaLnBrk="1" latinLnBrk="0" hangingPunct="1">
@@ -129,9 +129,9 @@
         <a:solidFill>
           <a:schemeClr val="tx1"/>
         </a:solidFill>
-        <a:latin typeface="Arial" charset="0"/>
+        <a:latin typeface="Arial" panose="020B0604020202020204" pitchFamily="34" charset="0"/>
         <a:ea typeface="+mn-ea"/>
-        <a:cs typeface="Arial" charset="0"/>
+        <a:cs typeface="Arial" panose="020B0604020202020204" pitchFamily="34" charset="0"/>
       </a:defRPr>
     </a:lvl7pPr>
     <a:lvl8pPr marL="3200400" algn="l" defTabSz="914400" rtl="0" eaLnBrk="1" latinLnBrk="0" hangingPunct="1">
@@ -139,9 +139,9 @@
         <a:solidFill>
           <a:schemeClr val="tx1"/>
         </a:solidFill>
-        <a:latin typeface="Arial" charset="0"/>
+        <a:latin typeface="Arial" panose="020B0604020202020204" pitchFamily="34" charset="0"/>
         <a:ea typeface="+mn-ea"/>
-        <a:cs typeface="Arial" charset="0"/>
+        <a:cs typeface="Arial" panose="020B0604020202020204" pitchFamily="34" charset="0"/>
       </a:defRPr>
     </a:lvl8pPr>
     <a:lvl9pPr marL="3657600" algn="l" defTabSz="914400" rtl="0" eaLnBrk="1" latinLnBrk="0" hangingPunct="1">
@@ -149,28 +149,12 @@
         <a:solidFill>
           <a:schemeClr val="tx1"/>
         </a:solidFill>
-        <a:latin typeface="Arial" charset="0"/>
+        <a:latin typeface="Arial" panose="020B0604020202020204" pitchFamily="34" charset="0"/>
         <a:ea typeface="+mn-ea"/>
-        <a:cs typeface="Arial" charset="0"/>
+        <a:cs typeface="Arial" panose="020B0604020202020204" pitchFamily="34" charset="0"/>
       </a:defRPr>
     </a:lvl9pPr>
   </p:defaultTextStyle>
-  <p:extLst>
-    <p:ext uri="{EFAFB233-063F-42B5-8137-9DF3F51BA10A}">
-      <p15:sldGuideLst xmlns:p15="http://schemas.microsoft.com/office/powerpoint/2012/main">
-        <p15:guide id="1" orient="horz" pos="2160">
-          <p15:clr>
-            <a:srgbClr val="A4A3A4"/>
-          </p15:clr>
-        </p15:guide>
-        <p15:guide id="2" pos="2880">
-          <p15:clr>
-            <a:srgbClr val="A4A3A4"/>
-          </p15:clr>
-        </p15:guide>
-      </p15:sldGuideLst>
-    </p:ext>
-  </p:extLst>
 </p:presentation>
 </file>
 
@@ -181,117 +165,39 @@
   <dgm:catLst>
     <dgm:cat type="accent1" pri="11200"/>
   </dgm:catLst>
-  <dgm:styleLbl name="node0">
+  <dgm:styleLbl name="alignAcc1">
     <dgm:fillClrLst meth="repeat">
-      <a:schemeClr val="accent1"/>
-    </dgm:fillClrLst>
-    <dgm:linClrLst meth="repeat">
-      <a:schemeClr val="lt1"/>
-    </dgm:linClrLst>
-    <dgm:effectClrLst/>
-    <dgm:txLinClrLst/>
-    <dgm:txFillClrLst/>
-    <dgm:txEffectClrLst/>
-  </dgm:styleLbl>
-  <dgm:styleLbl name="alignNode1">
-    <dgm:fillClrLst meth="repeat">
-      <a:schemeClr val="accent1"/>
+      <a:schemeClr val="lt1">
+        <a:alpha val="90000"/>
+      </a:schemeClr>
     </dgm:fillClrLst>
     <dgm:linClrLst meth="repeat">
       <a:schemeClr val="accent1"/>
     </dgm:linClrLst>
     <dgm:effectClrLst/>
     <dgm:txLinClrLst/>
-    <dgm:txFillClrLst/>
+    <dgm:txFillClrLst meth="repeat">
+      <a:schemeClr val="dk1"/>
+    </dgm:txFillClrLst>
     <dgm:txEffectClrLst/>
   </dgm:styleLbl>
-  <dgm:styleLbl name="node1">
-    <dgm:fillClrLst meth="repeat">
-      <a:schemeClr val="accent1"/>
-    </dgm:fillClrLst>
-    <dgm:linClrLst meth="repeat">
-      <a:schemeClr val="lt1"/>
-    </dgm:linClrLst>
-    <dgm:effectClrLst/>
-    <dgm:txLinClrLst/>
-    <dgm:txFillClrLst/>
-    <dgm:txEffectClrLst/>
-  </dgm:styleLbl>
-  <dgm:styleLbl name="lnNode1">
-    <dgm:fillClrLst meth="repeat">
-      <a:schemeClr val="accent1"/>
-    </dgm:fillClrLst>
-    <dgm:linClrLst meth="repeat">
-      <a:schemeClr val="lt1"/>
-    </dgm:linClrLst>
-    <dgm:effectClrLst/>
-    <dgm:txLinClrLst/>
-    <dgm:txFillClrLst/>
-    <dgm:txEffectClrLst/>
-  </dgm:styleLbl>
-  <dgm:styleLbl name="vennNode1">
+  <dgm:styleLbl name="alignAccFollowNode1">
     <dgm:fillClrLst meth="repeat">
       <a:schemeClr val="accent1">
-        <a:alpha val="50000"/>
+        <a:alpha val="90000"/>
+        <a:tint val="40000"/>
       </a:schemeClr>
     </dgm:fillClrLst>
     <dgm:linClrLst meth="repeat">
-      <a:schemeClr val="lt1"/>
-    </dgm:linClrLst>
-    <dgm:effectClrLst/>
-    <dgm:txLinClrLst/>
-    <dgm:txFillClrLst/>
-    <dgm:txEffectClrLst/>
-  </dgm:styleLbl>
-  <dgm:styleLbl name="node2">
-    <dgm:fillClrLst meth="repeat">
-      <a:schemeClr val="accent1"/>
-    </dgm:fillClrLst>
-    <dgm:linClrLst meth="repeat">
-      <a:schemeClr val="lt1"/>
-    </dgm:linClrLst>
-    <dgm:effectClrLst/>
-    <dgm:txLinClrLst/>
-    <dgm:txFillClrLst/>
-    <dgm:txEffectClrLst/>
-  </dgm:styleLbl>
-  <dgm:styleLbl name="node3">
-    <dgm:fillClrLst meth="repeat">
-      <a:schemeClr val="accent1"/>
-    </dgm:fillClrLst>
-    <dgm:linClrLst meth="repeat">
-      <a:schemeClr val="lt1"/>
-    </dgm:linClrLst>
-    <dgm:effectClrLst/>
-    <dgm:txLinClrLst/>
-    <dgm:txFillClrLst/>
-    <dgm:txEffectClrLst/>
-  </dgm:styleLbl>
-  <dgm:styleLbl name="node4">
-    <dgm:fillClrLst meth="repeat">
-      <a:schemeClr val="accent1"/>
-    </dgm:fillClrLst>
-    <dgm:linClrLst meth="repeat">
-      <a:schemeClr val="lt1"/>
-    </dgm:linClrLst>
-    <dgm:effectClrLst/>
-    <dgm:txLinClrLst/>
-    <dgm:txFillClrLst/>
-    <dgm:txEffectClrLst/>
-  </dgm:styleLbl>
-  <dgm:styleLbl name="fgImgPlace1">
-    <dgm:fillClrLst meth="repeat">
       <a:schemeClr val="accent1">
-        <a:tint val="50000"/>
+        <a:alpha val="90000"/>
+        <a:tint val="40000"/>
       </a:schemeClr>
-    </dgm:fillClrLst>
-    <dgm:linClrLst meth="repeat">
-      <a:schemeClr val="lt1"/>
     </dgm:linClrLst>
     <dgm:effectClrLst/>
     <dgm:txLinClrLst/>
     <dgm:txFillClrLst meth="repeat">
-      <a:schemeClr val="lt1"/>
+      <a:schemeClr val="dk1"/>
     </dgm:txFillClrLst>
     <dgm:txEffectClrLst/>
   </dgm:styleLbl>
@@ -311,71 +217,7 @@
     </dgm:txFillClrLst>
     <dgm:txEffectClrLst/>
   </dgm:styleLbl>
-  <dgm:styleLbl name="bgImgPlace1">
-    <dgm:fillClrLst meth="repeat">
-      <a:schemeClr val="accent1">
-        <a:tint val="50000"/>
-      </a:schemeClr>
-    </dgm:fillClrLst>
-    <dgm:linClrLst meth="repeat">
-      <a:schemeClr val="lt1"/>
-    </dgm:linClrLst>
-    <dgm:effectClrLst/>
-    <dgm:txLinClrLst/>
-    <dgm:txFillClrLst meth="repeat">
-      <a:schemeClr val="lt1"/>
-    </dgm:txFillClrLst>
-    <dgm:txEffectClrLst/>
-  </dgm:styleLbl>
-  <dgm:styleLbl name="sibTrans2D1">
-    <dgm:fillClrLst meth="repeat">
-      <a:schemeClr val="accent1">
-        <a:tint val="60000"/>
-      </a:schemeClr>
-    </dgm:fillClrLst>
-    <dgm:linClrLst meth="repeat">
-      <a:schemeClr val="accent1">
-        <a:tint val="60000"/>
-      </a:schemeClr>
-    </dgm:linClrLst>
-    <dgm:effectClrLst/>
-    <dgm:txLinClrLst/>
-    <dgm:txFillClrLst/>
-    <dgm:txEffectClrLst/>
-  </dgm:styleLbl>
-  <dgm:styleLbl name="fgSibTrans2D1">
-    <dgm:fillClrLst meth="repeat">
-      <a:schemeClr val="accent1">
-        <a:tint val="60000"/>
-      </a:schemeClr>
-    </dgm:fillClrLst>
-    <dgm:linClrLst meth="repeat">
-      <a:schemeClr val="accent1">
-        <a:tint val="60000"/>
-      </a:schemeClr>
-    </dgm:linClrLst>
-    <dgm:effectClrLst/>
-    <dgm:txLinClrLst/>
-    <dgm:txFillClrLst/>
-    <dgm:txEffectClrLst/>
-  </dgm:styleLbl>
-  <dgm:styleLbl name="bgSibTrans2D1">
-    <dgm:fillClrLst meth="repeat">
-      <a:schemeClr val="accent1">
-        <a:tint val="60000"/>
-      </a:schemeClr>
-    </dgm:fillClrLst>
-    <dgm:linClrLst meth="repeat">
-      <a:schemeClr val="accent1">
-        <a:tint val="60000"/>
-      </a:schemeClr>
-    </dgm:linClrLst>
-    <dgm:effectClrLst/>
-    <dgm:txLinClrLst/>
-    <dgm:txFillClrLst/>
-    <dgm:txEffectClrLst/>
-  </dgm:styleLbl>
-  <dgm:styleLbl name="sibTrans1D1">
+  <dgm:styleLbl name="alignNode1">
     <dgm:fillClrLst meth="repeat">
       <a:schemeClr val="accent1"/>
     </dgm:fillClrLst>
@@ -384,25 +226,7 @@
     </dgm:linClrLst>
     <dgm:effectClrLst/>
     <dgm:txLinClrLst/>
-    <dgm:txFillClrLst meth="repeat">
-      <a:schemeClr val="tx1"/>
-    </dgm:txFillClrLst>
-    <dgm:txEffectClrLst/>
-  </dgm:styleLbl>
-  <dgm:styleLbl name="callout">
-    <dgm:fillClrLst meth="repeat">
-      <a:schemeClr val="accent1"/>
-    </dgm:fillClrLst>
-    <dgm:linClrLst meth="repeat">
-      <a:schemeClr val="accent1">
-        <a:tint val="50000"/>
-      </a:schemeClr>
-    </dgm:linClrLst>
-    <dgm:effectClrLst/>
-    <dgm:txLinClrLst/>
-    <dgm:txFillClrLst meth="repeat">
-      <a:schemeClr val="tx1"/>
-    </dgm:txFillClrLst>
+    <dgm:txFillClrLst/>
     <dgm:txEffectClrLst/>
   </dgm:styleLbl>
   <dgm:styleLbl name="asst0">
@@ -465,7 +289,75 @@
     <dgm:txFillClrLst/>
     <dgm:txEffectClrLst/>
   </dgm:styleLbl>
-  <dgm:styleLbl name="parChTrans2D1">
+  <dgm:styleLbl name="bgAcc1">
+    <dgm:fillClrLst meth="repeat">
+      <a:schemeClr val="lt1">
+        <a:alpha val="90000"/>
+      </a:schemeClr>
+    </dgm:fillClrLst>
+    <dgm:linClrLst meth="repeat">
+      <a:schemeClr val="accent1"/>
+    </dgm:linClrLst>
+    <dgm:effectClrLst/>
+    <dgm:txLinClrLst/>
+    <dgm:txFillClrLst meth="repeat">
+      <a:schemeClr val="dk1"/>
+    </dgm:txFillClrLst>
+    <dgm:txEffectClrLst/>
+  </dgm:styleLbl>
+  <dgm:styleLbl name="bgAccFollowNode1">
+    <dgm:fillClrLst meth="repeat">
+      <a:schemeClr val="accent1">
+        <a:alpha val="90000"/>
+        <a:tint val="40000"/>
+      </a:schemeClr>
+    </dgm:fillClrLst>
+    <dgm:linClrLst meth="repeat">
+      <a:schemeClr val="accent1">
+        <a:alpha val="90000"/>
+        <a:tint val="40000"/>
+      </a:schemeClr>
+    </dgm:linClrLst>
+    <dgm:effectClrLst/>
+    <dgm:txLinClrLst/>
+    <dgm:txFillClrLst meth="repeat">
+      <a:schemeClr val="dk1"/>
+    </dgm:txFillClrLst>
+    <dgm:txEffectClrLst/>
+  </dgm:styleLbl>
+  <dgm:styleLbl name="bgImgPlace1">
+    <dgm:fillClrLst meth="repeat">
+      <a:schemeClr val="accent1">
+        <a:tint val="50000"/>
+      </a:schemeClr>
+    </dgm:fillClrLst>
+    <dgm:linClrLst meth="repeat">
+      <a:schemeClr val="lt1"/>
+    </dgm:linClrLst>
+    <dgm:effectClrLst/>
+    <dgm:txLinClrLst/>
+    <dgm:txFillClrLst meth="repeat">
+      <a:schemeClr val="lt1"/>
+    </dgm:txFillClrLst>
+    <dgm:txEffectClrLst/>
+  </dgm:styleLbl>
+  <dgm:styleLbl name="bgShp">
+    <dgm:fillClrLst meth="repeat">
+      <a:schemeClr val="accent1">
+        <a:tint val="40000"/>
+      </a:schemeClr>
+    </dgm:fillClrLst>
+    <dgm:linClrLst meth="repeat">
+      <a:schemeClr val="accent1"/>
+    </dgm:linClrLst>
+    <dgm:effectClrLst/>
+    <dgm:txLinClrLst/>
+    <dgm:txFillClrLst meth="repeat">
+      <a:schemeClr val="dk1"/>
+    </dgm:txFillClrLst>
+    <dgm:txEffectClrLst/>
+  </dgm:styleLbl>
+  <dgm:styleLbl name="bgSibTrans2D1">
     <dgm:fillClrLst meth="repeat">
       <a:schemeClr val="accent1">
         <a:tint val="60000"/>
@@ -478,14 +370,46 @@
     </dgm:linClrLst>
     <dgm:effectClrLst/>
     <dgm:txLinClrLst/>
+    <dgm:txFillClrLst/>
+    <dgm:txEffectClrLst/>
+  </dgm:styleLbl>
+  <dgm:styleLbl name="callout">
+    <dgm:fillClrLst meth="repeat">
+      <a:schemeClr val="accent1"/>
+    </dgm:fillClrLst>
+    <dgm:linClrLst meth="repeat">
+      <a:schemeClr val="accent1">
+        <a:tint val="50000"/>
+      </a:schemeClr>
+    </dgm:linClrLst>
+    <dgm:effectClrLst/>
+    <dgm:txLinClrLst/>
     <dgm:txFillClrLst meth="repeat">
-      <a:schemeClr val="lt1"/>
+      <a:schemeClr val="tx1"/>
     </dgm:txFillClrLst>
     <dgm:txEffectClrLst/>
   </dgm:styleLbl>
-  <dgm:styleLbl name="parChTrans2D2">
+  <dgm:styleLbl name="conFgAcc1">
     <dgm:fillClrLst meth="repeat">
+      <a:schemeClr val="lt1">
+        <a:alpha val="90000"/>
+      </a:schemeClr>
+    </dgm:fillClrLst>
+    <dgm:linClrLst meth="repeat">
       <a:schemeClr val="accent1"/>
+    </dgm:linClrLst>
+    <dgm:effectClrLst/>
+    <dgm:txLinClrLst/>
+    <dgm:txFillClrLst meth="repeat">
+      <a:schemeClr val="dk1"/>
+    </dgm:txFillClrLst>
+    <dgm:txEffectClrLst/>
+  </dgm:styleLbl>
+  <dgm:styleLbl name="dkBgShp">
+    <dgm:fillClrLst meth="repeat">
+      <a:schemeClr val="accent1">
+        <a:shade val="80000"/>
+      </a:schemeClr>
     </dgm:fillClrLst>
     <dgm:linClrLst meth="repeat">
       <a:schemeClr val="accent1"/>
@@ -497,12 +421,114 @@
     </dgm:txFillClrLst>
     <dgm:txEffectClrLst/>
   </dgm:styleLbl>
-  <dgm:styleLbl name="parChTrans2D3">
+  <dgm:styleLbl name="fgAcc0">
     <dgm:fillClrLst meth="repeat">
-      <a:schemeClr val="accent1"/>
+      <a:schemeClr val="lt1">
+        <a:alpha val="90000"/>
+      </a:schemeClr>
     </dgm:fillClrLst>
     <dgm:linClrLst meth="repeat">
       <a:schemeClr val="accent1"/>
+    </dgm:linClrLst>
+    <dgm:effectClrLst/>
+    <dgm:txLinClrLst/>
+    <dgm:txFillClrLst meth="repeat">
+      <a:schemeClr val="dk1"/>
+    </dgm:txFillClrLst>
+    <dgm:txEffectClrLst/>
+  </dgm:styleLbl>
+  <dgm:styleLbl name="fgAcc1">
+    <dgm:fillClrLst meth="repeat">
+      <a:schemeClr val="lt1">
+        <a:alpha val="90000"/>
+      </a:schemeClr>
+    </dgm:fillClrLst>
+    <dgm:linClrLst meth="repeat">
+      <a:schemeClr val="accent1"/>
+    </dgm:linClrLst>
+    <dgm:effectClrLst/>
+    <dgm:txLinClrLst/>
+    <dgm:txFillClrLst meth="repeat">
+      <a:schemeClr val="dk1"/>
+    </dgm:txFillClrLst>
+    <dgm:txEffectClrLst/>
+  </dgm:styleLbl>
+  <dgm:styleLbl name="fgAcc2">
+    <dgm:fillClrLst meth="repeat">
+      <a:schemeClr val="lt1">
+        <a:alpha val="90000"/>
+      </a:schemeClr>
+    </dgm:fillClrLst>
+    <dgm:linClrLst meth="repeat">
+      <a:schemeClr val="accent1"/>
+    </dgm:linClrLst>
+    <dgm:effectClrLst/>
+    <dgm:txLinClrLst/>
+    <dgm:txFillClrLst meth="repeat">
+      <a:schemeClr val="dk1"/>
+    </dgm:txFillClrLst>
+    <dgm:txEffectClrLst/>
+  </dgm:styleLbl>
+  <dgm:styleLbl name="fgAcc3">
+    <dgm:fillClrLst meth="repeat">
+      <a:schemeClr val="lt1">
+        <a:alpha val="90000"/>
+      </a:schemeClr>
+    </dgm:fillClrLst>
+    <dgm:linClrLst meth="repeat">
+      <a:schemeClr val="accent1"/>
+    </dgm:linClrLst>
+    <dgm:effectClrLst/>
+    <dgm:txLinClrLst/>
+    <dgm:txFillClrLst meth="repeat">
+      <a:schemeClr val="dk1"/>
+    </dgm:txFillClrLst>
+    <dgm:txEffectClrLst/>
+  </dgm:styleLbl>
+  <dgm:styleLbl name="fgAcc4">
+    <dgm:fillClrLst meth="repeat">
+      <a:schemeClr val="lt1">
+        <a:alpha val="90000"/>
+      </a:schemeClr>
+    </dgm:fillClrLst>
+    <dgm:linClrLst meth="repeat">
+      <a:schemeClr val="accent1"/>
+    </dgm:linClrLst>
+    <dgm:effectClrLst/>
+    <dgm:txLinClrLst/>
+    <dgm:txFillClrLst meth="repeat">
+      <a:schemeClr val="dk1"/>
+    </dgm:txFillClrLst>
+    <dgm:txEffectClrLst/>
+  </dgm:styleLbl>
+  <dgm:styleLbl name="fgAccFollowNode1">
+    <dgm:fillClrLst meth="repeat">
+      <a:schemeClr val="accent1">
+        <a:alpha val="90000"/>
+        <a:tint val="40000"/>
+      </a:schemeClr>
+    </dgm:fillClrLst>
+    <dgm:linClrLst meth="repeat">
+      <a:schemeClr val="accent1">
+        <a:alpha val="90000"/>
+        <a:tint val="40000"/>
+      </a:schemeClr>
+    </dgm:linClrLst>
+    <dgm:effectClrLst/>
+    <dgm:txLinClrLst/>
+    <dgm:txFillClrLst meth="repeat">
+      <a:schemeClr val="dk1"/>
+    </dgm:txFillClrLst>
+    <dgm:txEffectClrLst/>
+  </dgm:styleLbl>
+  <dgm:styleLbl name="fgImgPlace1">
+    <dgm:fillClrLst meth="repeat">
+      <a:schemeClr val="accent1">
+        <a:tint val="50000"/>
+      </a:schemeClr>
+    </dgm:fillClrLst>
+    <dgm:linClrLst meth="repeat">
+      <a:schemeClr val="lt1"/>
     </dgm:linClrLst>
     <dgm:effectClrLst/>
     <dgm:txLinClrLst/>
@@ -511,18 +537,108 @@
     </dgm:txFillClrLst>
     <dgm:txEffectClrLst/>
   </dgm:styleLbl>
-  <dgm:styleLbl name="parChTrans2D4">
+  <dgm:styleLbl name="fgShp">
+    <dgm:fillClrLst meth="repeat">
+      <a:schemeClr val="accent1">
+        <a:tint val="60000"/>
+      </a:schemeClr>
+    </dgm:fillClrLst>
+    <dgm:linClrLst meth="repeat">
+      <a:schemeClr val="lt1"/>
+    </dgm:linClrLst>
+    <dgm:effectClrLst/>
+    <dgm:txLinClrLst/>
+    <dgm:txFillClrLst meth="repeat">
+      <a:schemeClr val="dk1"/>
+    </dgm:txFillClrLst>
+    <dgm:txEffectClrLst/>
+  </dgm:styleLbl>
+  <dgm:styleLbl name="fgSibTrans2D1">
+    <dgm:fillClrLst meth="repeat">
+      <a:schemeClr val="accent1">
+        <a:tint val="60000"/>
+      </a:schemeClr>
+    </dgm:fillClrLst>
+    <dgm:linClrLst meth="repeat">
+      <a:schemeClr val="accent1">
+        <a:tint val="60000"/>
+      </a:schemeClr>
+    </dgm:linClrLst>
+    <dgm:effectClrLst/>
+    <dgm:txLinClrLst/>
+    <dgm:txFillClrLst/>
+    <dgm:txEffectClrLst/>
+  </dgm:styleLbl>
+  <dgm:styleLbl name="lnNode1">
     <dgm:fillClrLst meth="repeat">
       <a:schemeClr val="accent1"/>
     </dgm:fillClrLst>
     <dgm:linClrLst meth="repeat">
-      <a:schemeClr val="accent1"/>
+      <a:schemeClr val="lt1"/>
     </dgm:linClrLst>
     <dgm:effectClrLst/>
     <dgm:txLinClrLst/>
-    <dgm:txFillClrLst meth="repeat">
+    <dgm:txFillClrLst/>
+    <dgm:txEffectClrLst/>
+  </dgm:styleLbl>
+  <dgm:styleLbl name="node0">
+    <dgm:fillClrLst meth="repeat">
+      <a:schemeClr val="accent1"/>
+    </dgm:fillClrLst>
+    <dgm:linClrLst meth="repeat">
       <a:schemeClr val="lt1"/>
-    </dgm:txFillClrLst>
+    </dgm:linClrLst>
+    <dgm:effectClrLst/>
+    <dgm:txLinClrLst/>
+    <dgm:txFillClrLst/>
+    <dgm:txEffectClrLst/>
+  </dgm:styleLbl>
+  <dgm:styleLbl name="node1">
+    <dgm:fillClrLst meth="repeat">
+      <a:schemeClr val="accent1"/>
+    </dgm:fillClrLst>
+    <dgm:linClrLst meth="repeat">
+      <a:schemeClr val="lt1"/>
+    </dgm:linClrLst>
+    <dgm:effectClrLst/>
+    <dgm:txLinClrLst/>
+    <dgm:txFillClrLst/>
+    <dgm:txEffectClrLst/>
+  </dgm:styleLbl>
+  <dgm:styleLbl name="node2">
+    <dgm:fillClrLst meth="repeat">
+      <a:schemeClr val="accent1"/>
+    </dgm:fillClrLst>
+    <dgm:linClrLst meth="repeat">
+      <a:schemeClr val="lt1"/>
+    </dgm:linClrLst>
+    <dgm:effectClrLst/>
+    <dgm:txLinClrLst/>
+    <dgm:txFillClrLst/>
+    <dgm:txEffectClrLst/>
+  </dgm:styleLbl>
+  <dgm:styleLbl name="node3">
+    <dgm:fillClrLst meth="repeat">
+      <a:schemeClr val="accent1"/>
+    </dgm:fillClrLst>
+    <dgm:linClrLst meth="repeat">
+      <a:schemeClr val="lt1"/>
+    </dgm:linClrLst>
+    <dgm:effectClrLst/>
+    <dgm:txLinClrLst/>
+    <dgm:txFillClrLst/>
+    <dgm:txEffectClrLst/>
+  </dgm:styleLbl>
+  <dgm:styleLbl name="node4">
+    <dgm:fillClrLst meth="repeat">
+      <a:schemeClr val="accent1"/>
+    </dgm:fillClrLst>
+    <dgm:linClrLst meth="repeat">
+      <a:schemeClr val="lt1"/>
+    </dgm:linClrLst>
+    <dgm:effectClrLst/>
+    <dgm:txLinClrLst/>
+    <dgm:txFillClrLst/>
     <dgm:txEffectClrLst/>
   </dgm:styleLbl>
   <dgm:styleLbl name="parChTrans1D1">
@@ -589,11 +705,27 @@
     </dgm:txFillClrLst>
     <dgm:txEffectClrLst/>
   </dgm:styleLbl>
-  <dgm:styleLbl name="fgAcc1">
+  <dgm:styleLbl name="parChTrans2D1">
     <dgm:fillClrLst meth="repeat">
-      <a:schemeClr val="lt1">
-        <a:alpha val="90000"/>
+      <a:schemeClr val="accent1">
+        <a:tint val="60000"/>
       </a:schemeClr>
+    </dgm:fillClrLst>
+    <dgm:linClrLst meth="repeat">
+      <a:schemeClr val="accent1">
+        <a:tint val="60000"/>
+      </a:schemeClr>
+    </dgm:linClrLst>
+    <dgm:effectClrLst/>
+    <dgm:txLinClrLst/>
+    <dgm:txFillClrLst meth="repeat">
+      <a:schemeClr val="lt1"/>
+    </dgm:txFillClrLst>
+    <dgm:txEffectClrLst/>
+  </dgm:styleLbl>
+  <dgm:styleLbl name="parChTrans2D2">
+    <dgm:fillClrLst meth="repeat">
+      <a:schemeClr val="accent1"/>
     </dgm:fillClrLst>
     <dgm:linClrLst meth="repeat">
       <a:schemeClr val="accent1"/>
@@ -601,15 +733,13 @@
     <dgm:effectClrLst/>
     <dgm:txLinClrLst/>
     <dgm:txFillClrLst meth="repeat">
-      <a:schemeClr val="dk1"/>
+      <a:schemeClr val="lt1"/>
     </dgm:txFillClrLst>
     <dgm:txEffectClrLst/>
   </dgm:styleLbl>
-  <dgm:styleLbl name="conFgAcc1">
+  <dgm:styleLbl name="parChTrans2D3">
     <dgm:fillClrLst meth="repeat">
-      <a:schemeClr val="lt1">
-        <a:alpha val="90000"/>
-      </a:schemeClr>
+      <a:schemeClr val="accent1"/>
     </dgm:fillClrLst>
     <dgm:linClrLst meth="repeat">
       <a:schemeClr val="accent1"/>
@@ -617,15 +747,13 @@
     <dgm:effectClrLst/>
     <dgm:txLinClrLst/>
     <dgm:txFillClrLst meth="repeat">
-      <a:schemeClr val="dk1"/>
+      <a:schemeClr val="lt1"/>
     </dgm:txFillClrLst>
     <dgm:txEffectClrLst/>
   </dgm:styleLbl>
-  <dgm:styleLbl name="alignAcc1">
+  <dgm:styleLbl name="parChTrans2D4">
     <dgm:fillClrLst meth="repeat">
-      <a:schemeClr val="lt1">
-        <a:alpha val="90000"/>
-      </a:schemeClr>
+      <a:schemeClr val="accent1"/>
     </dgm:fillClrLst>
     <dgm:linClrLst meth="repeat">
       <a:schemeClr val="accent1"/>
@@ -633,15 +761,31 @@
     <dgm:effectClrLst/>
     <dgm:txLinClrLst/>
     <dgm:txFillClrLst meth="repeat">
-      <a:schemeClr val="dk1"/>
+      <a:schemeClr val="lt1"/>
     </dgm:txFillClrLst>
     <dgm:txEffectClrLst/>
   </dgm:styleLbl>
-  <dgm:styleLbl name="trAlignAcc1">
+  <dgm:styleLbl name="revTx">
     <dgm:fillClrLst meth="repeat">
       <a:schemeClr val="lt1">
-        <a:alpha val="40000"/>
+        <a:alpha val="0"/>
       </a:schemeClr>
+    </dgm:fillClrLst>
+    <dgm:linClrLst meth="repeat">
+      <a:schemeClr val="dk1">
+        <a:alpha val="0"/>
+      </a:schemeClr>
+    </dgm:linClrLst>
+    <dgm:effectClrLst/>
+    <dgm:txLinClrLst/>
+    <dgm:txFillClrLst meth="repeat">
+      <a:schemeClr val="tx1"/>
+    </dgm:txFillClrLst>
+    <dgm:txEffectClrLst/>
+  </dgm:styleLbl>
+  <dgm:styleLbl name="sibTrans1D1">
+    <dgm:fillClrLst meth="repeat">
+      <a:schemeClr val="accent1"/>
     </dgm:fillClrLst>
     <dgm:linClrLst meth="repeat">
       <a:schemeClr val="accent1"/>
@@ -649,38 +793,24 @@
     <dgm:effectClrLst/>
     <dgm:txLinClrLst/>
     <dgm:txFillClrLst meth="repeat">
-      <a:schemeClr val="dk1"/>
+      <a:schemeClr val="tx1"/>
     </dgm:txFillClrLst>
     <dgm:txEffectClrLst/>
   </dgm:styleLbl>
-  <dgm:styleLbl name="bgAcc1">
+  <dgm:styleLbl name="sibTrans2D1">
     <dgm:fillClrLst meth="repeat">
-      <a:schemeClr val="lt1">
-        <a:alpha val="90000"/>
+      <a:schemeClr val="accent1">
+        <a:tint val="60000"/>
       </a:schemeClr>
     </dgm:fillClrLst>
     <dgm:linClrLst meth="repeat">
-      <a:schemeClr val="accent1"/>
+      <a:schemeClr val="accent1">
+        <a:tint val="60000"/>
+      </a:schemeClr>
     </dgm:linClrLst>
     <dgm:effectClrLst/>
     <dgm:txLinClrLst/>
-    <dgm:txFillClrLst meth="repeat">
-      <a:schemeClr val="dk1"/>
-    </dgm:txFillClrLst>
-    <dgm:txEffectClrLst/>
-  </dgm:styleLbl>
-  <dgm:styleLbl name="solidFgAcc1">
-    <dgm:fillClrLst meth="repeat">
-      <a:schemeClr val="lt1"/>
-    </dgm:fillClrLst>
-    <dgm:linClrLst meth="repeat">
-      <a:schemeClr val="accent1"/>
-    </dgm:linClrLst>
-    <dgm:effectClrLst/>
-    <dgm:txLinClrLst/>
-    <dgm:txFillClrLst meth="repeat">
-      <a:schemeClr val="dk1"/>
-    </dgm:txFillClrLst>
+    <dgm:txFillClrLst/>
     <dgm:txEffectClrLst/>
   </dgm:styleLbl>
   <dgm:styleLbl name="solidAlignAcc1">
@@ -711,71 +841,9 @@
     </dgm:txFillClrLst>
     <dgm:txEffectClrLst/>
   </dgm:styleLbl>
-  <dgm:styleLbl name="fgAccFollowNode1">
+  <dgm:styleLbl name="solidFgAcc1">
     <dgm:fillClrLst meth="repeat">
-      <a:schemeClr val="accent1">
-        <a:alpha val="90000"/>
-        <a:tint val="40000"/>
-      </a:schemeClr>
-    </dgm:fillClrLst>
-    <dgm:linClrLst meth="repeat">
-      <a:schemeClr val="accent1">
-        <a:alpha val="90000"/>
-        <a:tint val="40000"/>
-      </a:schemeClr>
-    </dgm:linClrLst>
-    <dgm:effectClrLst/>
-    <dgm:txLinClrLst/>
-    <dgm:txFillClrLst meth="repeat">
-      <a:schemeClr val="dk1"/>
-    </dgm:txFillClrLst>
-    <dgm:txEffectClrLst/>
-  </dgm:styleLbl>
-  <dgm:styleLbl name="alignAccFollowNode1">
-    <dgm:fillClrLst meth="repeat">
-      <a:schemeClr val="accent1">
-        <a:alpha val="90000"/>
-        <a:tint val="40000"/>
-      </a:schemeClr>
-    </dgm:fillClrLst>
-    <dgm:linClrLst meth="repeat">
-      <a:schemeClr val="accent1">
-        <a:alpha val="90000"/>
-        <a:tint val="40000"/>
-      </a:schemeClr>
-    </dgm:linClrLst>
-    <dgm:effectClrLst/>
-    <dgm:txLinClrLst/>
-    <dgm:txFillClrLst meth="repeat">
-      <a:schemeClr val="dk1"/>
-    </dgm:txFillClrLst>
-    <dgm:txEffectClrLst/>
-  </dgm:styleLbl>
-  <dgm:styleLbl name="bgAccFollowNode1">
-    <dgm:fillClrLst meth="repeat">
-      <a:schemeClr val="accent1">
-        <a:alpha val="90000"/>
-        <a:tint val="40000"/>
-      </a:schemeClr>
-    </dgm:fillClrLst>
-    <dgm:linClrLst meth="repeat">
-      <a:schemeClr val="accent1">
-        <a:alpha val="90000"/>
-        <a:tint val="40000"/>
-      </a:schemeClr>
-    </dgm:linClrLst>
-    <dgm:effectClrLst/>
-    <dgm:txLinClrLst/>
-    <dgm:txFillClrLst meth="repeat">
-      <a:schemeClr val="dk1"/>
-    </dgm:txFillClrLst>
-    <dgm:txEffectClrLst/>
-  </dgm:styleLbl>
-  <dgm:styleLbl name="fgAcc0">
-    <dgm:fillClrLst meth="repeat">
-      <a:schemeClr val="lt1">
-        <a:alpha val="90000"/>
-      </a:schemeClr>
+      <a:schemeClr val="lt1"/>
     </dgm:fillClrLst>
     <dgm:linClrLst meth="repeat">
       <a:schemeClr val="accent1"/>
@@ -787,10 +855,10 @@
     </dgm:txFillClrLst>
     <dgm:txEffectClrLst/>
   </dgm:styleLbl>
-  <dgm:styleLbl name="fgAcc2">
+  <dgm:styleLbl name="trAlignAcc1">
     <dgm:fillClrLst meth="repeat">
       <a:schemeClr val="lt1">
-        <a:alpha val="90000"/>
+        <a:alpha val="40000"/>
       </a:schemeClr>
     </dgm:fillClrLst>
     <dgm:linClrLst meth="repeat">
@@ -800,70 +868,6 @@
     <dgm:txLinClrLst/>
     <dgm:txFillClrLst meth="repeat">
       <a:schemeClr val="dk1"/>
-    </dgm:txFillClrLst>
-    <dgm:txEffectClrLst/>
-  </dgm:styleLbl>
-  <dgm:styleLbl name="fgAcc3">
-    <dgm:fillClrLst meth="repeat">
-      <a:schemeClr val="lt1">
-        <a:alpha val="90000"/>
-      </a:schemeClr>
-    </dgm:fillClrLst>
-    <dgm:linClrLst meth="repeat">
-      <a:schemeClr val="accent1"/>
-    </dgm:linClrLst>
-    <dgm:effectClrLst/>
-    <dgm:txLinClrLst/>
-    <dgm:txFillClrLst meth="repeat">
-      <a:schemeClr val="dk1"/>
-    </dgm:txFillClrLst>
-    <dgm:txEffectClrLst/>
-  </dgm:styleLbl>
-  <dgm:styleLbl name="fgAcc4">
-    <dgm:fillClrLst meth="repeat">
-      <a:schemeClr val="lt1">
-        <a:alpha val="90000"/>
-      </a:schemeClr>
-    </dgm:fillClrLst>
-    <dgm:linClrLst meth="repeat">
-      <a:schemeClr val="accent1"/>
-    </dgm:linClrLst>
-    <dgm:effectClrLst/>
-    <dgm:txLinClrLst/>
-    <dgm:txFillClrLst meth="repeat">
-      <a:schemeClr val="dk1"/>
-    </dgm:txFillClrLst>
-    <dgm:txEffectClrLst/>
-  </dgm:styleLbl>
-  <dgm:styleLbl name="bgShp">
-    <dgm:fillClrLst meth="repeat">
-      <a:schemeClr val="accent1">
-        <a:tint val="40000"/>
-      </a:schemeClr>
-    </dgm:fillClrLst>
-    <dgm:linClrLst meth="repeat">
-      <a:schemeClr val="accent1"/>
-    </dgm:linClrLst>
-    <dgm:effectClrLst/>
-    <dgm:txLinClrLst/>
-    <dgm:txFillClrLst meth="repeat">
-      <a:schemeClr val="dk1"/>
-    </dgm:txFillClrLst>
-    <dgm:txEffectClrLst/>
-  </dgm:styleLbl>
-  <dgm:styleLbl name="dkBgShp">
-    <dgm:fillClrLst meth="repeat">
-      <a:schemeClr val="accent1">
-        <a:shade val="80000"/>
-      </a:schemeClr>
-    </dgm:fillClrLst>
-    <dgm:linClrLst meth="repeat">
-      <a:schemeClr val="accent1"/>
-    </dgm:linClrLst>
-    <dgm:effectClrLst/>
-    <dgm:txLinClrLst/>
-    <dgm:txFillClrLst meth="repeat">
-      <a:schemeClr val="lt1"/>
     </dgm:txFillClrLst>
     <dgm:txEffectClrLst/>
   </dgm:styleLbl>
@@ -884,10 +888,10 @@
     </dgm:txFillClrLst>
     <dgm:txEffectClrLst/>
   </dgm:styleLbl>
-  <dgm:styleLbl name="fgShp">
+  <dgm:styleLbl name="vennNode1">
     <dgm:fillClrLst meth="repeat">
       <a:schemeClr val="accent1">
-        <a:tint val="60000"/>
+        <a:alpha val="50000"/>
       </a:schemeClr>
     </dgm:fillClrLst>
     <dgm:linClrLst meth="repeat">
@@ -895,27 +899,7 @@
     </dgm:linClrLst>
     <dgm:effectClrLst/>
     <dgm:txLinClrLst/>
-    <dgm:txFillClrLst meth="repeat">
-      <a:schemeClr val="dk1"/>
-    </dgm:txFillClrLst>
-    <dgm:txEffectClrLst/>
-  </dgm:styleLbl>
-  <dgm:styleLbl name="revTx">
-    <dgm:fillClrLst meth="repeat">
-      <a:schemeClr val="lt1">
-        <a:alpha val="0"/>
-      </a:schemeClr>
-    </dgm:fillClrLst>
-    <dgm:linClrLst meth="repeat">
-      <a:schemeClr val="dk1">
-        <a:alpha val="0"/>
-      </a:schemeClr>
-    </dgm:linClrLst>
-    <dgm:effectClrLst/>
-    <dgm:txLinClrLst/>
-    <dgm:txFillClrLst meth="repeat">
-      <a:schemeClr val="tx1"/>
-    </dgm:txFillClrLst>
+    <dgm:txFillClrLst/>
     <dgm:txEffectClrLst/>
   </dgm:styleLbl>
 </dgm:colorsDef>
@@ -944,15 +928,15 @@
         <a:p>
           <a:r>
             <a:rPr lang="zh-CN" altLang="en-US" sz="1800" dirty="0">
-              <a:latin typeface="微软雅黑" pitchFamily="34" charset="-122"/>
-              <a:ea typeface="微软雅黑" pitchFamily="34" charset="-122"/>
+              <a:latin typeface="微软雅黑" panose="020B0503020204020204" pitchFamily="34" charset="-122"/>
+              <a:ea typeface="微软雅黑" panose="020B0503020204020204" pitchFamily="34" charset="-122"/>
             </a:rPr>
             <a:t>项目管理</a:t>
           </a:r>
         </a:p>
       </dgm:t>
     </dgm:pt>
-    <dgm:pt modelId="{780109C1-9655-47E2-88C3-EAFCF26935DB}" type="parTrans" cxnId="{09047B45-EB83-4B38-B2C2-D582BBB7B5F5}">
+    <dgm:pt modelId="{780109C1-9655-47E2-88C3-EAFCF26935DB}" cxnId="{09047B45-EB83-4B38-B2C2-D582BBB7B5F5}" type="parTrans">
       <dgm:prSet/>
       <dgm:spPr/>
       <dgm:t>
@@ -960,13 +944,13 @@
         <a:lstStyle/>
         <a:p>
           <a:endParaRPr lang="zh-CN" altLang="en-US" sz="2800">
-            <a:latin typeface="微软雅黑" pitchFamily="34" charset="-122"/>
-            <a:ea typeface="微软雅黑" pitchFamily="34" charset="-122"/>
+            <a:latin typeface="微软雅黑" panose="020B0503020204020204" pitchFamily="34" charset="-122"/>
+            <a:ea typeface="微软雅黑" panose="020B0503020204020204" pitchFamily="34" charset="-122"/>
           </a:endParaRPr>
         </a:p>
       </dgm:t>
     </dgm:pt>
-    <dgm:pt modelId="{25A7B371-2967-431B-ABEA-D02DC93FE7D8}" type="sibTrans" cxnId="{09047B45-EB83-4B38-B2C2-D582BBB7B5F5}">
+    <dgm:pt modelId="{25A7B371-2967-431B-ABEA-D02DC93FE7D8}" cxnId="{09047B45-EB83-4B38-B2C2-D582BBB7B5F5}" type="sibTrans">
       <dgm:prSet/>
       <dgm:spPr/>
       <dgm:t>
@@ -974,8 +958,8 @@
         <a:lstStyle/>
         <a:p>
           <a:endParaRPr lang="zh-CN" altLang="en-US" sz="2800">
-            <a:latin typeface="微软雅黑" pitchFamily="34" charset="-122"/>
-            <a:ea typeface="微软雅黑" pitchFamily="34" charset="-122"/>
+            <a:latin typeface="微软雅黑" panose="020B0503020204020204" pitchFamily="34" charset="-122"/>
+            <a:ea typeface="微软雅黑" panose="020B0503020204020204" pitchFamily="34" charset="-122"/>
           </a:endParaRPr>
         </a:p>
       </dgm:t>
@@ -989,15 +973,15 @@
         <a:p>
           <a:r>
             <a:rPr lang="zh-CN" altLang="en-US" sz="1800" dirty="0">
-              <a:latin typeface="微软雅黑" pitchFamily="34" charset="-122"/>
-              <a:ea typeface="微软雅黑" pitchFamily="34" charset="-122"/>
+              <a:latin typeface="微软雅黑" panose="020B0503020204020204" pitchFamily="34" charset="-122"/>
+              <a:ea typeface="微软雅黑" panose="020B0503020204020204" pitchFamily="34" charset="-122"/>
             </a:rPr>
             <a:t>事</a:t>
           </a:r>
         </a:p>
       </dgm:t>
     </dgm:pt>
-    <dgm:pt modelId="{E5D17642-311E-4E48-8DEA-D0D8890B54EE}" type="parTrans" cxnId="{FAB3F2FB-F6D5-4C97-A559-9A4E5DC86A11}">
+    <dgm:pt modelId="{E5D17642-311E-4E48-8DEA-D0D8890B54EE}" cxnId="{FAB3F2FB-F6D5-4C97-A559-9A4E5DC86A11}" type="parTrans">
       <dgm:prSet/>
       <dgm:spPr/>
       <dgm:t>
@@ -1005,13 +989,13 @@
         <a:lstStyle/>
         <a:p>
           <a:endParaRPr lang="zh-CN" altLang="en-US" sz="2800">
-            <a:latin typeface="微软雅黑" pitchFamily="34" charset="-122"/>
-            <a:ea typeface="微软雅黑" pitchFamily="34" charset="-122"/>
+            <a:latin typeface="微软雅黑" panose="020B0503020204020204" pitchFamily="34" charset="-122"/>
+            <a:ea typeface="微软雅黑" panose="020B0503020204020204" pitchFamily="34" charset="-122"/>
           </a:endParaRPr>
         </a:p>
       </dgm:t>
     </dgm:pt>
-    <dgm:pt modelId="{BB304DA2-FDD2-4AC3-9B7F-0E99D5E0A5B1}" type="sibTrans" cxnId="{FAB3F2FB-F6D5-4C97-A559-9A4E5DC86A11}">
+    <dgm:pt modelId="{BB304DA2-FDD2-4AC3-9B7F-0E99D5E0A5B1}" cxnId="{FAB3F2FB-F6D5-4C97-A559-9A4E5DC86A11}" type="sibTrans">
       <dgm:prSet/>
       <dgm:spPr/>
       <dgm:t>
@@ -1019,8 +1003,8 @@
         <a:lstStyle/>
         <a:p>
           <a:endParaRPr lang="zh-CN" altLang="en-US" sz="2800">
-            <a:latin typeface="微软雅黑" pitchFamily="34" charset="-122"/>
-            <a:ea typeface="微软雅黑" pitchFamily="34" charset="-122"/>
+            <a:latin typeface="微软雅黑" panose="020B0503020204020204" pitchFamily="34" charset="-122"/>
+            <a:ea typeface="微软雅黑" panose="020B0503020204020204" pitchFamily="34" charset="-122"/>
           </a:endParaRPr>
         </a:p>
       </dgm:t>
@@ -1034,15 +1018,15 @@
         <a:p>
           <a:r>
             <a:rPr lang="zh-CN" altLang="en-US" sz="1800" dirty="0">
-              <a:latin typeface="微软雅黑" pitchFamily="34" charset="-122"/>
-              <a:ea typeface="微软雅黑" pitchFamily="34" charset="-122"/>
+              <a:latin typeface="微软雅黑" panose="020B0503020204020204" pitchFamily="34" charset="-122"/>
+              <a:ea typeface="微软雅黑" panose="020B0503020204020204" pitchFamily="34" charset="-122"/>
             </a:rPr>
             <a:t>范围</a:t>
           </a:r>
         </a:p>
       </dgm:t>
     </dgm:pt>
-    <dgm:pt modelId="{10F5D31E-01D7-48D8-A17A-041F0FDE5A51}" type="parTrans" cxnId="{CDC70299-13DC-4242-BD10-3FE2159D639C}">
+    <dgm:pt modelId="{10F5D31E-01D7-48D8-A17A-041F0FDE5A51}" cxnId="{CDC70299-13DC-4242-BD10-3FE2159D639C}" type="parTrans">
       <dgm:prSet/>
       <dgm:spPr/>
       <dgm:t>
@@ -1050,13 +1034,13 @@
         <a:lstStyle/>
         <a:p>
           <a:endParaRPr lang="zh-CN" altLang="en-US" sz="2800">
-            <a:latin typeface="微软雅黑" pitchFamily="34" charset="-122"/>
-            <a:ea typeface="微软雅黑" pitchFamily="34" charset="-122"/>
+            <a:latin typeface="微软雅黑" panose="020B0503020204020204" pitchFamily="34" charset="-122"/>
+            <a:ea typeface="微软雅黑" panose="020B0503020204020204" pitchFamily="34" charset="-122"/>
           </a:endParaRPr>
         </a:p>
       </dgm:t>
     </dgm:pt>
-    <dgm:pt modelId="{9650F4D0-D729-49DA-856E-CABC5ECABC91}" type="sibTrans" cxnId="{CDC70299-13DC-4242-BD10-3FE2159D639C}">
+    <dgm:pt modelId="{9650F4D0-D729-49DA-856E-CABC5ECABC91}" cxnId="{CDC70299-13DC-4242-BD10-3FE2159D639C}" type="sibTrans">
       <dgm:prSet/>
       <dgm:spPr/>
       <dgm:t>
@@ -1064,8 +1048,8 @@
         <a:lstStyle/>
         <a:p>
           <a:endParaRPr lang="zh-CN" altLang="en-US" sz="2800">
-            <a:latin typeface="微软雅黑" pitchFamily="34" charset="-122"/>
-            <a:ea typeface="微软雅黑" pitchFamily="34" charset="-122"/>
+            <a:latin typeface="微软雅黑" panose="020B0503020204020204" pitchFamily="34" charset="-122"/>
+            <a:ea typeface="微软雅黑" panose="020B0503020204020204" pitchFamily="34" charset="-122"/>
           </a:endParaRPr>
         </a:p>
       </dgm:t>
@@ -1079,15 +1063,15 @@
         <a:p>
           <a:r>
             <a:rPr lang="zh-CN" altLang="en-US" sz="1800" dirty="0">
-              <a:latin typeface="微软雅黑" pitchFamily="34" charset="-122"/>
-              <a:ea typeface="微软雅黑" pitchFamily="34" charset="-122"/>
+              <a:latin typeface="微软雅黑" panose="020B0503020204020204" pitchFamily="34" charset="-122"/>
+              <a:ea typeface="微软雅黑" panose="020B0503020204020204" pitchFamily="34" charset="-122"/>
             </a:rPr>
             <a:t>时间</a:t>
           </a:r>
         </a:p>
       </dgm:t>
     </dgm:pt>
-    <dgm:pt modelId="{CC6703A3-6E18-4CFC-8EE5-235B7475FC24}" type="parTrans" cxnId="{B50250B4-0CBF-4078-A2DE-E79870F84E76}">
+    <dgm:pt modelId="{CC6703A3-6E18-4CFC-8EE5-235B7475FC24}" cxnId="{B50250B4-0CBF-4078-A2DE-E79870F84E76}" type="parTrans">
       <dgm:prSet/>
       <dgm:spPr/>
       <dgm:t>
@@ -1095,13 +1079,13 @@
         <a:lstStyle/>
         <a:p>
           <a:endParaRPr lang="zh-CN" altLang="en-US" sz="2800">
-            <a:latin typeface="微软雅黑" pitchFamily="34" charset="-122"/>
-            <a:ea typeface="微软雅黑" pitchFamily="34" charset="-122"/>
+            <a:latin typeface="微软雅黑" panose="020B0503020204020204" pitchFamily="34" charset="-122"/>
+            <a:ea typeface="微软雅黑" panose="020B0503020204020204" pitchFamily="34" charset="-122"/>
           </a:endParaRPr>
         </a:p>
       </dgm:t>
     </dgm:pt>
-    <dgm:pt modelId="{29ED61F3-2CE1-4C83-8EA0-C5701A73FAA7}" type="sibTrans" cxnId="{B50250B4-0CBF-4078-A2DE-E79870F84E76}">
+    <dgm:pt modelId="{29ED61F3-2CE1-4C83-8EA0-C5701A73FAA7}" cxnId="{B50250B4-0CBF-4078-A2DE-E79870F84E76}" type="sibTrans">
       <dgm:prSet/>
       <dgm:spPr/>
       <dgm:t>
@@ -1109,8 +1093,8 @@
         <a:lstStyle/>
         <a:p>
           <a:endParaRPr lang="zh-CN" altLang="en-US" sz="2800">
-            <a:latin typeface="微软雅黑" pitchFamily="34" charset="-122"/>
-            <a:ea typeface="微软雅黑" pitchFamily="34" charset="-122"/>
+            <a:latin typeface="微软雅黑" panose="020B0503020204020204" pitchFamily="34" charset="-122"/>
+            <a:ea typeface="微软雅黑" panose="020B0503020204020204" pitchFamily="34" charset="-122"/>
           </a:endParaRPr>
         </a:p>
       </dgm:t>
@@ -1124,15 +1108,15 @@
         <a:p>
           <a:r>
             <a:rPr lang="zh-CN" altLang="en-US" sz="1800" dirty="0">
-              <a:latin typeface="微软雅黑" pitchFamily="34" charset="-122"/>
-              <a:ea typeface="微软雅黑" pitchFamily="34" charset="-122"/>
+              <a:latin typeface="微软雅黑" panose="020B0503020204020204" pitchFamily="34" charset="-122"/>
+              <a:ea typeface="微软雅黑" panose="020B0503020204020204" pitchFamily="34" charset="-122"/>
             </a:rPr>
             <a:t>人</a:t>
           </a:r>
         </a:p>
       </dgm:t>
     </dgm:pt>
-    <dgm:pt modelId="{513DB6FD-C6AF-4569-976F-A254F44F1892}" type="parTrans" cxnId="{7FF62EE3-9AA1-4D3F-B751-E03B97D6EBBE}">
+    <dgm:pt modelId="{513DB6FD-C6AF-4569-976F-A254F44F1892}" cxnId="{7FF62EE3-9AA1-4D3F-B751-E03B97D6EBBE}" type="parTrans">
       <dgm:prSet/>
       <dgm:spPr/>
       <dgm:t>
@@ -1140,13 +1124,13 @@
         <a:lstStyle/>
         <a:p>
           <a:endParaRPr lang="zh-CN" altLang="en-US" sz="2800">
-            <a:latin typeface="微软雅黑" pitchFamily="34" charset="-122"/>
-            <a:ea typeface="微软雅黑" pitchFamily="34" charset="-122"/>
+            <a:latin typeface="微软雅黑" panose="020B0503020204020204" pitchFamily="34" charset="-122"/>
+            <a:ea typeface="微软雅黑" panose="020B0503020204020204" pitchFamily="34" charset="-122"/>
           </a:endParaRPr>
         </a:p>
       </dgm:t>
     </dgm:pt>
-    <dgm:pt modelId="{DCB10894-45A3-4B01-B290-17600C3EA423}" type="sibTrans" cxnId="{7FF62EE3-9AA1-4D3F-B751-E03B97D6EBBE}">
+    <dgm:pt modelId="{DCB10894-45A3-4B01-B290-17600C3EA423}" cxnId="{7FF62EE3-9AA1-4D3F-B751-E03B97D6EBBE}" type="sibTrans">
       <dgm:prSet/>
       <dgm:spPr/>
       <dgm:t>
@@ -1154,8 +1138,8 @@
         <a:lstStyle/>
         <a:p>
           <a:endParaRPr lang="zh-CN" altLang="en-US" sz="2800">
-            <a:latin typeface="微软雅黑" pitchFamily="34" charset="-122"/>
-            <a:ea typeface="微软雅黑" pitchFamily="34" charset="-122"/>
+            <a:latin typeface="微软雅黑" panose="020B0503020204020204" pitchFamily="34" charset="-122"/>
+            <a:ea typeface="微软雅黑" panose="020B0503020204020204" pitchFamily="34" charset="-122"/>
           </a:endParaRPr>
         </a:p>
       </dgm:t>
@@ -1169,15 +1153,15 @@
         <a:p>
           <a:r>
             <a:rPr lang="zh-CN" altLang="en-US" sz="1800" dirty="0">
-              <a:latin typeface="微软雅黑" pitchFamily="34" charset="-122"/>
-              <a:ea typeface="微软雅黑" pitchFamily="34" charset="-122"/>
+              <a:latin typeface="微软雅黑" panose="020B0503020204020204" pitchFamily="34" charset="-122"/>
+              <a:ea typeface="微软雅黑" panose="020B0503020204020204" pitchFamily="34" charset="-122"/>
             </a:rPr>
             <a:t>人力资源</a:t>
           </a:r>
         </a:p>
       </dgm:t>
     </dgm:pt>
-    <dgm:pt modelId="{55388E6F-6338-4CF4-87B0-851C4673823B}" type="parTrans" cxnId="{9E32DD99-262F-432C-BD2E-C85EC508EDFD}">
+    <dgm:pt modelId="{55388E6F-6338-4CF4-87B0-851C4673823B}" cxnId="{9E32DD99-262F-432C-BD2E-C85EC508EDFD}" type="parTrans">
       <dgm:prSet/>
       <dgm:spPr/>
       <dgm:t>
@@ -1185,13 +1169,13 @@
         <a:lstStyle/>
         <a:p>
           <a:endParaRPr lang="zh-CN" altLang="en-US" sz="2800">
-            <a:latin typeface="微软雅黑" pitchFamily="34" charset="-122"/>
-            <a:ea typeface="微软雅黑" pitchFamily="34" charset="-122"/>
+            <a:latin typeface="微软雅黑" panose="020B0503020204020204" pitchFamily="34" charset="-122"/>
+            <a:ea typeface="微软雅黑" panose="020B0503020204020204" pitchFamily="34" charset="-122"/>
           </a:endParaRPr>
         </a:p>
       </dgm:t>
     </dgm:pt>
-    <dgm:pt modelId="{11213025-812A-458F-8161-354A47AA333A}" type="sibTrans" cxnId="{9E32DD99-262F-432C-BD2E-C85EC508EDFD}">
+    <dgm:pt modelId="{11213025-812A-458F-8161-354A47AA333A}" cxnId="{9E32DD99-262F-432C-BD2E-C85EC508EDFD}" type="sibTrans">
       <dgm:prSet/>
       <dgm:spPr/>
       <dgm:t>
@@ -1199,8 +1183,8 @@
         <a:lstStyle/>
         <a:p>
           <a:endParaRPr lang="zh-CN" altLang="en-US" sz="2800">
-            <a:latin typeface="微软雅黑" pitchFamily="34" charset="-122"/>
-            <a:ea typeface="微软雅黑" pitchFamily="34" charset="-122"/>
+            <a:latin typeface="微软雅黑" panose="020B0503020204020204" pitchFamily="34" charset="-122"/>
+            <a:ea typeface="微软雅黑" panose="020B0503020204020204" pitchFamily="34" charset="-122"/>
           </a:endParaRPr>
         </a:p>
       </dgm:t>
@@ -1214,15 +1198,15 @@
         <a:p>
           <a:r>
             <a:rPr lang="zh-CN" altLang="en-US" sz="1800" dirty="0">
-              <a:latin typeface="微软雅黑" pitchFamily="34" charset="-122"/>
-              <a:ea typeface="微软雅黑" pitchFamily="34" charset="-122"/>
+              <a:latin typeface="微软雅黑" panose="020B0503020204020204" pitchFamily="34" charset="-122"/>
+              <a:ea typeface="微软雅黑" panose="020B0503020204020204" pitchFamily="34" charset="-122"/>
             </a:rPr>
             <a:t>成本</a:t>
           </a:r>
         </a:p>
       </dgm:t>
     </dgm:pt>
-    <dgm:pt modelId="{2033EEA5-8E1B-4AF2-8AC2-4C3A7D3D8D2B}" type="parTrans" cxnId="{D6DEDB76-78DB-4899-A5A0-15A51B0A1811}">
+    <dgm:pt modelId="{2033EEA5-8E1B-4AF2-8AC2-4C3A7D3D8D2B}" cxnId="{D6DEDB76-78DB-4899-A5A0-15A51B0A1811}" type="parTrans">
       <dgm:prSet/>
       <dgm:spPr/>
       <dgm:t>
@@ -1230,13 +1214,13 @@
         <a:lstStyle/>
         <a:p>
           <a:endParaRPr lang="zh-CN" altLang="en-US" sz="2800">
-            <a:latin typeface="微软雅黑" pitchFamily="34" charset="-122"/>
-            <a:ea typeface="微软雅黑" pitchFamily="34" charset="-122"/>
+            <a:latin typeface="微软雅黑" panose="020B0503020204020204" pitchFamily="34" charset="-122"/>
+            <a:ea typeface="微软雅黑" panose="020B0503020204020204" pitchFamily="34" charset="-122"/>
           </a:endParaRPr>
         </a:p>
       </dgm:t>
     </dgm:pt>
-    <dgm:pt modelId="{3F7D1C3C-8F07-48C9-ACCC-4DFB803E7B82}" type="sibTrans" cxnId="{D6DEDB76-78DB-4899-A5A0-15A51B0A1811}">
+    <dgm:pt modelId="{3F7D1C3C-8F07-48C9-ACCC-4DFB803E7B82}" cxnId="{D6DEDB76-78DB-4899-A5A0-15A51B0A1811}" type="sibTrans">
       <dgm:prSet/>
       <dgm:spPr/>
       <dgm:t>
@@ -1244,8 +1228,8 @@
         <a:lstStyle/>
         <a:p>
           <a:endParaRPr lang="zh-CN" altLang="en-US" sz="2800">
-            <a:latin typeface="微软雅黑" pitchFamily="34" charset="-122"/>
-            <a:ea typeface="微软雅黑" pitchFamily="34" charset="-122"/>
+            <a:latin typeface="微软雅黑" panose="020B0503020204020204" pitchFamily="34" charset="-122"/>
+            <a:ea typeface="微软雅黑" panose="020B0503020204020204" pitchFamily="34" charset="-122"/>
           </a:endParaRPr>
         </a:p>
       </dgm:t>
@@ -1259,15 +1243,15 @@
         <a:p>
           <a:r>
             <a:rPr lang="zh-CN" altLang="en-US" sz="1800" dirty="0">
-              <a:latin typeface="微软雅黑" pitchFamily="34" charset="-122"/>
-              <a:ea typeface="微软雅黑" pitchFamily="34" charset="-122"/>
+              <a:latin typeface="微软雅黑" panose="020B0503020204020204" pitchFamily="34" charset="-122"/>
+              <a:ea typeface="微软雅黑" panose="020B0503020204020204" pitchFamily="34" charset="-122"/>
             </a:rPr>
             <a:t>质量</a:t>
           </a:r>
         </a:p>
       </dgm:t>
     </dgm:pt>
-    <dgm:pt modelId="{EB1D478A-037E-41BB-B9EF-E06700D27A80}" type="parTrans" cxnId="{49C53F4D-67BF-4063-B274-89B2E5F4EFDD}">
+    <dgm:pt modelId="{EB1D478A-037E-41BB-B9EF-E06700D27A80}" cxnId="{49C53F4D-67BF-4063-B274-89B2E5F4EFDD}" type="parTrans">
       <dgm:prSet/>
       <dgm:spPr/>
       <dgm:t>
@@ -1275,13 +1259,13 @@
         <a:lstStyle/>
         <a:p>
           <a:endParaRPr lang="zh-CN" altLang="en-US" sz="2800">
-            <a:latin typeface="微软雅黑" pitchFamily="34" charset="-122"/>
-            <a:ea typeface="微软雅黑" pitchFamily="34" charset="-122"/>
+            <a:latin typeface="微软雅黑" panose="020B0503020204020204" pitchFamily="34" charset="-122"/>
+            <a:ea typeface="微软雅黑" panose="020B0503020204020204" pitchFamily="34" charset="-122"/>
           </a:endParaRPr>
         </a:p>
       </dgm:t>
     </dgm:pt>
-    <dgm:pt modelId="{7CEC71C0-C2B8-446E-9054-8E3CEFA2E526}" type="sibTrans" cxnId="{49C53F4D-67BF-4063-B274-89B2E5F4EFDD}">
+    <dgm:pt modelId="{7CEC71C0-C2B8-446E-9054-8E3CEFA2E526}" cxnId="{49C53F4D-67BF-4063-B274-89B2E5F4EFDD}" type="sibTrans">
       <dgm:prSet/>
       <dgm:spPr/>
       <dgm:t>
@@ -1289,8 +1273,8 @@
         <a:lstStyle/>
         <a:p>
           <a:endParaRPr lang="zh-CN" altLang="en-US" sz="2800">
-            <a:latin typeface="微软雅黑" pitchFamily="34" charset="-122"/>
-            <a:ea typeface="微软雅黑" pitchFamily="34" charset="-122"/>
+            <a:latin typeface="微软雅黑" panose="020B0503020204020204" pitchFamily="34" charset="-122"/>
+            <a:ea typeface="微软雅黑" panose="020B0503020204020204" pitchFamily="34" charset="-122"/>
           </a:endParaRPr>
         </a:p>
       </dgm:t>
@@ -1304,15 +1288,15 @@
         <a:p>
           <a:r>
             <a:rPr lang="zh-CN" altLang="en-US" sz="1800" dirty="0">
-              <a:latin typeface="微软雅黑" pitchFamily="34" charset="-122"/>
-              <a:ea typeface="微软雅黑" pitchFamily="34" charset="-122"/>
+              <a:latin typeface="微软雅黑" panose="020B0503020204020204" pitchFamily="34" charset="-122"/>
+              <a:ea typeface="微软雅黑" panose="020B0503020204020204" pitchFamily="34" charset="-122"/>
             </a:rPr>
             <a:t>风险</a:t>
           </a:r>
         </a:p>
       </dgm:t>
     </dgm:pt>
-    <dgm:pt modelId="{B963AF18-954A-4790-B081-22F850B4EF59}" type="parTrans" cxnId="{927BD30D-C068-434C-8445-9F9115C085E6}">
+    <dgm:pt modelId="{B963AF18-954A-4790-B081-22F850B4EF59}" cxnId="{927BD30D-C068-434C-8445-9F9115C085E6}" type="parTrans">
       <dgm:prSet/>
       <dgm:spPr/>
       <dgm:t>
@@ -1320,13 +1304,13 @@
         <a:lstStyle/>
         <a:p>
           <a:endParaRPr lang="zh-CN" altLang="en-US" sz="2800">
-            <a:latin typeface="微软雅黑" pitchFamily="34" charset="-122"/>
-            <a:ea typeface="微软雅黑" pitchFamily="34" charset="-122"/>
+            <a:latin typeface="微软雅黑" panose="020B0503020204020204" pitchFamily="34" charset="-122"/>
+            <a:ea typeface="微软雅黑" panose="020B0503020204020204" pitchFamily="34" charset="-122"/>
           </a:endParaRPr>
         </a:p>
       </dgm:t>
     </dgm:pt>
-    <dgm:pt modelId="{9AA1D75D-31A0-425F-A202-CECC03DAE80E}" type="sibTrans" cxnId="{927BD30D-C068-434C-8445-9F9115C085E6}">
+    <dgm:pt modelId="{9AA1D75D-31A0-425F-A202-CECC03DAE80E}" cxnId="{927BD30D-C068-434C-8445-9F9115C085E6}" type="sibTrans">
       <dgm:prSet/>
       <dgm:spPr/>
       <dgm:t>
@@ -1334,8 +1318,8 @@
         <a:lstStyle/>
         <a:p>
           <a:endParaRPr lang="zh-CN" altLang="en-US" sz="2800">
-            <a:latin typeface="微软雅黑" pitchFamily="34" charset="-122"/>
-            <a:ea typeface="微软雅黑" pitchFamily="34" charset="-122"/>
+            <a:latin typeface="微软雅黑" panose="020B0503020204020204" pitchFamily="34" charset="-122"/>
+            <a:ea typeface="微软雅黑" panose="020B0503020204020204" pitchFamily="34" charset="-122"/>
           </a:endParaRPr>
         </a:p>
       </dgm:t>
@@ -1349,15 +1333,15 @@
         <a:p>
           <a:r>
             <a:rPr lang="zh-CN" altLang="en-US" sz="1800" dirty="0">
-              <a:latin typeface="微软雅黑" pitchFamily="34" charset="-122"/>
-              <a:ea typeface="微软雅黑" pitchFamily="34" charset="-122"/>
+              <a:latin typeface="微软雅黑" panose="020B0503020204020204" pitchFamily="34" charset="-122"/>
+              <a:ea typeface="微软雅黑" panose="020B0503020204020204" pitchFamily="34" charset="-122"/>
             </a:rPr>
             <a:t>沟通</a:t>
           </a:r>
         </a:p>
       </dgm:t>
     </dgm:pt>
-    <dgm:pt modelId="{A910557D-39B8-4EBF-81FC-B81AE6ABAC4B}" type="parTrans" cxnId="{D7DDE220-7AB9-49D1-B21C-EA6F92BC8EB8}">
+    <dgm:pt modelId="{A910557D-39B8-4EBF-81FC-B81AE6ABAC4B}" cxnId="{D7DDE220-7AB9-49D1-B21C-EA6F92BC8EB8}" type="parTrans">
       <dgm:prSet/>
       <dgm:spPr/>
       <dgm:t>
@@ -1365,13 +1349,13 @@
         <a:lstStyle/>
         <a:p>
           <a:endParaRPr lang="zh-CN" altLang="en-US" sz="2800">
-            <a:latin typeface="微软雅黑" pitchFamily="34" charset="-122"/>
-            <a:ea typeface="微软雅黑" pitchFamily="34" charset="-122"/>
+            <a:latin typeface="微软雅黑" panose="020B0503020204020204" pitchFamily="34" charset="-122"/>
+            <a:ea typeface="微软雅黑" panose="020B0503020204020204" pitchFamily="34" charset="-122"/>
           </a:endParaRPr>
         </a:p>
       </dgm:t>
     </dgm:pt>
-    <dgm:pt modelId="{CA5350F7-4D32-4437-B95B-5CEFC201F08E}" type="sibTrans" cxnId="{D7DDE220-7AB9-49D1-B21C-EA6F92BC8EB8}">
+    <dgm:pt modelId="{CA5350F7-4D32-4437-B95B-5CEFC201F08E}" cxnId="{D7DDE220-7AB9-49D1-B21C-EA6F92BC8EB8}" type="sibTrans">
       <dgm:prSet/>
       <dgm:spPr/>
       <dgm:t>
@@ -1379,8 +1363,8 @@
         <a:lstStyle/>
         <a:p>
           <a:endParaRPr lang="zh-CN" altLang="en-US" sz="2800">
-            <a:latin typeface="微软雅黑" pitchFamily="34" charset="-122"/>
-            <a:ea typeface="微软雅黑" pitchFamily="34" charset="-122"/>
+            <a:latin typeface="微软雅黑" panose="020B0503020204020204" pitchFamily="34" charset="-122"/>
+            <a:ea typeface="微软雅黑" panose="020B0503020204020204" pitchFamily="34" charset="-122"/>
           </a:endParaRPr>
         </a:p>
       </dgm:t>
@@ -1394,15 +1378,15 @@
         <a:p>
           <a:r>
             <a:rPr lang="zh-CN" altLang="en-US" sz="1800" dirty="0">
-              <a:latin typeface="微软雅黑" pitchFamily="34" charset="-122"/>
-              <a:ea typeface="微软雅黑" pitchFamily="34" charset="-122"/>
+              <a:latin typeface="微软雅黑" panose="020B0503020204020204" pitchFamily="34" charset="-122"/>
+              <a:ea typeface="微软雅黑" panose="020B0503020204020204" pitchFamily="34" charset="-122"/>
             </a:rPr>
             <a:t>采购</a:t>
           </a:r>
         </a:p>
       </dgm:t>
     </dgm:pt>
-    <dgm:pt modelId="{6BBB0ADE-0271-4DEB-BA40-4CDD422D51FE}" type="parTrans" cxnId="{67D060C8-B4E9-48EA-9013-0AD8D704B634}">
+    <dgm:pt modelId="{6BBB0ADE-0271-4DEB-BA40-4CDD422D51FE}" cxnId="{67D060C8-B4E9-48EA-9013-0AD8D704B634}" type="parTrans">
       <dgm:prSet/>
       <dgm:spPr/>
       <dgm:t>
@@ -1410,13 +1394,13 @@
         <a:lstStyle/>
         <a:p>
           <a:endParaRPr lang="zh-CN" altLang="en-US" sz="2800">
-            <a:latin typeface="微软雅黑" pitchFamily="34" charset="-122"/>
-            <a:ea typeface="微软雅黑" pitchFamily="34" charset="-122"/>
+            <a:latin typeface="微软雅黑" panose="020B0503020204020204" pitchFamily="34" charset="-122"/>
+            <a:ea typeface="微软雅黑" panose="020B0503020204020204" pitchFamily="34" charset="-122"/>
           </a:endParaRPr>
         </a:p>
       </dgm:t>
     </dgm:pt>
-    <dgm:pt modelId="{7D06CDA7-DB4F-44CC-978A-D018E3336EDE}" type="sibTrans" cxnId="{67D060C8-B4E9-48EA-9013-0AD8D704B634}">
+    <dgm:pt modelId="{7D06CDA7-DB4F-44CC-978A-D018E3336EDE}" cxnId="{67D060C8-B4E9-48EA-9013-0AD8D704B634}" type="sibTrans">
       <dgm:prSet/>
       <dgm:spPr/>
       <dgm:t>
@@ -1424,8 +1408,8 @@
         <a:lstStyle/>
         <a:p>
           <a:endParaRPr lang="zh-CN" altLang="en-US" sz="2800">
-            <a:latin typeface="微软雅黑" pitchFamily="34" charset="-122"/>
-            <a:ea typeface="微软雅黑" pitchFamily="34" charset="-122"/>
+            <a:latin typeface="微软雅黑" panose="020B0503020204020204" pitchFamily="34" charset="-122"/>
+            <a:ea typeface="微软雅黑" panose="020B0503020204020204" pitchFamily="34" charset="-122"/>
           </a:endParaRPr>
         </a:p>
       </dgm:t>
@@ -1459,16 +1443,16 @@
                   <a:alphaOff val="0"/>
                 </a:srgbClr>
               </a:solidFill>
-              <a:latin typeface="微软雅黑" pitchFamily="34" charset="-122"/>
-              <a:ea typeface="微软雅黑" pitchFamily="34" charset="-122"/>
-              <a:cs typeface="Arial"/>
+              <a:latin typeface="微软雅黑" panose="020B0503020204020204" pitchFamily="34" charset="-122"/>
+              <a:ea typeface="微软雅黑" panose="020B0503020204020204" pitchFamily="34" charset="-122"/>
+              <a:cs typeface="Arial" panose="020B0604020202020204"/>
             </a:rPr>
             <a:t>干系人</a:t>
           </a:r>
         </a:p>
       </dgm:t>
     </dgm:pt>
-    <dgm:pt modelId="{83332816-3AEF-40C4-8DD3-C953BCC7595A}" type="parTrans" cxnId="{99F7F098-52EA-44C3-8F2E-AD75D5D60EC7}">
+    <dgm:pt modelId="{83332816-3AEF-40C4-8DD3-C953BCC7595A}" cxnId="{99F7F098-52EA-44C3-8F2E-AD75D5D60EC7}" type="parTrans">
       <dgm:prSet/>
       <dgm:spPr/>
       <dgm:t>
@@ -1479,7 +1463,7 @@
         </a:p>
       </dgm:t>
     </dgm:pt>
-    <dgm:pt modelId="{69D2346F-7D67-4A60-982B-77A03C97CEDA}" type="sibTrans" cxnId="{99F7F098-52EA-44C3-8F2E-AD75D5D60EC7}">
+    <dgm:pt modelId="{69D2346F-7D67-4A60-982B-77A03C97CEDA}" cxnId="{99F7F098-52EA-44C3-8F2E-AD75D5D60EC7}" type="sibTrans">
       <dgm:prSet/>
       <dgm:spPr/>
       <dgm:t>
@@ -2116,7 +2100,7 @@
   <dgm:whole/>
   <dgm:extLst>
     <a:ext uri="http://schemas.microsoft.com/office/drawing/2008/diagram">
-      <dsp:dataModelExt xmlns:dsp="http://schemas.microsoft.com/office/drawing/2008/diagram" relId="rId6" minVer="http://schemas.openxmlformats.org/drawingml/2006/diagram"/>
+      <dsp:dataModelExt xmlns:dsp="http://schemas.microsoft.com/office/drawing/2008/diagram" relId="rId5" minVer="http://schemas.openxmlformats.org/drawingml/2006/diagram"/>
     </a:ext>
   </dgm:extLst>
 </dgm:dataModel>
@@ -4599,14 +4583,14 @@
               <dgm:forEach name="Name9" axis="self" ptType="parTrans" cnt="1">
                 <dgm:layoutNode name="Name10">
                   <dgm:alg type="conn">
+                    <dgm:param type="srcNode" val="background"/>
+                    <dgm:param type="dstNode" val="background2"/>
                     <dgm:param type="dim" val="1D"/>
                     <dgm:param type="endSty" val="noArr"/>
                     <dgm:param type="connRout" val="bend"/>
-                    <dgm:param type="bendPt" val="end"/>
                     <dgm:param type="begPts" val="bCtr"/>
                     <dgm:param type="endPts" val="tCtr"/>
-                    <dgm:param type="srcNode" val="background"/>
-                    <dgm:param type="dstNode" val="background2"/>
+                    <dgm:param type="bendPt" val="end"/>
                   </dgm:alg>
                   <dgm:shape xmlns:r="http://schemas.openxmlformats.org/officeDocument/2006/relationships" type="conn" r:blip="" zOrderOff="-999">
                     <dgm:adjLst/>
@@ -4703,14 +4687,14 @@
                       <dgm:forEach name="Name16" axis="self" ptType="parTrans" cnt="1">
                         <dgm:layoutNode name="Name17">
                           <dgm:alg type="conn">
+                            <dgm:param type="srcNode" val="background2"/>
+                            <dgm:param type="dstNode" val="background3"/>
                             <dgm:param type="dim" val="1D"/>
                             <dgm:param type="endSty" val="noArr"/>
                             <dgm:param type="connRout" val="bend"/>
-                            <dgm:param type="bendPt" val="end"/>
                             <dgm:param type="begPts" val="bCtr"/>
                             <dgm:param type="endPts" val="tCtr"/>
-                            <dgm:param type="srcNode" val="background2"/>
-                            <dgm:param type="dstNode" val="background3"/>
+                            <dgm:param type="bendPt" val="end"/>
                           </dgm:alg>
                           <dgm:shape xmlns:r="http://schemas.openxmlformats.org/officeDocument/2006/relationships" type="conn" r:blip="" zOrderOff="-999">
                             <dgm:adjLst/>
@@ -4809,26 +4793,26 @@
                                   <dgm:choose name="Name24">
                                     <dgm:if name="Name25" axis="self" func="depth" op="lte" val="4">
                                       <dgm:alg type="conn">
+                                        <dgm:param type="srcNode" val="background3"/>
+                                        <dgm:param type="dstNode" val="background4"/>
                                         <dgm:param type="dim" val="1D"/>
                                         <dgm:param type="endSty" val="noArr"/>
                                         <dgm:param type="connRout" val="bend"/>
-                                        <dgm:param type="bendPt" val="end"/>
                                         <dgm:param type="begPts" val="bCtr"/>
                                         <dgm:param type="endPts" val="tCtr"/>
-                                        <dgm:param type="srcNode" val="background3"/>
-                                        <dgm:param type="dstNode" val="background4"/>
+                                        <dgm:param type="bendPt" val="end"/>
                                       </dgm:alg>
                                     </dgm:if>
                                     <dgm:else name="Name26">
                                       <dgm:alg type="conn">
+                                        <dgm:param type="srcNode" val="background4"/>
+                                        <dgm:param type="dstNode" val="background4"/>
                                         <dgm:param type="dim" val="1D"/>
                                         <dgm:param type="endSty" val="noArr"/>
                                         <dgm:param type="connRout" val="bend"/>
-                                        <dgm:param type="bendPt" val="end"/>
                                         <dgm:param type="begPts" val="bCtr"/>
                                         <dgm:param type="endPts" val="tCtr"/>
-                                        <dgm:param type="srcNode" val="background4"/>
-                                        <dgm:param type="dstNode" val="background4"/>
+                                        <dgm:param type="bendPt" val="end"/>
                                       </dgm:alg>
                                     </dgm:else>
                                   </dgm:choose>
@@ -4955,15 +4939,503 @@
     <a:camera prst="orthographicFront"/>
     <a:lightRig rig="threePt" dir="t"/>
   </dgm:scene3d>
-  <dgm:styleLbl name="node0">
+  <dgm:styleLbl name="alignAcc1">
     <dgm:scene3d>
       <a:camera prst="orthographicFront"/>
       <a:lightRig rig="threePt" dir="t"/>
     </dgm:scene3d>
-    <dgm:sp3d/>
     <dgm:txPr/>
     <dgm:style>
       <a:lnRef idx="2">
+        <a:scrgbClr r="0" g="0" b="0"/>
+      </a:lnRef>
+      <a:fillRef idx="1">
+        <a:scrgbClr r="0" g="0" b="0"/>
+      </a:fillRef>
+      <a:effectRef idx="0">
+        <a:scrgbClr r="0" g="0" b="0"/>
+      </a:effectRef>
+      <a:fontRef idx="minor"/>
+    </dgm:style>
+  </dgm:styleLbl>
+  <dgm:styleLbl name="alignAccFollowNode1">
+    <dgm:scene3d>
+      <a:camera prst="orthographicFront"/>
+      <a:lightRig rig="threePt" dir="t"/>
+    </dgm:scene3d>
+    <dgm:txPr/>
+    <dgm:style>
+      <a:lnRef idx="2">
+        <a:scrgbClr r="0" g="0" b="0"/>
+      </a:lnRef>
+      <a:fillRef idx="1">
+        <a:scrgbClr r="0" g="0" b="0"/>
+      </a:fillRef>
+      <a:effectRef idx="0">
+        <a:scrgbClr r="0" g="0" b="0"/>
+      </a:effectRef>
+      <a:fontRef idx="minor"/>
+    </dgm:style>
+  </dgm:styleLbl>
+  <dgm:styleLbl name="alignImgPlace1">
+    <dgm:scene3d>
+      <a:camera prst="orthographicFront"/>
+      <a:lightRig rig="threePt" dir="t"/>
+    </dgm:scene3d>
+    <dgm:txPr/>
+    <dgm:style>
+      <a:lnRef idx="2">
+        <a:scrgbClr r="0" g="0" b="0"/>
+      </a:lnRef>
+      <a:fillRef idx="1">
+        <a:scrgbClr r="0" g="0" b="0"/>
+      </a:fillRef>
+      <a:effectRef idx="0">
+        <a:scrgbClr r="0" g="0" b="0"/>
+      </a:effectRef>
+      <a:fontRef idx="minor"/>
+    </dgm:style>
+  </dgm:styleLbl>
+  <dgm:styleLbl name="alignNode1">
+    <dgm:scene3d>
+      <a:camera prst="orthographicFront"/>
+      <a:lightRig rig="threePt" dir="t"/>
+    </dgm:scene3d>
+    <dgm:txPr/>
+    <dgm:style>
+      <a:lnRef idx="2">
+        <a:scrgbClr r="0" g="0" b="0"/>
+      </a:lnRef>
+      <a:fillRef idx="1">
+        <a:scrgbClr r="0" g="0" b="0"/>
+      </a:fillRef>
+      <a:effectRef idx="0">
+        <a:scrgbClr r="0" g="0" b="0"/>
+      </a:effectRef>
+      <a:fontRef idx="minor">
+        <a:schemeClr val="lt1"/>
+      </a:fontRef>
+    </dgm:style>
+  </dgm:styleLbl>
+  <dgm:styleLbl name="asst0">
+    <dgm:scene3d>
+      <a:camera prst="orthographicFront"/>
+      <a:lightRig rig="threePt" dir="t"/>
+    </dgm:scene3d>
+    <dgm:txPr/>
+    <dgm:style>
+      <a:lnRef idx="2">
+        <a:scrgbClr r="0" g="0" b="0"/>
+      </a:lnRef>
+      <a:fillRef idx="1">
+        <a:scrgbClr r="0" g="0" b="0"/>
+      </a:fillRef>
+      <a:effectRef idx="0">
+        <a:scrgbClr r="0" g="0" b="0"/>
+      </a:effectRef>
+      <a:fontRef idx="minor">
+        <a:schemeClr val="lt1"/>
+      </a:fontRef>
+    </dgm:style>
+  </dgm:styleLbl>
+  <dgm:styleLbl name="asst1">
+    <dgm:scene3d>
+      <a:camera prst="orthographicFront"/>
+      <a:lightRig rig="threePt" dir="t"/>
+    </dgm:scene3d>
+    <dgm:txPr/>
+    <dgm:style>
+      <a:lnRef idx="2">
+        <a:scrgbClr r="0" g="0" b="0"/>
+      </a:lnRef>
+      <a:fillRef idx="1">
+        <a:scrgbClr r="0" g="0" b="0"/>
+      </a:fillRef>
+      <a:effectRef idx="0">
+        <a:scrgbClr r="0" g="0" b="0"/>
+      </a:effectRef>
+      <a:fontRef idx="minor">
+        <a:schemeClr val="lt1"/>
+      </a:fontRef>
+    </dgm:style>
+  </dgm:styleLbl>
+  <dgm:styleLbl name="asst2">
+    <dgm:scene3d>
+      <a:camera prst="orthographicFront"/>
+      <a:lightRig rig="threePt" dir="t"/>
+    </dgm:scene3d>
+    <dgm:txPr/>
+    <dgm:style>
+      <a:lnRef idx="2">
+        <a:scrgbClr r="0" g="0" b="0"/>
+      </a:lnRef>
+      <a:fillRef idx="1">
+        <a:scrgbClr r="0" g="0" b="0"/>
+      </a:fillRef>
+      <a:effectRef idx="0">
+        <a:scrgbClr r="0" g="0" b="0"/>
+      </a:effectRef>
+      <a:fontRef idx="minor">
+        <a:schemeClr val="lt1"/>
+      </a:fontRef>
+    </dgm:style>
+  </dgm:styleLbl>
+  <dgm:styleLbl name="asst3">
+    <dgm:scene3d>
+      <a:camera prst="orthographicFront"/>
+      <a:lightRig rig="threePt" dir="t"/>
+    </dgm:scene3d>
+    <dgm:txPr/>
+    <dgm:style>
+      <a:lnRef idx="2">
+        <a:scrgbClr r="0" g="0" b="0"/>
+      </a:lnRef>
+      <a:fillRef idx="1">
+        <a:scrgbClr r="0" g="0" b="0"/>
+      </a:fillRef>
+      <a:effectRef idx="0">
+        <a:scrgbClr r="0" g="0" b="0"/>
+      </a:effectRef>
+      <a:fontRef idx="minor">
+        <a:schemeClr val="lt1"/>
+      </a:fontRef>
+    </dgm:style>
+  </dgm:styleLbl>
+  <dgm:styleLbl name="asst4">
+    <dgm:scene3d>
+      <a:camera prst="orthographicFront"/>
+      <a:lightRig rig="threePt" dir="t"/>
+    </dgm:scene3d>
+    <dgm:txPr/>
+    <dgm:style>
+      <a:lnRef idx="2">
+        <a:scrgbClr r="0" g="0" b="0"/>
+      </a:lnRef>
+      <a:fillRef idx="1">
+        <a:scrgbClr r="0" g="0" b="0"/>
+      </a:fillRef>
+      <a:effectRef idx="0">
+        <a:scrgbClr r="0" g="0" b="0"/>
+      </a:effectRef>
+      <a:fontRef idx="minor">
+        <a:schemeClr val="lt1"/>
+      </a:fontRef>
+    </dgm:style>
+  </dgm:styleLbl>
+  <dgm:styleLbl name="bgAcc1">
+    <dgm:scene3d>
+      <a:camera prst="orthographicFront"/>
+      <a:lightRig rig="threePt" dir="t"/>
+    </dgm:scene3d>
+    <dgm:txPr/>
+    <dgm:style>
+      <a:lnRef idx="2">
+        <a:scrgbClr r="0" g="0" b="0"/>
+      </a:lnRef>
+      <a:fillRef idx="1">
+        <a:scrgbClr r="0" g="0" b="0"/>
+      </a:fillRef>
+      <a:effectRef idx="0">
+        <a:scrgbClr r="0" g="0" b="0"/>
+      </a:effectRef>
+      <a:fontRef idx="minor"/>
+    </dgm:style>
+  </dgm:styleLbl>
+  <dgm:styleLbl name="bgAccFollowNode1">
+    <dgm:scene3d>
+      <a:camera prst="orthographicFront"/>
+      <a:lightRig rig="threePt" dir="t"/>
+    </dgm:scene3d>
+    <dgm:txPr/>
+    <dgm:style>
+      <a:lnRef idx="2">
+        <a:scrgbClr r="0" g="0" b="0"/>
+      </a:lnRef>
+      <a:fillRef idx="1">
+        <a:scrgbClr r="0" g="0" b="0"/>
+      </a:fillRef>
+      <a:effectRef idx="0">
+        <a:scrgbClr r="0" g="0" b="0"/>
+      </a:effectRef>
+      <a:fontRef idx="minor"/>
+    </dgm:style>
+  </dgm:styleLbl>
+  <dgm:styleLbl name="bgImgPlace1">
+    <dgm:scene3d>
+      <a:camera prst="orthographicFront"/>
+      <a:lightRig rig="threePt" dir="t"/>
+    </dgm:scene3d>
+    <dgm:txPr/>
+    <dgm:style>
+      <a:lnRef idx="2">
+        <a:scrgbClr r="0" g="0" b="0"/>
+      </a:lnRef>
+      <a:fillRef idx="1">
+        <a:scrgbClr r="0" g="0" b="0"/>
+      </a:fillRef>
+      <a:effectRef idx="0">
+        <a:scrgbClr r="0" g="0" b="0"/>
+      </a:effectRef>
+      <a:fontRef idx="minor"/>
+    </dgm:style>
+  </dgm:styleLbl>
+  <dgm:styleLbl name="bgShp">
+    <dgm:scene3d>
+      <a:camera prst="orthographicFront"/>
+      <a:lightRig rig="threePt" dir="t"/>
+    </dgm:scene3d>
+    <dgm:txPr/>
+    <dgm:style>
+      <a:lnRef idx="0">
+        <a:scrgbClr r="0" g="0" b="0"/>
+      </a:lnRef>
+      <a:fillRef idx="1">
+        <a:scrgbClr r="0" g="0" b="0"/>
+      </a:fillRef>
+      <a:effectRef idx="0">
+        <a:scrgbClr r="0" g="0" b="0"/>
+      </a:effectRef>
+      <a:fontRef idx="minor"/>
+    </dgm:style>
+  </dgm:styleLbl>
+  <dgm:styleLbl name="bgSibTrans2D1">
+    <dgm:scene3d>
+      <a:camera prst="orthographicFront"/>
+      <a:lightRig rig="threePt" dir="t"/>
+    </dgm:scene3d>
+    <dgm:txPr/>
+    <dgm:style>
+      <a:lnRef idx="0">
+        <a:scrgbClr r="0" g="0" b="0"/>
+      </a:lnRef>
+      <a:fillRef idx="1">
+        <a:scrgbClr r="0" g="0" b="0"/>
+      </a:fillRef>
+      <a:effectRef idx="0">
+        <a:scrgbClr r="0" g="0" b="0"/>
+      </a:effectRef>
+      <a:fontRef idx="minor">
+        <a:schemeClr val="lt1"/>
+      </a:fontRef>
+    </dgm:style>
+  </dgm:styleLbl>
+  <dgm:styleLbl name="callout">
+    <dgm:scene3d>
+      <a:camera prst="orthographicFront"/>
+      <a:lightRig rig="threePt" dir="t"/>
+    </dgm:scene3d>
+    <dgm:txPr/>
+    <dgm:style>
+      <a:lnRef idx="2">
+        <a:scrgbClr r="0" g="0" b="0"/>
+      </a:lnRef>
+      <a:fillRef idx="1">
+        <a:scrgbClr r="0" g="0" b="0"/>
+      </a:fillRef>
+      <a:effectRef idx="0">
+        <a:scrgbClr r="0" g="0" b="0"/>
+      </a:effectRef>
+      <a:fontRef idx="minor"/>
+    </dgm:style>
+  </dgm:styleLbl>
+  <dgm:styleLbl name="conFgAcc1">
+    <dgm:scene3d>
+      <a:camera prst="orthographicFront"/>
+      <a:lightRig rig="threePt" dir="t"/>
+    </dgm:scene3d>
+    <dgm:txPr/>
+    <dgm:style>
+      <a:lnRef idx="2">
+        <a:scrgbClr r="0" g="0" b="0"/>
+      </a:lnRef>
+      <a:fillRef idx="1">
+        <a:scrgbClr r="0" g="0" b="0"/>
+      </a:fillRef>
+      <a:effectRef idx="0">
+        <a:scrgbClr r="0" g="0" b="0"/>
+      </a:effectRef>
+      <a:fontRef idx="minor"/>
+    </dgm:style>
+  </dgm:styleLbl>
+  <dgm:styleLbl name="dkBgShp">
+    <dgm:scene3d>
+      <a:camera prst="orthographicFront"/>
+      <a:lightRig rig="threePt" dir="t"/>
+    </dgm:scene3d>
+    <dgm:txPr/>
+    <dgm:style>
+      <a:lnRef idx="0">
+        <a:scrgbClr r="0" g="0" b="0"/>
+      </a:lnRef>
+      <a:fillRef idx="1">
+        <a:scrgbClr r="0" g="0" b="0"/>
+      </a:fillRef>
+      <a:effectRef idx="0">
+        <a:scrgbClr r="0" g="0" b="0"/>
+      </a:effectRef>
+      <a:fontRef idx="minor"/>
+    </dgm:style>
+  </dgm:styleLbl>
+  <dgm:styleLbl name="fgAcc0">
+    <dgm:scene3d>
+      <a:camera prst="orthographicFront"/>
+      <a:lightRig rig="threePt" dir="t"/>
+    </dgm:scene3d>
+    <dgm:txPr/>
+    <dgm:style>
+      <a:lnRef idx="2">
+        <a:scrgbClr r="0" g="0" b="0"/>
+      </a:lnRef>
+      <a:fillRef idx="1">
+        <a:scrgbClr r="0" g="0" b="0"/>
+      </a:fillRef>
+      <a:effectRef idx="0">
+        <a:scrgbClr r="0" g="0" b="0"/>
+      </a:effectRef>
+      <a:fontRef idx="minor"/>
+    </dgm:style>
+  </dgm:styleLbl>
+  <dgm:styleLbl name="fgAcc1">
+    <dgm:scene3d>
+      <a:camera prst="orthographicFront"/>
+      <a:lightRig rig="threePt" dir="t"/>
+    </dgm:scene3d>
+    <dgm:txPr/>
+    <dgm:style>
+      <a:lnRef idx="2">
+        <a:scrgbClr r="0" g="0" b="0"/>
+      </a:lnRef>
+      <a:fillRef idx="1">
+        <a:scrgbClr r="0" g="0" b="0"/>
+      </a:fillRef>
+      <a:effectRef idx="0">
+        <a:scrgbClr r="0" g="0" b="0"/>
+      </a:effectRef>
+      <a:fontRef idx="minor"/>
+    </dgm:style>
+  </dgm:styleLbl>
+  <dgm:styleLbl name="fgAcc2">
+    <dgm:scene3d>
+      <a:camera prst="orthographicFront"/>
+      <a:lightRig rig="threePt" dir="t"/>
+    </dgm:scene3d>
+    <dgm:txPr/>
+    <dgm:style>
+      <a:lnRef idx="2">
+        <a:scrgbClr r="0" g="0" b="0"/>
+      </a:lnRef>
+      <a:fillRef idx="1">
+        <a:scrgbClr r="0" g="0" b="0"/>
+      </a:fillRef>
+      <a:effectRef idx="0">
+        <a:scrgbClr r="0" g="0" b="0"/>
+      </a:effectRef>
+      <a:fontRef idx="minor"/>
+    </dgm:style>
+  </dgm:styleLbl>
+  <dgm:styleLbl name="fgAcc3">
+    <dgm:scene3d>
+      <a:camera prst="orthographicFront"/>
+      <a:lightRig rig="threePt" dir="t"/>
+    </dgm:scene3d>
+    <dgm:txPr/>
+    <dgm:style>
+      <a:lnRef idx="2">
+        <a:scrgbClr r="0" g="0" b="0"/>
+      </a:lnRef>
+      <a:fillRef idx="1">
+        <a:scrgbClr r="0" g="0" b="0"/>
+      </a:fillRef>
+      <a:effectRef idx="0">
+        <a:scrgbClr r="0" g="0" b="0"/>
+      </a:effectRef>
+      <a:fontRef idx="minor"/>
+    </dgm:style>
+  </dgm:styleLbl>
+  <dgm:styleLbl name="fgAcc4">
+    <dgm:scene3d>
+      <a:camera prst="orthographicFront"/>
+      <a:lightRig rig="threePt" dir="t"/>
+    </dgm:scene3d>
+    <dgm:txPr/>
+    <dgm:style>
+      <a:lnRef idx="2">
+        <a:scrgbClr r="0" g="0" b="0"/>
+      </a:lnRef>
+      <a:fillRef idx="1">
+        <a:scrgbClr r="0" g="0" b="0"/>
+      </a:fillRef>
+      <a:effectRef idx="0">
+        <a:scrgbClr r="0" g="0" b="0"/>
+      </a:effectRef>
+      <a:fontRef idx="minor"/>
+    </dgm:style>
+  </dgm:styleLbl>
+  <dgm:styleLbl name="fgAccFollowNode1">
+    <dgm:scene3d>
+      <a:camera prst="orthographicFront"/>
+      <a:lightRig rig="threePt" dir="t"/>
+    </dgm:scene3d>
+    <dgm:txPr/>
+    <dgm:style>
+      <a:lnRef idx="2">
+        <a:scrgbClr r="0" g="0" b="0"/>
+      </a:lnRef>
+      <a:fillRef idx="1">
+        <a:scrgbClr r="0" g="0" b="0"/>
+      </a:fillRef>
+      <a:effectRef idx="0">
+        <a:scrgbClr r="0" g="0" b="0"/>
+      </a:effectRef>
+      <a:fontRef idx="minor"/>
+    </dgm:style>
+  </dgm:styleLbl>
+  <dgm:styleLbl name="fgImgPlace1">
+    <dgm:scene3d>
+      <a:camera prst="orthographicFront"/>
+      <a:lightRig rig="threePt" dir="t"/>
+    </dgm:scene3d>
+    <dgm:txPr/>
+    <dgm:style>
+      <a:lnRef idx="2">
+        <a:scrgbClr r="0" g="0" b="0"/>
+      </a:lnRef>
+      <a:fillRef idx="1">
+        <a:scrgbClr r="0" g="0" b="0"/>
+      </a:fillRef>
+      <a:effectRef idx="0">
+        <a:scrgbClr r="0" g="0" b="0"/>
+      </a:effectRef>
+      <a:fontRef idx="minor"/>
+    </dgm:style>
+  </dgm:styleLbl>
+  <dgm:styleLbl name="fgShp">
+    <dgm:scene3d>
+      <a:camera prst="orthographicFront"/>
+      <a:lightRig rig="threePt" dir="t"/>
+    </dgm:scene3d>
+    <dgm:txPr/>
+    <dgm:style>
+      <a:lnRef idx="2">
+        <a:scrgbClr r="0" g="0" b="0"/>
+      </a:lnRef>
+      <a:fillRef idx="1">
+        <a:scrgbClr r="0" g="0" b="0"/>
+      </a:fillRef>
+      <a:effectRef idx="0">
+        <a:scrgbClr r="0" g="0" b="0"/>
+      </a:effectRef>
+      <a:fontRef idx="minor"/>
+    </dgm:style>
+  </dgm:styleLbl>
+  <dgm:styleLbl name="fgSibTrans2D1">
+    <dgm:scene3d>
+      <a:camera prst="orthographicFront"/>
+      <a:lightRig rig="threePt" dir="t"/>
+    </dgm:scene3d>
+    <dgm:txPr/>
+    <dgm:style>
+      <a:lnRef idx="0">
         <a:scrgbClr r="0" g="0" b="0"/>
       </a:lnRef>
       <a:fillRef idx="1">
@@ -4982,7 +5454,6 @@
       <a:camera prst="orthographicFront"/>
       <a:lightRig rig="threePt" dir="t"/>
     </dgm:scene3d>
-    <dgm:sp3d/>
     <dgm:txPr/>
     <dgm:style>
       <a:lnRef idx="2">
@@ -4999,34 +5470,11 @@
       </a:fontRef>
     </dgm:style>
   </dgm:styleLbl>
-  <dgm:styleLbl name="vennNode1">
+  <dgm:styleLbl name="node0">
     <dgm:scene3d>
       <a:camera prst="orthographicFront"/>
       <a:lightRig rig="threePt" dir="t"/>
     </dgm:scene3d>
-    <dgm:sp3d/>
-    <dgm:txPr/>
-    <dgm:style>
-      <a:lnRef idx="2">
-        <a:scrgbClr r="0" g="0" b="0"/>
-      </a:lnRef>
-      <a:fillRef idx="1">
-        <a:scrgbClr r="0" g="0" b="0"/>
-      </a:fillRef>
-      <a:effectRef idx="0">
-        <a:scrgbClr r="0" g="0" b="0"/>
-      </a:effectRef>
-      <a:fontRef idx="minor">
-        <a:schemeClr val="tx1"/>
-      </a:fontRef>
-    </dgm:style>
-  </dgm:styleLbl>
-  <dgm:styleLbl name="alignNode1">
-    <dgm:scene3d>
-      <a:camera prst="orthographicFront"/>
-      <a:lightRig rig="threePt" dir="t"/>
-    </dgm:scene3d>
-    <dgm:sp3d/>
     <dgm:txPr/>
     <dgm:style>
       <a:lnRef idx="2">
@@ -5048,7 +5496,6 @@
       <a:camera prst="orthographicFront"/>
       <a:lightRig rig="threePt" dir="t"/>
     </dgm:scene3d>
-    <dgm:sp3d/>
     <dgm:txPr/>
     <dgm:style>
       <a:lnRef idx="2">
@@ -5070,7 +5517,6 @@
       <a:camera prst="orthographicFront"/>
       <a:lightRig rig="threePt" dir="t"/>
     </dgm:scene3d>
-    <dgm:sp3d/>
     <dgm:txPr/>
     <dgm:style>
       <a:lnRef idx="2">
@@ -5092,7 +5538,6 @@
       <a:camera prst="orthographicFront"/>
       <a:lightRig rig="threePt" dir="t"/>
     </dgm:scene3d>
-    <dgm:sp3d/>
     <dgm:txPr/>
     <dgm:style>
       <a:lnRef idx="2">
@@ -5114,7 +5559,6 @@
       <a:camera prst="orthographicFront"/>
       <a:lightRig rig="threePt" dir="t"/>
     </dgm:scene3d>
-    <dgm:sp3d/>
     <dgm:txPr/>
     <dgm:style>
       <a:lnRef idx="2">
@@ -5131,141 +5575,14 @@
       </a:fontRef>
     </dgm:style>
   </dgm:styleLbl>
-  <dgm:styleLbl name="fgImgPlace1">
+  <dgm:styleLbl name="parChTrans1D1">
     <dgm:scene3d>
       <a:camera prst="orthographicFront"/>
       <a:lightRig rig="threePt" dir="t"/>
     </dgm:scene3d>
-    <dgm:sp3d/>
     <dgm:txPr/>
     <dgm:style>
       <a:lnRef idx="2">
-        <a:scrgbClr r="0" g="0" b="0"/>
-      </a:lnRef>
-      <a:fillRef idx="1">
-        <a:scrgbClr r="0" g="0" b="0"/>
-      </a:fillRef>
-      <a:effectRef idx="0">
-        <a:scrgbClr r="0" g="0" b="0"/>
-      </a:effectRef>
-      <a:fontRef idx="minor"/>
-    </dgm:style>
-  </dgm:styleLbl>
-  <dgm:styleLbl name="alignImgPlace1">
-    <dgm:scene3d>
-      <a:camera prst="orthographicFront"/>
-      <a:lightRig rig="threePt" dir="t"/>
-    </dgm:scene3d>
-    <dgm:sp3d/>
-    <dgm:txPr/>
-    <dgm:style>
-      <a:lnRef idx="2">
-        <a:scrgbClr r="0" g="0" b="0"/>
-      </a:lnRef>
-      <a:fillRef idx="1">
-        <a:scrgbClr r="0" g="0" b="0"/>
-      </a:fillRef>
-      <a:effectRef idx="0">
-        <a:scrgbClr r="0" g="0" b="0"/>
-      </a:effectRef>
-      <a:fontRef idx="minor"/>
-    </dgm:style>
-  </dgm:styleLbl>
-  <dgm:styleLbl name="bgImgPlace1">
-    <dgm:scene3d>
-      <a:camera prst="orthographicFront"/>
-      <a:lightRig rig="threePt" dir="t"/>
-    </dgm:scene3d>
-    <dgm:sp3d/>
-    <dgm:txPr/>
-    <dgm:style>
-      <a:lnRef idx="2">
-        <a:scrgbClr r="0" g="0" b="0"/>
-      </a:lnRef>
-      <a:fillRef idx="1">
-        <a:scrgbClr r="0" g="0" b="0"/>
-      </a:fillRef>
-      <a:effectRef idx="0">
-        <a:scrgbClr r="0" g="0" b="0"/>
-      </a:effectRef>
-      <a:fontRef idx="minor"/>
-    </dgm:style>
-  </dgm:styleLbl>
-  <dgm:styleLbl name="sibTrans2D1">
-    <dgm:scene3d>
-      <a:camera prst="orthographicFront"/>
-      <a:lightRig rig="threePt" dir="t"/>
-    </dgm:scene3d>
-    <dgm:sp3d/>
-    <dgm:txPr/>
-    <dgm:style>
-      <a:lnRef idx="0">
-        <a:scrgbClr r="0" g="0" b="0"/>
-      </a:lnRef>
-      <a:fillRef idx="1">
-        <a:scrgbClr r="0" g="0" b="0"/>
-      </a:fillRef>
-      <a:effectRef idx="0">
-        <a:scrgbClr r="0" g="0" b="0"/>
-      </a:effectRef>
-      <a:fontRef idx="minor">
-        <a:schemeClr val="lt1"/>
-      </a:fontRef>
-    </dgm:style>
-  </dgm:styleLbl>
-  <dgm:styleLbl name="fgSibTrans2D1">
-    <dgm:scene3d>
-      <a:camera prst="orthographicFront"/>
-      <a:lightRig rig="threePt" dir="t"/>
-    </dgm:scene3d>
-    <dgm:sp3d/>
-    <dgm:txPr/>
-    <dgm:style>
-      <a:lnRef idx="0">
-        <a:scrgbClr r="0" g="0" b="0"/>
-      </a:lnRef>
-      <a:fillRef idx="1">
-        <a:scrgbClr r="0" g="0" b="0"/>
-      </a:fillRef>
-      <a:effectRef idx="0">
-        <a:scrgbClr r="0" g="0" b="0"/>
-      </a:effectRef>
-      <a:fontRef idx="minor">
-        <a:schemeClr val="lt1"/>
-      </a:fontRef>
-    </dgm:style>
-  </dgm:styleLbl>
-  <dgm:styleLbl name="bgSibTrans2D1">
-    <dgm:scene3d>
-      <a:camera prst="orthographicFront"/>
-      <a:lightRig rig="threePt" dir="t"/>
-    </dgm:scene3d>
-    <dgm:sp3d/>
-    <dgm:txPr/>
-    <dgm:style>
-      <a:lnRef idx="0">
-        <a:scrgbClr r="0" g="0" b="0"/>
-      </a:lnRef>
-      <a:fillRef idx="1">
-        <a:scrgbClr r="0" g="0" b="0"/>
-      </a:fillRef>
-      <a:effectRef idx="0">
-        <a:scrgbClr r="0" g="0" b="0"/>
-      </a:effectRef>
-      <a:fontRef idx="minor">
-        <a:schemeClr val="lt1"/>
-      </a:fontRef>
-    </dgm:style>
-  </dgm:styleLbl>
-  <dgm:styleLbl name="sibTrans1D1">
-    <dgm:scene3d>
-      <a:camera prst="orthographicFront"/>
-      <a:lightRig rig="threePt" dir="t"/>
-    </dgm:scene3d>
-    <dgm:sp3d/>
-    <dgm:txPr/>
-    <dgm:style>
-      <a:lnRef idx="1">
         <a:scrgbClr r="0" g="0" b="0"/>
       </a:lnRef>
       <a:fillRef idx="0">
@@ -5277,18 +5594,17 @@
       <a:fontRef idx="minor"/>
     </dgm:style>
   </dgm:styleLbl>
-  <dgm:styleLbl name="callout">
+  <dgm:styleLbl name="parChTrans1D2">
     <dgm:scene3d>
       <a:camera prst="orthographicFront"/>
       <a:lightRig rig="threePt" dir="t"/>
     </dgm:scene3d>
-    <dgm:sp3d/>
     <dgm:txPr/>
     <dgm:style>
       <a:lnRef idx="2">
         <a:scrgbClr r="0" g="0" b="0"/>
       </a:lnRef>
-      <a:fillRef idx="1">
+      <a:fillRef idx="0">
         <a:scrgbClr r="0" g="0" b="0"/>
       </a:fillRef>
       <a:effectRef idx="0">
@@ -5297,114 +5613,42 @@
       <a:fontRef idx="minor"/>
     </dgm:style>
   </dgm:styleLbl>
-  <dgm:styleLbl name="asst0">
+  <dgm:styleLbl name="parChTrans1D3">
     <dgm:scene3d>
       <a:camera prst="orthographicFront"/>
       <a:lightRig rig="threePt" dir="t"/>
     </dgm:scene3d>
-    <dgm:sp3d/>
     <dgm:txPr/>
     <dgm:style>
       <a:lnRef idx="2">
         <a:scrgbClr r="0" g="0" b="0"/>
       </a:lnRef>
-      <a:fillRef idx="1">
+      <a:fillRef idx="0">
         <a:scrgbClr r="0" g="0" b="0"/>
       </a:fillRef>
       <a:effectRef idx="0">
         <a:scrgbClr r="0" g="0" b="0"/>
       </a:effectRef>
-      <a:fontRef idx="minor">
-        <a:schemeClr val="lt1"/>
-      </a:fontRef>
+      <a:fontRef idx="minor"/>
     </dgm:style>
   </dgm:styleLbl>
-  <dgm:styleLbl name="asst1">
+  <dgm:styleLbl name="parChTrans1D4">
     <dgm:scene3d>
       <a:camera prst="orthographicFront"/>
       <a:lightRig rig="threePt" dir="t"/>
     </dgm:scene3d>
-    <dgm:sp3d/>
     <dgm:txPr/>
     <dgm:style>
       <a:lnRef idx="2">
         <a:scrgbClr r="0" g="0" b="0"/>
       </a:lnRef>
-      <a:fillRef idx="1">
+      <a:fillRef idx="0">
         <a:scrgbClr r="0" g="0" b="0"/>
       </a:fillRef>
       <a:effectRef idx="0">
         <a:scrgbClr r="0" g="0" b="0"/>
       </a:effectRef>
-      <a:fontRef idx="minor">
-        <a:schemeClr val="lt1"/>
-      </a:fontRef>
-    </dgm:style>
-  </dgm:styleLbl>
-  <dgm:styleLbl name="asst2">
-    <dgm:scene3d>
-      <a:camera prst="orthographicFront"/>
-      <a:lightRig rig="threePt" dir="t"/>
-    </dgm:scene3d>
-    <dgm:sp3d/>
-    <dgm:txPr/>
-    <dgm:style>
-      <a:lnRef idx="2">
-        <a:scrgbClr r="0" g="0" b="0"/>
-      </a:lnRef>
-      <a:fillRef idx="1">
-        <a:scrgbClr r="0" g="0" b="0"/>
-      </a:fillRef>
-      <a:effectRef idx="0">
-        <a:scrgbClr r="0" g="0" b="0"/>
-      </a:effectRef>
-      <a:fontRef idx="minor">
-        <a:schemeClr val="lt1"/>
-      </a:fontRef>
-    </dgm:style>
-  </dgm:styleLbl>
-  <dgm:styleLbl name="asst3">
-    <dgm:scene3d>
-      <a:camera prst="orthographicFront"/>
-      <a:lightRig rig="threePt" dir="t"/>
-    </dgm:scene3d>
-    <dgm:sp3d/>
-    <dgm:txPr/>
-    <dgm:style>
-      <a:lnRef idx="2">
-        <a:scrgbClr r="0" g="0" b="0"/>
-      </a:lnRef>
-      <a:fillRef idx="1">
-        <a:scrgbClr r="0" g="0" b="0"/>
-      </a:fillRef>
-      <a:effectRef idx="0">
-        <a:scrgbClr r="0" g="0" b="0"/>
-      </a:effectRef>
-      <a:fontRef idx="minor">
-        <a:schemeClr val="lt1"/>
-      </a:fontRef>
-    </dgm:style>
-  </dgm:styleLbl>
-  <dgm:styleLbl name="asst4">
-    <dgm:scene3d>
-      <a:camera prst="orthographicFront"/>
-      <a:lightRig rig="threePt" dir="t"/>
-    </dgm:scene3d>
-    <dgm:sp3d/>
-    <dgm:txPr/>
-    <dgm:style>
-      <a:lnRef idx="2">
-        <a:scrgbClr r="0" g="0" b="0"/>
-      </a:lnRef>
-      <a:fillRef idx="1">
-        <a:scrgbClr r="0" g="0" b="0"/>
-      </a:fillRef>
-      <a:effectRef idx="0">
-        <a:scrgbClr r="0" g="0" b="0"/>
-      </a:effectRef>
-      <a:fontRef idx="minor">
-        <a:schemeClr val="lt1"/>
-      </a:fontRef>
+      <a:fontRef idx="minor"/>
     </dgm:style>
   </dgm:styleLbl>
   <dgm:styleLbl name="parChTrans2D1">
@@ -5412,7 +5656,6 @@
       <a:camera prst="orthographicFront"/>
       <a:lightRig rig="threePt" dir="t"/>
     </dgm:scene3d>
-    <dgm:sp3d/>
     <dgm:txPr/>
     <dgm:style>
       <a:lnRef idx="2">
@@ -5434,7 +5677,6 @@
       <a:camera prst="orthographicFront"/>
       <a:lightRig rig="threePt" dir="t"/>
     </dgm:scene3d>
-    <dgm:sp3d/>
     <dgm:txPr/>
     <dgm:style>
       <a:lnRef idx="2">
@@ -5456,7 +5698,6 @@
       <a:camera prst="orthographicFront"/>
       <a:lightRig rig="threePt" dir="t"/>
     </dgm:scene3d>
-    <dgm:sp3d/>
     <dgm:txPr/>
     <dgm:style>
       <a:lnRef idx="2">
@@ -5478,7 +5719,6 @@
       <a:camera prst="orthographicFront"/>
       <a:lightRig rig="threePt" dir="t"/>
     </dgm:scene3d>
-    <dgm:sp3d/>
     <dgm:txPr/>
     <dgm:style>
       <a:lnRef idx="2">
@@ -5495,15 +5735,14 @@
       </a:fontRef>
     </dgm:style>
   </dgm:styleLbl>
-  <dgm:styleLbl name="parChTrans1D1">
+  <dgm:styleLbl name="revTx">
     <dgm:scene3d>
       <a:camera prst="orthographicFront"/>
       <a:lightRig rig="threePt" dir="t"/>
     </dgm:scene3d>
-    <dgm:sp3d/>
     <dgm:txPr/>
     <dgm:style>
-      <a:lnRef idx="2">
+      <a:lnRef idx="0">
         <a:scrgbClr r="0" g="0" b="0"/>
       </a:lnRef>
       <a:fillRef idx="0">
@@ -5515,15 +5754,14 @@
       <a:fontRef idx="minor"/>
     </dgm:style>
   </dgm:styleLbl>
-  <dgm:styleLbl name="parChTrans1D2">
+  <dgm:styleLbl name="sibTrans1D1">
     <dgm:scene3d>
       <a:camera prst="orthographicFront"/>
       <a:lightRig rig="threePt" dir="t"/>
     </dgm:scene3d>
-    <dgm:sp3d/>
     <dgm:txPr/>
     <dgm:style>
-      <a:lnRef idx="2">
+      <a:lnRef idx="1">
         <a:scrgbClr r="0" g="0" b="0"/>
       </a:lnRef>
       <a:fillRef idx="0">
@@ -5535,52 +5773,32 @@
       <a:fontRef idx="minor"/>
     </dgm:style>
   </dgm:styleLbl>
-  <dgm:styleLbl name="parChTrans1D3">
+  <dgm:styleLbl name="sibTrans2D1">
     <dgm:scene3d>
       <a:camera prst="orthographicFront"/>
       <a:lightRig rig="threePt" dir="t"/>
     </dgm:scene3d>
-    <dgm:sp3d/>
     <dgm:txPr/>
     <dgm:style>
-      <a:lnRef idx="2">
+      <a:lnRef idx="0">
         <a:scrgbClr r="0" g="0" b="0"/>
       </a:lnRef>
-      <a:fillRef idx="0">
+      <a:fillRef idx="1">
         <a:scrgbClr r="0" g="0" b="0"/>
       </a:fillRef>
       <a:effectRef idx="0">
         <a:scrgbClr r="0" g="0" b="0"/>
       </a:effectRef>
-      <a:fontRef idx="minor"/>
+      <a:fontRef idx="minor">
+        <a:schemeClr val="lt1"/>
+      </a:fontRef>
     </dgm:style>
   </dgm:styleLbl>
-  <dgm:styleLbl name="parChTrans1D4">
+  <dgm:styleLbl name="solidAlignAcc1">
     <dgm:scene3d>
       <a:camera prst="orthographicFront"/>
       <a:lightRig rig="threePt" dir="t"/>
     </dgm:scene3d>
-    <dgm:sp3d/>
-    <dgm:txPr/>
-    <dgm:style>
-      <a:lnRef idx="2">
-        <a:scrgbClr r="0" g="0" b="0"/>
-      </a:lnRef>
-      <a:fillRef idx="0">
-        <a:scrgbClr r="0" g="0" b="0"/>
-      </a:fillRef>
-      <a:effectRef idx="0">
-        <a:scrgbClr r="0" g="0" b="0"/>
-      </a:effectRef>
-      <a:fontRef idx="minor"/>
-    </dgm:style>
-  </dgm:styleLbl>
-  <dgm:styleLbl name="fgAcc1">
-    <dgm:scene3d>
-      <a:camera prst="orthographicFront"/>
-      <a:lightRig rig="threePt" dir="t"/>
-    </dgm:scene3d>
-    <dgm:sp3d/>
     <dgm:txPr/>
     <dgm:style>
       <a:lnRef idx="2">
@@ -5595,12 +5813,11 @@
       <a:fontRef idx="minor"/>
     </dgm:style>
   </dgm:styleLbl>
-  <dgm:styleLbl name="conFgAcc1">
+  <dgm:styleLbl name="solidBgAcc1">
     <dgm:scene3d>
       <a:camera prst="orthographicFront"/>
       <a:lightRig rig="threePt" dir="t"/>
     </dgm:scene3d>
-    <dgm:sp3d/>
     <dgm:txPr/>
     <dgm:style>
       <a:lnRef idx="2">
@@ -5615,12 +5832,11 @@
       <a:fontRef idx="minor"/>
     </dgm:style>
   </dgm:styleLbl>
-  <dgm:styleLbl name="alignAcc1">
+  <dgm:styleLbl name="solidFgAcc1">
     <dgm:scene3d>
       <a:camera prst="orthographicFront"/>
       <a:lightRig rig="threePt" dir="t"/>
     </dgm:scene3d>
-    <dgm:sp3d/>
     <dgm:txPr/>
     <dgm:style>
       <a:lnRef idx="2">
@@ -5640,270 +5856,9 @@
       <a:camera prst="orthographicFront"/>
       <a:lightRig rig="threePt" dir="t"/>
     </dgm:scene3d>
-    <dgm:sp3d/>
     <dgm:txPr/>
     <dgm:style>
       <a:lnRef idx="1">
-        <a:scrgbClr r="0" g="0" b="0"/>
-      </a:lnRef>
-      <a:fillRef idx="1">
-        <a:scrgbClr r="0" g="0" b="0"/>
-      </a:fillRef>
-      <a:effectRef idx="0">
-        <a:scrgbClr r="0" g="0" b="0"/>
-      </a:effectRef>
-      <a:fontRef idx="minor"/>
-    </dgm:style>
-  </dgm:styleLbl>
-  <dgm:styleLbl name="bgAcc1">
-    <dgm:scene3d>
-      <a:camera prst="orthographicFront"/>
-      <a:lightRig rig="threePt" dir="t"/>
-    </dgm:scene3d>
-    <dgm:sp3d/>
-    <dgm:txPr/>
-    <dgm:style>
-      <a:lnRef idx="2">
-        <a:scrgbClr r="0" g="0" b="0"/>
-      </a:lnRef>
-      <a:fillRef idx="1">
-        <a:scrgbClr r="0" g="0" b="0"/>
-      </a:fillRef>
-      <a:effectRef idx="0">
-        <a:scrgbClr r="0" g="0" b="0"/>
-      </a:effectRef>
-      <a:fontRef idx="minor"/>
-    </dgm:style>
-  </dgm:styleLbl>
-  <dgm:styleLbl name="solidFgAcc1">
-    <dgm:scene3d>
-      <a:camera prst="orthographicFront"/>
-      <a:lightRig rig="threePt" dir="t"/>
-    </dgm:scene3d>
-    <dgm:sp3d/>
-    <dgm:txPr/>
-    <dgm:style>
-      <a:lnRef idx="2">
-        <a:scrgbClr r="0" g="0" b="0"/>
-      </a:lnRef>
-      <a:fillRef idx="1">
-        <a:scrgbClr r="0" g="0" b="0"/>
-      </a:fillRef>
-      <a:effectRef idx="0">
-        <a:scrgbClr r="0" g="0" b="0"/>
-      </a:effectRef>
-      <a:fontRef idx="minor"/>
-    </dgm:style>
-  </dgm:styleLbl>
-  <dgm:styleLbl name="solidAlignAcc1">
-    <dgm:scene3d>
-      <a:camera prst="orthographicFront"/>
-      <a:lightRig rig="threePt" dir="t"/>
-    </dgm:scene3d>
-    <dgm:sp3d/>
-    <dgm:txPr/>
-    <dgm:style>
-      <a:lnRef idx="2">
-        <a:scrgbClr r="0" g="0" b="0"/>
-      </a:lnRef>
-      <a:fillRef idx="1">
-        <a:scrgbClr r="0" g="0" b="0"/>
-      </a:fillRef>
-      <a:effectRef idx="0">
-        <a:scrgbClr r="0" g="0" b="0"/>
-      </a:effectRef>
-      <a:fontRef idx="minor"/>
-    </dgm:style>
-  </dgm:styleLbl>
-  <dgm:styleLbl name="solidBgAcc1">
-    <dgm:scene3d>
-      <a:camera prst="orthographicFront"/>
-      <a:lightRig rig="threePt" dir="t"/>
-    </dgm:scene3d>
-    <dgm:sp3d/>
-    <dgm:txPr/>
-    <dgm:style>
-      <a:lnRef idx="2">
-        <a:scrgbClr r="0" g="0" b="0"/>
-      </a:lnRef>
-      <a:fillRef idx="1">
-        <a:scrgbClr r="0" g="0" b="0"/>
-      </a:fillRef>
-      <a:effectRef idx="0">
-        <a:scrgbClr r="0" g="0" b="0"/>
-      </a:effectRef>
-      <a:fontRef idx="minor"/>
-    </dgm:style>
-  </dgm:styleLbl>
-  <dgm:styleLbl name="fgAccFollowNode1">
-    <dgm:scene3d>
-      <a:camera prst="orthographicFront"/>
-      <a:lightRig rig="threePt" dir="t"/>
-    </dgm:scene3d>
-    <dgm:sp3d/>
-    <dgm:txPr/>
-    <dgm:style>
-      <a:lnRef idx="2">
-        <a:scrgbClr r="0" g="0" b="0"/>
-      </a:lnRef>
-      <a:fillRef idx="1">
-        <a:scrgbClr r="0" g="0" b="0"/>
-      </a:fillRef>
-      <a:effectRef idx="0">
-        <a:scrgbClr r="0" g="0" b="0"/>
-      </a:effectRef>
-      <a:fontRef idx="minor"/>
-    </dgm:style>
-  </dgm:styleLbl>
-  <dgm:styleLbl name="alignAccFollowNode1">
-    <dgm:scene3d>
-      <a:camera prst="orthographicFront"/>
-      <a:lightRig rig="threePt" dir="t"/>
-    </dgm:scene3d>
-    <dgm:sp3d/>
-    <dgm:txPr/>
-    <dgm:style>
-      <a:lnRef idx="2">
-        <a:scrgbClr r="0" g="0" b="0"/>
-      </a:lnRef>
-      <a:fillRef idx="1">
-        <a:scrgbClr r="0" g="0" b="0"/>
-      </a:fillRef>
-      <a:effectRef idx="0">
-        <a:scrgbClr r="0" g="0" b="0"/>
-      </a:effectRef>
-      <a:fontRef idx="minor"/>
-    </dgm:style>
-  </dgm:styleLbl>
-  <dgm:styleLbl name="bgAccFollowNode1">
-    <dgm:scene3d>
-      <a:camera prst="orthographicFront"/>
-      <a:lightRig rig="threePt" dir="t"/>
-    </dgm:scene3d>
-    <dgm:sp3d/>
-    <dgm:txPr/>
-    <dgm:style>
-      <a:lnRef idx="2">
-        <a:scrgbClr r="0" g="0" b="0"/>
-      </a:lnRef>
-      <a:fillRef idx="1">
-        <a:scrgbClr r="0" g="0" b="0"/>
-      </a:fillRef>
-      <a:effectRef idx="0">
-        <a:scrgbClr r="0" g="0" b="0"/>
-      </a:effectRef>
-      <a:fontRef idx="minor"/>
-    </dgm:style>
-  </dgm:styleLbl>
-  <dgm:styleLbl name="fgAcc0">
-    <dgm:scene3d>
-      <a:camera prst="orthographicFront"/>
-      <a:lightRig rig="threePt" dir="t"/>
-    </dgm:scene3d>
-    <dgm:sp3d/>
-    <dgm:txPr/>
-    <dgm:style>
-      <a:lnRef idx="2">
-        <a:scrgbClr r="0" g="0" b="0"/>
-      </a:lnRef>
-      <a:fillRef idx="1">
-        <a:scrgbClr r="0" g="0" b="0"/>
-      </a:fillRef>
-      <a:effectRef idx="0">
-        <a:scrgbClr r="0" g="0" b="0"/>
-      </a:effectRef>
-      <a:fontRef idx="minor"/>
-    </dgm:style>
-  </dgm:styleLbl>
-  <dgm:styleLbl name="fgAcc2">
-    <dgm:scene3d>
-      <a:camera prst="orthographicFront"/>
-      <a:lightRig rig="threePt" dir="t"/>
-    </dgm:scene3d>
-    <dgm:sp3d/>
-    <dgm:txPr/>
-    <dgm:style>
-      <a:lnRef idx="2">
-        <a:scrgbClr r="0" g="0" b="0"/>
-      </a:lnRef>
-      <a:fillRef idx="1">
-        <a:scrgbClr r="0" g="0" b="0"/>
-      </a:fillRef>
-      <a:effectRef idx="0">
-        <a:scrgbClr r="0" g="0" b="0"/>
-      </a:effectRef>
-      <a:fontRef idx="minor"/>
-    </dgm:style>
-  </dgm:styleLbl>
-  <dgm:styleLbl name="fgAcc3">
-    <dgm:scene3d>
-      <a:camera prst="orthographicFront"/>
-      <a:lightRig rig="threePt" dir="t"/>
-    </dgm:scene3d>
-    <dgm:sp3d/>
-    <dgm:txPr/>
-    <dgm:style>
-      <a:lnRef idx="2">
-        <a:scrgbClr r="0" g="0" b="0"/>
-      </a:lnRef>
-      <a:fillRef idx="1">
-        <a:scrgbClr r="0" g="0" b="0"/>
-      </a:fillRef>
-      <a:effectRef idx="0">
-        <a:scrgbClr r="0" g="0" b="0"/>
-      </a:effectRef>
-      <a:fontRef idx="minor"/>
-    </dgm:style>
-  </dgm:styleLbl>
-  <dgm:styleLbl name="fgAcc4">
-    <dgm:scene3d>
-      <a:camera prst="orthographicFront"/>
-      <a:lightRig rig="threePt" dir="t"/>
-    </dgm:scene3d>
-    <dgm:sp3d/>
-    <dgm:txPr/>
-    <dgm:style>
-      <a:lnRef idx="2">
-        <a:scrgbClr r="0" g="0" b="0"/>
-      </a:lnRef>
-      <a:fillRef idx="1">
-        <a:scrgbClr r="0" g="0" b="0"/>
-      </a:fillRef>
-      <a:effectRef idx="0">
-        <a:scrgbClr r="0" g="0" b="0"/>
-      </a:effectRef>
-      <a:fontRef idx="minor"/>
-    </dgm:style>
-  </dgm:styleLbl>
-  <dgm:styleLbl name="bgShp">
-    <dgm:scene3d>
-      <a:camera prst="orthographicFront"/>
-      <a:lightRig rig="threePt" dir="t"/>
-    </dgm:scene3d>
-    <dgm:sp3d/>
-    <dgm:txPr/>
-    <dgm:style>
-      <a:lnRef idx="0">
-        <a:scrgbClr r="0" g="0" b="0"/>
-      </a:lnRef>
-      <a:fillRef idx="1">
-        <a:scrgbClr r="0" g="0" b="0"/>
-      </a:fillRef>
-      <a:effectRef idx="0">
-        <a:scrgbClr r="0" g="0" b="0"/>
-      </a:effectRef>
-      <a:fontRef idx="minor"/>
-    </dgm:style>
-  </dgm:styleLbl>
-  <dgm:styleLbl name="dkBgShp">
-    <dgm:scene3d>
-      <a:camera prst="orthographicFront"/>
-      <a:lightRig rig="threePt" dir="t"/>
-    </dgm:scene3d>
-    <dgm:sp3d/>
-    <dgm:txPr/>
-    <dgm:style>
-      <a:lnRef idx="0">
         <a:scrgbClr r="0" g="0" b="0"/>
       </a:lnRef>
       <a:fillRef idx="1">
@@ -5920,7 +5875,6 @@
       <a:camera prst="orthographicFront"/>
       <a:lightRig rig="threePt" dir="t"/>
     </dgm:scene3d>
-    <dgm:sp3d/>
     <dgm:txPr/>
     <dgm:style>
       <a:lnRef idx="0">
@@ -5935,12 +5889,11 @@
       <a:fontRef idx="minor"/>
     </dgm:style>
   </dgm:styleLbl>
-  <dgm:styleLbl name="fgShp">
+  <dgm:styleLbl name="vennNode1">
     <dgm:scene3d>
       <a:camera prst="orthographicFront"/>
       <a:lightRig rig="threePt" dir="t"/>
     </dgm:scene3d>
-    <dgm:sp3d/>
     <dgm:txPr/>
     <dgm:style>
       <a:lnRef idx="2">
@@ -5952,27 +5905,9 @@
       <a:effectRef idx="0">
         <a:scrgbClr r="0" g="0" b="0"/>
       </a:effectRef>
-      <a:fontRef idx="minor"/>
-    </dgm:style>
-  </dgm:styleLbl>
-  <dgm:styleLbl name="revTx">
-    <dgm:scene3d>
-      <a:camera prst="orthographicFront"/>
-      <a:lightRig rig="threePt" dir="t"/>
-    </dgm:scene3d>
-    <dgm:sp3d/>
-    <dgm:txPr/>
-    <dgm:style>
-      <a:lnRef idx="0">
-        <a:scrgbClr r="0" g="0" b="0"/>
-      </a:lnRef>
-      <a:fillRef idx="0">
-        <a:scrgbClr r="0" g="0" b="0"/>
-      </a:fillRef>
-      <a:effectRef idx="0">
-        <a:scrgbClr r="0" g="0" b="0"/>
-      </a:effectRef>
-      <a:fontRef idx="minor"/>
+      <a:fontRef idx="minor">
+        <a:schemeClr val="tx1"/>
+      </a:fontRef>
     </dgm:style>
   </dgm:styleLbl>
 </dgm:styleDef>
@@ -6025,21 +5960,15 @@
           <a:ln w="9525">
             <a:noFill/>
             <a:miter lim="800000"/>
-            <a:headEnd/>
-            <a:tailEnd/>
           </a:ln>
           <a:effectLst/>
         </p:spPr>
         <p:txBody>
-          <a:bodyPr vert="horz" wrap="square" lIns="91440" tIns="45720" rIns="91440" bIns="45720" numCol="1" anchor="t" anchorCtr="0" compatLnSpc="1">
-            <a:prstTxWarp prst="textNoShape">
-              <a:avLst/>
-            </a:prstTxWarp>
-          </a:bodyPr>
+          <a:bodyPr vert="horz" wrap="square" lIns="91440" tIns="45720" rIns="91440" bIns="45720" numCol="1" anchor="t" anchorCtr="0" compatLnSpc="1"/>
           <a:lstStyle>
             <a:lvl1pPr>
               <a:defRPr sz="1200">
-                <a:latin typeface="Arial" charset="0"/>
+                <a:latin typeface="Arial" panose="020B0604020202020204" pitchFamily="34" charset="0"/>
                 <a:cs typeface="+mn-cs"/>
               </a:defRPr>
             </a:lvl1pPr>
@@ -6074,21 +6003,15 @@
           <a:ln w="9525">
             <a:noFill/>
             <a:miter lim="800000"/>
-            <a:headEnd/>
-            <a:tailEnd/>
           </a:ln>
           <a:effectLst/>
         </p:spPr>
         <p:txBody>
-          <a:bodyPr vert="horz" wrap="square" lIns="91440" tIns="45720" rIns="91440" bIns="45720" numCol="1" anchor="t" anchorCtr="0" compatLnSpc="1">
-            <a:prstTxWarp prst="textNoShape">
-              <a:avLst/>
-            </a:prstTxWarp>
-          </a:bodyPr>
+          <a:bodyPr vert="horz" wrap="square" lIns="91440" tIns="45720" rIns="91440" bIns="45720" numCol="1" anchor="t" anchorCtr="0" compatLnSpc="1"/>
           <a:lstStyle>
             <a:lvl1pPr algn="r">
               <a:defRPr sz="1200">
-                <a:latin typeface="Arial" charset="0"/>
+                <a:latin typeface="Arial" panose="020B0604020202020204" pitchFamily="34" charset="0"/>
                 <a:cs typeface="+mn-cs"/>
               </a:defRPr>
             </a:lvl1pPr>
@@ -6123,21 +6046,15 @@
           <a:ln w="9525">
             <a:noFill/>
             <a:miter lim="800000"/>
-            <a:headEnd/>
-            <a:tailEnd/>
           </a:ln>
           <a:effectLst/>
         </p:spPr>
         <p:txBody>
-          <a:bodyPr vert="horz" wrap="square" lIns="91440" tIns="45720" rIns="91440" bIns="45720" numCol="1" anchor="b" anchorCtr="0" compatLnSpc="1">
-            <a:prstTxWarp prst="textNoShape">
-              <a:avLst/>
-            </a:prstTxWarp>
-          </a:bodyPr>
+          <a:bodyPr vert="horz" wrap="square" lIns="91440" tIns="45720" rIns="91440" bIns="45720" numCol="1" anchor="b" anchorCtr="0" compatLnSpc="1"/>
           <a:lstStyle>
             <a:lvl1pPr>
               <a:defRPr sz="1200">
-                <a:latin typeface="Arial" charset="0"/>
+                <a:latin typeface="Arial" panose="020B0604020202020204" pitchFamily="34" charset="0"/>
                 <a:cs typeface="+mn-cs"/>
               </a:defRPr>
             </a:lvl1pPr>
@@ -6172,21 +6089,15 @@
           <a:ln w="9525">
             <a:noFill/>
             <a:miter lim="800000"/>
-            <a:headEnd/>
-            <a:tailEnd/>
           </a:ln>
           <a:effectLst/>
         </p:spPr>
         <p:txBody>
-          <a:bodyPr vert="horz" wrap="square" lIns="91440" tIns="45720" rIns="91440" bIns="45720" numCol="1" anchor="b" anchorCtr="0" compatLnSpc="1">
-            <a:prstTxWarp prst="textNoShape">
-              <a:avLst/>
-            </a:prstTxWarp>
-          </a:bodyPr>
+          <a:bodyPr vert="horz" wrap="square" lIns="91440" tIns="45720" rIns="91440" bIns="45720" numCol="1" anchor="b" anchorCtr="0" compatLnSpc="1"/>
           <a:lstStyle>
             <a:lvl1pPr algn="r">
               <a:defRPr sz="1200">
-                <a:latin typeface="Arial" charset="0"/>
+                <a:latin typeface="Arial" panose="020B0604020202020204" pitchFamily="34" charset="0"/>
                 <a:cs typeface="+mn-cs"/>
               </a:defRPr>
             </a:lvl1pPr>
@@ -6197,21 +6108,12 @@
             </a:pPr>
             <a:fld id="{EA86A4B5-776F-49C1-8046-01AC5D0258F9}" type="slidenum">
               <a:rPr lang="en-US" altLang="zh-CN"/>
-              <a:pPr>
-                <a:defRPr/>
-              </a:pPr>
-              <a:t>‹#›</a:t>
             </a:fld>
             <a:endParaRPr lang="en-US" altLang="zh-CN"/>
           </a:p>
         </p:txBody>
       </p:sp>
     </p:spTree>
-    <p:extLst>
-      <p:ext uri="{BB962C8B-B14F-4D97-AF65-F5344CB8AC3E}">
-        <p14:creationId xmlns:p14="http://schemas.microsoft.com/office/powerpoint/2010/main" val="1248590551"/>
-      </p:ext>
-    </p:extLst>
   </p:cSld>
   <p:clrMap bg1="lt1" tx1="dk1" bg2="lt2" tx2="dk2" accent1="accent1" accent2="accent2" accent3="accent3" accent4="accent4" accent5="accent5" accent6="accent6" hlink="hlink" folHlink="folHlink"/>
 </p:handoutMaster>
@@ -6264,22 +6166,16 @@
           <a:ln w="9525">
             <a:noFill/>
             <a:miter lim="800000"/>
-            <a:headEnd/>
-            <a:tailEnd/>
           </a:ln>
           <a:effectLst/>
         </p:spPr>
         <p:txBody>
-          <a:bodyPr vert="horz" wrap="square" lIns="91440" tIns="45720" rIns="91440" bIns="45720" numCol="1" anchor="t" anchorCtr="0" compatLnSpc="1">
-            <a:prstTxWarp prst="textNoShape">
-              <a:avLst/>
-            </a:prstTxWarp>
-          </a:bodyPr>
+          <a:bodyPr vert="horz" wrap="square" lIns="91440" tIns="45720" rIns="91440" bIns="45720" numCol="1" anchor="t" anchorCtr="0" compatLnSpc="1"/>
           <a:lstStyle>
             <a:lvl1pPr>
               <a:defRPr sz="1200" smtClean="0">
-                <a:latin typeface="Arial" pitchFamily="34" charset="0"/>
-                <a:cs typeface="Arial" pitchFamily="34" charset="0"/>
+                <a:latin typeface="Arial" panose="020B0604020202020204" pitchFamily="34" charset="0"/>
+                <a:cs typeface="Arial" panose="020B0604020202020204" pitchFamily="34" charset="0"/>
               </a:defRPr>
             </a:lvl1pPr>
           </a:lstStyle>
@@ -6313,22 +6209,16 @@
           <a:ln w="9525">
             <a:noFill/>
             <a:miter lim="800000"/>
-            <a:headEnd/>
-            <a:tailEnd/>
           </a:ln>
           <a:effectLst/>
         </p:spPr>
         <p:txBody>
-          <a:bodyPr vert="horz" wrap="square" lIns="91440" tIns="45720" rIns="91440" bIns="45720" numCol="1" anchor="t" anchorCtr="0" compatLnSpc="1">
-            <a:prstTxWarp prst="textNoShape">
-              <a:avLst/>
-            </a:prstTxWarp>
-          </a:bodyPr>
+          <a:bodyPr vert="horz" wrap="square" lIns="91440" tIns="45720" rIns="91440" bIns="45720" numCol="1" anchor="t" anchorCtr="0" compatLnSpc="1"/>
           <a:lstStyle>
             <a:lvl1pPr algn="r">
               <a:defRPr sz="1200" smtClean="0">
-                <a:latin typeface="Arial" pitchFamily="34" charset="0"/>
-                <a:cs typeface="Arial" pitchFamily="34" charset="0"/>
+                <a:latin typeface="Arial" panose="020B0604020202020204" pitchFamily="34" charset="0"/>
+                <a:cs typeface="Arial" panose="020B0604020202020204" pitchFamily="34" charset="0"/>
               </a:defRPr>
             </a:lvl1pPr>
           </a:lstStyle>
@@ -6352,8 +6242,8 @@
         </p:nvSpPr>
         <p:spPr bwMode="auto">
           <a:xfrm>
-            <a:off x="1143000" y="685800"/>
-            <a:ext cx="4572000" cy="3429000"/>
+            <a:off x="381000" y="685800"/>
+            <a:ext cx="6096000" cy="3429000"/>
           </a:xfrm>
           <a:prstGeom prst="rect">
             <a:avLst/>
@@ -6364,8 +6254,6 @@
               <a:srgbClr val="000000"/>
             </a:solidFill>
             <a:miter lim="800000"/>
-            <a:headEnd/>
-            <a:tailEnd/>
           </a:ln>
         </p:spPr>
       </p:sp>
@@ -6391,17 +6279,11 @@
           <a:ln w="9525">
             <a:noFill/>
             <a:miter lim="800000"/>
-            <a:headEnd/>
-            <a:tailEnd/>
           </a:ln>
           <a:effectLst/>
         </p:spPr>
         <p:txBody>
-          <a:bodyPr vert="horz" wrap="square" lIns="91440" tIns="45720" rIns="91440" bIns="45720" numCol="1" anchor="t" anchorCtr="0" compatLnSpc="1">
-            <a:prstTxWarp prst="textNoShape">
-              <a:avLst/>
-            </a:prstTxWarp>
-          </a:bodyPr>
+          <a:bodyPr vert="horz" wrap="square" lIns="91440" tIns="45720" rIns="91440" bIns="45720" numCol="1" anchor="t" anchorCtr="0" compatLnSpc="1"/>
           <a:lstStyle/>
           <a:p>
             <a:pPr lvl="0"/>
@@ -6409,6 +6291,7 @@
               <a:rPr lang="de-DE" noProof="0" smtClean="0"/>
               <a:t>Textmasterformate durch Klicken bearbeiten</a:t>
             </a:r>
+            <a:endParaRPr lang="de-DE" noProof="0" smtClean="0"/>
           </a:p>
           <a:p>
             <a:pPr lvl="1"/>
@@ -6416,6 +6299,7 @@
               <a:rPr lang="de-DE" noProof="0" smtClean="0"/>
               <a:t>Zweite Ebene</a:t>
             </a:r>
+            <a:endParaRPr lang="de-DE" noProof="0" smtClean="0"/>
           </a:p>
           <a:p>
             <a:pPr lvl="2"/>
@@ -6423,6 +6307,7 @@
               <a:rPr lang="de-DE" noProof="0" smtClean="0"/>
               <a:t>Dritte Ebene</a:t>
             </a:r>
+            <a:endParaRPr lang="de-DE" noProof="0" smtClean="0"/>
           </a:p>
           <a:p>
             <a:pPr lvl="3"/>
@@ -6430,6 +6315,7 @@
               <a:rPr lang="de-DE" noProof="0" smtClean="0"/>
               <a:t>Vierte Ebene</a:t>
             </a:r>
+            <a:endParaRPr lang="de-DE" noProof="0" smtClean="0"/>
           </a:p>
           <a:p>
             <a:pPr lvl="4"/>
@@ -6437,6 +6323,7 @@
               <a:rPr lang="de-DE" noProof="0" smtClean="0"/>
               <a:t>Fünfte Ebene</a:t>
             </a:r>
+            <a:endParaRPr lang="de-DE" noProof="0" smtClean="0"/>
           </a:p>
         </p:txBody>
       </p:sp>
@@ -6462,22 +6349,16 @@
           <a:ln w="9525">
             <a:noFill/>
             <a:miter lim="800000"/>
-            <a:headEnd/>
-            <a:tailEnd/>
           </a:ln>
           <a:effectLst/>
         </p:spPr>
         <p:txBody>
-          <a:bodyPr vert="horz" wrap="square" lIns="91440" tIns="45720" rIns="91440" bIns="45720" numCol="1" anchor="b" anchorCtr="0" compatLnSpc="1">
-            <a:prstTxWarp prst="textNoShape">
-              <a:avLst/>
-            </a:prstTxWarp>
-          </a:bodyPr>
+          <a:bodyPr vert="horz" wrap="square" lIns="91440" tIns="45720" rIns="91440" bIns="45720" numCol="1" anchor="b" anchorCtr="0" compatLnSpc="1"/>
           <a:lstStyle>
             <a:lvl1pPr>
               <a:defRPr sz="1200" smtClean="0">
-                <a:latin typeface="Arial" pitchFamily="34" charset="0"/>
-                <a:cs typeface="Arial" pitchFamily="34" charset="0"/>
+                <a:latin typeface="Arial" panose="020B0604020202020204" pitchFamily="34" charset="0"/>
+                <a:cs typeface="Arial" panose="020B0604020202020204" pitchFamily="34" charset="0"/>
               </a:defRPr>
             </a:lvl1pPr>
           </a:lstStyle>
@@ -6511,22 +6392,16 @@
           <a:ln w="9525">
             <a:noFill/>
             <a:miter lim="800000"/>
-            <a:headEnd/>
-            <a:tailEnd/>
           </a:ln>
           <a:effectLst/>
         </p:spPr>
         <p:txBody>
-          <a:bodyPr vert="horz" wrap="square" lIns="91440" tIns="45720" rIns="91440" bIns="45720" numCol="1" anchor="b" anchorCtr="0" compatLnSpc="1">
-            <a:prstTxWarp prst="textNoShape">
-              <a:avLst/>
-            </a:prstTxWarp>
-          </a:bodyPr>
+          <a:bodyPr vert="horz" wrap="square" lIns="91440" tIns="45720" rIns="91440" bIns="45720" numCol="1" anchor="b" anchorCtr="0" compatLnSpc="1"/>
           <a:lstStyle>
             <a:lvl1pPr algn="r">
               <a:defRPr sz="1200" smtClean="0">
-                <a:latin typeface="Arial" pitchFamily="34" charset="0"/>
-                <a:cs typeface="Arial" pitchFamily="34" charset="0"/>
+                <a:latin typeface="Arial" panose="020B0604020202020204" pitchFamily="34" charset="0"/>
+                <a:cs typeface="Arial" panose="020B0604020202020204" pitchFamily="34" charset="0"/>
               </a:defRPr>
             </a:lvl1pPr>
           </a:lstStyle>
@@ -6536,21 +6411,12 @@
             </a:pPr>
             <a:fld id="{AD744E2D-6CE4-438C-B9A0-AF7F3BF83E59}" type="slidenum">
               <a:rPr lang="de-DE" altLang="zh-CN"/>
-              <a:pPr>
-                <a:defRPr/>
-              </a:pPr>
-              <a:t>‹#›</a:t>
             </a:fld>
             <a:endParaRPr lang="de-DE" altLang="zh-CN"/>
           </a:p>
         </p:txBody>
       </p:sp>
     </p:spTree>
-    <p:extLst>
-      <p:ext uri="{BB962C8B-B14F-4D97-AF65-F5344CB8AC3E}">
-        <p14:creationId xmlns:p14="http://schemas.microsoft.com/office/powerpoint/2010/main" val="2489988134"/>
-      </p:ext>
-    </p:extLst>
   </p:cSld>
   <p:clrMap bg1="lt1" tx1="dk1" bg2="lt2" tx2="dk2" accent1="accent1" accent2="accent2" accent3="accent3" accent4="accent4" accent5="accent5" accent6="accent6" hlink="hlink" folHlink="folHlink"/>
   <p:notesStyle>
@@ -6565,7 +6431,7 @@
         <a:solidFill>
           <a:schemeClr val="tx1"/>
         </a:solidFill>
-        <a:latin typeface="Arial" charset="0"/>
+        <a:latin typeface="Arial" panose="020B0604020202020204" pitchFamily="34" charset="0"/>
         <a:ea typeface="+mn-ea"/>
         <a:cs typeface="+mn-cs"/>
       </a:defRPr>
@@ -6581,7 +6447,7 @@
         <a:solidFill>
           <a:schemeClr val="tx1"/>
         </a:solidFill>
-        <a:latin typeface="Arial" charset="0"/>
+        <a:latin typeface="Arial" panose="020B0604020202020204" pitchFamily="34" charset="0"/>
         <a:ea typeface="+mn-ea"/>
         <a:cs typeface="+mn-cs"/>
       </a:defRPr>
@@ -6597,7 +6463,7 @@
         <a:solidFill>
           <a:schemeClr val="tx1"/>
         </a:solidFill>
-        <a:latin typeface="Arial" charset="0"/>
+        <a:latin typeface="Arial" panose="020B0604020202020204" pitchFamily="34" charset="0"/>
         <a:ea typeface="+mn-ea"/>
         <a:cs typeface="+mn-cs"/>
       </a:defRPr>
@@ -6613,7 +6479,7 @@
         <a:solidFill>
           <a:schemeClr val="tx1"/>
         </a:solidFill>
-        <a:latin typeface="Arial" charset="0"/>
+        <a:latin typeface="Arial" panose="020B0604020202020204" pitchFamily="34" charset="0"/>
         <a:ea typeface="+mn-ea"/>
         <a:cs typeface="+mn-cs"/>
       </a:defRPr>
@@ -6629,7 +6495,7 @@
         <a:solidFill>
           <a:schemeClr val="tx1"/>
         </a:solidFill>
-        <a:latin typeface="Arial" charset="0"/>
+        <a:latin typeface="Arial" panose="020B0604020202020204" pitchFamily="34" charset="0"/>
         <a:ea typeface="+mn-ea"/>
         <a:cs typeface="+mn-cs"/>
       </a:defRPr>
@@ -6752,21 +6618,12 @@
             </a:pPr>
             <a:fld id="{2D70A793-C072-4DB4-AAF5-69ED796BA566}" type="slidenum">
               <a:rPr lang="en-US" altLang="zh-CN" smtClean="0"/>
-              <a:pPr>
-                <a:defRPr/>
-              </a:pPr>
-              <a:t>5</a:t>
             </a:fld>
             <a:endParaRPr lang="en-US" altLang="zh-CN" dirty="0"/>
           </a:p>
         </p:txBody>
       </p:sp>
     </p:spTree>
-    <p:extLst>
-      <p:ext uri="{BB962C8B-B14F-4D97-AF65-F5344CB8AC3E}">
-        <p14:creationId xmlns:p14="http://schemas.microsoft.com/office/powerpoint/2010/main" val="4208371118"/>
-      </p:ext>
-    </p:extLst>
   </p:cSld>
   <p:clrMapOvr>
     <a:masterClrMapping/>
@@ -6848,21 +6705,12 @@
             </a:pPr>
             <a:fld id="{AD744E2D-6CE4-438C-B9A0-AF7F3BF83E59}" type="slidenum">
               <a:rPr lang="de-DE" altLang="zh-CN" smtClean="0"/>
-              <a:pPr>
-                <a:defRPr/>
-              </a:pPr>
-              <a:t>6</a:t>
             </a:fld>
             <a:endParaRPr lang="de-DE" altLang="zh-CN"/>
           </a:p>
         </p:txBody>
       </p:sp>
     </p:spTree>
-    <p:extLst>
-      <p:ext uri="{BB962C8B-B14F-4D97-AF65-F5344CB8AC3E}">
-        <p14:creationId xmlns:p14="http://schemas.microsoft.com/office/powerpoint/2010/main" val="1764242700"/>
-      </p:ext>
-    </p:extLst>
   </p:cSld>
   <p:clrMapOvr>
     <a:masterClrMapping/>
@@ -6940,21 +6788,12 @@
             </a:pPr>
             <a:fld id="{AD744E2D-6CE4-438C-B9A0-AF7F3BF83E59}" type="slidenum">
               <a:rPr lang="de-DE" altLang="zh-CN" smtClean="0"/>
-              <a:pPr>
-                <a:defRPr/>
-              </a:pPr>
-              <a:t>7</a:t>
             </a:fld>
             <a:endParaRPr lang="de-DE" altLang="zh-CN"/>
           </a:p>
         </p:txBody>
       </p:sp>
     </p:spTree>
-    <p:extLst>
-      <p:ext uri="{BB962C8B-B14F-4D97-AF65-F5344CB8AC3E}">
-        <p14:creationId xmlns:p14="http://schemas.microsoft.com/office/powerpoint/2010/main" val="3512475025"/>
-      </p:ext>
-    </p:extLst>
   </p:cSld>
   <p:clrMapOvr>
     <a:masterClrMapping/>
@@ -7041,21 +6880,12 @@
             </a:pPr>
             <a:fld id="{AD744E2D-6CE4-438C-B9A0-AF7F3BF83E59}" type="slidenum">
               <a:rPr lang="de-DE" altLang="zh-CN" smtClean="0"/>
-              <a:pPr>
-                <a:defRPr/>
-              </a:pPr>
-              <a:t>8</a:t>
             </a:fld>
             <a:endParaRPr lang="de-DE" altLang="zh-CN"/>
           </a:p>
         </p:txBody>
       </p:sp>
     </p:spTree>
-    <p:extLst>
-      <p:ext uri="{BB962C8B-B14F-4D97-AF65-F5344CB8AC3E}">
-        <p14:creationId xmlns:p14="http://schemas.microsoft.com/office/powerpoint/2010/main" val="3823127492"/>
-      </p:ext>
-    </p:extLst>
   </p:cSld>
   <p:clrMapOvr>
     <a:masterClrMapping/>
@@ -7153,21 +6983,12 @@
             </a:pPr>
             <a:fld id="{AD744E2D-6CE4-438C-B9A0-AF7F3BF83E59}" type="slidenum">
               <a:rPr lang="de-DE" altLang="zh-CN" smtClean="0"/>
-              <a:pPr>
-                <a:defRPr/>
-              </a:pPr>
-              <a:t>9</a:t>
             </a:fld>
             <a:endParaRPr lang="de-DE" altLang="zh-CN"/>
           </a:p>
         </p:txBody>
       </p:sp>
     </p:spTree>
-    <p:extLst>
-      <p:ext uri="{BB962C8B-B14F-4D97-AF65-F5344CB8AC3E}">
-        <p14:creationId xmlns:p14="http://schemas.microsoft.com/office/powerpoint/2010/main" val="3008746446"/>
-      </p:ext>
-    </p:extLst>
   </p:cSld>
   <p:clrMapOvr>
     <a:masterClrMapping/>
@@ -7245,21 +7066,12 @@
             </a:pPr>
             <a:fld id="{AD744E2D-6CE4-438C-B9A0-AF7F3BF83E59}" type="slidenum">
               <a:rPr lang="de-DE" altLang="zh-CN" smtClean="0"/>
-              <a:pPr>
-                <a:defRPr/>
-              </a:pPr>
-              <a:t>10</a:t>
             </a:fld>
             <a:endParaRPr lang="de-DE" altLang="zh-CN"/>
           </a:p>
         </p:txBody>
       </p:sp>
     </p:spTree>
-    <p:extLst>
-      <p:ext uri="{BB962C8B-B14F-4D97-AF65-F5344CB8AC3E}">
-        <p14:creationId xmlns:p14="http://schemas.microsoft.com/office/powerpoint/2010/main" val="4243764144"/>
-      </p:ext>
-    </p:extLst>
   </p:cSld>
   <p:clrMapOvr>
     <a:masterClrMapping/>
@@ -7337,21 +7149,12 @@
             </a:pPr>
             <a:fld id="{AD744E2D-6CE4-438C-B9A0-AF7F3BF83E59}" type="slidenum">
               <a:rPr lang="de-DE" altLang="zh-CN" smtClean="0"/>
-              <a:pPr>
-                <a:defRPr/>
-              </a:pPr>
-              <a:t>12</a:t>
             </a:fld>
             <a:endParaRPr lang="de-DE" altLang="zh-CN"/>
           </a:p>
         </p:txBody>
       </p:sp>
     </p:spTree>
-    <p:extLst>
-      <p:ext uri="{BB962C8B-B14F-4D97-AF65-F5344CB8AC3E}">
-        <p14:creationId xmlns:p14="http://schemas.microsoft.com/office/powerpoint/2010/main" val="819890167"/>
-      </p:ext>
-    </p:extLst>
   </p:cSld>
   <p:clrMapOvr>
     <a:masterClrMapping/>
@@ -7429,21 +7232,12 @@
             </a:pPr>
             <a:fld id="{AD744E2D-6CE4-438C-B9A0-AF7F3BF83E59}" type="slidenum">
               <a:rPr lang="de-DE" altLang="zh-CN" smtClean="0"/>
-              <a:pPr>
-                <a:defRPr/>
-              </a:pPr>
-              <a:t>14</a:t>
             </a:fld>
             <a:endParaRPr lang="de-DE" altLang="zh-CN"/>
           </a:p>
         </p:txBody>
       </p:sp>
     </p:spTree>
-    <p:extLst>
-      <p:ext uri="{BB962C8B-B14F-4D97-AF65-F5344CB8AC3E}">
-        <p14:creationId xmlns:p14="http://schemas.microsoft.com/office/powerpoint/2010/main" val="4117909486"/>
-      </p:ext>
-    </p:extLst>
   </p:cSld>
   <p:clrMapOvr>
     <a:masterClrMapping/>
@@ -7452,7 +7246,7 @@
 </file>
 
 <file path=ppt/slideLayouts/slideLayout1.xml><?xml version="1.0" encoding="utf-8"?>
-<p:sldLayout xmlns:a="http://schemas.openxmlformats.org/drawingml/2006/main" xmlns:r="http://schemas.openxmlformats.org/officeDocument/2006/relationships" xmlns:p="http://schemas.openxmlformats.org/presentationml/2006/main" showMasterSp="0" type="title" preserve="1">
+<p:sldLayout xmlns:a="http://schemas.openxmlformats.org/drawingml/2006/main" xmlns:r="http://schemas.openxmlformats.org/officeDocument/2006/relationships" xmlns:p="http://schemas.openxmlformats.org/presentationml/2006/main" type="title" preserve="1" showMasterSp="0">
   <p:cSld name="标题幻灯片">
     <p:bg>
       <p:bgPr>
@@ -7498,8 +7292,8 @@
         </p:nvSpPr>
         <p:spPr>
           <a:xfrm>
-            <a:off x="863600" y="4271963"/>
-            <a:ext cx="7485063" cy="1081087"/>
+            <a:off x="1151467" y="4271963"/>
+            <a:ext cx="9980084" cy="1081087"/>
           </a:xfrm>
         </p:spPr>
         <p:txBody>
@@ -7521,6 +7315,7 @@
               <a:rPr lang="de-DE" dirty="0"/>
               <a:t>Titelmasterformat durch Klicken bearbeiten</a:t>
             </a:r>
+            <a:endParaRPr lang="de-DE" dirty="0"/>
           </a:p>
         </p:txBody>
       </p:sp>
@@ -7536,15 +7331,15 @@
         </p:nvSpPr>
         <p:spPr bwMode="gray">
           <a:xfrm>
-            <a:off x="863600" y="5284788"/>
-            <a:ext cx="7510463" cy="800100"/>
+            <a:off x="1151467" y="5284788"/>
+            <a:ext cx="10013951" cy="800100"/>
           </a:xfrm>
         </p:spPr>
         <p:txBody>
           <a:bodyPr tIns="45720" bIns="45720"/>
           <a:lstStyle>
             <a:lvl1pPr marL="0" indent="0">
-              <a:buFont typeface="Wingdings" charset="2"/>
+              <a:buFont typeface="Wingdings" panose="05000000000000000000" pitchFamily="2" charset="2"/>
               <a:buNone/>
               <a:defRPr sz="2400"/>
             </a:lvl1pPr>
@@ -7554,6 +7349,7 @@
               <a:rPr lang="de-DE" dirty="0"/>
               <a:t>Formatvorlage des Untertitelmasters durch Klicken bearbeiten</a:t>
             </a:r>
+            <a:endParaRPr lang="de-DE" dirty="0"/>
           </a:p>
         </p:txBody>
       </p:sp>
@@ -7569,8 +7365,8 @@
         </p:nvSpPr>
         <p:spPr>
           <a:xfrm>
-            <a:off x="3124200" y="6245225"/>
-            <a:ext cx="2895600" cy="476250"/>
+            <a:off x="4165600" y="6245225"/>
+            <a:ext cx="3860800" cy="476250"/>
           </a:xfrm>
         </p:spPr>
         <p:txBody>
@@ -7614,8 +7410,8 @@
         </p:blipFill>
         <p:spPr>
           <a:xfrm>
-            <a:off x="5462081" y="6269850"/>
-            <a:ext cx="3653413" cy="563436"/>
+            <a:off x="7282775" y="6269850"/>
+            <a:ext cx="4871217" cy="563436"/>
           </a:xfrm>
           <a:prstGeom prst="rect">
             <a:avLst/>
@@ -7690,6 +7486,7 @@
               <a:rPr lang="zh-CN" altLang="en-US" smtClean="0"/>
               <a:t>单击此处编辑母版文本样式</a:t>
             </a:r>
+            <a:endParaRPr lang="zh-CN" altLang="en-US" smtClean="0"/>
           </a:p>
           <a:p>
             <a:pPr lvl="1"/>
@@ -7697,6 +7494,7 @@
               <a:rPr lang="zh-CN" altLang="en-US" smtClean="0"/>
               <a:t>第二级</a:t>
             </a:r>
+            <a:endParaRPr lang="zh-CN" altLang="en-US" smtClean="0"/>
           </a:p>
           <a:p>
             <a:pPr lvl="2"/>
@@ -7704,6 +7502,7 @@
               <a:rPr lang="zh-CN" altLang="en-US" smtClean="0"/>
               <a:t>第三级</a:t>
             </a:r>
+            <a:endParaRPr lang="zh-CN" altLang="en-US" smtClean="0"/>
           </a:p>
           <a:p>
             <a:pPr lvl="3"/>
@@ -7711,6 +7510,7 @@
               <a:rPr lang="zh-CN" altLang="en-US" smtClean="0"/>
               <a:t>第四级</a:t>
             </a:r>
+            <a:endParaRPr lang="zh-CN" altLang="en-US" smtClean="0"/>
           </a:p>
           <a:p>
             <a:pPr lvl="4"/>
@@ -7732,9 +7532,7 @@
             <p:ph type="ftr" sz="quarter" idx="10"/>
           </p:nvPr>
         </p:nvSpPr>
-        <p:spPr>
-          <a:ln/>
-        </p:spPr>
+        <p:spPr/>
         <p:txBody>
           <a:bodyPr/>
           <a:lstStyle>
@@ -7787,8 +7585,8 @@
         </p:nvSpPr>
         <p:spPr>
           <a:xfrm>
-            <a:off x="6689725" y="252413"/>
-            <a:ext cx="2130425" cy="5549900"/>
+            <a:off x="8919633" y="252413"/>
+            <a:ext cx="2840567" cy="5549900"/>
           </a:xfrm>
         </p:spPr>
         <p:txBody>
@@ -7815,8 +7613,8 @@
         </p:nvSpPr>
         <p:spPr>
           <a:xfrm>
-            <a:off x="295275" y="252413"/>
-            <a:ext cx="6242050" cy="5549900"/>
+            <a:off x="393700" y="252413"/>
+            <a:ext cx="8322733" cy="5549900"/>
           </a:xfrm>
         </p:spPr>
         <p:txBody>
@@ -7828,6 +7626,7 @@
               <a:rPr lang="zh-CN" altLang="en-US" smtClean="0"/>
               <a:t>单击此处编辑母版文本样式</a:t>
             </a:r>
+            <a:endParaRPr lang="zh-CN" altLang="en-US" smtClean="0"/>
           </a:p>
           <a:p>
             <a:pPr lvl="1"/>
@@ -7835,6 +7634,7 @@
               <a:rPr lang="zh-CN" altLang="en-US" smtClean="0"/>
               <a:t>第二级</a:t>
             </a:r>
+            <a:endParaRPr lang="zh-CN" altLang="en-US" smtClean="0"/>
           </a:p>
           <a:p>
             <a:pPr lvl="2"/>
@@ -7842,6 +7642,7 @@
               <a:rPr lang="zh-CN" altLang="en-US" smtClean="0"/>
               <a:t>第三级</a:t>
             </a:r>
+            <a:endParaRPr lang="zh-CN" altLang="en-US" smtClean="0"/>
           </a:p>
           <a:p>
             <a:pPr lvl="3"/>
@@ -7849,6 +7650,7 @@
               <a:rPr lang="zh-CN" altLang="en-US" smtClean="0"/>
               <a:t>第四级</a:t>
             </a:r>
+            <a:endParaRPr lang="zh-CN" altLang="en-US" smtClean="0"/>
           </a:p>
           <a:p>
             <a:pPr lvl="4"/>
@@ -7870,9 +7672,7 @@
             <p:ph type="ftr" sz="quarter" idx="10"/>
           </p:nvPr>
         </p:nvSpPr>
-        <p:spPr>
-          <a:ln/>
-        </p:spPr>
+        <p:spPr/>
         <p:txBody>
           <a:bodyPr/>
           <a:lstStyle>
@@ -7956,6 +7756,7 @@
               <a:rPr lang="zh-CN" altLang="en-US" smtClean="0"/>
               <a:t>单击此处编辑母版文本样式</a:t>
             </a:r>
+            <a:endParaRPr lang="zh-CN" altLang="en-US" smtClean="0"/>
           </a:p>
           <a:p>
             <a:pPr lvl="1"/>
@@ -7963,6 +7764,7 @@
               <a:rPr lang="zh-CN" altLang="en-US" smtClean="0"/>
               <a:t>第二级</a:t>
             </a:r>
+            <a:endParaRPr lang="zh-CN" altLang="en-US" smtClean="0"/>
           </a:p>
           <a:p>
             <a:pPr lvl="2"/>
@@ -7970,6 +7772,7 @@
               <a:rPr lang="zh-CN" altLang="en-US" smtClean="0"/>
               <a:t>第三级</a:t>
             </a:r>
+            <a:endParaRPr lang="zh-CN" altLang="en-US" smtClean="0"/>
           </a:p>
           <a:p>
             <a:pPr lvl="3"/>
@@ -7977,6 +7780,7 @@
               <a:rPr lang="zh-CN" altLang="en-US" smtClean="0"/>
               <a:t>第四级</a:t>
             </a:r>
+            <a:endParaRPr lang="zh-CN" altLang="en-US" smtClean="0"/>
           </a:p>
           <a:p>
             <a:pPr lvl="4"/>
@@ -7998,9 +7802,7 @@
             <p:ph type="ftr" sz="quarter" idx="10"/>
           </p:nvPr>
         </p:nvSpPr>
-        <p:spPr>
-          <a:ln/>
-        </p:spPr>
+        <p:spPr/>
         <p:txBody>
           <a:bodyPr/>
           <a:lstStyle>
@@ -8053,8 +7855,8 @@
         </p:nvSpPr>
         <p:spPr>
           <a:xfrm>
-            <a:off x="722313" y="4406900"/>
-            <a:ext cx="7772400" cy="1362075"/>
+            <a:off x="963084" y="4406900"/>
+            <a:ext cx="10363200" cy="1362075"/>
           </a:xfrm>
         </p:spPr>
         <p:txBody>
@@ -8085,8 +7887,8 @@
         </p:nvSpPr>
         <p:spPr>
           <a:xfrm>
-            <a:off x="722313" y="2906713"/>
-            <a:ext cx="7772400" cy="1500187"/>
+            <a:off x="963084" y="2906713"/>
+            <a:ext cx="10363200" cy="1500187"/>
           </a:xfrm>
         </p:spPr>
         <p:txBody>
@@ -8135,6 +7937,7 @@
               <a:rPr lang="zh-CN" altLang="en-US" smtClean="0"/>
               <a:t>单击此处编辑母版文本样式</a:t>
             </a:r>
+            <a:endParaRPr lang="zh-CN" altLang="en-US" smtClean="0"/>
           </a:p>
         </p:txBody>
       </p:sp>
@@ -8148,9 +7951,7 @@
             <p:ph type="ftr" sz="quarter" idx="10"/>
           </p:nvPr>
         </p:nvSpPr>
-        <p:spPr>
-          <a:ln/>
-        </p:spPr>
+        <p:spPr/>
         <p:txBody>
           <a:bodyPr/>
           <a:lstStyle>
@@ -8226,8 +8027,8 @@
         </p:nvSpPr>
         <p:spPr>
           <a:xfrm>
-            <a:off x="295275" y="1489075"/>
-            <a:ext cx="4186238" cy="4313238"/>
+            <a:off x="393700" y="1489075"/>
+            <a:ext cx="5581651" cy="4313238"/>
           </a:xfrm>
         </p:spPr>
         <p:txBody>
@@ -8267,6 +8068,7 @@
               <a:rPr lang="zh-CN" altLang="en-US" smtClean="0"/>
               <a:t>单击此处编辑母版文本样式</a:t>
             </a:r>
+            <a:endParaRPr lang="zh-CN" altLang="en-US" smtClean="0"/>
           </a:p>
           <a:p>
             <a:pPr lvl="1"/>
@@ -8274,6 +8076,7 @@
               <a:rPr lang="zh-CN" altLang="en-US" smtClean="0"/>
               <a:t>第二级</a:t>
             </a:r>
+            <a:endParaRPr lang="zh-CN" altLang="en-US" smtClean="0"/>
           </a:p>
           <a:p>
             <a:pPr lvl="2"/>
@@ -8281,6 +8084,7 @@
               <a:rPr lang="zh-CN" altLang="en-US" smtClean="0"/>
               <a:t>第三级</a:t>
             </a:r>
+            <a:endParaRPr lang="zh-CN" altLang="en-US" smtClean="0"/>
           </a:p>
           <a:p>
             <a:pPr lvl="3"/>
@@ -8288,6 +8092,7 @@
               <a:rPr lang="zh-CN" altLang="en-US" smtClean="0"/>
               <a:t>第四级</a:t>
             </a:r>
+            <a:endParaRPr lang="zh-CN" altLang="en-US" smtClean="0"/>
           </a:p>
           <a:p>
             <a:pPr lvl="4"/>
@@ -8311,8 +8116,8 @@
         </p:nvSpPr>
         <p:spPr>
           <a:xfrm>
-            <a:off x="4633913" y="1489075"/>
-            <a:ext cx="4186237" cy="4313238"/>
+            <a:off x="6178551" y="1489075"/>
+            <a:ext cx="5581649" cy="4313238"/>
           </a:xfrm>
         </p:spPr>
         <p:txBody>
@@ -8352,6 +8157,7 @@
               <a:rPr lang="zh-CN" altLang="en-US" smtClean="0"/>
               <a:t>单击此处编辑母版文本样式</a:t>
             </a:r>
+            <a:endParaRPr lang="zh-CN" altLang="en-US" smtClean="0"/>
           </a:p>
           <a:p>
             <a:pPr lvl="1"/>
@@ -8359,6 +8165,7 @@
               <a:rPr lang="zh-CN" altLang="en-US" smtClean="0"/>
               <a:t>第二级</a:t>
             </a:r>
+            <a:endParaRPr lang="zh-CN" altLang="en-US" smtClean="0"/>
           </a:p>
           <a:p>
             <a:pPr lvl="2"/>
@@ -8366,6 +8173,7 @@
               <a:rPr lang="zh-CN" altLang="en-US" smtClean="0"/>
               <a:t>第三级</a:t>
             </a:r>
+            <a:endParaRPr lang="zh-CN" altLang="en-US" smtClean="0"/>
           </a:p>
           <a:p>
             <a:pPr lvl="3"/>
@@ -8373,6 +8181,7 @@
               <a:rPr lang="zh-CN" altLang="en-US" smtClean="0"/>
               <a:t>第四级</a:t>
             </a:r>
+            <a:endParaRPr lang="zh-CN" altLang="en-US" smtClean="0"/>
           </a:p>
           <a:p>
             <a:pPr lvl="4"/>
@@ -8394,9 +8203,7 @@
             <p:ph type="ftr" sz="quarter" idx="10"/>
           </p:nvPr>
         </p:nvSpPr>
-        <p:spPr>
-          <a:ln/>
-        </p:spPr>
+        <p:spPr/>
         <p:txBody>
           <a:bodyPr/>
           <a:lstStyle>
@@ -8449,8 +8256,8 @@
         </p:nvSpPr>
         <p:spPr>
           <a:xfrm>
-            <a:off x="457200" y="274638"/>
-            <a:ext cx="8229600" cy="1143000"/>
+            <a:off x="609600" y="274638"/>
+            <a:ext cx="10972800" cy="1143000"/>
           </a:xfrm>
         </p:spPr>
         <p:txBody>
@@ -8481,8 +8288,8 @@
         </p:nvSpPr>
         <p:spPr>
           <a:xfrm>
-            <a:off x="457200" y="1535113"/>
-            <a:ext cx="4040188" cy="639762"/>
+            <a:off x="609600" y="1535113"/>
+            <a:ext cx="5386917" cy="639762"/>
           </a:xfrm>
         </p:spPr>
         <p:txBody>
@@ -8531,6 +8338,7 @@
               <a:rPr lang="zh-CN" altLang="en-US" smtClean="0"/>
               <a:t>单击此处编辑母版文本样式</a:t>
             </a:r>
+            <a:endParaRPr lang="zh-CN" altLang="en-US" smtClean="0"/>
           </a:p>
         </p:txBody>
       </p:sp>
@@ -8546,8 +8354,8 @@
         </p:nvSpPr>
         <p:spPr>
           <a:xfrm>
-            <a:off x="457200" y="2174875"/>
-            <a:ext cx="4040188" cy="3951288"/>
+            <a:off x="609600" y="2174875"/>
+            <a:ext cx="5386917" cy="3951288"/>
           </a:xfrm>
         </p:spPr>
         <p:txBody>
@@ -8587,6 +8395,7 @@
               <a:rPr lang="zh-CN" altLang="en-US" smtClean="0"/>
               <a:t>单击此处编辑母版文本样式</a:t>
             </a:r>
+            <a:endParaRPr lang="zh-CN" altLang="en-US" smtClean="0"/>
           </a:p>
           <a:p>
             <a:pPr lvl="1"/>
@@ -8594,6 +8403,7 @@
               <a:rPr lang="zh-CN" altLang="en-US" smtClean="0"/>
               <a:t>第二级</a:t>
             </a:r>
+            <a:endParaRPr lang="zh-CN" altLang="en-US" smtClean="0"/>
           </a:p>
           <a:p>
             <a:pPr lvl="2"/>
@@ -8601,6 +8411,7 @@
               <a:rPr lang="zh-CN" altLang="en-US" smtClean="0"/>
               <a:t>第三级</a:t>
             </a:r>
+            <a:endParaRPr lang="zh-CN" altLang="en-US" smtClean="0"/>
           </a:p>
           <a:p>
             <a:pPr lvl="3"/>
@@ -8608,6 +8419,7 @@
               <a:rPr lang="zh-CN" altLang="en-US" smtClean="0"/>
               <a:t>第四级</a:t>
             </a:r>
+            <a:endParaRPr lang="zh-CN" altLang="en-US" smtClean="0"/>
           </a:p>
           <a:p>
             <a:pPr lvl="4"/>
@@ -8631,8 +8443,8 @@
         </p:nvSpPr>
         <p:spPr>
           <a:xfrm>
-            <a:off x="4645025" y="1535113"/>
-            <a:ext cx="4041775" cy="639762"/>
+            <a:off x="6193367" y="1535113"/>
+            <a:ext cx="5389033" cy="639762"/>
           </a:xfrm>
         </p:spPr>
         <p:txBody>
@@ -8681,6 +8493,7 @@
               <a:rPr lang="zh-CN" altLang="en-US" smtClean="0"/>
               <a:t>单击此处编辑母版文本样式</a:t>
             </a:r>
+            <a:endParaRPr lang="zh-CN" altLang="en-US" smtClean="0"/>
           </a:p>
         </p:txBody>
       </p:sp>
@@ -8696,8 +8509,8 @@
         </p:nvSpPr>
         <p:spPr>
           <a:xfrm>
-            <a:off x="4645025" y="2174875"/>
-            <a:ext cx="4041775" cy="3951288"/>
+            <a:off x="6193367" y="2174875"/>
+            <a:ext cx="5389033" cy="3951288"/>
           </a:xfrm>
         </p:spPr>
         <p:txBody>
@@ -8737,6 +8550,7 @@
               <a:rPr lang="zh-CN" altLang="en-US" smtClean="0"/>
               <a:t>单击此处编辑母版文本样式</a:t>
             </a:r>
+            <a:endParaRPr lang="zh-CN" altLang="en-US" smtClean="0"/>
           </a:p>
           <a:p>
             <a:pPr lvl="1"/>
@@ -8744,6 +8558,7 @@
               <a:rPr lang="zh-CN" altLang="en-US" smtClean="0"/>
               <a:t>第二级</a:t>
             </a:r>
+            <a:endParaRPr lang="zh-CN" altLang="en-US" smtClean="0"/>
           </a:p>
           <a:p>
             <a:pPr lvl="2"/>
@@ -8751,6 +8566,7 @@
               <a:rPr lang="zh-CN" altLang="en-US" smtClean="0"/>
               <a:t>第三级</a:t>
             </a:r>
+            <a:endParaRPr lang="zh-CN" altLang="en-US" smtClean="0"/>
           </a:p>
           <a:p>
             <a:pPr lvl="3"/>
@@ -8758,6 +8574,7 @@
               <a:rPr lang="zh-CN" altLang="en-US" smtClean="0"/>
               <a:t>第四级</a:t>
             </a:r>
+            <a:endParaRPr lang="zh-CN" altLang="en-US" smtClean="0"/>
           </a:p>
           <a:p>
             <a:pPr lvl="4"/>
@@ -8779,9 +8596,7 @@
             <p:ph type="ftr" sz="quarter" idx="10"/>
           </p:nvPr>
         </p:nvSpPr>
-        <p:spPr>
-          <a:ln/>
-        </p:spPr>
+        <p:spPr/>
         <p:txBody>
           <a:bodyPr/>
           <a:lstStyle>
@@ -8855,9 +8670,7 @@
             <p:ph type="ftr" sz="quarter" idx="10"/>
           </p:nvPr>
         </p:nvSpPr>
-        <p:spPr>
-          <a:ln/>
-        </p:spPr>
+        <p:spPr/>
         <p:txBody>
           <a:bodyPr/>
           <a:lstStyle>
@@ -8908,9 +8721,7 @@
             <p:ph type="ftr" sz="quarter" idx="10"/>
           </p:nvPr>
         </p:nvSpPr>
-        <p:spPr>
-          <a:ln/>
-        </p:spPr>
+        <p:spPr/>
         <p:txBody>
           <a:bodyPr/>
           <a:lstStyle>
@@ -8963,8 +8774,8 @@
         </p:nvSpPr>
         <p:spPr>
           <a:xfrm>
-            <a:off x="457200" y="273050"/>
-            <a:ext cx="3008313" cy="1162050"/>
+            <a:off x="609600" y="273050"/>
+            <a:ext cx="4011084" cy="1162050"/>
           </a:xfrm>
         </p:spPr>
         <p:txBody>
@@ -8995,8 +8806,8 @@
         </p:nvSpPr>
         <p:spPr>
           <a:xfrm>
-            <a:off x="3575050" y="273050"/>
-            <a:ext cx="5111750" cy="5853113"/>
+            <a:off x="4766733" y="273050"/>
+            <a:ext cx="6815667" cy="5853113"/>
           </a:xfrm>
         </p:spPr>
         <p:txBody>
@@ -9036,6 +8847,7 @@
               <a:rPr lang="zh-CN" altLang="en-US" smtClean="0"/>
               <a:t>单击此处编辑母版文本样式</a:t>
             </a:r>
+            <a:endParaRPr lang="zh-CN" altLang="en-US" smtClean="0"/>
           </a:p>
           <a:p>
             <a:pPr lvl="1"/>
@@ -9043,6 +8855,7 @@
               <a:rPr lang="zh-CN" altLang="en-US" smtClean="0"/>
               <a:t>第二级</a:t>
             </a:r>
+            <a:endParaRPr lang="zh-CN" altLang="en-US" smtClean="0"/>
           </a:p>
           <a:p>
             <a:pPr lvl="2"/>
@@ -9050,6 +8863,7 @@
               <a:rPr lang="zh-CN" altLang="en-US" smtClean="0"/>
               <a:t>第三级</a:t>
             </a:r>
+            <a:endParaRPr lang="zh-CN" altLang="en-US" smtClean="0"/>
           </a:p>
           <a:p>
             <a:pPr lvl="3"/>
@@ -9057,6 +8871,7 @@
               <a:rPr lang="zh-CN" altLang="en-US" smtClean="0"/>
               <a:t>第四级</a:t>
             </a:r>
+            <a:endParaRPr lang="zh-CN" altLang="en-US" smtClean="0"/>
           </a:p>
           <a:p>
             <a:pPr lvl="4"/>
@@ -9080,8 +8895,8 @@
         </p:nvSpPr>
         <p:spPr>
           <a:xfrm>
-            <a:off x="457200" y="1435100"/>
-            <a:ext cx="3008313" cy="4691063"/>
+            <a:off x="609600" y="1435100"/>
+            <a:ext cx="4011084" cy="4691063"/>
           </a:xfrm>
         </p:spPr>
         <p:txBody>
@@ -9130,6 +8945,7 @@
               <a:rPr lang="zh-CN" altLang="en-US" smtClean="0"/>
               <a:t>单击此处编辑母版文本样式</a:t>
             </a:r>
+            <a:endParaRPr lang="zh-CN" altLang="en-US" smtClean="0"/>
           </a:p>
         </p:txBody>
       </p:sp>
@@ -9143,9 +8959,7 @@
             <p:ph type="ftr" sz="quarter" idx="10"/>
           </p:nvPr>
         </p:nvSpPr>
-        <p:spPr>
-          <a:ln/>
-        </p:spPr>
+        <p:spPr/>
         <p:txBody>
           <a:bodyPr/>
           <a:lstStyle>
@@ -9198,8 +9012,8 @@
         </p:nvSpPr>
         <p:spPr>
           <a:xfrm>
-            <a:off x="1792288" y="4800600"/>
-            <a:ext cx="5486400" cy="566738"/>
+            <a:off x="2389717" y="4800600"/>
+            <a:ext cx="7315200" cy="566738"/>
           </a:xfrm>
         </p:spPr>
         <p:txBody>
@@ -9230,8 +9044,8 @@
         </p:nvSpPr>
         <p:spPr>
           <a:xfrm>
-            <a:off x="1792288" y="612775"/>
-            <a:ext cx="5486400" cy="4114800"/>
+            <a:off x="2389717" y="612775"/>
+            <a:ext cx="7315200" cy="4114800"/>
           </a:xfrm>
         </p:spPr>
         <p:txBody>
@@ -9292,8 +9106,8 @@
         </p:nvSpPr>
         <p:spPr>
           <a:xfrm>
-            <a:off x="1792288" y="5367338"/>
-            <a:ext cx="5486400" cy="804862"/>
+            <a:off x="2389717" y="5367338"/>
+            <a:ext cx="7315200" cy="804862"/>
           </a:xfrm>
         </p:spPr>
         <p:txBody>
@@ -9342,6 +9156,7 @@
               <a:rPr lang="zh-CN" altLang="en-US" smtClean="0"/>
               <a:t>单击此处编辑母版文本样式</a:t>
             </a:r>
+            <a:endParaRPr lang="zh-CN" altLang="en-US" smtClean="0"/>
           </a:p>
         </p:txBody>
       </p:sp>
@@ -9355,9 +9170,7 @@
             <p:ph type="ftr" sz="quarter" idx="10"/>
           </p:nvPr>
         </p:nvSpPr>
-        <p:spPr>
-          <a:ln/>
-        </p:spPr>
+        <p:spPr/>
         <p:txBody>
           <a:bodyPr/>
           <a:lstStyle>
@@ -9387,7 +9200,7 @@
     <p:bg>
       <p:bgPr>
         <a:blipFill dpi="0" rotWithShape="0">
-          <a:blip r:embed="rId13">
+          <a:blip r:embed="rId12">
             <a:extLst>
               <a:ext uri="{28A0092B-C50C-407E-A947-70E740481C1C}">
                 <a14:useLocalDpi xmlns:a14="http://schemas.microsoft.com/office/drawing/2010/main" val="0"/>
@@ -9428,8 +9241,8 @@
         </p:nvSpPr>
         <p:spPr bwMode="auto">
           <a:xfrm>
-            <a:off x="295275" y="1489075"/>
-            <a:ext cx="8524875" cy="4313238"/>
+            <a:off x="393700" y="1489075"/>
+            <a:ext cx="11366500" cy="4313238"/>
           </a:xfrm>
           <a:prstGeom prst="rect">
             <a:avLst/>
@@ -9438,16 +9251,10 @@
           <a:ln w="9525">
             <a:noFill/>
             <a:miter lim="800000"/>
-            <a:headEnd/>
-            <a:tailEnd/>
           </a:ln>
         </p:spPr>
         <p:txBody>
-          <a:bodyPr vert="horz" wrap="square" lIns="0" tIns="0" rIns="0" bIns="0" numCol="1" anchor="t" anchorCtr="0" compatLnSpc="1">
-            <a:prstTxWarp prst="textNoShape">
-              <a:avLst/>
-            </a:prstTxWarp>
-          </a:bodyPr>
+          <a:bodyPr vert="horz" wrap="square" lIns="0" tIns="0" rIns="0" bIns="0" numCol="1" anchor="t" anchorCtr="0" compatLnSpc="1"/>
           <a:lstStyle/>
           <a:p>
             <a:pPr lvl="0"/>
@@ -9455,6 +9262,7 @@
               <a:rPr lang="de-DE" altLang="zh-CN" dirty="0" smtClean="0"/>
               <a:t>Textmasterformate durch Klicken bearbeiten</a:t>
             </a:r>
+            <a:endParaRPr lang="de-DE" altLang="zh-CN" dirty="0" smtClean="0"/>
           </a:p>
           <a:p>
             <a:pPr lvl="1"/>
@@ -9462,6 +9270,7 @@
               <a:rPr lang="de-DE" altLang="zh-CN" dirty="0" smtClean="0"/>
               <a:t>Zweite Ebene</a:t>
             </a:r>
+            <a:endParaRPr lang="de-DE" altLang="zh-CN" dirty="0" smtClean="0"/>
           </a:p>
           <a:p>
             <a:pPr lvl="2"/>
@@ -9469,6 +9278,7 @@
               <a:rPr lang="de-DE" altLang="zh-CN" dirty="0" smtClean="0"/>
               <a:t>Dritte Ebene</a:t>
             </a:r>
+            <a:endParaRPr lang="de-DE" altLang="zh-CN" dirty="0" smtClean="0"/>
           </a:p>
           <a:p>
             <a:pPr lvl="3"/>
@@ -9476,6 +9286,7 @@
               <a:rPr lang="de-DE" altLang="zh-CN" dirty="0" smtClean="0"/>
               <a:t>Vierte Ebene</a:t>
             </a:r>
+            <a:endParaRPr lang="de-DE" altLang="zh-CN" dirty="0" smtClean="0"/>
           </a:p>
           <a:p>
             <a:pPr lvl="4"/>
@@ -9483,6 +9294,7 @@
               <a:rPr lang="de-DE" altLang="zh-CN" dirty="0" smtClean="0"/>
               <a:t>Fünfte Ebene</a:t>
             </a:r>
+            <a:endParaRPr lang="de-DE" altLang="zh-CN" dirty="0" smtClean="0"/>
           </a:p>
         </p:txBody>
       </p:sp>
@@ -9498,8 +9310,8 @@
         </p:nvSpPr>
         <p:spPr bwMode="gray">
           <a:xfrm>
-            <a:off x="3124200" y="6365875"/>
-            <a:ext cx="2895600" cy="247650"/>
+            <a:off x="4165600" y="6365875"/>
+            <a:ext cx="3860800" cy="247650"/>
           </a:xfrm>
           <a:prstGeom prst="rect">
             <a:avLst/>
@@ -9508,23 +9320,17 @@
           <a:ln w="9525">
             <a:noFill/>
             <a:miter lim="800000"/>
-            <a:headEnd/>
-            <a:tailEnd/>
           </a:ln>
         </p:spPr>
         <p:txBody>
-          <a:bodyPr vert="horz" wrap="square" lIns="91440" tIns="45720" rIns="91440" bIns="45720" numCol="1" anchor="t" anchorCtr="0" compatLnSpc="1">
-            <a:prstTxWarp prst="textNoShape">
-              <a:avLst/>
-            </a:prstTxWarp>
-          </a:bodyPr>
+          <a:bodyPr vert="horz" wrap="square" lIns="91440" tIns="45720" rIns="91440" bIns="45720" numCol="1" anchor="t" anchorCtr="0" compatLnSpc="1"/>
           <a:lstStyle>
             <a:lvl1pPr algn="ctr">
               <a:defRPr sz="1000" noProof="1">
                 <a:solidFill>
                   <a:schemeClr val="bg1"/>
                 </a:solidFill>
-                <a:latin typeface="Arial" charset="0"/>
+                <a:latin typeface="Arial" panose="020B0604020202020204" pitchFamily="34" charset="0"/>
                 <a:cs typeface="+mn-cs"/>
               </a:defRPr>
             </a:lvl1pPr>
@@ -9549,8 +9355,8 @@
         </p:nvSpPr>
         <p:spPr bwMode="gray">
           <a:xfrm>
-            <a:off x="300038" y="252413"/>
-            <a:ext cx="8520112" cy="647700"/>
+            <a:off x="400051" y="252413"/>
+            <a:ext cx="11360149" cy="647700"/>
           </a:xfrm>
           <a:prstGeom prst="rect">
             <a:avLst/>
@@ -9559,16 +9365,10 @@
           <a:ln w="9525">
             <a:noFill/>
             <a:miter lim="800000"/>
-            <a:headEnd/>
-            <a:tailEnd/>
           </a:ln>
         </p:spPr>
         <p:txBody>
-          <a:bodyPr vert="horz" wrap="square" lIns="0" tIns="45720" rIns="0" bIns="45720" numCol="1" anchor="t" anchorCtr="0" compatLnSpc="1">
-            <a:prstTxWarp prst="textNoShape">
-              <a:avLst/>
-            </a:prstTxWarp>
-          </a:bodyPr>
+          <a:bodyPr vert="horz" wrap="square" lIns="0" tIns="45720" rIns="0" bIns="45720" numCol="1" anchor="t" anchorCtr="0" compatLnSpc="1"/>
           <a:lstStyle/>
           <a:p>
             <a:pPr lvl="0"/>
@@ -9576,6 +9376,7 @@
               <a:rPr lang="de-DE" altLang="zh-CN" smtClean="0"/>
               <a:t>Klicken Sie, um das Titelformat zu bearbeiten</a:t>
             </a:r>
+            <a:endParaRPr lang="de-DE" altLang="zh-CN" smtClean="0"/>
           </a:p>
         </p:txBody>
       </p:sp>
@@ -9589,8 +9390,8 @@
         </p:nvSpPr>
         <p:spPr bwMode="gray">
           <a:xfrm>
-            <a:off x="219075" y="6365875"/>
-            <a:ext cx="1343025" cy="247650"/>
+            <a:off x="292100" y="6365875"/>
+            <a:ext cx="1790700" cy="247650"/>
           </a:xfrm>
           <a:prstGeom prst="rect">
             <a:avLst/>
@@ -9599,8 +9400,6 @@
           <a:ln w="9525">
             <a:noFill/>
             <a:miter lim="800000"/>
-            <a:headEnd/>
-            <a:tailEnd/>
           </a:ln>
         </p:spPr>
         <p:txBody>
@@ -9612,44 +9411,40 @@
             </a:pPr>
             <a:r>
               <a:rPr lang="de-DE" altLang="zh-CN" sz="1000">
-                <a:latin typeface="Arial" pitchFamily="34" charset="0"/>
-                <a:ea typeface="宋体" pitchFamily="2" charset="-122"/>
-                <a:cs typeface="Arial" pitchFamily="34" charset="0"/>
+                <a:latin typeface="Arial" panose="020B0604020202020204" pitchFamily="34" charset="0"/>
+                <a:ea typeface="宋体" panose="02010600030101010101" pitchFamily="2" charset="-122"/>
+                <a:cs typeface="Arial" panose="020B0604020202020204" pitchFamily="34" charset="0"/>
               </a:rPr>
               <a:t>Page </a:t>
             </a:r>
             <a:r>
               <a:rPr lang="de-DE" altLang="zh-CN" sz="1000">
-                <a:latin typeface="Arial" pitchFamily="34" charset="0"/>
-                <a:ea typeface="宋体" pitchFamily="2" charset="-122"/>
-                <a:cs typeface="Arial" pitchFamily="34" charset="0"/>
-                <a:sym typeface="Wingdings" pitchFamily="2" charset="2"/>
+                <a:latin typeface="Arial" panose="020B0604020202020204" pitchFamily="34" charset="0"/>
+                <a:ea typeface="宋体" panose="02010600030101010101" pitchFamily="2" charset="-122"/>
+                <a:cs typeface="Arial" panose="020B0604020202020204" pitchFamily="34" charset="0"/>
+                <a:sym typeface="Wingdings" panose="05000000000000000000" pitchFamily="2" charset="2"/>
               </a:rPr>
               <a:t></a:t>
             </a:r>
             <a:r>
               <a:rPr lang="de-DE" altLang="zh-CN" sz="1000">
-                <a:latin typeface="Arial" pitchFamily="34" charset="0"/>
-                <a:ea typeface="宋体" pitchFamily="2" charset="-122"/>
-                <a:cs typeface="Arial" pitchFamily="34" charset="0"/>
+                <a:latin typeface="Arial" panose="020B0604020202020204" pitchFamily="34" charset="0"/>
+                <a:ea typeface="宋体" panose="02010600030101010101" pitchFamily="2" charset="-122"/>
+                <a:cs typeface="Arial" panose="020B0604020202020204" pitchFamily="34" charset="0"/>
               </a:rPr>
               <a:t> </a:t>
             </a:r>
             <a:fld id="{32D91C8F-FAEA-4B44-9189-5505FEED48C3}" type="slidenum">
               <a:rPr lang="de-DE" altLang="zh-CN" sz="1000">
-                <a:latin typeface="Arial" pitchFamily="34" charset="0"/>
-                <a:ea typeface="宋体" pitchFamily="2" charset="-122"/>
-                <a:cs typeface="Arial" pitchFamily="34" charset="0"/>
+                <a:latin typeface="Arial" panose="020B0604020202020204" pitchFamily="34" charset="0"/>
+                <a:ea typeface="宋体" panose="02010600030101010101" pitchFamily="2" charset="-122"/>
+                <a:cs typeface="Arial" panose="020B0604020202020204" pitchFamily="34" charset="0"/>
               </a:rPr>
-              <a:pPr>
-                <a:defRPr/>
-              </a:pPr>
-              <a:t>‹#›</a:t>
             </a:fld>
             <a:endParaRPr lang="de-DE" altLang="zh-CN" sz="1000">
-              <a:latin typeface="Arial" pitchFamily="34" charset="0"/>
-              <a:ea typeface="宋体" pitchFamily="2" charset="-122"/>
-              <a:cs typeface="Arial" pitchFamily="34" charset="0"/>
+              <a:latin typeface="Arial" panose="020B0604020202020204" pitchFamily="34" charset="0"/>
+              <a:ea typeface="宋体" panose="02010600030101010101" pitchFamily="2" charset="-122"/>
+              <a:cs typeface="Arial" panose="020B0604020202020204" pitchFamily="34" charset="0"/>
             </a:endParaRPr>
           </a:p>
         </p:txBody>
@@ -9663,7 +9458,7 @@
           <p:nvPr/>
         </p:nvPicPr>
         <p:blipFill>
-          <a:blip r:embed="rId14" cstate="print">
+          <a:blip r:embed="rId13" cstate="print">
             <a:extLst>
               <a:ext uri="{28A0092B-C50C-407E-A947-70E740481C1C}">
                 <a14:useLocalDpi xmlns:a14="http://schemas.microsoft.com/office/drawing/2010/main" val="0"/>
@@ -9676,8 +9471,8 @@
         </p:blipFill>
         <p:spPr>
           <a:xfrm>
-            <a:off x="6627100" y="6443496"/>
-            <a:ext cx="2224653" cy="343090"/>
+            <a:off x="8836133" y="6443496"/>
+            <a:ext cx="2966204" cy="343090"/>
           </a:xfrm>
           <a:prstGeom prst="rect">
             <a:avLst/>
@@ -9688,17 +9483,17 @@
   </p:cSld>
   <p:clrMap bg1="lt1" tx1="dk1" bg2="lt2" tx2="dk2" accent1="accent1" accent2="accent2" accent3="accent3" accent4="accent4" accent5="accent5" accent6="accent6" hlink="hlink" folHlink="folHlink"/>
   <p:sldLayoutIdLst>
-    <p:sldLayoutId id="2147483687" r:id="rId1"/>
-    <p:sldLayoutId id="2147483677" r:id="rId2"/>
-    <p:sldLayoutId id="2147483678" r:id="rId3"/>
-    <p:sldLayoutId id="2147483679" r:id="rId4"/>
-    <p:sldLayoutId id="2147483680" r:id="rId5"/>
-    <p:sldLayoutId id="2147483681" r:id="rId6"/>
-    <p:sldLayoutId id="2147483682" r:id="rId7"/>
-    <p:sldLayoutId id="2147483683" r:id="rId8"/>
-    <p:sldLayoutId id="2147483684" r:id="rId9"/>
-    <p:sldLayoutId id="2147483685" r:id="rId10"/>
-    <p:sldLayoutId id="2147483686" r:id="rId11"/>
+    <p:sldLayoutId id="2147483649" r:id="rId1"/>
+    <p:sldLayoutId id="2147483650" r:id="rId2"/>
+    <p:sldLayoutId id="2147483651" r:id="rId3"/>
+    <p:sldLayoutId id="2147483652" r:id="rId4"/>
+    <p:sldLayoutId id="2147483653" r:id="rId5"/>
+    <p:sldLayoutId id="2147483654" r:id="rId6"/>
+    <p:sldLayoutId id="2147483655" r:id="rId7"/>
+    <p:sldLayoutId id="2147483656" r:id="rId8"/>
+    <p:sldLayoutId id="2147483657" r:id="rId9"/>
+    <p:sldLayoutId id="2147483658" r:id="rId10"/>
+    <p:sldLayoutId id="2147483659" r:id="rId11"/>
   </p:sldLayoutIdLst>
   <p:txStyles>
     <p:titleStyle>
@@ -9716,8 +9511,8 @@
           <a:solidFill>
             <a:schemeClr val="bg1"/>
           </a:solidFill>
-          <a:latin typeface="微软雅黑" pitchFamily="34" charset="-122"/>
-          <a:ea typeface="微软雅黑" pitchFamily="34" charset="-122"/>
+          <a:latin typeface="微软雅黑" panose="020B0503020204020204" pitchFamily="34" charset="-122"/>
+          <a:ea typeface="微软雅黑" panose="020B0503020204020204" pitchFamily="34" charset="-122"/>
           <a:cs typeface="+mj-cs"/>
         </a:defRPr>
       </a:lvl1pPr>
@@ -9735,8 +9530,8 @@
           <a:solidFill>
             <a:schemeClr val="bg1"/>
           </a:solidFill>
-          <a:latin typeface="Arial" charset="0"/>
-          <a:cs typeface="Arial" charset="0"/>
+          <a:latin typeface="Arial" panose="020B0604020202020204" pitchFamily="34" charset="0"/>
+          <a:cs typeface="Arial" panose="020B0604020202020204" pitchFamily="34" charset="0"/>
         </a:defRPr>
       </a:lvl2pPr>
       <a:lvl3pPr algn="l" rtl="0" eaLnBrk="0" fontAlgn="base" hangingPunct="0">
@@ -9753,8 +9548,8 @@
           <a:solidFill>
             <a:schemeClr val="bg1"/>
           </a:solidFill>
-          <a:latin typeface="Arial" charset="0"/>
-          <a:cs typeface="Arial" charset="0"/>
+          <a:latin typeface="Arial" panose="020B0604020202020204" pitchFamily="34" charset="0"/>
+          <a:cs typeface="Arial" panose="020B0604020202020204" pitchFamily="34" charset="0"/>
         </a:defRPr>
       </a:lvl3pPr>
       <a:lvl4pPr algn="l" rtl="0" eaLnBrk="0" fontAlgn="base" hangingPunct="0">
@@ -9771,8 +9566,8 @@
           <a:solidFill>
             <a:schemeClr val="bg1"/>
           </a:solidFill>
-          <a:latin typeface="Arial" charset="0"/>
-          <a:cs typeface="Arial" charset="0"/>
+          <a:latin typeface="Arial" panose="020B0604020202020204" pitchFamily="34" charset="0"/>
+          <a:cs typeface="Arial" panose="020B0604020202020204" pitchFamily="34" charset="0"/>
         </a:defRPr>
       </a:lvl4pPr>
       <a:lvl5pPr algn="l" rtl="0" eaLnBrk="0" fontAlgn="base" hangingPunct="0">
@@ -9789,8 +9584,8 @@
           <a:solidFill>
             <a:schemeClr val="bg1"/>
           </a:solidFill>
-          <a:latin typeface="Arial" charset="0"/>
-          <a:cs typeface="Arial" charset="0"/>
+          <a:latin typeface="Arial" panose="020B0604020202020204" pitchFamily="34" charset="0"/>
+          <a:cs typeface="Arial" panose="020B0604020202020204" pitchFamily="34" charset="0"/>
         </a:defRPr>
       </a:lvl5pPr>
       <a:lvl6pPr marL="457200" algn="l" rtl="0" fontAlgn="base">
@@ -9807,8 +9602,8 @@
           <a:solidFill>
             <a:schemeClr val="bg1"/>
           </a:solidFill>
-          <a:latin typeface="Arial" charset="0"/>
-          <a:cs typeface="Arial" charset="0"/>
+          <a:latin typeface="Arial" panose="020B0604020202020204" pitchFamily="34" charset="0"/>
+          <a:cs typeface="Arial" panose="020B0604020202020204" pitchFamily="34" charset="0"/>
         </a:defRPr>
       </a:lvl6pPr>
       <a:lvl7pPr marL="914400" algn="l" rtl="0" fontAlgn="base">
@@ -9825,8 +9620,8 @@
           <a:solidFill>
             <a:schemeClr val="bg1"/>
           </a:solidFill>
-          <a:latin typeface="Arial" charset="0"/>
-          <a:cs typeface="Arial" charset="0"/>
+          <a:latin typeface="Arial" panose="020B0604020202020204" pitchFamily="34" charset="0"/>
+          <a:cs typeface="Arial" panose="020B0604020202020204" pitchFamily="34" charset="0"/>
         </a:defRPr>
       </a:lvl7pPr>
       <a:lvl8pPr marL="1371600" algn="l" rtl="0" fontAlgn="base">
@@ -9843,8 +9638,8 @@
           <a:solidFill>
             <a:schemeClr val="bg1"/>
           </a:solidFill>
-          <a:latin typeface="Arial" charset="0"/>
-          <a:cs typeface="Arial" charset="0"/>
+          <a:latin typeface="Arial" panose="020B0604020202020204" pitchFamily="34" charset="0"/>
+          <a:cs typeface="Arial" panose="020B0604020202020204" pitchFamily="34" charset="0"/>
         </a:defRPr>
       </a:lvl8pPr>
       <a:lvl9pPr marL="1828800" algn="l" rtl="0" fontAlgn="base">
@@ -9861,8 +9656,8 @@
           <a:solidFill>
             <a:schemeClr val="bg1"/>
           </a:solidFill>
-          <a:latin typeface="Arial" charset="0"/>
-          <a:cs typeface="Arial" charset="0"/>
+          <a:latin typeface="Arial" panose="020B0604020202020204" pitchFamily="34" charset="0"/>
+          <a:cs typeface="Arial" panose="020B0604020202020204" pitchFamily="34" charset="0"/>
         </a:defRPr>
       </a:lvl9pPr>
     </p:titleStyle>
@@ -9874,18 +9669,18 @@
         <a:spcAft>
           <a:spcPct val="40000"/>
         </a:spcAft>
-        <a:buFont typeface="Wingdings" pitchFamily="2" charset="2"/>
+        <a:buFont typeface="Wingdings" panose="05000000000000000000" pitchFamily="2" charset="2"/>
         <a:buChar char="§"/>
         <a:defRPr sz="2000">
           <a:solidFill>
             <a:schemeClr val="tx1"/>
           </a:solidFill>
-          <a:latin typeface="微软雅黑" pitchFamily="34" charset="-122"/>
-          <a:ea typeface="微软雅黑" pitchFamily="34" charset="-122"/>
+          <a:latin typeface="微软雅黑" panose="020B0503020204020204" pitchFamily="34" charset="-122"/>
+          <a:ea typeface="微软雅黑" panose="020B0503020204020204" pitchFamily="34" charset="-122"/>
           <a:cs typeface="+mn-cs"/>
         </a:defRPr>
       </a:lvl1pPr>
-      <a:lvl2pPr marL="444500" indent="-261938" algn="l" rtl="0" eaLnBrk="0" fontAlgn="base" hangingPunct="0">
+      <a:lvl2pPr marL="444500" indent="-262255" algn="l" rtl="0" eaLnBrk="0" fontAlgn="base" hangingPunct="0">
         <a:spcBef>
           <a:spcPct val="0"/>
         </a:spcBef>
@@ -9897,12 +9692,12 @@
           <a:solidFill>
             <a:schemeClr val="tx1"/>
           </a:solidFill>
-          <a:latin typeface="微软雅黑" pitchFamily="34" charset="-122"/>
-          <a:ea typeface="微软雅黑" pitchFamily="34" charset="-122"/>
+          <a:latin typeface="微软雅黑" panose="020B0503020204020204" pitchFamily="34" charset="-122"/>
+          <a:ea typeface="微软雅黑" panose="020B0503020204020204" pitchFamily="34" charset="-122"/>
           <a:cs typeface="+mn-cs"/>
         </a:defRPr>
       </a:lvl2pPr>
-      <a:lvl3pPr marL="720725" indent="-274638" algn="l" rtl="0" eaLnBrk="0" fontAlgn="base" hangingPunct="0">
+      <a:lvl3pPr marL="720725" indent="-274955" algn="l" rtl="0" eaLnBrk="0" fontAlgn="base" hangingPunct="0">
         <a:spcBef>
           <a:spcPct val="0"/>
         </a:spcBef>
@@ -9914,12 +9709,12 @@
           <a:solidFill>
             <a:schemeClr val="tx1"/>
           </a:solidFill>
-          <a:latin typeface="微软雅黑" pitchFamily="34" charset="-122"/>
-          <a:ea typeface="微软雅黑" pitchFamily="34" charset="-122"/>
+          <a:latin typeface="微软雅黑" panose="020B0503020204020204" pitchFamily="34" charset="-122"/>
+          <a:ea typeface="微软雅黑" panose="020B0503020204020204" pitchFamily="34" charset="-122"/>
           <a:cs typeface="+mn-cs"/>
         </a:defRPr>
       </a:lvl3pPr>
-      <a:lvl4pPr marL="987425" indent="-265113" algn="l" rtl="0" eaLnBrk="0" fontAlgn="base" hangingPunct="0">
+      <a:lvl4pPr marL="987425" indent="-265430" algn="l" rtl="0" eaLnBrk="0" fontAlgn="base" hangingPunct="0">
         <a:spcBef>
           <a:spcPct val="0"/>
         </a:spcBef>
@@ -9931,12 +9726,12 @@
           <a:solidFill>
             <a:schemeClr val="tx1"/>
           </a:solidFill>
-          <a:latin typeface="微软雅黑" pitchFamily="34" charset="-122"/>
-          <a:ea typeface="微软雅黑" pitchFamily="34" charset="-122"/>
+          <a:latin typeface="微软雅黑" panose="020B0503020204020204" pitchFamily="34" charset="-122"/>
+          <a:ea typeface="微软雅黑" panose="020B0503020204020204" pitchFamily="34" charset="-122"/>
           <a:cs typeface="+mn-cs"/>
         </a:defRPr>
       </a:lvl4pPr>
-      <a:lvl5pPr marL="1254125" indent="-265113" algn="l" rtl="0" eaLnBrk="0" fontAlgn="base" hangingPunct="0">
+      <a:lvl5pPr marL="1254125" indent="-265430" algn="l" rtl="0" eaLnBrk="0" fontAlgn="base" hangingPunct="0">
         <a:spcBef>
           <a:spcPct val="0"/>
         </a:spcBef>
@@ -9948,12 +9743,12 @@
           <a:solidFill>
             <a:schemeClr val="tx1"/>
           </a:solidFill>
-          <a:latin typeface="微软雅黑" pitchFamily="34" charset="-122"/>
-          <a:ea typeface="微软雅黑" pitchFamily="34" charset="-122"/>
+          <a:latin typeface="微软雅黑" panose="020B0503020204020204" pitchFamily="34" charset="-122"/>
+          <a:ea typeface="微软雅黑" panose="020B0503020204020204" pitchFamily="34" charset="-122"/>
           <a:cs typeface="+mn-cs"/>
         </a:defRPr>
       </a:lvl5pPr>
-      <a:lvl6pPr marL="1711325" indent="-265113" algn="l" rtl="0" fontAlgn="base">
+      <a:lvl6pPr marL="1711325" indent="-265430" algn="l" rtl="0" fontAlgn="base">
         <a:spcBef>
           <a:spcPct val="0"/>
         </a:spcBef>
@@ -9969,7 +9764,7 @@
           <a:cs typeface="+mn-cs"/>
         </a:defRPr>
       </a:lvl6pPr>
-      <a:lvl7pPr marL="2168525" indent="-265113" algn="l" rtl="0" fontAlgn="base">
+      <a:lvl7pPr marL="2168525" indent="-265430" algn="l" rtl="0" fontAlgn="base">
         <a:spcBef>
           <a:spcPct val="0"/>
         </a:spcBef>
@@ -9985,7 +9780,7 @@
           <a:cs typeface="+mn-cs"/>
         </a:defRPr>
       </a:lvl7pPr>
-      <a:lvl8pPr marL="2625725" indent="-265113" algn="l" rtl="0" fontAlgn="base">
+      <a:lvl8pPr marL="2625725" indent="-265430" algn="l" rtl="0" fontAlgn="base">
         <a:spcBef>
           <a:spcPct val="0"/>
         </a:spcBef>
@@ -10001,7 +9796,7 @@
           <a:cs typeface="+mn-cs"/>
         </a:defRPr>
       </a:lvl8pPr>
-      <a:lvl9pPr marL="3082925" indent="-265113" algn="l" rtl="0" fontAlgn="base">
+      <a:lvl9pPr marL="3082925" indent="-265430" algn="l" rtl="0" fontAlgn="base">
         <a:spcBef>
           <a:spcPct val="0"/>
         </a:spcBef>
@@ -10146,7 +9941,7 @@
         </p:nvSpPr>
         <p:spPr>
           <a:xfrm>
-            <a:off x="2971800" y="3352800"/>
+            <a:off x="4495800" y="3352800"/>
             <a:ext cx="6029356" cy="609600"/>
           </a:xfrm>
         </p:spPr>
@@ -10158,7 +9953,21 @@
               <a:rPr lang="zh-CN" altLang="en-US" sz="2800" dirty="0" smtClean="0"/>
               <a:t>第三章 项目规划</a:t>
             </a:r>
-            <a:endParaRPr lang="en-US" altLang="zh-CN" sz="2800" dirty="0"/>
+            <a:r>
+              <a:rPr lang="en-US" altLang="zh-CN" sz="2800" dirty="0" smtClean="0">
+                <a:sym typeface="+mn-ea"/>
+              </a:rPr>
+              <a:t>——</a:t>
+            </a:r>
+            <a:r>
+              <a:rPr lang="zh-CN" altLang="en-US" sz="2800" dirty="0" smtClean="0">
+                <a:sym typeface="+mn-ea"/>
+              </a:rPr>
+              <a:t>成本</a:t>
+            </a:r>
+            <a:endParaRPr lang="zh-CN" altLang="en-US" sz="2800" dirty="0" smtClean="0">
+              <a:sym typeface="+mn-ea"/>
+            </a:endParaRPr>
           </a:p>
         </p:txBody>
       </p:sp>
@@ -10174,8 +9983,8 @@
         </p:nvSpPr>
         <p:spPr>
           <a:xfrm>
-            <a:off x="373743" y="214314"/>
-            <a:ext cx="4648200" cy="533400"/>
+            <a:off x="11430" y="214630"/>
+            <a:ext cx="6534785" cy="533400"/>
           </a:xfrm>
         </p:spPr>
         <p:txBody>
@@ -10207,6 +10016,9 @@
         </p:txBody>
       </p:sp>
     </p:spTree>
+    <p:custDataLst>
+      <p:tags r:id="rId1"/>
+    </p:custDataLst>
   </p:cSld>
   <p:clrMapOvr>
     <a:masterClrMapping/>
@@ -10277,8 +10089,8 @@
         </p:nvSpPr>
         <p:spPr>
           <a:xfrm>
-            <a:off x="295275" y="1489074"/>
-            <a:ext cx="8524875" cy="4683125"/>
+            <a:off x="728980" y="1489075"/>
+            <a:ext cx="9909810" cy="4683125"/>
           </a:xfrm>
         </p:spPr>
         <p:txBody>
@@ -10343,11 +10155,6 @@
         </p:txBody>
       </p:sp>
     </p:spTree>
-    <p:extLst>
-      <p:ext uri="{BB962C8B-B14F-4D97-AF65-F5344CB8AC3E}">
-        <p14:creationId xmlns:p14="http://schemas.microsoft.com/office/powerpoint/2010/main" val="2956335652"/>
-      </p:ext>
-    </p:extLst>
   </p:cSld>
   <p:clrMapOvr>
     <a:masterClrMapping/>
@@ -10422,8 +10229,8 @@
         </p:nvSpPr>
         <p:spPr>
           <a:xfrm>
-            <a:off x="295275" y="1489075"/>
-            <a:ext cx="8627499" cy="4313238"/>
+            <a:off x="714375" y="1226185"/>
+            <a:ext cx="9732645" cy="4313555"/>
           </a:xfrm>
         </p:spPr>
         <p:txBody>
@@ -10710,8 +10517,8 @@
         </p:nvSpPr>
         <p:spPr>
           <a:xfrm>
-            <a:off x="295275" y="1489074"/>
-            <a:ext cx="8524875" cy="4683125"/>
+            <a:off x="493395" y="1489075"/>
+            <a:ext cx="9850755" cy="4683125"/>
           </a:xfrm>
         </p:spPr>
         <p:txBody>
@@ -10816,11 +10623,6 @@
         </p:txBody>
       </p:sp>
     </p:spTree>
-    <p:extLst>
-      <p:ext uri="{BB962C8B-B14F-4D97-AF65-F5344CB8AC3E}">
-        <p14:creationId xmlns:p14="http://schemas.microsoft.com/office/powerpoint/2010/main" val="2904608767"/>
-      </p:ext>
-    </p:extLst>
   </p:cSld>
   <p:clrMapOvr>
     <a:masterClrMapping/>
@@ -10855,15 +10657,13 @@
       <p:sp>
         <p:nvSpPr>
           <p:cNvPr id="7" name="内容占位符 2"/>
-          <p:cNvSpPr txBox="1">
-            <a:spLocks/>
-          </p:cNvSpPr>
+          <p:cNvSpPr txBox="1"/>
           <p:nvPr/>
         </p:nvSpPr>
         <p:spPr bwMode="auto">
           <a:xfrm>
-            <a:off x="4686299" y="1285273"/>
-            <a:ext cx="4220633" cy="5360456"/>
+            <a:off x="6210300" y="1285240"/>
+            <a:ext cx="5252720" cy="5360670"/>
           </a:xfrm>
           <a:prstGeom prst="rect">
             <a:avLst/>
@@ -10872,16 +10672,10 @@
           <a:ln w="9525">
             <a:noFill/>
             <a:miter lim="800000"/>
-            <a:headEnd/>
-            <a:tailEnd/>
           </a:ln>
         </p:spPr>
         <p:txBody>
-          <a:bodyPr vert="horz" wrap="square" lIns="0" tIns="0" rIns="0" bIns="0" numCol="1" anchor="t" anchorCtr="0" compatLnSpc="1">
-            <a:prstTxWarp prst="textNoShape">
-              <a:avLst/>
-            </a:prstTxWarp>
-          </a:bodyPr>
+          <a:bodyPr vert="horz" wrap="square" lIns="0" tIns="0" rIns="0" bIns="0" numCol="1" anchor="t" anchorCtr="0" compatLnSpc="1"/>
           <a:lstStyle/>
           <a:p>
             <a:pPr marL="180975" marR="0" lvl="0" indent="-180975" algn="l" defTabSz="914400" rtl="0" eaLnBrk="0" fontAlgn="base" latinLnBrk="0" hangingPunct="0">
@@ -10896,9 +10690,8 @@
               </a:spcAft>
               <a:buClrTx/>
               <a:buSzTx/>
-              <a:buFont typeface="Wingdings" pitchFamily="2" charset="2"/>
+              <a:buFont typeface="Wingdings" panose="05000000000000000000" pitchFamily="2" charset="2"/>
               <a:buChar char="§"/>
-              <a:tabLst/>
               <a:defRPr/>
             </a:pPr>
             <a:endParaRPr kumimoji="0" lang="en-US" altLang="zh-CN" sz="2000" b="0" i="0" u="none" strike="noStrike" kern="0" cap="none" spc="0" normalizeH="0" baseline="0" noProof="0" dirty="0" smtClean="0">
@@ -10911,8 +10704,8 @@
               <a:effectLst/>
               <a:uLnTx/>
               <a:uFillTx/>
-              <a:latin typeface="微软雅黑" pitchFamily="34" charset="-122"/>
-              <a:ea typeface="微软雅黑" pitchFamily="34" charset="-122"/>
+              <a:latin typeface="微软雅黑" panose="020B0503020204020204" pitchFamily="34" charset="-122"/>
+              <a:ea typeface="微软雅黑" panose="020B0503020204020204" pitchFamily="34" charset="-122"/>
               <a:cs typeface="+mn-cs"/>
             </a:endParaRPr>
           </a:p>
@@ -10929,9 +10722,8 @@
               </a:spcAft>
               <a:buClrTx/>
               <a:buSzTx/>
-              <a:buFont typeface="Wingdings" pitchFamily="2" charset="2"/>
+              <a:buFont typeface="Wingdings" panose="05000000000000000000" pitchFamily="2" charset="2"/>
               <a:buChar char="§"/>
-              <a:tabLst/>
               <a:defRPr/>
             </a:pPr>
             <a:r>
@@ -10945,8 +10737,8 @@
                 <a:effectLst/>
                 <a:uLnTx/>
                 <a:uFillTx/>
-                <a:latin typeface="微软雅黑" pitchFamily="34" charset="-122"/>
-                <a:ea typeface="微软雅黑" pitchFamily="34" charset="-122"/>
+                <a:latin typeface="微软雅黑" panose="020B0503020204020204" pitchFamily="34" charset="-122"/>
+                <a:ea typeface="微软雅黑" panose="020B0503020204020204" pitchFamily="34" charset="-122"/>
                 <a:cs typeface="+mn-cs"/>
               </a:rPr>
               <a:t>灭他倒是不费事，咱们需要花点儿钱。给我几天时间，我算算。</a:t>
@@ -10961,8 +10753,8 @@
               <a:effectLst/>
               <a:uLnTx/>
               <a:uFillTx/>
-              <a:latin typeface="微软雅黑" pitchFamily="34" charset="-122"/>
-              <a:ea typeface="微软雅黑" pitchFamily="34" charset="-122"/>
+              <a:latin typeface="微软雅黑" panose="020B0503020204020204" pitchFamily="34" charset="-122"/>
+              <a:ea typeface="微软雅黑" panose="020B0503020204020204" pitchFamily="34" charset="-122"/>
               <a:cs typeface="+mn-cs"/>
             </a:endParaRPr>
           </a:p>
@@ -10971,46 +10763,46 @@
               <a:spcAft>
                 <a:spcPct val="40000"/>
               </a:spcAft>
-              <a:buFont typeface="Wingdings" pitchFamily="2" charset="2"/>
+              <a:buFont typeface="Wingdings" panose="05000000000000000000" pitchFamily="2" charset="2"/>
               <a:buChar char="§"/>
               <a:defRPr/>
             </a:pPr>
             <a:r>
               <a:rPr lang="zh-CN" altLang="en-US" kern="0" dirty="0" smtClean="0">
-                <a:latin typeface="微软雅黑" pitchFamily="34" charset="-122"/>
-                <a:ea typeface="微软雅黑" pitchFamily="34" charset="-122"/>
+                <a:latin typeface="微软雅黑" panose="020B0503020204020204" pitchFamily="34" charset="-122"/>
+                <a:ea typeface="微软雅黑" panose="020B0503020204020204" pitchFamily="34" charset="-122"/>
                 <a:cs typeface="+mn-cs"/>
               </a:rPr>
               <a:t>（</a:t>
             </a:r>
             <a:r>
               <a:rPr lang="en-US" altLang="zh-CN" kern="0" dirty="0" smtClean="0">
-                <a:latin typeface="微软雅黑" pitchFamily="34" charset="-122"/>
-                <a:ea typeface="微软雅黑" pitchFamily="34" charset="-122"/>
+                <a:latin typeface="微软雅黑" panose="020B0503020204020204" pitchFamily="34" charset="-122"/>
+                <a:ea typeface="微软雅黑" panose="020B0503020204020204" pitchFamily="34" charset="-122"/>
                 <a:cs typeface="+mn-cs"/>
               </a:rPr>
               <a:t>N</a:t>
             </a:r>
             <a:r>
               <a:rPr lang="zh-CN" altLang="en-US" kern="0" dirty="0" smtClean="0">
-                <a:latin typeface="微软雅黑" pitchFamily="34" charset="-122"/>
-                <a:ea typeface="微软雅黑" pitchFamily="34" charset="-122"/>
+                <a:latin typeface="微软雅黑" panose="020B0503020204020204" pitchFamily="34" charset="-122"/>
+                <a:ea typeface="微软雅黑" panose="020B0503020204020204" pitchFamily="34" charset="-122"/>
                 <a:cs typeface="+mn-cs"/>
               </a:rPr>
               <a:t>天后</a:t>
             </a:r>
             <a:r>
               <a:rPr lang="en-US" altLang="zh-CN" kern="0" dirty="0" smtClean="0">
-                <a:latin typeface="微软雅黑" pitchFamily="34" charset="-122"/>
-                <a:ea typeface="微软雅黑" pitchFamily="34" charset="-122"/>
+                <a:latin typeface="微软雅黑" panose="020B0503020204020204" pitchFamily="34" charset="-122"/>
+                <a:ea typeface="微软雅黑" panose="020B0503020204020204" pitchFamily="34" charset="-122"/>
                 <a:cs typeface="+mn-cs"/>
               </a:rPr>
               <a:t>…</a:t>
             </a:r>
             <a:r>
               <a:rPr lang="zh-CN" altLang="en-US" kern="0" dirty="0" smtClean="0">
-                <a:latin typeface="微软雅黑" pitchFamily="34" charset="-122"/>
-                <a:ea typeface="微软雅黑" pitchFamily="34" charset="-122"/>
+                <a:latin typeface="微软雅黑" panose="020B0503020204020204" pitchFamily="34" charset="-122"/>
+                <a:ea typeface="微软雅黑" panose="020B0503020204020204" pitchFamily="34" charset="-122"/>
                 <a:cs typeface="+mn-cs"/>
               </a:rPr>
               <a:t>估算了各项可能的支出）</a:t>
@@ -11025,8 +10817,8 @@
               <a:effectLst/>
               <a:uLnTx/>
               <a:uFillTx/>
-              <a:latin typeface="微软雅黑" pitchFamily="34" charset="-122"/>
-              <a:ea typeface="微软雅黑" pitchFamily="34" charset="-122"/>
+              <a:latin typeface="微软雅黑" panose="020B0503020204020204" pitchFamily="34" charset="-122"/>
+              <a:ea typeface="微软雅黑" panose="020B0503020204020204" pitchFamily="34" charset="-122"/>
               <a:cs typeface="+mn-cs"/>
             </a:endParaRPr>
           </a:p>
@@ -11043,9 +10835,8 @@
               </a:spcAft>
               <a:buClrTx/>
               <a:buSzTx/>
-              <a:buFont typeface="Wingdings" pitchFamily="2" charset="2"/>
+              <a:buFont typeface="Wingdings" panose="05000000000000000000" pitchFamily="2" charset="2"/>
               <a:buChar char="§"/>
-              <a:tabLst/>
               <a:defRPr/>
             </a:pPr>
             <a:r>
@@ -11059,31 +10850,31 @@
                 <a:effectLst/>
                 <a:uLnTx/>
                 <a:uFillTx/>
-                <a:latin typeface="微软雅黑" pitchFamily="34" charset="-122"/>
-                <a:ea typeface="微软雅黑" pitchFamily="34" charset="-122"/>
+                <a:latin typeface="微软雅黑" panose="020B0503020204020204" pitchFamily="34" charset="-122"/>
+                <a:ea typeface="微软雅黑" panose="020B0503020204020204" pitchFamily="34" charset="-122"/>
                 <a:cs typeface="+mn-cs"/>
               </a:rPr>
               <a:t>我算了一下，总开销约</a:t>
             </a:r>
             <a:r>
               <a:rPr lang="en-US" altLang="zh-CN" kern="0" dirty="0" smtClean="0">
-                <a:latin typeface="微软雅黑" pitchFamily="34" charset="-122"/>
-                <a:ea typeface="微软雅黑" pitchFamily="34" charset="-122"/>
+                <a:latin typeface="微软雅黑" panose="020B0503020204020204" pitchFamily="34" charset="-122"/>
+                <a:ea typeface="微软雅黑" panose="020B0503020204020204" pitchFamily="34" charset="-122"/>
                 <a:cs typeface="+mn-cs"/>
               </a:rPr>
               <a:t>3</a:t>
             </a:r>
             <a:r>
               <a:rPr lang="zh-CN" altLang="en-US" kern="0" dirty="0" smtClean="0">
-                <a:latin typeface="微软雅黑" pitchFamily="34" charset="-122"/>
-                <a:ea typeface="微软雅黑" pitchFamily="34" charset="-122"/>
+                <a:latin typeface="微软雅黑" panose="020B0503020204020204" pitchFamily="34" charset="-122"/>
+                <a:ea typeface="微软雅黑" panose="020B0503020204020204" pitchFamily="34" charset="-122"/>
                 <a:cs typeface="+mn-cs"/>
               </a:rPr>
               <a:t>个亿。</a:t>
             </a:r>
             <a:endParaRPr lang="en-US" altLang="zh-CN" kern="0" dirty="0" smtClean="0">
-              <a:latin typeface="微软雅黑" pitchFamily="34" charset="-122"/>
-              <a:ea typeface="微软雅黑" pitchFamily="34" charset="-122"/>
+              <a:latin typeface="微软雅黑" panose="020B0503020204020204" pitchFamily="34" charset="-122"/>
+              <a:ea typeface="微软雅黑" panose="020B0503020204020204" pitchFamily="34" charset="-122"/>
               <a:cs typeface="+mn-cs"/>
             </a:endParaRPr>
           </a:p>
@@ -11100,14 +10891,13 @@
               </a:spcAft>
               <a:buClrTx/>
               <a:buSzTx/>
-              <a:buFont typeface="Wingdings" pitchFamily="2" charset="2"/>
+              <a:buFont typeface="Wingdings" panose="05000000000000000000" pitchFamily="2" charset="2"/>
               <a:buChar char="§"/>
-              <a:tabLst/>
               <a:defRPr/>
             </a:pPr>
             <a:endParaRPr lang="en-US" altLang="zh-CN" kern="0" dirty="0" smtClean="0">
-              <a:latin typeface="微软雅黑" pitchFamily="34" charset="-122"/>
-              <a:ea typeface="微软雅黑" pitchFamily="34" charset="-122"/>
+              <a:latin typeface="微软雅黑" panose="020B0503020204020204" pitchFamily="34" charset="-122"/>
+              <a:ea typeface="微软雅黑" panose="020B0503020204020204" pitchFamily="34" charset="-122"/>
               <a:cs typeface="+mn-cs"/>
             </a:endParaRPr>
           </a:p>
@@ -11124,47 +10914,46 @@
               </a:spcAft>
               <a:buClrTx/>
               <a:buSzTx/>
-              <a:buFont typeface="Wingdings" pitchFamily="2" charset="2"/>
+              <a:buFont typeface="Wingdings" panose="05000000000000000000" pitchFamily="2" charset="2"/>
               <a:buChar char="§"/>
-              <a:tabLst/>
               <a:defRPr/>
             </a:pPr>
             <a:r>
               <a:rPr lang="zh-CN" altLang="en-US" kern="0" dirty="0" smtClean="0">
-                <a:latin typeface="微软雅黑" pitchFamily="34" charset="-122"/>
-                <a:ea typeface="微软雅黑" pitchFamily="34" charset="-122"/>
+                <a:latin typeface="微软雅黑" panose="020B0503020204020204" pitchFamily="34" charset="-122"/>
+                <a:ea typeface="微软雅黑" panose="020B0503020204020204" pitchFamily="34" charset="-122"/>
                 <a:cs typeface="+mn-cs"/>
               </a:rPr>
               <a:t>咱们分五次支出，</a:t>
             </a:r>
             <a:r>
               <a:rPr lang="en-US" altLang="zh-CN" kern="0" dirty="0" smtClean="0">
-                <a:latin typeface="微软雅黑" pitchFamily="34" charset="-122"/>
-                <a:ea typeface="微软雅黑" pitchFamily="34" charset="-122"/>
+                <a:latin typeface="微软雅黑" panose="020B0503020204020204" pitchFamily="34" charset="-122"/>
+                <a:ea typeface="微软雅黑" panose="020B0503020204020204" pitchFamily="34" charset="-122"/>
                 <a:cs typeface="+mn-cs"/>
               </a:rPr>
               <a:t>0.6</a:t>
             </a:r>
             <a:r>
               <a:rPr lang="zh-CN" altLang="en-US" kern="0" dirty="0" smtClean="0">
-                <a:latin typeface="微软雅黑" pitchFamily="34" charset="-122"/>
-                <a:ea typeface="微软雅黑" pitchFamily="34" charset="-122"/>
+                <a:latin typeface="微软雅黑" panose="020B0503020204020204" pitchFamily="34" charset="-122"/>
+                <a:ea typeface="微软雅黑" panose="020B0503020204020204" pitchFamily="34" charset="-122"/>
                 <a:cs typeface="+mn-cs"/>
               </a:rPr>
               <a:t>亿</a:t>
             </a:r>
             <a:r>
               <a:rPr lang="en-US" altLang="zh-CN" kern="0" dirty="0" smtClean="0">
-                <a:latin typeface="微软雅黑" pitchFamily="34" charset="-122"/>
-                <a:ea typeface="微软雅黑" pitchFamily="34" charset="-122"/>
+                <a:latin typeface="微软雅黑" panose="020B0503020204020204" pitchFamily="34" charset="-122"/>
+                <a:ea typeface="微软雅黑" panose="020B0503020204020204" pitchFamily="34" charset="-122"/>
                 <a:cs typeface="+mn-cs"/>
               </a:rPr>
               <a:t>/</a:t>
             </a:r>
             <a:r>
               <a:rPr lang="zh-CN" altLang="en-US" kern="0" dirty="0" smtClean="0">
-                <a:latin typeface="微软雅黑" pitchFamily="34" charset="-122"/>
-                <a:ea typeface="微软雅黑" pitchFamily="34" charset="-122"/>
+                <a:latin typeface="微软雅黑" panose="020B0503020204020204" pitchFamily="34" charset="-122"/>
+                <a:ea typeface="微软雅黑" panose="020B0503020204020204" pitchFamily="34" charset="-122"/>
                 <a:cs typeface="+mn-cs"/>
               </a:rPr>
               <a:t>月。详细的数据在这个预算文件里。</a:t>
@@ -11179,8 +10968,8 @@
               <a:effectLst/>
               <a:uLnTx/>
               <a:uFillTx/>
-              <a:latin typeface="微软雅黑" pitchFamily="34" charset="-122"/>
-              <a:ea typeface="微软雅黑" pitchFamily="34" charset="-122"/>
+              <a:latin typeface="微软雅黑" panose="020B0503020204020204" pitchFamily="34" charset="-122"/>
+              <a:ea typeface="微软雅黑" panose="020B0503020204020204" pitchFamily="34" charset="-122"/>
               <a:cs typeface="+mn-cs"/>
             </a:endParaRPr>
           </a:p>
@@ -11194,7 +10983,7 @@
         </p:nvSpPr>
         <p:spPr bwMode="auto">
           <a:xfrm>
-            <a:off x="7552267" y="2850269"/>
+            <a:off x="9076267" y="2850269"/>
             <a:ext cx="1591733" cy="863600"/>
           </a:xfrm>
           <a:prstGeom prst="irregularSeal1">
@@ -11217,11 +11006,7 @@
           <a:effectLst/>
         </p:spPr>
         <p:txBody>
-          <a:bodyPr vert="horz" wrap="none" lIns="90000" tIns="46800" rIns="90000" bIns="46800" numCol="1" rtlCol="0" anchor="ctr" anchorCtr="0" compatLnSpc="1">
-            <a:prstTxWarp prst="textNoShape">
-              <a:avLst/>
-            </a:prstTxWarp>
-          </a:bodyPr>
+          <a:bodyPr vert="horz" wrap="none" lIns="90000" tIns="46800" rIns="90000" bIns="46800" numCol="1" rtlCol="0" anchor="ctr" anchorCtr="0" compatLnSpc="1"/>
           <a:lstStyle/>
           <a:p>
             <a:pPr marL="0" marR="0" indent="0" algn="l" defTabSz="914400" rtl="0" eaLnBrk="1" fontAlgn="base" latinLnBrk="0" hangingPunct="1">
@@ -11238,7 +11023,6 @@
               <a:buSzTx/>
               <a:buFontTx/>
               <a:buNone/>
-              <a:tabLst/>
             </a:pPr>
             <a:r>
               <a:rPr kumimoji="0" lang="zh-CN" altLang="en-US" sz="2400" b="0" i="0" u="none" strike="noStrike" cap="none" normalizeH="0" baseline="0" dirty="0" smtClean="0">
@@ -11249,11 +11033,22 @@
                   <a:srgbClr val="FF0000"/>
                 </a:solidFill>
                 <a:effectLst/>
-                <a:latin typeface="微软雅黑" pitchFamily="34" charset="-122"/>
-                <a:ea typeface="微软雅黑" pitchFamily="34" charset="-122"/>
+                <a:latin typeface="微软雅黑" panose="020B0503020204020204" pitchFamily="34" charset="-122"/>
+                <a:ea typeface="微软雅黑" panose="020B0503020204020204" pitchFamily="34" charset="-122"/>
               </a:rPr>
               <a:t>估算</a:t>
             </a:r>
+            <a:endParaRPr kumimoji="0" lang="zh-CN" altLang="en-US" sz="2400" b="0" i="0" u="none" strike="noStrike" cap="none" normalizeH="0" baseline="0" dirty="0" smtClean="0">
+              <a:ln>
+                <a:noFill/>
+              </a:ln>
+              <a:solidFill>
+                <a:srgbClr val="FF0000"/>
+              </a:solidFill>
+              <a:effectLst/>
+              <a:latin typeface="微软雅黑" panose="020B0503020204020204" pitchFamily="34" charset="-122"/>
+              <a:ea typeface="微软雅黑" panose="020B0503020204020204" pitchFamily="34" charset="-122"/>
+            </a:endParaRPr>
           </a:p>
         </p:txBody>
       </p:sp>
@@ -11308,8 +11103,8 @@
         </p:nvSpPr>
         <p:spPr>
           <a:xfrm>
-            <a:off x="261257" y="1250802"/>
-            <a:ext cx="4327071" cy="5378597"/>
+            <a:off x="488315" y="1250950"/>
+            <a:ext cx="5623560" cy="5378450"/>
           </a:xfrm>
         </p:spPr>
         <p:txBody>
@@ -11362,14 +11157,12 @@
       <p:sp>
         <p:nvSpPr>
           <p:cNvPr id="6" name="内容占位符 2"/>
-          <p:cNvSpPr txBox="1">
-            <a:spLocks/>
-          </p:cNvSpPr>
+          <p:cNvSpPr txBox="1"/>
           <p:nvPr/>
         </p:nvSpPr>
         <p:spPr bwMode="auto">
           <a:xfrm>
-            <a:off x="4702628" y="1538060"/>
+            <a:off x="6226628" y="1538060"/>
             <a:ext cx="2400300" cy="4313238"/>
           </a:xfrm>
           <a:prstGeom prst="rect">
@@ -11379,16 +11172,10 @@
           <a:ln w="9525">
             <a:noFill/>
             <a:miter lim="800000"/>
-            <a:headEnd/>
-            <a:tailEnd/>
           </a:ln>
         </p:spPr>
         <p:txBody>
-          <a:bodyPr vert="horz" wrap="square" lIns="0" tIns="0" rIns="0" bIns="0" numCol="1" anchor="t" anchorCtr="0" compatLnSpc="1">
-            <a:prstTxWarp prst="textNoShape">
-              <a:avLst/>
-            </a:prstTxWarp>
-          </a:bodyPr>
+          <a:bodyPr vert="horz" wrap="square" lIns="0" tIns="0" rIns="0" bIns="0" numCol="1" anchor="t" anchorCtr="0" compatLnSpc="1"/>
           <a:lstStyle/>
           <a:p>
             <a:pPr marL="180975" marR="0" lvl="0" indent="-180975" algn="l" defTabSz="914400" rtl="0" eaLnBrk="0" fontAlgn="base" latinLnBrk="0" hangingPunct="0">
@@ -11403,9 +11190,8 @@
               </a:spcAft>
               <a:buClrTx/>
               <a:buSzTx/>
-              <a:buFont typeface="Wingdings" pitchFamily="2" charset="2"/>
+              <a:buFont typeface="Wingdings" panose="05000000000000000000" pitchFamily="2" charset="2"/>
               <a:buChar char="§"/>
-              <a:tabLst/>
               <a:defRPr/>
             </a:pPr>
             <a:endParaRPr kumimoji="0" lang="zh-CN" altLang="en-US" sz="2000" b="0" i="0" u="none" strike="noStrike" kern="0" cap="none" spc="0" normalizeH="0" baseline="0" noProof="0" dirty="0">
@@ -11418,8 +11204,8 @@
               <a:effectLst/>
               <a:uLnTx/>
               <a:uFillTx/>
-              <a:latin typeface="微软雅黑" pitchFamily="34" charset="-122"/>
-              <a:ea typeface="微软雅黑" pitchFamily="34" charset="-122"/>
+              <a:latin typeface="微软雅黑" panose="020B0503020204020204" pitchFamily="34" charset="-122"/>
+              <a:ea typeface="微软雅黑" panose="020B0503020204020204" pitchFamily="34" charset="-122"/>
               <a:cs typeface="+mn-cs"/>
             </a:endParaRPr>
           </a:p>
@@ -11433,7 +11219,7 @@
         </p:nvSpPr>
         <p:spPr bwMode="auto">
           <a:xfrm>
-            <a:off x="2977645" y="3621337"/>
+            <a:off x="4501645" y="3621337"/>
             <a:ext cx="1591733" cy="863600"/>
           </a:xfrm>
           <a:prstGeom prst="irregularSeal1">
@@ -11456,11 +11242,7 @@
           <a:effectLst/>
         </p:spPr>
         <p:txBody>
-          <a:bodyPr vert="horz" wrap="none" lIns="90000" tIns="46800" rIns="90000" bIns="46800" numCol="1" rtlCol="0" anchor="ctr" anchorCtr="0" compatLnSpc="1">
-            <a:prstTxWarp prst="textNoShape">
-              <a:avLst/>
-            </a:prstTxWarp>
-          </a:bodyPr>
+          <a:bodyPr vert="horz" wrap="none" lIns="90000" tIns="46800" rIns="90000" bIns="46800" numCol="1" rtlCol="0" anchor="ctr" anchorCtr="0" compatLnSpc="1"/>
           <a:lstStyle/>
           <a:p>
             <a:pPr marL="0" marR="0" indent="0" algn="l" defTabSz="914400" rtl="0" eaLnBrk="1" fontAlgn="base" latinLnBrk="0" hangingPunct="1">
@@ -11477,15 +11259,14 @@
               <a:buSzTx/>
               <a:buFontTx/>
               <a:buNone/>
-              <a:tabLst/>
             </a:pPr>
             <a:r>
               <a:rPr lang="zh-CN" altLang="en-US" sz="2400" dirty="0" smtClean="0">
                 <a:solidFill>
                   <a:srgbClr val="FF0000"/>
                 </a:solidFill>
-                <a:latin typeface="微软雅黑" pitchFamily="34" charset="-122"/>
-                <a:ea typeface="微软雅黑" pitchFamily="34" charset="-122"/>
+                <a:latin typeface="微软雅黑" panose="020B0503020204020204" pitchFamily="34" charset="-122"/>
+                <a:ea typeface="微软雅黑" panose="020B0503020204020204" pitchFamily="34" charset="-122"/>
               </a:rPr>
               <a:t>决策</a:t>
             </a:r>
@@ -11497,8 +11278,8 @@
                 <a:srgbClr val="FF0000"/>
               </a:solidFill>
               <a:effectLst/>
-              <a:latin typeface="微软雅黑" pitchFamily="34" charset="-122"/>
-              <a:ea typeface="微软雅黑" pitchFamily="34" charset="-122"/>
+              <a:latin typeface="微软雅黑" panose="020B0503020204020204" pitchFamily="34" charset="-122"/>
+              <a:ea typeface="微软雅黑" panose="020B0503020204020204" pitchFamily="34" charset="-122"/>
             </a:endParaRPr>
           </a:p>
         </p:txBody>
@@ -11511,7 +11292,7 @@
         </p:nvSpPr>
         <p:spPr bwMode="auto">
           <a:xfrm>
-            <a:off x="7183557" y="4025152"/>
+            <a:off x="8707557" y="4025152"/>
             <a:ext cx="1591733" cy="863600"/>
           </a:xfrm>
           <a:prstGeom prst="irregularSeal1">
@@ -11534,11 +11315,7 @@
           <a:effectLst/>
         </p:spPr>
         <p:txBody>
-          <a:bodyPr vert="horz" wrap="none" lIns="90000" tIns="46800" rIns="90000" bIns="46800" numCol="1" rtlCol="0" anchor="ctr" anchorCtr="0" compatLnSpc="1">
-            <a:prstTxWarp prst="textNoShape">
-              <a:avLst/>
-            </a:prstTxWarp>
-          </a:bodyPr>
+          <a:bodyPr vert="horz" wrap="none" lIns="90000" tIns="46800" rIns="90000" bIns="46800" numCol="1" rtlCol="0" anchor="ctr" anchorCtr="0" compatLnSpc="1"/>
           <a:lstStyle/>
           <a:p>
             <a:pPr marL="0" marR="0" indent="0" algn="l" defTabSz="914400" rtl="0" eaLnBrk="1" fontAlgn="base" latinLnBrk="0" hangingPunct="1">
@@ -11555,7 +11332,6 @@
               <a:buSzTx/>
               <a:buFontTx/>
               <a:buNone/>
-              <a:tabLst/>
             </a:pPr>
             <a:r>
               <a:rPr kumimoji="0" lang="zh-CN" altLang="en-US" sz="2400" b="0" i="0" u="none" strike="noStrike" cap="none" normalizeH="0" baseline="0" dirty="0" smtClean="0">
@@ -11566,11 +11342,22 @@
                   <a:srgbClr val="FF0000"/>
                 </a:solidFill>
                 <a:effectLst/>
-                <a:latin typeface="微软雅黑" pitchFamily="34" charset="-122"/>
-                <a:ea typeface="微软雅黑" pitchFamily="34" charset="-122"/>
+                <a:latin typeface="微软雅黑" panose="020B0503020204020204" pitchFamily="34" charset="-122"/>
+                <a:ea typeface="微软雅黑" panose="020B0503020204020204" pitchFamily="34" charset="-122"/>
               </a:rPr>
               <a:t>预算</a:t>
             </a:r>
+            <a:endParaRPr kumimoji="0" lang="zh-CN" altLang="en-US" sz="2400" b="0" i="0" u="none" strike="noStrike" cap="none" normalizeH="0" baseline="0" dirty="0" smtClean="0">
+              <a:ln>
+                <a:noFill/>
+              </a:ln>
+              <a:solidFill>
+                <a:srgbClr val="FF0000"/>
+              </a:solidFill>
+              <a:effectLst/>
+              <a:latin typeface="微软雅黑" panose="020B0503020204020204" pitchFamily="34" charset="-122"/>
+              <a:ea typeface="微软雅黑" panose="020B0503020204020204" pitchFamily="34" charset="-122"/>
+            </a:endParaRPr>
           </a:p>
         </p:txBody>
       </p:sp>
@@ -11582,7 +11369,7 @@
         </p:nvSpPr>
         <p:spPr bwMode="auto">
           <a:xfrm>
-            <a:off x="3170903" y="4884997"/>
+            <a:off x="4694903" y="4884997"/>
             <a:ext cx="1591733" cy="863600"/>
           </a:xfrm>
           <a:prstGeom prst="irregularSeal1">
@@ -11605,11 +11392,7 @@
           <a:effectLst/>
         </p:spPr>
         <p:txBody>
-          <a:bodyPr vert="horz" wrap="none" lIns="90000" tIns="46800" rIns="90000" bIns="46800" numCol="1" rtlCol="0" anchor="ctr" anchorCtr="0" compatLnSpc="1">
-            <a:prstTxWarp prst="textNoShape">
-              <a:avLst/>
-            </a:prstTxWarp>
-          </a:bodyPr>
+          <a:bodyPr vert="horz" wrap="none" lIns="90000" tIns="46800" rIns="90000" bIns="46800" numCol="1" rtlCol="0" anchor="ctr" anchorCtr="0" compatLnSpc="1"/>
           <a:lstStyle/>
           <a:p>
             <a:pPr marL="0" marR="0" indent="0" algn="l" defTabSz="914400" rtl="0" eaLnBrk="1" fontAlgn="base" latinLnBrk="0" hangingPunct="1">
@@ -11626,15 +11409,14 @@
               <a:buSzTx/>
               <a:buFontTx/>
               <a:buNone/>
-              <a:tabLst/>
             </a:pPr>
             <a:r>
               <a:rPr lang="zh-CN" altLang="en-US" sz="2400" dirty="0" smtClean="0">
                 <a:solidFill>
                   <a:srgbClr val="FF0000"/>
                 </a:solidFill>
-                <a:latin typeface="微软雅黑" pitchFamily="34" charset="-122"/>
-                <a:ea typeface="微软雅黑" pitchFamily="34" charset="-122"/>
+                <a:latin typeface="微软雅黑" panose="020B0503020204020204" pitchFamily="34" charset="-122"/>
+                <a:ea typeface="微软雅黑" panose="020B0503020204020204" pitchFamily="34" charset="-122"/>
               </a:rPr>
               <a:t>批准</a:t>
             </a:r>
@@ -11646,8 +11428,8 @@
                 <a:srgbClr val="FF0000"/>
               </a:solidFill>
               <a:effectLst/>
-              <a:latin typeface="微软雅黑" pitchFamily="34" charset="-122"/>
-              <a:ea typeface="微软雅黑" pitchFamily="34" charset="-122"/>
+              <a:latin typeface="微软雅黑" panose="020B0503020204020204" pitchFamily="34" charset="-122"/>
+              <a:ea typeface="微软雅黑" panose="020B0503020204020204" pitchFamily="34" charset="-122"/>
             </a:endParaRPr>
           </a:p>
         </p:txBody>
@@ -11660,10 +11442,10 @@
         </p:nvGrpSpPr>
         <p:grpSpPr>
           <a:xfrm>
-            <a:off x="913423" y="5184788"/>
-            <a:ext cx="2083777" cy="1673212"/>
-            <a:chOff x="913423" y="5184788"/>
-            <a:chExt cx="2083777" cy="1673212"/>
+            <a:off x="2439646" y="5184788"/>
+            <a:ext cx="2081554" cy="1673212"/>
+            <a:chOff x="915646" y="5184788"/>
+            <a:chExt cx="2081554" cy="1673212"/>
           </a:xfrm>
         </p:grpSpPr>
         <p:pic>
@@ -11675,7 +11457,7 @@
             <p:nvPr/>
           </p:nvPicPr>
           <p:blipFill>
-            <a:blip r:embed="rId2" cstate="print">
+            <a:blip r:embed="rId1" cstate="print">
               <a:extLst>
                 <a:ext uri="{28A0092B-C50C-407E-A947-70E740481C1C}">
                   <a14:useLocalDpi xmlns:a14="http://schemas.microsoft.com/office/drawing/2010/main" val="0"/>
@@ -11706,8 +11488,8 @@
           </p:nvSpPr>
           <p:spPr>
             <a:xfrm>
-              <a:off x="913423" y="5996226"/>
-              <a:ext cx="492443" cy="852156"/>
+              <a:off x="915646" y="5996226"/>
+              <a:ext cx="490220" cy="857250"/>
             </a:xfrm>
             <a:prstGeom prst="rect">
               <a:avLst/>
@@ -11745,10 +11527,10 @@
         </p:nvGrpSpPr>
         <p:grpSpPr>
           <a:xfrm>
-            <a:off x="5752128" y="5206181"/>
-            <a:ext cx="1747523" cy="1651819"/>
-            <a:chOff x="5245943" y="5206181"/>
-            <a:chExt cx="1747523" cy="1651819"/>
+            <a:off x="7278351" y="5206181"/>
+            <a:ext cx="1745300" cy="1656913"/>
+            <a:chOff x="5248166" y="5206181"/>
+            <a:chExt cx="1745300" cy="1656913"/>
           </a:xfrm>
         </p:grpSpPr>
         <p:pic>
@@ -11760,7 +11542,7 @@
             <p:nvPr/>
           </p:nvPicPr>
           <p:blipFill>
-            <a:blip r:embed="rId3" cstate="print">
+            <a:blip r:embed="rId2" cstate="print">
               <a:extLst>
                 <a:ext uri="{28A0092B-C50C-407E-A947-70E740481C1C}">
                   <a14:useLocalDpi xmlns:a14="http://schemas.microsoft.com/office/drawing/2010/main" val="0"/>
@@ -11791,8 +11573,8 @@
           </p:nvSpPr>
           <p:spPr>
             <a:xfrm>
-              <a:off x="5245943" y="6005844"/>
-              <a:ext cx="492443" cy="852156"/>
+              <a:off x="5248166" y="6005844"/>
+              <a:ext cx="490220" cy="857250"/>
             </a:xfrm>
             <a:prstGeom prst="rect">
               <a:avLst/>
@@ -11823,11 +11605,6 @@
         </p:sp>
       </p:grpSp>
     </p:spTree>
-    <p:extLst>
-      <p:ext uri="{BB962C8B-B14F-4D97-AF65-F5344CB8AC3E}">
-        <p14:creationId xmlns:p14="http://schemas.microsoft.com/office/powerpoint/2010/main" val="9518314"/>
-      </p:ext>
-    </p:extLst>
   </p:cSld>
   <p:clrMapOvr>
     <a:masterClrMapping/>
@@ -12877,10 +12654,10 @@
       </p:par>
     </p:tnLst>
     <p:bldLst>
-      <p:bldP spid="8" grpId="0" animBg="1"/>
-      <p:bldP spid="9" grpId="0" animBg="1"/>
-      <p:bldP spid="10" grpId="0" animBg="1"/>
-      <p:bldP spid="11" grpId="0" animBg="1"/>
+      <p:bldP spid="8" grpId="0" bldLvl="0" animBg="1"/>
+      <p:bldP spid="9" grpId="0" bldLvl="0" animBg="1"/>
+      <p:bldP spid="10" grpId="0" bldLvl="0" animBg="1"/>
+      <p:bldP spid="11" grpId="0" bldLvl="0" animBg="1"/>
     </p:bldLst>
   </p:timing>
 </p:sld>
@@ -12936,7 +12713,12 @@
             <p:ph idx="1"/>
           </p:nvPr>
         </p:nvSpPr>
-        <p:spPr/>
+        <p:spPr>
+          <a:xfrm>
+            <a:off x="393700" y="1284605"/>
+            <a:ext cx="11366500" cy="4313238"/>
+          </a:xfrm>
+        </p:spPr>
         <p:txBody>
           <a:bodyPr/>
           <a:lstStyle/>
@@ -12977,7 +12759,7 @@
           <p:nvPr/>
         </p:nvPicPr>
         <p:blipFill>
-          <a:blip r:embed="rId3">
+          <a:blip r:embed="rId1">
             <a:extLst>
               <a:ext uri="{28A0092B-C50C-407E-A947-70E740481C1C}">
                 <a14:useLocalDpi xmlns:a14="http://schemas.microsoft.com/office/drawing/2010/main" val="0"/>
@@ -12990,8 +12772,8 @@
         </p:blipFill>
         <p:spPr>
           <a:xfrm>
-            <a:off x="0" y="2726618"/>
-            <a:ext cx="9144000" cy="4131382"/>
+            <a:off x="1524000" y="2376170"/>
+            <a:ext cx="8849360" cy="3997960"/>
           </a:xfrm>
           <a:prstGeom prst="rect">
             <a:avLst/>
@@ -13105,7 +12887,7 @@
                 <a:solidFill>
                   <a:srgbClr val="FF0000"/>
                 </a:solidFill>
-                <a:sym typeface="Wingdings" pitchFamily="2" charset="2"/>
+                <a:sym typeface="Wingdings" panose="05000000000000000000" pitchFamily="2" charset="2"/>
               </a:rPr>
               <a:t>参考教材附件中</a:t>
             </a:r>
@@ -13114,7 +12896,7 @@
                 <a:solidFill>
                   <a:srgbClr val="FF0000"/>
                 </a:solidFill>
-                <a:sym typeface="Wingdings" pitchFamily="2" charset="2"/>
+                <a:sym typeface="Wingdings" panose="05000000000000000000" pitchFamily="2" charset="2"/>
               </a:rPr>
               <a:t>MS Project</a:t>
             </a:r>
@@ -13123,7 +12905,7 @@
                 <a:solidFill>
                   <a:srgbClr val="FF0000"/>
                 </a:solidFill>
-                <a:sym typeface="Wingdings" pitchFamily="2" charset="2"/>
+                <a:sym typeface="Wingdings" panose="05000000000000000000" pitchFamily="2" charset="2"/>
               </a:rPr>
               <a:t>关于成本部分的实验，完成大学生电子商务项目的规划成本工作，形成成本预算。</a:t>
             </a:r>
@@ -13135,6 +12917,11 @@
               </a:rPr>
               <a:t>成果保留，后续的所有练习依此扩展</a:t>
             </a:r>
+            <a:endParaRPr lang="zh-CN" altLang="en-US" sz="2400" b="1" dirty="0">
+              <a:solidFill>
+                <a:srgbClr val="FF0000"/>
+              </a:solidFill>
+            </a:endParaRPr>
           </a:p>
           <a:p>
             <a:endParaRPr lang="zh-CN" altLang="en-US" sz="2200" dirty="0"/>
@@ -13142,11 +12929,6 @@
         </p:txBody>
       </p:sp>
     </p:spTree>
-    <p:extLst>
-      <p:ext uri="{BB962C8B-B14F-4D97-AF65-F5344CB8AC3E}">
-        <p14:creationId xmlns:p14="http://schemas.microsoft.com/office/powerpoint/2010/main" val="234031076"/>
-      </p:ext>
-    </p:extLst>
   </p:cSld>
   <p:clrMapOvr>
     <a:masterClrMapping/>
@@ -13188,7 +12970,7 @@
         </p:nvSpPr>
         <p:spPr bwMode="gray">
           <a:xfrm>
-            <a:off x="3124200" y="3352800"/>
+            <a:off x="4648200" y="3352800"/>
             <a:ext cx="4419600" cy="609600"/>
           </a:xfrm>
           <a:prstGeom prst="rect">
@@ -13213,8 +12995,6 @@
                     <a:schemeClr val="bg1"/>
                   </a:solidFill>
                   <a:round/>
-                  <a:headEnd/>
-                  <a:tailEnd/>
                 </a:ln>
                 <a:gradFill rotWithShape="1">
                   <a:gsLst>
@@ -13234,8 +13014,8 @@
                     </a:srgbClr>
                   </a:outerShdw>
                 </a:effectLst>
-                <a:latin typeface="Arial"/>
-                <a:cs typeface="Arial"/>
+                <a:latin typeface="Arial" panose="020B0604020202020204"/>
+                <a:cs typeface="Arial" panose="020B0604020202020204"/>
               </a:rPr>
               <a:t>Thank You !</a:t>
             </a:r>
@@ -13245,8 +13025,6 @@
                   <a:schemeClr val="bg1"/>
                 </a:solidFill>
                 <a:round/>
-                <a:headEnd/>
-                <a:tailEnd/>
               </a:ln>
               <a:gradFill rotWithShape="1">
                 <a:gsLst>
@@ -13266,8 +13044,8 @@
                   </a:srgbClr>
                 </a:outerShdw>
               </a:effectLst>
-              <a:latin typeface="Arial"/>
-              <a:cs typeface="Arial"/>
+              <a:latin typeface="Arial" panose="020B0604020202020204"/>
+              <a:cs typeface="Arial" panose="020B0604020202020204"/>
             </a:endParaRPr>
           </a:p>
         </p:txBody>
@@ -13301,7 +13079,7 @@
                             </p:stCondLst>
                             <p:childTnLst>
                               <p:par>
-                                <p:cTn id="5" presetID="53" presetClass="entr" presetSubtype="0" fill="hold" grpId="0" nodeType="afterEffect">
+                                <p:cTn id="5" presetID="53" presetClass="entr" presetSubtype="16" fill="hold" grpId="0" nodeType="afterEffect">
                                   <p:stCondLst>
                                     <p:cond delay="0"/>
                                   </p:stCondLst>
@@ -13448,7 +13226,7 @@
           <a:lstStyle/>
           <a:p>
             <a:r>
-              <a:rPr lang="zh-CN" altLang="en-US" dirty="0" smtClean="0"/>
+              <a:rPr lang="zh-CN" altLang="en-US" dirty="0"/>
               <a:t>上节回顾</a:t>
             </a:r>
             <a:endParaRPr lang="zh-CN" altLang="en-US" dirty="0"/>
@@ -13470,27 +13248,195 @@
           <a:bodyPr/>
           <a:lstStyle/>
           <a:p>
-            <a:r>
-              <a:rPr lang="zh-CN" altLang="en-US" sz="2400" dirty="0" smtClean="0"/>
-              <a:t>项目来源、论证、立项；</a:t>
-            </a:r>
-            <a:endParaRPr lang="en-US" altLang="zh-CN" sz="2400" dirty="0" smtClean="0"/>
-          </a:p>
-          <a:p>
-            <a:r>
-              <a:rPr lang="zh-CN" altLang="en-US" sz="2400" dirty="0" smtClean="0"/>
-              <a:t>项目启动；</a:t>
-            </a:r>
-            <a:endParaRPr lang="en-US" altLang="zh-CN" sz="2400" dirty="0" smtClean="0"/>
+            <a:pPr marL="0" indent="0">
+              <a:buNone/>
+            </a:pPr>
+            <a:r>
+              <a:rPr lang="en-US" altLang="zh-CN" sz="2400" dirty="0"/>
+              <a:t>1.</a:t>
+            </a:r>
+            <a:r>
+              <a:rPr lang="zh-CN" altLang="en-US" sz="2400" dirty="0"/>
+              <a:t>项目来源、论证、立项  </a:t>
+            </a:r>
+            <a:endParaRPr lang="zh-CN" altLang="en-US" sz="2400" dirty="0"/>
+          </a:p>
+          <a:p>
+            <a:pPr marL="0" indent="0">
+              <a:buNone/>
+            </a:pPr>
+            <a:r>
+              <a:rPr lang="en-US" altLang="zh-CN" sz="2400" dirty="0"/>
+              <a:t>2.</a:t>
+            </a:r>
+            <a:r>
+              <a:rPr lang="zh-CN" altLang="en-US" sz="2400" dirty="0">
+                <a:sym typeface="+mn-ea"/>
+              </a:rPr>
+              <a:t>项目启动 </a:t>
+            </a:r>
+            <a:endParaRPr lang="en-US" altLang="zh-CN" sz="2400" dirty="0"/>
+          </a:p>
+          <a:p>
+            <a:endParaRPr lang="en-US" altLang="zh-CN" sz="2400" dirty="0"/>
+          </a:p>
+          <a:p>
+            <a:endParaRPr lang="en-US" altLang="zh-CN" sz="2400" dirty="0"/>
+          </a:p>
+        </p:txBody>
+      </p:sp>
+      <p:pic>
+        <p:nvPicPr>
+          <p:cNvPr id="4" name="内容占位符 4"/>
+          <p:cNvPicPr>
+            <a:picLocks noChangeAspect="1"/>
+          </p:cNvPicPr>
+          <p:nvPr/>
+        </p:nvPicPr>
+        <p:blipFill>
+          <a:blip r:embed="rId1">
+            <a:extLst>
+              <a:ext uri="{28A0092B-C50C-407E-A947-70E740481C1C}">
+                <a14:useLocalDpi xmlns:a14="http://schemas.microsoft.com/office/drawing/2010/main" val="0"/>
+              </a:ext>
+            </a:extLst>
+          </a:blip>
+          <a:stretch>
+            <a:fillRect/>
+          </a:stretch>
+        </p:blipFill>
+        <p:spPr bwMode="auto">
+          <a:xfrm>
+            <a:off x="2424430" y="2096135"/>
+            <a:ext cx="7304405" cy="4291965"/>
+          </a:xfrm>
+          <a:prstGeom prst="rect">
+            <a:avLst/>
+          </a:prstGeom>
+          <a:noFill/>
+          <a:ln w="9525">
+            <a:noFill/>
+            <a:miter lim="800000"/>
+            <a:headEnd/>
+            <a:tailEnd/>
+          </a:ln>
+        </p:spPr>
+      </p:pic>
+      <p:sp>
+        <p:nvSpPr>
+          <p:cNvPr id="6" name="圆角矩形 5"/>
+          <p:cNvSpPr/>
+          <p:nvPr/>
+        </p:nvSpPr>
+        <p:spPr bwMode="auto">
+          <a:xfrm>
+            <a:off x="3848100" y="2404110"/>
+            <a:ext cx="2437130" cy="3983355"/>
+          </a:xfrm>
+          <a:prstGeom prst="roundRect">
+            <a:avLst/>
+          </a:prstGeom>
+          <a:noFill/>
+          <a:ln w="28575" cap="flat" cmpd="sng" algn="ctr">
+            <a:solidFill>
+              <a:srgbClr val="FF0000"/>
+            </a:solidFill>
+            <a:prstDash val="solid"/>
+            <a:round/>
+            <a:headEnd type="none" w="med" len="med"/>
+            <a:tailEnd type="none" w="med" len="med"/>
+          </a:ln>
+          <a:effectLst/>
+        </p:spPr>
+        <p:txBody>
+          <a:bodyPr vert="horz" wrap="none" lIns="90000" tIns="46800" rIns="90000" bIns="46800" numCol="1" rtlCol="0" anchor="ctr" anchorCtr="0" compatLnSpc="1"/>
+          <a:p>
+            <a:pPr marL="0" marR="0" indent="0" algn="l" defTabSz="914400" rtl="0" eaLnBrk="1" fontAlgn="base" latinLnBrk="0" hangingPunct="1">
+              <a:lnSpc>
+                <a:spcPct val="100000"/>
+              </a:lnSpc>
+              <a:spcBef>
+                <a:spcPct val="0"/>
+              </a:spcBef>
+              <a:spcAft>
+                <a:spcPct val="0"/>
+              </a:spcAft>
+              <a:buClrTx/>
+              <a:buSzTx/>
+              <a:buFontTx/>
+              <a:buNone/>
+            </a:pPr>
+            <a:endParaRPr kumimoji="0" lang="zh-CN" altLang="en-US" sz="2000" b="0" i="0" u="none" strike="noStrike" cap="none" normalizeH="0" baseline="0">
+              <a:ln>
+                <a:noFill/>
+              </a:ln>
+              <a:solidFill>
+                <a:schemeClr val="tx1"/>
+              </a:solidFill>
+              <a:effectLst/>
+              <a:latin typeface="Arial" panose="020B0604020202020204" pitchFamily="34" charset="0"/>
+            </a:endParaRPr>
+          </a:p>
+        </p:txBody>
+      </p:sp>
+      <p:sp>
+        <p:nvSpPr>
+          <p:cNvPr id="5" name="圆角矩形 4"/>
+          <p:cNvSpPr/>
+          <p:nvPr/>
+        </p:nvSpPr>
+        <p:spPr bwMode="auto">
+          <a:xfrm>
+            <a:off x="6367145" y="2404745"/>
+            <a:ext cx="3239135" cy="3982720"/>
+          </a:xfrm>
+          <a:prstGeom prst="roundRect">
+            <a:avLst/>
+          </a:prstGeom>
+          <a:noFill/>
+          <a:ln w="28575" cap="flat" cmpd="sng" algn="ctr">
+            <a:solidFill>
+              <a:srgbClr val="FF0000"/>
+            </a:solidFill>
+            <a:prstDash val="solid"/>
+            <a:round/>
+            <a:headEnd type="none" w="med" len="med"/>
+            <a:tailEnd type="none" w="med" len="med"/>
+          </a:ln>
+          <a:effectLst/>
+        </p:spPr>
+        <p:txBody>
+          <a:bodyPr vert="horz" wrap="none" lIns="90000" tIns="46800" rIns="90000" bIns="46800" numCol="1" rtlCol="0" anchor="ctr" anchorCtr="0" compatLnSpc="1"/>
+          <a:p>
+            <a:pPr marL="0" marR="0" indent="0" algn="l" defTabSz="914400" rtl="0" eaLnBrk="1" fontAlgn="base" latinLnBrk="0" hangingPunct="1">
+              <a:lnSpc>
+                <a:spcPct val="100000"/>
+              </a:lnSpc>
+              <a:spcBef>
+                <a:spcPct val="0"/>
+              </a:spcBef>
+              <a:spcAft>
+                <a:spcPct val="0"/>
+              </a:spcAft>
+              <a:buClrTx/>
+              <a:buSzTx/>
+              <a:buFontTx/>
+              <a:buNone/>
+            </a:pPr>
+            <a:endParaRPr kumimoji="0" lang="zh-CN" altLang="en-US" sz="2000" b="0" i="0" u="none" strike="noStrike" cap="none" normalizeH="0" baseline="0">
+              <a:ln>
+                <a:noFill/>
+              </a:ln>
+              <a:solidFill>
+                <a:schemeClr val="tx1"/>
+              </a:solidFill>
+              <a:effectLst/>
+              <a:latin typeface="Arial" panose="020B0604020202020204" pitchFamily="34" charset="0"/>
+            </a:endParaRPr>
           </a:p>
         </p:txBody>
       </p:sp>
     </p:spTree>
-    <p:extLst>
-      <p:ext uri="{BB962C8B-B14F-4D97-AF65-F5344CB8AC3E}">
-        <p14:creationId xmlns:p14="http://schemas.microsoft.com/office/powerpoint/2010/main" val="2303794848"/>
-      </p:ext>
-    </p:extLst>
   </p:cSld>
   <p:clrMapOvr>
     <a:masterClrMapping/>
@@ -13498,9 +13444,218 @@
   <p:timing>
     <p:tnLst>
       <p:par>
-        <p:cTn id="1" dur="indefinite" restart="never" nodeType="tmRoot"/>
+        <p:cTn id="1" dur="indefinite" restart="never" nodeType="tmRoot">
+          <p:childTnLst>
+            <p:seq concurrent="1" nextAc="seek">
+              <p:cTn id="2" dur="indefinite" nodeType="mainSeq">
+                <p:childTnLst>
+                  <p:par>
+                    <p:cTn id="3" fill="hold">
+                      <p:stCondLst>
+                        <p:cond delay="indefinite"/>
+                      </p:stCondLst>
+                      <p:childTnLst>
+                        <p:par>
+                          <p:cTn id="4" fill="hold">
+                            <p:stCondLst>
+                              <p:cond delay="0"/>
+                            </p:stCondLst>
+                            <p:childTnLst>
+                              <p:par>
+                                <p:cTn id="5" presetID="2" presetClass="entr" presetSubtype="4" fill="hold" grpId="0" nodeType="clickEffect">
+                                  <p:stCondLst>
+                                    <p:cond delay="0"/>
+                                  </p:stCondLst>
+                                  <p:childTnLst>
+                                    <p:set>
+                                      <p:cBhvr>
+                                        <p:cTn id="6" dur="1" fill="hold">
+                                          <p:stCondLst>
+                                            <p:cond delay="0"/>
+                                          </p:stCondLst>
+                                        </p:cTn>
+                                        <p:tgtEl>
+                                          <p:spTgt spid="6"/>
+                                        </p:tgtEl>
+                                        <p:attrNameLst>
+                                          <p:attrName>style.visibility</p:attrName>
+                                        </p:attrNameLst>
+                                      </p:cBhvr>
+                                      <p:to>
+                                        <p:strVal val="visible"/>
+                                      </p:to>
+                                    </p:set>
+                                    <p:anim calcmode="lin" valueType="num">
+                                      <p:cBhvr additive="base">
+                                        <p:cTn id="7" dur="500" fill="hold"/>
+                                        <p:tgtEl>
+                                          <p:spTgt spid="6"/>
+                                        </p:tgtEl>
+                                        <p:attrNameLst>
+                                          <p:attrName>ppt_x</p:attrName>
+                                        </p:attrNameLst>
+                                      </p:cBhvr>
+                                      <p:tavLst>
+                                        <p:tav tm="0">
+                                          <p:val>
+                                            <p:strVal val="#ppt_x"/>
+                                          </p:val>
+                                        </p:tav>
+                                        <p:tav tm="100000">
+                                          <p:val>
+                                            <p:strVal val="#ppt_x"/>
+                                          </p:val>
+                                        </p:tav>
+                                      </p:tavLst>
+                                    </p:anim>
+                                    <p:anim calcmode="lin" valueType="num">
+                                      <p:cBhvr additive="base">
+                                        <p:cTn id="8" dur="500" fill="hold"/>
+                                        <p:tgtEl>
+                                          <p:spTgt spid="6"/>
+                                        </p:tgtEl>
+                                        <p:attrNameLst>
+                                          <p:attrName>ppt_y</p:attrName>
+                                        </p:attrNameLst>
+                                      </p:cBhvr>
+                                      <p:tavLst>
+                                        <p:tav tm="0">
+                                          <p:val>
+                                            <p:strVal val="1+#ppt_h/2"/>
+                                          </p:val>
+                                        </p:tav>
+                                        <p:tav tm="100000">
+                                          <p:val>
+                                            <p:strVal val="#ppt_y"/>
+                                          </p:val>
+                                        </p:tav>
+                                      </p:tavLst>
+                                    </p:anim>
+                                  </p:childTnLst>
+                                </p:cTn>
+                              </p:par>
+                            </p:childTnLst>
+                          </p:cTn>
+                        </p:par>
+                      </p:childTnLst>
+                    </p:cTn>
+                  </p:par>
+                  <p:par>
+                    <p:cTn id="9" fill="hold">
+                      <p:stCondLst>
+                        <p:cond delay="indefinite"/>
+                      </p:stCondLst>
+                      <p:childTnLst>
+                        <p:par>
+                          <p:cTn id="10" fill="hold">
+                            <p:stCondLst>
+                              <p:cond delay="0"/>
+                            </p:stCondLst>
+                            <p:childTnLst>
+                              <p:par>
+                                <p:cTn id="11" presetID="2" presetClass="entr" presetSubtype="4" fill="hold" grpId="0" nodeType="clickEffect">
+                                  <p:stCondLst>
+                                    <p:cond delay="0"/>
+                                  </p:stCondLst>
+                                  <p:childTnLst>
+                                    <p:set>
+                                      <p:cBhvr>
+                                        <p:cTn id="12" dur="1" fill="hold">
+                                          <p:stCondLst>
+                                            <p:cond delay="0"/>
+                                          </p:stCondLst>
+                                        </p:cTn>
+                                        <p:tgtEl>
+                                          <p:spTgt spid="5"/>
+                                        </p:tgtEl>
+                                        <p:attrNameLst>
+                                          <p:attrName>style.visibility</p:attrName>
+                                        </p:attrNameLst>
+                                      </p:cBhvr>
+                                      <p:to>
+                                        <p:strVal val="visible"/>
+                                      </p:to>
+                                    </p:set>
+                                    <p:anim calcmode="lin" valueType="num">
+                                      <p:cBhvr additive="base">
+                                        <p:cTn id="13" dur="500" fill="hold"/>
+                                        <p:tgtEl>
+                                          <p:spTgt spid="5"/>
+                                        </p:tgtEl>
+                                        <p:attrNameLst>
+                                          <p:attrName>ppt_x</p:attrName>
+                                        </p:attrNameLst>
+                                      </p:cBhvr>
+                                      <p:tavLst>
+                                        <p:tav tm="0">
+                                          <p:val>
+                                            <p:strVal val="#ppt_x"/>
+                                          </p:val>
+                                        </p:tav>
+                                        <p:tav tm="100000">
+                                          <p:val>
+                                            <p:strVal val="#ppt_x"/>
+                                          </p:val>
+                                        </p:tav>
+                                      </p:tavLst>
+                                    </p:anim>
+                                    <p:anim calcmode="lin" valueType="num">
+                                      <p:cBhvr additive="base">
+                                        <p:cTn id="14" dur="500" fill="hold"/>
+                                        <p:tgtEl>
+                                          <p:spTgt spid="5"/>
+                                        </p:tgtEl>
+                                        <p:attrNameLst>
+                                          <p:attrName>ppt_y</p:attrName>
+                                        </p:attrNameLst>
+                                      </p:cBhvr>
+                                      <p:tavLst>
+                                        <p:tav tm="0">
+                                          <p:val>
+                                            <p:strVal val="1+#ppt_h/2"/>
+                                          </p:val>
+                                        </p:tav>
+                                        <p:tav tm="100000">
+                                          <p:val>
+                                            <p:strVal val="#ppt_y"/>
+                                          </p:val>
+                                        </p:tav>
+                                      </p:tavLst>
+                                    </p:anim>
+                                  </p:childTnLst>
+                                </p:cTn>
+                              </p:par>
+                            </p:childTnLst>
+                          </p:cTn>
+                        </p:par>
+                      </p:childTnLst>
+                    </p:cTn>
+                  </p:par>
+                </p:childTnLst>
+              </p:cTn>
+              <p:prevCondLst>
+                <p:cond evt="onPrev" delay="0">
+                  <p:tgtEl>
+                    <p:sldTgt/>
+                  </p:tgtEl>
+                </p:cond>
+              </p:prevCondLst>
+              <p:nextCondLst>
+                <p:cond evt="onNext" delay="0">
+                  <p:tgtEl>
+                    <p:sldTgt/>
+                  </p:tgtEl>
+                </p:cond>
+              </p:nextCondLst>
+            </p:seq>
+          </p:childTnLst>
+        </p:cTn>
       </p:par>
     </p:tnLst>
+    <p:bldLst>
+      <p:bldP spid="6" grpId="0" bldLvl="0" animBg="1"/>
+      <p:bldP spid="5" grpId="0" bldLvl="0" animBg="1"/>
+    </p:bldLst>
   </p:timing>
 </p:sld>
 </file>
@@ -13531,7 +13686,7 @@
           <p:nvPr/>
         </p:nvPicPr>
         <p:blipFill>
-          <a:blip r:embed="rId2">
+          <a:blip r:embed="rId1">
             <a:extLst>
               <a:ext uri="{28A0092B-C50C-407E-A947-70E740481C1C}">
                 <a14:useLocalDpi xmlns:a14="http://schemas.microsoft.com/office/drawing/2010/main" val="0"/>
@@ -13545,7 +13700,7 @@
         </p:blipFill>
         <p:spPr bwMode="auto">
           <a:xfrm>
-            <a:off x="366349" y="1758818"/>
+            <a:off x="1890349" y="1758818"/>
             <a:ext cx="8382727" cy="3773751"/>
           </a:xfrm>
           <a:prstGeom prst="rect">
@@ -13597,7 +13752,7 @@
         </p:nvSpPr>
         <p:spPr>
           <a:xfrm>
-            <a:off x="3734733" y="3184070"/>
+            <a:off x="5258733" y="3184070"/>
             <a:ext cx="1526751" cy="1028701"/>
           </a:xfrm>
           <a:prstGeom prst="roundRect">
@@ -13635,18 +13790,33 @@
           </a:p>
         </p:txBody>
       </p:sp>
+      <p:sp>
+        <p:nvSpPr>
+          <p:cNvPr id="2" name="标题 1"/>
+          <p:cNvSpPr>
+            <a:spLocks noGrp="1"/>
+          </p:cNvSpPr>
+          <p:nvPr>
+            <p:ph type="title"/>
+          </p:nvPr>
+        </p:nvSpPr>
+        <p:spPr/>
+        <p:txBody>
+          <a:bodyPr/>
+          <a:p>
+            <a:r>
+              <a:rPr lang="zh-CN" altLang="en-US" dirty="0"/>
+              <a:t>本节内容</a:t>
+            </a:r>
+            <a:endParaRPr lang="zh-CN" altLang="en-US" dirty="0"/>
+          </a:p>
+        </p:txBody>
+      </p:sp>
     </p:spTree>
   </p:cSld>
   <p:clrMapOvr>
     <a:masterClrMapping/>
   </p:clrMapOvr>
-  <p:timing>
-    <p:tnLst>
-      <p:par>
-        <p:cTn id="1" dur="indefinite" restart="never" nodeType="tmRoot"/>
-      </p:par>
-    </p:tnLst>
-  </p:timing>
 </p:sld>
 </file>
 
@@ -13677,14 +13847,20 @@
             <p:ph type="title"/>
           </p:nvPr>
         </p:nvSpPr>
-        <p:spPr/>
+        <p:spPr>
+          <a:xfrm>
+            <a:off x="473076" y="281623"/>
+            <a:ext cx="11360149" cy="647700"/>
+          </a:xfrm>
+        </p:spPr>
         <p:txBody>
           <a:bodyPr/>
           <a:lstStyle/>
           <a:p>
-            <a:r>
-              <a:rPr lang="zh-CN" altLang="en-US" dirty="0" smtClean="0"/>
-              <a:t>参考项目管理的九大知识领域完成规划</a:t>
+            <a:pPr algn="l"/>
+            <a:r>
+              <a:rPr lang="zh-CN" altLang="en-US" dirty="0"/>
+              <a:t>参考项目管理的十大知识领域完成规划</a:t>
             </a:r>
             <a:endParaRPr lang="zh-CN" altLang="en-US" dirty="0"/>
           </a:p>
@@ -13692,47 +13868,29 @@
       </p:sp>
       <p:graphicFrame>
         <p:nvGraphicFramePr>
-          <p:cNvPr id="7" name="图示 6">
-            <a:extLst>
-              <a:ext uri="{FF2B5EF4-FFF2-40B4-BE49-F238E27FC236}">
-                <a16:creationId xmlns:a16="http://schemas.microsoft.com/office/drawing/2014/main" id="{D6F16BCF-91EF-44F0-9191-FD57AAE0AB21}"/>
-              </a:ext>
-            </a:extLst>
-          </p:cNvPr>
+          <p:cNvPr id="7" name="图示 6"/>
           <p:cNvGraphicFramePr/>
-          <p:nvPr>
-            <p:extLst>
-              <p:ext uri="{D42A27DB-BD31-4B8C-83A1-F6EECF244321}">
-                <p14:modId xmlns:p14="http://schemas.microsoft.com/office/powerpoint/2010/main" val="955796929"/>
-              </p:ext>
-            </p:extLst>
-          </p:nvPr>
+          <p:nvPr/>
         </p:nvGraphicFramePr>
         <p:xfrm>
-          <a:off x="0" y="2049517"/>
+          <a:off x="1436370" y="1494527"/>
           <a:ext cx="9143999" cy="3247427"/>
         </p:xfrm>
         <a:graphic>
           <a:graphicData uri="http://schemas.openxmlformats.org/drawingml/2006/diagram">
-            <dgm:relIds xmlns:dgm="http://schemas.openxmlformats.org/drawingml/2006/diagram" xmlns:r="http://schemas.openxmlformats.org/officeDocument/2006/relationships" r:dm="rId2" r:lo="rId3" r:qs="rId4" r:cs="rId5"/>
+            <dgm:relIds xmlns:dgm="http://schemas.openxmlformats.org/drawingml/2006/diagram" xmlns:r="http://schemas.openxmlformats.org/officeDocument/2006/relationships" r:dm="rId1" r:lo="rId2" r:qs="rId3" r:cs="rId4"/>
           </a:graphicData>
         </a:graphic>
       </p:graphicFrame>
       <p:grpSp>
         <p:nvGrpSpPr>
-          <p:cNvPr id="8" name="组合 7">
-            <a:extLst>
-              <a:ext uri="{FF2B5EF4-FFF2-40B4-BE49-F238E27FC236}">
-                <a16:creationId xmlns:a16="http://schemas.microsoft.com/office/drawing/2014/main" id="{F7840E8C-E501-4710-992D-D7514538D51E}"/>
-              </a:ext>
-            </a:extLst>
-          </p:cNvPr>
+          <p:cNvPr id="8" name="组合 7"/>
           <p:cNvGrpSpPr/>
           <p:nvPr/>
         </p:nvGrpSpPr>
         <p:grpSpPr>
           <a:xfrm>
-            <a:off x="1032385" y="5046227"/>
+            <a:off x="2468755" y="4491237"/>
             <a:ext cx="7046268" cy="1302961"/>
             <a:chOff x="1032385" y="5046227"/>
             <a:chExt cx="7046268" cy="1302961"/>
@@ -13740,13 +13898,7 @@
         </p:grpSpPr>
         <p:sp>
           <p:nvSpPr>
-            <p:cNvPr id="9" name="右大括号 8">
-              <a:extLst>
-                <a:ext uri="{FF2B5EF4-FFF2-40B4-BE49-F238E27FC236}">
-                  <a16:creationId xmlns:a16="http://schemas.microsoft.com/office/drawing/2014/main" id="{CD818985-E7A2-4D2A-825B-3515AEABEDA9}"/>
-                </a:ext>
-              </a:extLst>
-            </p:cNvPr>
+            <p:cNvPr id="9" name="右大括号 8"/>
             <p:cNvSpPr/>
             <p:nvPr/>
           </p:nvSpPr>
@@ -13789,13 +13941,7 @@
         </p:sp>
         <p:sp>
           <p:nvSpPr>
-            <p:cNvPr id="10" name="圆角矩形 4">
-              <a:extLst>
-                <a:ext uri="{FF2B5EF4-FFF2-40B4-BE49-F238E27FC236}">
-                  <a16:creationId xmlns:a16="http://schemas.microsoft.com/office/drawing/2014/main" id="{B288E10D-EC6A-4B01-8EA4-947307D7ED27}"/>
-                </a:ext>
-              </a:extLst>
-            </p:cNvPr>
+            <p:cNvPr id="10" name="圆角矩形 4"/>
             <p:cNvSpPr/>
             <p:nvPr/>
           </p:nvSpPr>
@@ -13827,11 +13973,7 @@
             </a:fontRef>
           </p:style>
           <p:txBody>
-            <a:bodyPr vert="horz" wrap="none" lIns="90000" tIns="46800" rIns="90000" bIns="46800" numCol="1" rtlCol="0" anchor="ctr" anchorCtr="0" compatLnSpc="1">
-              <a:prstTxWarp prst="textNoShape">
-                <a:avLst/>
-              </a:prstTxWarp>
-            </a:bodyPr>
+            <a:bodyPr vert="horz" wrap="none" lIns="90000" tIns="46800" rIns="90000" bIns="46800" numCol="1" rtlCol="0" anchor="ctr" anchorCtr="0" compatLnSpc="1"/>
             <a:lstStyle/>
             <a:p>
               <a:pPr marL="0" marR="0" indent="0" algn="ctr" defTabSz="914400" rtl="0" eaLnBrk="1" fontAlgn="base" latinLnBrk="0" hangingPunct="1">
@@ -13848,7 +13990,6 @@
                 <a:buSzTx/>
                 <a:buFontTx/>
                 <a:buNone/>
-                <a:tabLst/>
               </a:pPr>
               <a:r>
                 <a:rPr kumimoji="0" lang="zh-CN" altLang="en-US" sz="2000" b="0" i="0" u="none" strike="noStrike" cap="none" normalizeH="0" baseline="0" dirty="0">
@@ -13859,21 +14000,27 @@
                     <a:schemeClr val="tx1"/>
                   </a:solidFill>
                   <a:effectLst/>
-                  <a:latin typeface="微软雅黑" pitchFamily="34" charset="-122"/>
-                  <a:ea typeface="微软雅黑" pitchFamily="34" charset="-122"/>
+                  <a:latin typeface="微软雅黑" panose="020B0503020204020204" pitchFamily="34" charset="-122"/>
+                  <a:ea typeface="微软雅黑" panose="020B0503020204020204" pitchFamily="34" charset="-122"/>
                 </a:rPr>
                 <a:t>整合</a:t>
               </a:r>
+              <a:endParaRPr kumimoji="0" lang="zh-CN" altLang="en-US" sz="2000" b="0" i="0" u="none" strike="noStrike" cap="none" normalizeH="0" baseline="0" dirty="0">
+                <a:ln>
+                  <a:noFill/>
+                </a:ln>
+                <a:solidFill>
+                  <a:schemeClr val="tx1"/>
+                </a:solidFill>
+                <a:effectLst/>
+                <a:latin typeface="微软雅黑" panose="020B0503020204020204" pitchFamily="34" charset="-122"/>
+                <a:ea typeface="微软雅黑" panose="020B0503020204020204" pitchFamily="34" charset="-122"/>
+              </a:endParaRPr>
             </a:p>
           </p:txBody>
         </p:sp>
       </p:grpSp>
     </p:spTree>
-    <p:extLst>
-      <p:ext uri="{BB962C8B-B14F-4D97-AF65-F5344CB8AC3E}">
-        <p14:creationId xmlns:p14="http://schemas.microsoft.com/office/powerpoint/2010/main" val="2318252406"/>
-      </p:ext>
-    </p:extLst>
   </p:cSld>
   <p:clrMapOvr>
     <a:masterClrMapping/>
@@ -14132,7 +14279,7 @@
           <a:p>
             <a:r>
               <a:rPr lang="zh-CN" altLang="en-US" dirty="0" smtClean="0"/>
-              <a:t>九大知识领域在规划阶段的规律和关联性</a:t>
+              <a:t>十大知识领域在规划阶段的规律和关联性</a:t>
             </a:r>
             <a:endParaRPr lang="zh-CN" altLang="en-US" dirty="0"/>
           </a:p>
@@ -14146,7 +14293,7 @@
         </p:nvSpPr>
         <p:spPr>
           <a:xfrm>
-            <a:off x="152399" y="3581400"/>
+            <a:off x="1676399" y="3581400"/>
             <a:ext cx="1348155" cy="609600"/>
           </a:xfrm>
           <a:prstGeom prst="rect">
@@ -14180,28 +14327,18 @@
                 <a:solidFill>
                   <a:schemeClr val="tx1"/>
                 </a:solidFill>
-                <a:latin typeface="微软雅黑" pitchFamily="34" charset="-122"/>
-                <a:ea typeface="微软雅黑" pitchFamily="34" charset="-122"/>
+                <a:latin typeface="微软雅黑" panose="020B0503020204020204" pitchFamily="34" charset="-122"/>
+                <a:ea typeface="微软雅黑" panose="020B0503020204020204" pitchFamily="34" charset="-122"/>
               </a:rPr>
               <a:t>做什么</a:t>
-            </a:r>
-            <a:r>
-              <a:rPr lang="en-US" altLang="zh-CN" sz="1800" b="1" dirty="0">
-                <a:solidFill>
-                  <a:schemeClr val="tx1"/>
-                </a:solidFill>
-                <a:latin typeface="微软雅黑" pitchFamily="34" charset="-122"/>
-                <a:ea typeface="微软雅黑" pitchFamily="34" charset="-122"/>
-              </a:rPr>
-              <a:t/>
             </a:r>
             <a:br>
               <a:rPr lang="en-US" altLang="zh-CN" sz="1800" b="1" dirty="0">
                 <a:solidFill>
                   <a:schemeClr val="tx1"/>
                 </a:solidFill>
-                <a:latin typeface="微软雅黑" pitchFamily="34" charset="-122"/>
-                <a:ea typeface="微软雅黑" pitchFamily="34" charset="-122"/>
+                <a:latin typeface="微软雅黑" panose="020B0503020204020204" pitchFamily="34" charset="-122"/>
+                <a:ea typeface="微软雅黑" panose="020B0503020204020204" pitchFamily="34" charset="-122"/>
               </a:rPr>
             </a:br>
             <a:r>
@@ -14209,11 +14346,18 @@
                 <a:solidFill>
                   <a:schemeClr val="tx1"/>
                 </a:solidFill>
-                <a:latin typeface="微软雅黑" pitchFamily="34" charset="-122"/>
-                <a:ea typeface="微软雅黑" pitchFamily="34" charset="-122"/>
+                <a:latin typeface="微软雅黑" panose="020B0503020204020204" pitchFamily="34" charset="-122"/>
+                <a:ea typeface="微软雅黑" panose="020B0503020204020204" pitchFamily="34" charset="-122"/>
               </a:rPr>
               <a:t>（范围管理）</a:t>
             </a:r>
+            <a:endParaRPr lang="zh-CN" altLang="en-US" sz="1800" b="1" dirty="0">
+              <a:solidFill>
+                <a:schemeClr val="tx1"/>
+              </a:solidFill>
+              <a:latin typeface="微软雅黑" panose="020B0503020204020204" pitchFamily="34" charset="-122"/>
+              <a:ea typeface="微软雅黑" panose="020B0503020204020204" pitchFamily="34" charset="-122"/>
+            </a:endParaRPr>
           </a:p>
         </p:txBody>
       </p:sp>
@@ -14225,7 +14369,7 @@
         </p:nvSpPr>
         <p:spPr>
           <a:xfrm>
-            <a:off x="1981200" y="2590800"/>
+            <a:off x="3505200" y="2590800"/>
             <a:ext cx="1600201" cy="609600"/>
           </a:xfrm>
           <a:prstGeom prst="rect">
@@ -14259,28 +14403,18 @@
                 <a:solidFill>
                   <a:schemeClr val="tx1"/>
                 </a:solidFill>
-                <a:latin typeface="微软雅黑" pitchFamily="34" charset="-122"/>
-                <a:ea typeface="微软雅黑" pitchFamily="34" charset="-122"/>
+                <a:latin typeface="微软雅黑" panose="020B0503020204020204" pitchFamily="34" charset="-122"/>
+                <a:ea typeface="微软雅黑" panose="020B0503020204020204" pitchFamily="34" charset="-122"/>
               </a:rPr>
               <a:t>什么时候做？</a:t>
-            </a:r>
-            <a:r>
-              <a:rPr lang="en-US" altLang="zh-CN" sz="1800" b="1" dirty="0">
-                <a:solidFill>
-                  <a:schemeClr val="tx1"/>
-                </a:solidFill>
-                <a:latin typeface="微软雅黑" pitchFamily="34" charset="-122"/>
-                <a:ea typeface="微软雅黑" pitchFamily="34" charset="-122"/>
-              </a:rPr>
-              <a:t/>
             </a:r>
             <a:br>
               <a:rPr lang="en-US" altLang="zh-CN" sz="1800" b="1" dirty="0">
                 <a:solidFill>
                   <a:schemeClr val="tx1"/>
                 </a:solidFill>
-                <a:latin typeface="微软雅黑" pitchFamily="34" charset="-122"/>
-                <a:ea typeface="微软雅黑" pitchFamily="34" charset="-122"/>
+                <a:latin typeface="微软雅黑" panose="020B0503020204020204" pitchFamily="34" charset="-122"/>
+                <a:ea typeface="微软雅黑" panose="020B0503020204020204" pitchFamily="34" charset="-122"/>
               </a:rPr>
             </a:br>
             <a:r>
@@ -14288,11 +14422,18 @@
                 <a:solidFill>
                   <a:schemeClr val="tx1"/>
                 </a:solidFill>
-                <a:latin typeface="微软雅黑" pitchFamily="34" charset="-122"/>
-                <a:ea typeface="微软雅黑" pitchFamily="34" charset="-122"/>
+                <a:latin typeface="微软雅黑" panose="020B0503020204020204" pitchFamily="34" charset="-122"/>
+                <a:ea typeface="微软雅黑" panose="020B0503020204020204" pitchFamily="34" charset="-122"/>
               </a:rPr>
               <a:t>（时间管理）</a:t>
             </a:r>
+            <a:endParaRPr lang="zh-CN" altLang="en-US" sz="1800" b="1" dirty="0">
+              <a:solidFill>
+                <a:schemeClr val="tx1"/>
+              </a:solidFill>
+              <a:latin typeface="微软雅黑" panose="020B0503020204020204" pitchFamily="34" charset="-122"/>
+              <a:ea typeface="微软雅黑" panose="020B0503020204020204" pitchFamily="34" charset="-122"/>
+            </a:endParaRPr>
           </a:p>
         </p:txBody>
       </p:sp>
@@ -14304,7 +14445,7 @@
         </p:nvSpPr>
         <p:spPr>
           <a:xfrm>
-            <a:off x="1981200" y="3581399"/>
+            <a:off x="3505200" y="3581399"/>
             <a:ext cx="1600201" cy="609600"/>
           </a:xfrm>
           <a:prstGeom prst="rect">
@@ -14338,28 +14479,18 @@
                 <a:solidFill>
                   <a:srgbClr val="FF0000"/>
                 </a:solidFill>
-                <a:latin typeface="微软雅黑" pitchFamily="34" charset="-122"/>
-                <a:ea typeface="微软雅黑" pitchFamily="34" charset="-122"/>
+                <a:latin typeface="微软雅黑" panose="020B0503020204020204" pitchFamily="34" charset="-122"/>
+                <a:ea typeface="微软雅黑" panose="020B0503020204020204" pitchFamily="34" charset="-122"/>
               </a:rPr>
               <a:t>以什么代价做？</a:t>
-            </a:r>
-            <a:r>
-              <a:rPr lang="en-US" altLang="zh-CN" sz="1800" b="1" dirty="0" smtClean="0">
-                <a:solidFill>
-                  <a:srgbClr val="FF0000"/>
-                </a:solidFill>
-                <a:latin typeface="微软雅黑" pitchFamily="34" charset="-122"/>
-                <a:ea typeface="微软雅黑" pitchFamily="34" charset="-122"/>
-              </a:rPr>
-              <a:t/>
             </a:r>
             <a:br>
               <a:rPr lang="en-US" altLang="zh-CN" sz="1800" b="1" dirty="0" smtClean="0">
                 <a:solidFill>
                   <a:srgbClr val="FF0000"/>
                 </a:solidFill>
-                <a:latin typeface="微软雅黑" pitchFamily="34" charset="-122"/>
-                <a:ea typeface="微软雅黑" pitchFamily="34" charset="-122"/>
+                <a:latin typeface="微软雅黑" panose="020B0503020204020204" pitchFamily="34" charset="-122"/>
+                <a:ea typeface="微软雅黑" panose="020B0503020204020204" pitchFamily="34" charset="-122"/>
               </a:rPr>
             </a:br>
             <a:r>
@@ -14367,8 +14498,8 @@
                 <a:solidFill>
                   <a:srgbClr val="FF0000"/>
                 </a:solidFill>
-                <a:latin typeface="微软雅黑" pitchFamily="34" charset="-122"/>
-                <a:ea typeface="微软雅黑" pitchFamily="34" charset="-122"/>
+                <a:latin typeface="微软雅黑" panose="020B0503020204020204" pitchFamily="34" charset="-122"/>
+                <a:ea typeface="微软雅黑" panose="020B0503020204020204" pitchFamily="34" charset="-122"/>
               </a:rPr>
               <a:t>（成本管理）</a:t>
             </a:r>
@@ -14376,8 +14507,8 @@
               <a:solidFill>
                 <a:srgbClr val="FF0000"/>
               </a:solidFill>
-              <a:latin typeface="微软雅黑" pitchFamily="34" charset="-122"/>
-              <a:ea typeface="微软雅黑" pitchFamily="34" charset="-122"/>
+              <a:latin typeface="微软雅黑" panose="020B0503020204020204" pitchFamily="34" charset="-122"/>
+              <a:ea typeface="微软雅黑" panose="020B0503020204020204" pitchFamily="34" charset="-122"/>
             </a:endParaRPr>
           </a:p>
         </p:txBody>
@@ -14390,7 +14521,7 @@
         </p:nvSpPr>
         <p:spPr>
           <a:xfrm>
-            <a:off x="1981200" y="4495800"/>
+            <a:off x="3505200" y="4495800"/>
             <a:ext cx="1676401" cy="609600"/>
           </a:xfrm>
           <a:prstGeom prst="rect">
@@ -14424,28 +14555,18 @@
                 <a:solidFill>
                   <a:schemeClr val="tx1"/>
                 </a:solidFill>
-                <a:latin typeface="微软雅黑" pitchFamily="34" charset="-122"/>
-                <a:ea typeface="微软雅黑" pitchFamily="34" charset="-122"/>
+                <a:latin typeface="微软雅黑" panose="020B0503020204020204" pitchFamily="34" charset="-122"/>
+                <a:ea typeface="微软雅黑" panose="020B0503020204020204" pitchFamily="34" charset="-122"/>
               </a:rPr>
               <a:t>按什么要求做？</a:t>
-            </a:r>
-            <a:r>
-              <a:rPr lang="en-US" altLang="zh-CN" sz="1800" b="1" dirty="0">
-                <a:solidFill>
-                  <a:schemeClr val="tx1"/>
-                </a:solidFill>
-                <a:latin typeface="微软雅黑" pitchFamily="34" charset="-122"/>
-                <a:ea typeface="微软雅黑" pitchFamily="34" charset="-122"/>
-              </a:rPr>
-              <a:t/>
             </a:r>
             <a:br>
               <a:rPr lang="en-US" altLang="zh-CN" sz="1800" b="1" dirty="0">
                 <a:solidFill>
                   <a:schemeClr val="tx1"/>
                 </a:solidFill>
-                <a:latin typeface="微软雅黑" pitchFamily="34" charset="-122"/>
-                <a:ea typeface="微软雅黑" pitchFamily="34" charset="-122"/>
+                <a:latin typeface="微软雅黑" panose="020B0503020204020204" pitchFamily="34" charset="-122"/>
+                <a:ea typeface="微软雅黑" panose="020B0503020204020204" pitchFamily="34" charset="-122"/>
               </a:rPr>
             </a:br>
             <a:r>
@@ -14453,11 +14574,18 @@
                 <a:solidFill>
                   <a:schemeClr val="tx1"/>
                 </a:solidFill>
-                <a:latin typeface="微软雅黑" pitchFamily="34" charset="-122"/>
-                <a:ea typeface="微软雅黑" pitchFamily="34" charset="-122"/>
+                <a:latin typeface="微软雅黑" panose="020B0503020204020204" pitchFamily="34" charset="-122"/>
+                <a:ea typeface="微软雅黑" panose="020B0503020204020204" pitchFamily="34" charset="-122"/>
               </a:rPr>
               <a:t>（质量管理）</a:t>
             </a:r>
+            <a:endParaRPr lang="zh-CN" altLang="en-US" sz="1800" b="1" dirty="0">
+              <a:solidFill>
+                <a:schemeClr val="tx1"/>
+              </a:solidFill>
+              <a:latin typeface="微软雅黑" panose="020B0503020204020204" pitchFamily="34" charset="-122"/>
+              <a:ea typeface="微软雅黑" panose="020B0503020204020204" pitchFamily="34" charset="-122"/>
+            </a:endParaRPr>
           </a:p>
         </p:txBody>
       </p:sp>
@@ -14469,7 +14597,7 @@
         </p:nvSpPr>
         <p:spPr>
           <a:xfrm>
-            <a:off x="4108939" y="2438401"/>
+            <a:off x="5632939" y="2438401"/>
             <a:ext cx="996461" cy="2895599"/>
           </a:xfrm>
           <a:prstGeom prst="flowChartDecision">
@@ -14503,28 +14631,18 @@
                 <a:solidFill>
                   <a:schemeClr val="tx1"/>
                 </a:solidFill>
-                <a:latin typeface="微软雅黑" pitchFamily="34" charset="-122"/>
-                <a:ea typeface="微软雅黑" pitchFamily="34" charset="-122"/>
+                <a:latin typeface="微软雅黑" panose="020B0503020204020204" pitchFamily="34" charset="-122"/>
+                <a:ea typeface="微软雅黑" panose="020B0503020204020204" pitchFamily="34" charset="-122"/>
               </a:rPr>
               <a:t>需要什么</a:t>
-            </a:r>
-            <a:r>
-              <a:rPr lang="en-US" altLang="zh-CN" sz="1800" b="1" dirty="0">
-                <a:solidFill>
-                  <a:schemeClr val="tx1"/>
-                </a:solidFill>
-                <a:latin typeface="微软雅黑" pitchFamily="34" charset="-122"/>
-                <a:ea typeface="微软雅黑" pitchFamily="34" charset="-122"/>
-              </a:rPr>
-              <a:t/>
             </a:r>
             <a:br>
               <a:rPr lang="en-US" altLang="zh-CN" sz="1800" b="1" dirty="0">
                 <a:solidFill>
                   <a:schemeClr val="tx1"/>
                 </a:solidFill>
-                <a:latin typeface="微软雅黑" pitchFamily="34" charset="-122"/>
-                <a:ea typeface="微软雅黑" pitchFamily="34" charset="-122"/>
+                <a:latin typeface="微软雅黑" panose="020B0503020204020204" pitchFamily="34" charset="-122"/>
+                <a:ea typeface="微软雅黑" panose="020B0503020204020204" pitchFamily="34" charset="-122"/>
               </a:rPr>
             </a:br>
             <a:r>
@@ -14532,11 +14650,18 @@
                 <a:solidFill>
                   <a:schemeClr val="tx1"/>
                 </a:solidFill>
-                <a:latin typeface="微软雅黑" pitchFamily="34" charset="-122"/>
-                <a:ea typeface="微软雅黑" pitchFamily="34" charset="-122"/>
+                <a:latin typeface="微软雅黑" panose="020B0503020204020204" pitchFamily="34" charset="-122"/>
+                <a:ea typeface="微软雅黑" panose="020B0503020204020204" pitchFamily="34" charset="-122"/>
               </a:rPr>
               <a:t>人力资源</a:t>
             </a:r>
+            <a:endParaRPr lang="zh-CN" altLang="en-US" sz="1800" b="1" dirty="0">
+              <a:solidFill>
+                <a:schemeClr val="tx1"/>
+              </a:solidFill>
+              <a:latin typeface="微软雅黑" panose="020B0503020204020204" pitchFamily="34" charset="-122"/>
+              <a:ea typeface="微软雅黑" panose="020B0503020204020204" pitchFamily="34" charset="-122"/>
+            </a:endParaRPr>
           </a:p>
         </p:txBody>
       </p:sp>
@@ -14548,7 +14673,7 @@
         </p:nvSpPr>
         <p:spPr>
           <a:xfrm>
-            <a:off x="5638799" y="2590799"/>
+            <a:off x="7162799" y="2590799"/>
             <a:ext cx="1676401" cy="609601"/>
           </a:xfrm>
           <a:prstGeom prst="rect">
@@ -14582,28 +14707,18 @@
                 <a:solidFill>
                   <a:schemeClr val="tx1"/>
                 </a:solidFill>
-                <a:latin typeface="微软雅黑" pitchFamily="34" charset="-122"/>
-                <a:ea typeface="微软雅黑" pitchFamily="34" charset="-122"/>
+                <a:latin typeface="微软雅黑" panose="020B0503020204020204" pitchFamily="34" charset="-122"/>
+                <a:ea typeface="微软雅黑" panose="020B0503020204020204" pitchFamily="34" charset="-122"/>
               </a:rPr>
               <a:t>内部</a:t>
-            </a:r>
-            <a:r>
-              <a:rPr lang="en-US" altLang="zh-CN" sz="1800" b="1" dirty="0">
-                <a:solidFill>
-                  <a:schemeClr val="tx1"/>
-                </a:solidFill>
-                <a:latin typeface="微软雅黑" pitchFamily="34" charset="-122"/>
-                <a:ea typeface="微软雅黑" pitchFamily="34" charset="-122"/>
-              </a:rPr>
-              <a:t/>
             </a:r>
             <a:br>
               <a:rPr lang="en-US" altLang="zh-CN" sz="1800" b="1" dirty="0">
                 <a:solidFill>
                   <a:schemeClr val="tx1"/>
                 </a:solidFill>
-                <a:latin typeface="微软雅黑" pitchFamily="34" charset="-122"/>
-                <a:ea typeface="微软雅黑" pitchFamily="34" charset="-122"/>
+                <a:latin typeface="微软雅黑" panose="020B0503020204020204" pitchFamily="34" charset="-122"/>
+                <a:ea typeface="微软雅黑" panose="020B0503020204020204" pitchFamily="34" charset="-122"/>
               </a:rPr>
             </a:br>
             <a:r>
@@ -14611,8 +14726,8 @@
                 <a:solidFill>
                   <a:schemeClr val="tx1"/>
                 </a:solidFill>
-                <a:latin typeface="微软雅黑" pitchFamily="34" charset="-122"/>
-                <a:ea typeface="微软雅黑" pitchFamily="34" charset="-122"/>
+                <a:latin typeface="微软雅黑" panose="020B0503020204020204" pitchFamily="34" charset="-122"/>
+                <a:ea typeface="微软雅黑" panose="020B0503020204020204" pitchFamily="34" charset="-122"/>
               </a:rPr>
               <a:t>(</a:t>
             </a:r>
@@ -14621,8 +14736,8 @@
                 <a:solidFill>
                   <a:schemeClr val="tx1"/>
                 </a:solidFill>
-                <a:latin typeface="微软雅黑" pitchFamily="34" charset="-122"/>
-                <a:ea typeface="微软雅黑" pitchFamily="34" charset="-122"/>
+                <a:latin typeface="微软雅黑" panose="020B0503020204020204" pitchFamily="34" charset="-122"/>
+                <a:ea typeface="微软雅黑" panose="020B0503020204020204" pitchFamily="34" charset="-122"/>
               </a:rPr>
               <a:t>人力资源管理</a:t>
             </a:r>
@@ -14631,8 +14746,8 @@
                 <a:solidFill>
                   <a:schemeClr val="tx1"/>
                 </a:solidFill>
-                <a:latin typeface="微软雅黑" pitchFamily="34" charset="-122"/>
-                <a:ea typeface="微软雅黑" pitchFamily="34" charset="-122"/>
+                <a:latin typeface="微软雅黑" panose="020B0503020204020204" pitchFamily="34" charset="-122"/>
+                <a:ea typeface="微软雅黑" panose="020B0503020204020204" pitchFamily="34" charset="-122"/>
               </a:rPr>
               <a:t>)</a:t>
             </a:r>
@@ -14640,8 +14755,8 @@
               <a:solidFill>
                 <a:schemeClr val="tx1"/>
               </a:solidFill>
-              <a:latin typeface="微软雅黑" pitchFamily="34" charset="-122"/>
-              <a:ea typeface="微软雅黑" pitchFamily="34" charset="-122"/>
+              <a:latin typeface="微软雅黑" panose="020B0503020204020204" pitchFamily="34" charset="-122"/>
+              <a:ea typeface="微软雅黑" panose="020B0503020204020204" pitchFamily="34" charset="-122"/>
             </a:endParaRPr>
           </a:p>
         </p:txBody>
@@ -14654,7 +14769,7 @@
         </p:nvSpPr>
         <p:spPr>
           <a:xfrm>
-            <a:off x="5638799" y="4495800"/>
+            <a:off x="7162799" y="4495800"/>
             <a:ext cx="1676401" cy="609601"/>
           </a:xfrm>
           <a:prstGeom prst="rect">
@@ -14688,28 +14803,18 @@
                 <a:solidFill>
                   <a:schemeClr val="tx1"/>
                 </a:solidFill>
-                <a:latin typeface="微软雅黑" pitchFamily="34" charset="-122"/>
-                <a:ea typeface="微软雅黑" pitchFamily="34" charset="-122"/>
+                <a:latin typeface="微软雅黑" panose="020B0503020204020204" pitchFamily="34" charset="-122"/>
+                <a:ea typeface="微软雅黑" panose="020B0503020204020204" pitchFamily="34" charset="-122"/>
               </a:rPr>
               <a:t>外部</a:t>
-            </a:r>
-            <a:r>
-              <a:rPr lang="en-US" altLang="zh-CN" sz="1800" b="1" dirty="0">
-                <a:solidFill>
-                  <a:schemeClr val="tx1"/>
-                </a:solidFill>
-                <a:latin typeface="微软雅黑" pitchFamily="34" charset="-122"/>
-                <a:ea typeface="微软雅黑" pitchFamily="34" charset="-122"/>
-              </a:rPr>
-              <a:t/>
             </a:r>
             <a:br>
               <a:rPr lang="en-US" altLang="zh-CN" sz="1800" b="1" dirty="0">
                 <a:solidFill>
                   <a:schemeClr val="tx1"/>
                 </a:solidFill>
-                <a:latin typeface="微软雅黑" pitchFamily="34" charset="-122"/>
-                <a:ea typeface="微软雅黑" pitchFamily="34" charset="-122"/>
+                <a:latin typeface="微软雅黑" panose="020B0503020204020204" pitchFamily="34" charset="-122"/>
+                <a:ea typeface="微软雅黑" panose="020B0503020204020204" pitchFamily="34" charset="-122"/>
               </a:rPr>
             </a:br>
             <a:r>
@@ -14717,8 +14822,8 @@
                 <a:solidFill>
                   <a:schemeClr val="tx1"/>
                 </a:solidFill>
-                <a:latin typeface="微软雅黑" pitchFamily="34" charset="-122"/>
-                <a:ea typeface="微软雅黑" pitchFamily="34" charset="-122"/>
+                <a:latin typeface="微软雅黑" panose="020B0503020204020204" pitchFamily="34" charset="-122"/>
+                <a:ea typeface="微软雅黑" panose="020B0503020204020204" pitchFamily="34" charset="-122"/>
               </a:rPr>
               <a:t>(</a:t>
             </a:r>
@@ -14727,8 +14832,8 @@
                 <a:solidFill>
                   <a:schemeClr val="tx1"/>
                 </a:solidFill>
-                <a:latin typeface="微软雅黑" pitchFamily="34" charset="-122"/>
-                <a:ea typeface="微软雅黑" pitchFamily="34" charset="-122"/>
+                <a:latin typeface="微软雅黑" panose="020B0503020204020204" pitchFamily="34" charset="-122"/>
+                <a:ea typeface="微软雅黑" panose="020B0503020204020204" pitchFamily="34" charset="-122"/>
               </a:rPr>
               <a:t>采购管理</a:t>
             </a:r>
@@ -14737,8 +14842,8 @@
                 <a:solidFill>
                   <a:schemeClr val="tx1"/>
                 </a:solidFill>
-                <a:latin typeface="微软雅黑" pitchFamily="34" charset="-122"/>
-                <a:ea typeface="微软雅黑" pitchFamily="34" charset="-122"/>
+                <a:latin typeface="微软雅黑" panose="020B0503020204020204" pitchFamily="34" charset="-122"/>
+                <a:ea typeface="微软雅黑" panose="020B0503020204020204" pitchFamily="34" charset="-122"/>
               </a:rPr>
               <a:t>)</a:t>
             </a:r>
@@ -14746,8 +14851,8 @@
               <a:solidFill>
                 <a:schemeClr val="tx1"/>
               </a:solidFill>
-              <a:latin typeface="微软雅黑" pitchFamily="34" charset="-122"/>
-              <a:ea typeface="微软雅黑" pitchFamily="34" charset="-122"/>
+              <a:latin typeface="微软雅黑" panose="020B0503020204020204" pitchFamily="34" charset="-122"/>
+              <a:ea typeface="微软雅黑" panose="020B0503020204020204" pitchFamily="34" charset="-122"/>
             </a:endParaRPr>
           </a:p>
         </p:txBody>
@@ -14760,7 +14865,7 @@
         </p:nvSpPr>
         <p:spPr>
           <a:xfrm>
-            <a:off x="7696200" y="3428999"/>
+            <a:off x="9220200" y="3428999"/>
             <a:ext cx="1295401" cy="609601"/>
           </a:xfrm>
           <a:prstGeom prst="rect">
@@ -14794,28 +14899,18 @@
                 <a:solidFill>
                   <a:schemeClr val="tx1"/>
                 </a:solidFill>
-                <a:latin typeface="微软雅黑" pitchFamily="34" charset="-122"/>
-                <a:ea typeface="微软雅黑" pitchFamily="34" charset="-122"/>
+                <a:latin typeface="微软雅黑" panose="020B0503020204020204" pitchFamily="34" charset="-122"/>
+                <a:ea typeface="微软雅黑" panose="020B0503020204020204" pitchFamily="34" charset="-122"/>
               </a:rPr>
               <a:t>如何沟通？</a:t>
-            </a:r>
-            <a:r>
-              <a:rPr lang="en-US" altLang="zh-CN" sz="1800" b="1" dirty="0">
-                <a:solidFill>
-                  <a:schemeClr val="tx1"/>
-                </a:solidFill>
-                <a:latin typeface="微软雅黑" pitchFamily="34" charset="-122"/>
-                <a:ea typeface="微软雅黑" pitchFamily="34" charset="-122"/>
-              </a:rPr>
-              <a:t/>
             </a:r>
             <a:br>
               <a:rPr lang="en-US" altLang="zh-CN" sz="1800" b="1" dirty="0">
                 <a:solidFill>
                   <a:schemeClr val="tx1"/>
                 </a:solidFill>
-                <a:latin typeface="微软雅黑" pitchFamily="34" charset="-122"/>
-                <a:ea typeface="微软雅黑" pitchFamily="34" charset="-122"/>
+                <a:latin typeface="微软雅黑" panose="020B0503020204020204" pitchFamily="34" charset="-122"/>
+                <a:ea typeface="微软雅黑" panose="020B0503020204020204" pitchFamily="34" charset="-122"/>
               </a:rPr>
             </a:br>
             <a:r>
@@ -14823,8 +14918,8 @@
                 <a:solidFill>
                   <a:schemeClr val="tx1"/>
                 </a:solidFill>
-                <a:latin typeface="微软雅黑" pitchFamily="34" charset="-122"/>
-                <a:ea typeface="微软雅黑" pitchFamily="34" charset="-122"/>
+                <a:latin typeface="微软雅黑" panose="020B0503020204020204" pitchFamily="34" charset="-122"/>
+                <a:ea typeface="微软雅黑" panose="020B0503020204020204" pitchFamily="34" charset="-122"/>
               </a:rPr>
               <a:t>(</a:t>
             </a:r>
@@ -14833,8 +14928,8 @@
                 <a:solidFill>
                   <a:schemeClr val="tx1"/>
                 </a:solidFill>
-                <a:latin typeface="微软雅黑" pitchFamily="34" charset="-122"/>
-                <a:ea typeface="微软雅黑" pitchFamily="34" charset="-122"/>
+                <a:latin typeface="微软雅黑" panose="020B0503020204020204" pitchFamily="34" charset="-122"/>
+                <a:ea typeface="微软雅黑" panose="020B0503020204020204" pitchFamily="34" charset="-122"/>
               </a:rPr>
               <a:t>沟通管理</a:t>
             </a:r>
@@ -14843,8 +14938,8 @@
                 <a:solidFill>
                   <a:schemeClr val="tx1"/>
                 </a:solidFill>
-                <a:latin typeface="微软雅黑" pitchFamily="34" charset="-122"/>
-                <a:ea typeface="微软雅黑" pitchFamily="34" charset="-122"/>
+                <a:latin typeface="微软雅黑" panose="020B0503020204020204" pitchFamily="34" charset="-122"/>
+                <a:ea typeface="微软雅黑" panose="020B0503020204020204" pitchFamily="34" charset="-122"/>
               </a:rPr>
               <a:t>)</a:t>
             </a:r>
@@ -14852,8 +14947,8 @@
               <a:solidFill>
                 <a:schemeClr val="tx1"/>
               </a:solidFill>
-              <a:latin typeface="微软雅黑" pitchFamily="34" charset="-122"/>
-              <a:ea typeface="微软雅黑" pitchFamily="34" charset="-122"/>
+              <a:latin typeface="微软雅黑" panose="020B0503020204020204" pitchFamily="34" charset="-122"/>
+              <a:ea typeface="微软雅黑" panose="020B0503020204020204" pitchFamily="34" charset="-122"/>
             </a:endParaRPr>
           </a:p>
         </p:txBody>
@@ -14866,7 +14961,7 @@
         </p:nvSpPr>
         <p:spPr>
           <a:xfrm>
-            <a:off x="228600" y="1295400"/>
+            <a:off x="1752600" y="1295400"/>
             <a:ext cx="8686800" cy="609600"/>
           </a:xfrm>
           <a:prstGeom prst="rect">
@@ -14900,8 +14995,8 @@
                 <a:solidFill>
                   <a:schemeClr val="tx1"/>
                 </a:solidFill>
-                <a:latin typeface="微软雅黑" pitchFamily="34" charset="-122"/>
-                <a:ea typeface="微软雅黑" pitchFamily="34" charset="-122"/>
+                <a:latin typeface="微软雅黑" panose="020B0503020204020204" pitchFamily="34" charset="-122"/>
+                <a:ea typeface="微软雅黑" panose="020B0503020204020204" pitchFamily="34" charset="-122"/>
               </a:rPr>
               <a:t>如何实现综合最优？（整合管理）</a:t>
             </a:r>
@@ -14909,8 +15004,8 @@
               <a:solidFill>
                 <a:schemeClr val="tx1"/>
               </a:solidFill>
-              <a:latin typeface="微软雅黑" pitchFamily="34" charset="-122"/>
-              <a:ea typeface="微软雅黑" pitchFamily="34" charset="-122"/>
+              <a:latin typeface="微软雅黑" panose="020B0503020204020204" pitchFamily="34" charset="-122"/>
+              <a:ea typeface="微软雅黑" panose="020B0503020204020204" pitchFamily="34" charset="-122"/>
             </a:endParaRPr>
           </a:p>
         </p:txBody>
@@ -14923,7 +15018,7 @@
         </p:nvSpPr>
         <p:spPr>
           <a:xfrm>
-            <a:off x="228600" y="5791200"/>
+            <a:off x="1752600" y="5791200"/>
             <a:ext cx="8686800" cy="609600"/>
           </a:xfrm>
           <a:prstGeom prst="rect">
@@ -14957,11 +15052,18 @@
                 <a:solidFill>
                   <a:schemeClr val="tx1"/>
                 </a:solidFill>
-                <a:latin typeface="微软雅黑" pitchFamily="34" charset="-122"/>
-                <a:ea typeface="微软雅黑" pitchFamily="34" charset="-122"/>
+                <a:latin typeface="微软雅黑" panose="020B0503020204020204" pitchFamily="34" charset="-122"/>
+                <a:ea typeface="微软雅黑" panose="020B0503020204020204" pitchFamily="34" charset="-122"/>
               </a:rPr>
               <a:t>有哪些风险？（风险管理）</a:t>
             </a:r>
+            <a:endParaRPr lang="zh-CN" altLang="en-US" sz="1800" b="1" dirty="0">
+              <a:solidFill>
+                <a:schemeClr val="tx1"/>
+              </a:solidFill>
+              <a:latin typeface="微软雅黑" panose="020B0503020204020204" pitchFamily="34" charset="-122"/>
+              <a:ea typeface="微软雅黑" panose="020B0503020204020204" pitchFamily="34" charset="-122"/>
+            </a:endParaRPr>
           </a:p>
         </p:txBody>
       </p:sp>
@@ -14976,7 +15078,7 @@
         </p:nvCxnSpPr>
         <p:spPr>
           <a:xfrm flipV="1">
-            <a:off x="1500554" y="2895600"/>
+            <a:off x="3024554" y="2895600"/>
             <a:ext cx="480646" cy="990600"/>
           </a:xfrm>
           <a:prstGeom prst="bentConnector3">
@@ -15014,7 +15116,7 @@
         </p:nvCxnSpPr>
         <p:spPr>
           <a:xfrm flipV="1">
-            <a:off x="1500554" y="3886199"/>
+            <a:off x="3024554" y="3886199"/>
             <a:ext cx="480646" cy="1"/>
           </a:xfrm>
           <a:prstGeom prst="bentConnector3">
@@ -15052,7 +15154,7 @@
         </p:nvCxnSpPr>
         <p:spPr>
           <a:xfrm>
-            <a:off x="1500554" y="3886200"/>
+            <a:off x="3024554" y="3886200"/>
             <a:ext cx="480646" cy="914400"/>
           </a:xfrm>
           <a:prstGeom prst="bentConnector3">
@@ -15090,7 +15192,7 @@
         </p:nvCxnSpPr>
         <p:spPr>
           <a:xfrm>
-            <a:off x="3581401" y="2895600"/>
+            <a:off x="5105401" y="2895600"/>
             <a:ext cx="527538" cy="990601"/>
           </a:xfrm>
           <a:prstGeom prst="bentConnector3">
@@ -15128,7 +15230,7 @@
         </p:nvCxnSpPr>
         <p:spPr>
           <a:xfrm>
-            <a:off x="3581401" y="3886199"/>
+            <a:off x="5105401" y="3886199"/>
             <a:ext cx="527538" cy="2"/>
           </a:xfrm>
           <a:prstGeom prst="bentConnector3">
@@ -15166,7 +15268,7 @@
         </p:nvCxnSpPr>
         <p:spPr>
           <a:xfrm flipV="1">
-            <a:off x="3657601" y="3886201"/>
+            <a:off x="5181601" y="3886201"/>
             <a:ext cx="451338" cy="914399"/>
           </a:xfrm>
           <a:prstGeom prst="bentConnector3">
@@ -15204,7 +15306,7 @@
         </p:nvCxnSpPr>
         <p:spPr>
           <a:xfrm flipV="1">
-            <a:off x="5105400" y="2895600"/>
+            <a:off x="6629400" y="2895600"/>
             <a:ext cx="533399" cy="990601"/>
           </a:xfrm>
           <a:prstGeom prst="bentConnector3">
@@ -15242,7 +15344,7 @@
         </p:nvCxnSpPr>
         <p:spPr>
           <a:xfrm>
-            <a:off x="5105400" y="3886201"/>
+            <a:off x="6629400" y="3886201"/>
             <a:ext cx="533399" cy="914400"/>
           </a:xfrm>
           <a:prstGeom prst="bentConnector3">
@@ -15280,7 +15382,7 @@
         </p:nvCxnSpPr>
         <p:spPr>
           <a:xfrm>
-            <a:off x="7315200" y="2895600"/>
+            <a:off x="8839200" y="2895600"/>
             <a:ext cx="1028701" cy="533399"/>
           </a:xfrm>
           <a:prstGeom prst="bentConnector2">
@@ -15316,7 +15418,7 @@
         </p:nvCxnSpPr>
         <p:spPr>
           <a:xfrm flipV="1">
-            <a:off x="7315200" y="4038600"/>
+            <a:off x="8839200" y="4038600"/>
             <a:ext cx="1028701" cy="762001"/>
           </a:xfrm>
           <a:prstGeom prst="bentConnector2">
@@ -15349,7 +15451,7 @@
         </p:nvSpPr>
         <p:spPr>
           <a:xfrm rot="5400000">
-            <a:off x="2514600" y="2133600"/>
+            <a:off x="4038600" y="2133600"/>
             <a:ext cx="533400" cy="228600"/>
           </a:xfrm>
           <a:prstGeom prst="leftRightArrow">
@@ -15395,7 +15497,7 @@
         </p:nvSpPr>
         <p:spPr>
           <a:xfrm rot="5400000">
-            <a:off x="533400" y="2133600"/>
+            <a:off x="2057400" y="2133600"/>
             <a:ext cx="533400" cy="228600"/>
           </a:xfrm>
           <a:prstGeom prst="leftRightArrow">
@@ -15441,7 +15543,7 @@
         </p:nvSpPr>
         <p:spPr>
           <a:xfrm rot="5400000">
-            <a:off x="6248400" y="2133600"/>
+            <a:off x="7772400" y="2133600"/>
             <a:ext cx="533400" cy="228600"/>
           </a:xfrm>
           <a:prstGeom prst="leftRightArrow">
@@ -15487,7 +15589,7 @@
         </p:nvSpPr>
         <p:spPr>
           <a:xfrm rot="5400000">
-            <a:off x="8153400" y="2133600"/>
+            <a:off x="9677400" y="2133600"/>
             <a:ext cx="533400" cy="228600"/>
           </a:xfrm>
           <a:prstGeom prst="leftRightArrow">
@@ -15533,7 +15635,7 @@
         </p:nvSpPr>
         <p:spPr>
           <a:xfrm rot="5400000">
-            <a:off x="2590800" y="5334000"/>
+            <a:off x="4114800" y="5334000"/>
             <a:ext cx="533400" cy="228600"/>
           </a:xfrm>
           <a:prstGeom prst="leftRightArrow">
@@ -15579,7 +15681,7 @@
         </p:nvSpPr>
         <p:spPr>
           <a:xfrm rot="5400000">
-            <a:off x="609600" y="5334000"/>
+            <a:off x="2133600" y="5334000"/>
             <a:ext cx="533400" cy="228600"/>
           </a:xfrm>
           <a:prstGeom prst="leftRightArrow">
@@ -15625,7 +15727,7 @@
         </p:nvSpPr>
         <p:spPr>
           <a:xfrm rot="5400000">
-            <a:off x="6324600" y="5334000"/>
+            <a:off x="7848600" y="5334000"/>
             <a:ext cx="533400" cy="228600"/>
           </a:xfrm>
           <a:prstGeom prst="leftRightArrow">
@@ -15671,7 +15773,7 @@
         </p:nvSpPr>
         <p:spPr>
           <a:xfrm rot="5400000">
-            <a:off x="8229600" y="5334000"/>
+            <a:off x="9753600" y="5334000"/>
             <a:ext cx="533400" cy="228600"/>
           </a:xfrm>
           <a:prstGeom prst="leftRightArrow">
@@ -16904,24 +17006,24 @@
       </p:par>
     </p:tnLst>
     <p:bldLst>
-      <p:bldP spid="6" grpId="0" animBg="1"/>
-      <p:bldP spid="7" grpId="0" animBg="1"/>
-      <p:bldP spid="8" grpId="0" animBg="1"/>
-      <p:bldP spid="9" grpId="0" animBg="1"/>
-      <p:bldP spid="10" grpId="0" animBg="1"/>
-      <p:bldP spid="12" grpId="0" animBg="1"/>
-      <p:bldP spid="13" grpId="0" animBg="1"/>
-      <p:bldP spid="14" grpId="0" animBg="1"/>
-      <p:bldP spid="15" grpId="0" animBg="1"/>
-      <p:bldP spid="16" grpId="0" animBg="1"/>
-      <p:bldP spid="40" grpId="0" animBg="1"/>
-      <p:bldP spid="42" grpId="0" animBg="1"/>
-      <p:bldP spid="43" grpId="0" animBg="1"/>
-      <p:bldP spid="44" grpId="0" animBg="1"/>
-      <p:bldP spid="45" grpId="0" animBg="1"/>
-      <p:bldP spid="46" grpId="0" animBg="1"/>
-      <p:bldP spid="47" grpId="0" animBg="1"/>
-      <p:bldP spid="48" grpId="0" animBg="1"/>
+      <p:bldP spid="6" grpId="0" bldLvl="0" animBg="1"/>
+      <p:bldP spid="7" grpId="0" bldLvl="0" animBg="1"/>
+      <p:bldP spid="8" grpId="0" bldLvl="0" animBg="1"/>
+      <p:bldP spid="9" grpId="0" bldLvl="0" animBg="1"/>
+      <p:bldP spid="10" grpId="0" bldLvl="0" animBg="1"/>
+      <p:bldP spid="12" grpId="0" bldLvl="0" animBg="1"/>
+      <p:bldP spid="13" grpId="0" bldLvl="0" animBg="1"/>
+      <p:bldP spid="14" grpId="0" bldLvl="0" animBg="1"/>
+      <p:bldP spid="15" grpId="0" bldLvl="0" animBg="1"/>
+      <p:bldP spid="16" grpId="0" bldLvl="0" animBg="1"/>
+      <p:bldP spid="40" grpId="0" bldLvl="0" animBg="1"/>
+      <p:bldP spid="42" grpId="0" bldLvl="0" animBg="1"/>
+      <p:bldP spid="43" grpId="0" bldLvl="0" animBg="1"/>
+      <p:bldP spid="44" grpId="0" bldLvl="0" animBg="1"/>
+      <p:bldP spid="45" grpId="0" bldLvl="0" animBg="1"/>
+      <p:bldP spid="46" grpId="0" bldLvl="0" animBg="1"/>
+      <p:bldP spid="47" grpId="0" bldLvl="0" animBg="1"/>
+      <p:bldP spid="48" grpId="0" bldLvl="0" animBg="1"/>
     </p:bldLst>
   </p:timing>
 </p:sld>
@@ -16977,7 +17079,12 @@
             <p:ph idx="1"/>
           </p:nvPr>
         </p:nvSpPr>
-        <p:spPr/>
+        <p:spPr>
+          <a:xfrm>
+            <a:off x="393700" y="1153160"/>
+            <a:ext cx="11366500" cy="4313238"/>
+          </a:xfrm>
+        </p:spPr>
         <p:txBody>
           <a:bodyPr/>
           <a:lstStyle/>
@@ -17019,8 +17126,8 @@
               <a:solidFill>
                 <a:srgbClr val="FF0000"/>
               </a:solidFill>
-              <a:latin typeface="微软雅黑" pitchFamily="34" charset="-122"/>
-              <a:ea typeface="微软雅黑" pitchFamily="34" charset="-122"/>
+              <a:latin typeface="微软雅黑" panose="020B0503020204020204" pitchFamily="34" charset="-122"/>
+              <a:ea typeface="微软雅黑" panose="020B0503020204020204" pitchFamily="34" charset="-122"/>
             </a:endParaRPr>
           </a:p>
           <a:p>
@@ -17040,7 +17147,7 @@
           <p:nvPr/>
         </p:nvPicPr>
         <p:blipFill>
-          <a:blip r:embed="rId3">
+          <a:blip r:embed="rId1">
             <a:extLst>
               <a:ext uri="{28A0092B-C50C-407E-A947-70E740481C1C}">
                 <a14:useLocalDpi xmlns:a14="http://schemas.microsoft.com/office/drawing/2010/main" val="0"/>
@@ -17053,8 +17160,8 @@
         </p:blipFill>
         <p:spPr>
           <a:xfrm>
-            <a:off x="0" y="2726618"/>
-            <a:ext cx="9144000" cy="4131382"/>
+            <a:off x="1637665" y="2405380"/>
+            <a:ext cx="8878570" cy="4011295"/>
           </a:xfrm>
           <a:prstGeom prst="rect">
             <a:avLst/>
@@ -17132,8 +17239,8 @@
         </p:nvSpPr>
         <p:spPr>
           <a:xfrm>
-            <a:off x="295275" y="1489074"/>
-            <a:ext cx="8524875" cy="4683125"/>
+            <a:off x="625475" y="1489075"/>
+            <a:ext cx="9718675" cy="4683125"/>
           </a:xfrm>
         </p:spPr>
         <p:txBody>
@@ -17169,15 +17276,20 @@
               <a:rPr lang="en-US" altLang="zh-CN" sz="2400" dirty="0" smtClean="0"/>
               <a:t>;</a:t>
             </a:r>
-          </a:p>
-          <a:p>
-            <a:pPr marL="457200" lvl="2" indent="-180975">
+            <a:endParaRPr lang="en-US" altLang="zh-CN" sz="2400" dirty="0" smtClean="0"/>
+          </a:p>
+          <a:p>
+            <a:pPr marL="276225" lvl="2" indent="0">
               <a:lnSpc>
                 <a:spcPct val="120000"/>
               </a:lnSpc>
-              <a:buFont typeface="Wingdings" pitchFamily="2" charset="2"/>
-              <a:buChar char="§"/>
+              <a:buFont typeface="Wingdings" panose="05000000000000000000" pitchFamily="2" charset="2"/>
+              <a:buNone/>
             </a:pPr>
+            <a:r>
+              <a:rPr lang="en-US" altLang="zh-CN" sz="2000" dirty="0"/>
+              <a:t>- </a:t>
+            </a:r>
             <a:r>
               <a:rPr lang="zh-CN" altLang="en-US" sz="2000" dirty="0"/>
               <a:t>直接成本。与创造项目成果直接相关的成本，例如项目成员的工资，项目使用的硬件设备、材料等</a:t>
@@ -17193,7 +17305,7 @@
               <a:lnSpc>
                 <a:spcPct val="120000"/>
               </a:lnSpc>
-              <a:buFont typeface="Wingdings" pitchFamily="2" charset="2"/>
+              <a:buFont typeface="Wingdings" panose="05000000000000000000" pitchFamily="2" charset="2"/>
               <a:buChar char="§"/>
             </a:pPr>
             <a:r>
@@ -17203,13 +17315,21 @@
             <a:endParaRPr lang="en-US" altLang="zh-CN" sz="2400" dirty="0" smtClean="0"/>
           </a:p>
           <a:p>
-            <a:pPr marL="457200" lvl="2" indent="-180975">
+            <a:pPr marL="276225" lvl="2" indent="0">
               <a:lnSpc>
                 <a:spcPct val="120000"/>
               </a:lnSpc>
-              <a:buFont typeface="Wingdings" pitchFamily="2" charset="2"/>
-              <a:buChar char="§"/>
+              <a:buFont typeface="Wingdings" panose="05000000000000000000" pitchFamily="2" charset="2"/>
+              <a:buNone/>
             </a:pPr>
+            <a:r>
+              <a:rPr lang="en-US" altLang="zh-CN" sz="2000" dirty="0">
+                <a:solidFill>
+                  <a:srgbClr val="FF0000"/>
+                </a:solidFill>
+              </a:rPr>
+              <a:t>- </a:t>
+            </a:r>
             <a:r>
               <a:rPr lang="zh-CN" altLang="en-US" sz="2000" dirty="0">
                 <a:solidFill>
@@ -17233,13 +17353,17 @@
             </a:endParaRPr>
           </a:p>
           <a:p>
-            <a:pPr marL="457200" lvl="2" indent="-180975">
+            <a:pPr marL="276225" lvl="2" indent="0">
               <a:lnSpc>
                 <a:spcPct val="120000"/>
               </a:lnSpc>
-              <a:buFont typeface="Wingdings" pitchFamily="2" charset="2"/>
-              <a:buChar char="§"/>
+              <a:buFont typeface="Wingdings" panose="05000000000000000000" pitchFamily="2" charset="2"/>
+              <a:buNone/>
             </a:pPr>
+            <a:r>
+              <a:rPr lang="en-US" altLang="zh-CN" sz="2000" dirty="0" smtClean="0"/>
+              <a:t>- </a:t>
+            </a:r>
             <a:r>
               <a:rPr lang="zh-CN" altLang="en-US" sz="2000" dirty="0" smtClean="0"/>
               <a:t>三</a:t>
@@ -17251,13 +17375,17 @@
             <a:endParaRPr lang="en-US" altLang="zh-CN" sz="2000" dirty="0"/>
           </a:p>
           <a:p>
-            <a:pPr marL="457200" lvl="2" indent="-180975">
+            <a:pPr marL="276225" lvl="2" indent="0">
               <a:lnSpc>
                 <a:spcPct val="120000"/>
               </a:lnSpc>
-              <a:buFont typeface="Wingdings" pitchFamily="2" charset="2"/>
-              <a:buChar char="§"/>
+              <a:buFont typeface="Wingdings" panose="05000000000000000000" pitchFamily="2" charset="2"/>
+              <a:buNone/>
             </a:pPr>
+            <a:r>
+              <a:rPr lang="en-US" altLang="zh-CN" sz="2000" dirty="0"/>
+              <a:t>- </a:t>
+            </a:r>
             <a:r>
               <a:rPr lang="zh-CN" altLang="en-US" sz="2000" dirty="0"/>
               <a:t>类比估算</a:t>
@@ -17265,13 +17393,17 @@
             <a:endParaRPr lang="en-US" altLang="zh-CN" sz="2000" dirty="0"/>
           </a:p>
           <a:p>
-            <a:pPr marL="457200" lvl="2" indent="-180975">
+            <a:pPr marL="276225" lvl="2" indent="0">
               <a:lnSpc>
                 <a:spcPct val="120000"/>
               </a:lnSpc>
-              <a:buFont typeface="Wingdings" pitchFamily="2" charset="2"/>
-              <a:buChar char="§"/>
+              <a:buFont typeface="Wingdings" panose="05000000000000000000" pitchFamily="2" charset="2"/>
+              <a:buNone/>
             </a:pPr>
+            <a:r>
+              <a:rPr lang="en-US" altLang="zh-CN" sz="2000" dirty="0"/>
+              <a:t>- </a:t>
+            </a:r>
             <a:r>
               <a:rPr lang="zh-CN" altLang="en-US" sz="2000" dirty="0"/>
               <a:t>参数</a:t>
@@ -17980,8 +18112,8 @@
         </p:nvSpPr>
         <p:spPr>
           <a:xfrm>
-            <a:off x="295275" y="1489074"/>
-            <a:ext cx="8524875" cy="4683125"/>
+            <a:off x="537845" y="1489075"/>
+            <a:ext cx="10160000" cy="4683125"/>
           </a:xfrm>
         </p:spPr>
         <p:txBody>
@@ -18017,6 +18149,7 @@
               <a:rPr lang="en-US" altLang="zh-CN" sz="2400" dirty="0" smtClean="0"/>
               <a:t>;</a:t>
             </a:r>
+            <a:endParaRPr lang="en-US" altLang="zh-CN" sz="2400" dirty="0" smtClean="0"/>
           </a:p>
           <a:p>
             <a:pPr lvl="1">
@@ -18026,8 +18159,9 @@
             </a:pPr>
             <a:r>
               <a:rPr lang="zh-CN" altLang="en-US" sz="2000" dirty="0"/>
-              <a:t>间接成本。不创造项目成果间接相关的成本，例如企业的水电费，管理费分摊；</a:t>
-            </a:r>
+              <a:t>间接成本：不创造项目成果间接相关的成本，例如企业的水电费，管理费分摊；</a:t>
+            </a:r>
+            <a:endParaRPr lang="zh-CN" altLang="en-US" sz="2000" dirty="0"/>
           </a:p>
           <a:p>
             <a:pPr lvl="1">
@@ -18037,11 +18171,11 @@
             </a:pPr>
             <a:r>
               <a:rPr lang="zh-CN" altLang="en-US" sz="2000" dirty="0" smtClean="0"/>
-              <a:t>储备</a:t>
+              <a:t>储备：</a:t>
             </a:r>
             <a:r>
               <a:rPr lang="zh-CN" altLang="en-US" sz="2000" dirty="0"/>
-              <a:t>。为应对未来的风险而预留的成本</a:t>
+              <a:t>为应对未来的风险而预留的成本</a:t>
             </a:r>
             <a:r>
               <a:rPr lang="zh-CN" altLang="en-US" sz="2000" dirty="0" smtClean="0"/>
@@ -18132,11 +18266,6 @@
         </p:txBody>
       </p:sp>
     </p:spTree>
-    <p:extLst>
-      <p:ext uri="{BB962C8B-B14F-4D97-AF65-F5344CB8AC3E}">
-        <p14:creationId xmlns:p14="http://schemas.microsoft.com/office/powerpoint/2010/main" val="2264614867"/>
-      </p:ext>
-    </p:extLst>
   </p:cSld>
   <p:clrMapOvr>
     <a:masterClrMapping/>
@@ -18149,6 +18278,16 @@
     </p:tnLst>
   </p:timing>
 </p:sld>
+</file>
+
+<file path=ppt/tags/tag1.xml><?xml version="1.0" encoding="utf-8"?>
+<p:tagLst xmlns:p="http://schemas.openxmlformats.org/presentationml/2006/main">
+  <p:tag name="KSO_WM_TEMPLATE_TOPIC_ID" val="2869567"/>
+  <p:tag name="KSO_WM_TEMPLATE_OUTLINE_ID" val="14"/>
+  <p:tag name="KSO_WM_TEMPLATE_SCENE_ID" val="1"/>
+  <p:tag name="KSO_WM_TEMPLATE_JOB_ID" val="14"/>
+  <p:tag name="KSO_WM_TEMPLATE_TOPIC_DEFAULT" val="0"/>
+</p:tagLst>
 </file>
 
 <file path=ppt/theme/theme1.xml><?xml version="1.0" encoding="utf-8"?>
@@ -18398,13 +18537,8 @@
           <a:headEnd type="none" w="med" len="med"/>
           <a:tailEnd type="none" w="med" len="med"/>
         </a:ln>
-        <a:effectLst/>
       </a:spPr>
-      <a:bodyPr vert="horz" wrap="none" lIns="90000" tIns="46800" rIns="90000" bIns="46800" numCol="1" anchor="ctr" anchorCtr="0" compatLnSpc="1">
-        <a:prstTxWarp prst="textNoShape">
-          <a:avLst/>
-        </a:prstTxWarp>
-      </a:bodyPr>
+      <a:bodyPr vert="horz" wrap="none" lIns="90000" tIns="46800" rIns="90000" bIns="46800" numCol="1" anchor="ctr" anchorCtr="0" compatLnSpc="1"/>
       <a:lstStyle>
         <a:defPPr marL="0" marR="0" indent="0" algn="l" defTabSz="914400" rtl="0" eaLnBrk="1" fontAlgn="base" latinLnBrk="0" hangingPunct="1">
           <a:lnSpc>
@@ -18420,7 +18554,6 @@
           <a:buSzTx/>
           <a:buFontTx/>
           <a:buNone/>
-          <a:tabLst/>
           <a:defRPr kumimoji="0" lang="en-US" sz="2000" b="0" i="0" u="none" strike="noStrike" cap="none" normalizeH="0" baseline="0" smtClean="0">
             <a:ln>
               <a:noFill/>
@@ -18429,7 +18562,7 @@
               <a:schemeClr val="tx1"/>
             </a:solidFill>
             <a:effectLst/>
-            <a:latin typeface="Arial" charset="0"/>
+            <a:latin typeface="Arial" panose="020B0604020202020204" pitchFamily="34" charset="0"/>
           </a:defRPr>
         </a:defPPr>
       </a:lstStyle>
@@ -18448,7 +18581,6 @@
           <a:headEnd type="none" w="med" len="med"/>
           <a:tailEnd type="none" w="med" len="med"/>
         </a:ln>
-        <a:effectLst/>
       </a:spPr>
       <a:bodyPr/>
       <a:lstStyle/>
@@ -18497,6 +18629,11 @@
       <a:clrMap bg1="lt1" tx1="dk1" bg2="lt2" tx2="dk2" accent1="accent1" accent2="accent2" accent3="accent3" accent4="accent4" accent5="accent5" accent6="accent6" hlink="hlink" folHlink="folHlink"/>
     </a:extraClrScheme>
   </a:extraClrSchemeLst>
+  <a:extLst>
+    <a:ext uri="{05A4C25C-085E-4340-85A3-A5531E510DB2}">
+      <thm15:themeFamily xmlns:thm15="http://schemas.microsoft.com/office/thememl/2012/main" name="Office Theme" id="{62F939B6-93AF-4DB8-9C6B-D6C7DFDC589F}" vid="{4A3C46E8-61CC-4603-A589-7422A47A8E4A}"/>
+    </a:ext>
+  </a:extLst>
 </a:theme>
 </file>
 
@@ -18778,8 +18915,11 @@
       </a:bgFillStyleLst>
     </a:fmtScheme>
   </a:themeElements>
-  <a:objectDefaults/>
-  <a:extraClrSchemeLst/>
+  <a:extLst>
+    <a:ext uri="{05A4C25C-085E-4340-85A3-A5531E510DB2}">
+      <thm15:themeFamily xmlns:thm15="http://schemas.microsoft.com/office/thememl/2012/main" name="Office Theme" id="{62F939B6-93AF-4DB8-9C6B-D6C7DFDC589F}" vid="{4A3C46E8-61CC-4603-A589-7422A47A8E4A}"/>
+    </a:ext>
+  </a:extLst>
 </a:theme>
 </file>
 
@@ -19061,7 +19201,10 @@
       </a:bgFillStyleLst>
     </a:fmtScheme>
   </a:themeElements>
-  <a:objectDefaults/>
-  <a:extraClrSchemeLst/>
+  <a:extLst>
+    <a:ext uri="{05A4C25C-085E-4340-85A3-A5531E510DB2}">
+      <thm15:themeFamily xmlns:thm15="http://schemas.microsoft.com/office/thememl/2012/main" name="Office Theme" id="{62F939B6-93AF-4DB8-9C6B-D6C7DFDC589F}" vid="{4A3C46E8-61CC-4603-A589-7422A47A8E4A}"/>
+    </a:ext>
+  </a:extLst>
 </a:theme>
 </file>
--- a/materials/slides/ch03-3.pptx
+++ b/materials/slides/ch03-3.pptx
@@ -5,28 +5,27 @@
     <p:sldMasterId id="2147483648" r:id="rId1"/>
   </p:sldMasterIdLst>
   <p:notesMasterIdLst>
-    <p:notesMasterId r:id="rId8"/>
+    <p:notesMasterId r:id="rId7"/>
   </p:notesMasterIdLst>
   <p:handoutMasterIdLst>
-    <p:handoutMasterId r:id="rId20"/>
+    <p:handoutMasterId r:id="rId19"/>
   </p:handoutMasterIdLst>
   <p:sldIdLst>
     <p:sldId id="256" r:id="rId3"/>
-    <p:sldId id="461" r:id="rId4"/>
-    <p:sldId id="462" r:id="rId5"/>
-    <p:sldId id="463" r:id="rId6"/>
-    <p:sldId id="267" r:id="rId7"/>
-    <p:sldId id="309" r:id="rId9"/>
-    <p:sldId id="310" r:id="rId10"/>
-    <p:sldId id="357" r:id="rId11"/>
-    <p:sldId id="406" r:id="rId12"/>
-    <p:sldId id="407" r:id="rId13"/>
-    <p:sldId id="313" r:id="rId14"/>
-    <p:sldId id="410" r:id="rId15"/>
-    <p:sldId id="411" r:id="rId16"/>
-    <p:sldId id="356" r:id="rId17"/>
-    <p:sldId id="459" r:id="rId18"/>
-    <p:sldId id="353" r:id="rId19"/>
+    <p:sldId id="462" r:id="rId4"/>
+    <p:sldId id="463" r:id="rId5"/>
+    <p:sldId id="267" r:id="rId6"/>
+    <p:sldId id="309" r:id="rId8"/>
+    <p:sldId id="310" r:id="rId9"/>
+    <p:sldId id="357" r:id="rId10"/>
+    <p:sldId id="406" r:id="rId11"/>
+    <p:sldId id="407" r:id="rId12"/>
+    <p:sldId id="313" r:id="rId13"/>
+    <p:sldId id="410" r:id="rId14"/>
+    <p:sldId id="411" r:id="rId15"/>
+    <p:sldId id="356" r:id="rId16"/>
+    <p:sldId id="459" r:id="rId17"/>
+    <p:sldId id="353" r:id="rId18"/>
   </p:sldIdLst>
   <p:sldSz cx="12192000" cy="6858000"/>
   <p:notesSz cx="6858000" cy="9144000"/>
@@ -10066,12 +10065,16 @@
           <a:lstStyle/>
           <a:p>
             <a:r>
+              <a:rPr lang="en-US" altLang="zh-CN" dirty="0"/>
+              <a:t>4</a:t>
+            </a:r>
+            <a:r>
               <a:rPr lang="en-US" altLang="zh-CN" dirty="0" smtClean="0"/>
-              <a:t>3. </a:t>
+              <a:t>. </a:t>
             </a:r>
             <a:r>
               <a:rPr lang="zh-CN" altLang="en-US" dirty="0" smtClean="0"/>
-              <a:t>管理层决策项目估算是否可行</a:t>
+              <a:t>制定各时间段的成本开支（预算）</a:t>
             </a:r>
             <a:endParaRPr lang="zh-CN" altLang="en-US" dirty="0"/>
           </a:p>
@@ -10089,68 +10092,216 @@
         </p:nvSpPr>
         <p:spPr>
           <a:xfrm>
-            <a:off x="728980" y="1489075"/>
-            <a:ext cx="9909810" cy="4683125"/>
+            <a:off x="714375" y="1226185"/>
+            <a:ext cx="9732645" cy="4313555"/>
           </a:xfrm>
         </p:spPr>
         <p:txBody>
           <a:bodyPr/>
           <a:lstStyle/>
           <a:p>
-            <a:pPr>
-              <a:lnSpc>
-                <a:spcPct val="120000"/>
-              </a:lnSpc>
+            <a:r>
+              <a:rPr lang="zh-CN" altLang="en-US" sz="2400" dirty="0" smtClean="0"/>
+              <a:t>在已批准的项目估算基础上，结合进度计划安排，制定出以时间段为单位的成本开支计划，用于未来的成本控制；</a:t>
+            </a:r>
+            <a:endParaRPr lang="en-US" altLang="zh-CN" sz="2400" dirty="0" smtClean="0"/>
+          </a:p>
+          <a:p>
+            <a:pPr lvl="1"/>
+            <a:r>
+              <a:rPr lang="zh-CN" altLang="en-US" sz="2000" dirty="0" smtClean="0"/>
+              <a:t>时间段通常以季、月、周为单位；</a:t>
+            </a:r>
+            <a:endParaRPr lang="zh-CN" altLang="en-US" dirty="0" smtClean="0"/>
+          </a:p>
+          <a:p>
+            <a:r>
+              <a:rPr lang="en-US" altLang="zh-CN" sz="2400" dirty="0"/>
+              <a:t>DEMO</a:t>
+            </a:r>
+            <a:r>
+              <a:rPr lang="zh-CN" altLang="en-US" sz="2400" dirty="0"/>
+              <a:t>：使用</a:t>
+            </a:r>
+            <a:r>
+              <a:rPr lang="en-US" altLang="zh-CN" sz="2400" dirty="0"/>
+              <a:t>MS Project</a:t>
+            </a:r>
+            <a:r>
+              <a:rPr lang="zh-CN" altLang="en-US" sz="2400" dirty="0"/>
+              <a:t>软件生成</a:t>
+            </a:r>
+            <a:r>
+              <a:rPr lang="zh-CN" altLang="en-US" sz="2400" dirty="0" smtClean="0"/>
+              <a:t>预算，并保存为基准</a:t>
+            </a:r>
+            <a:endParaRPr lang="en-US" altLang="zh-CN" sz="2400" dirty="0" smtClean="0"/>
+          </a:p>
+          <a:p>
+            <a:pPr marL="720725" lvl="1" indent="-457200">
+              <a:buFont typeface="+mj-lt"/>
+              <a:buAutoNum type="arabicPeriod"/>
             </a:pPr>
             <a:r>
+              <a:rPr lang="zh-CN" altLang="en-US" sz="2000" dirty="0"/>
+              <a:t>菜单</a:t>
+            </a:r>
+            <a:r>
+              <a:rPr lang="en-US" altLang="zh-CN" sz="2000" dirty="0" smtClean="0"/>
+              <a:t>”</a:t>
+            </a:r>
+            <a:r>
+              <a:rPr lang="zh-CN" altLang="en-US" sz="2000" dirty="0" smtClean="0"/>
+              <a:t>项目</a:t>
+            </a:r>
+            <a:r>
+              <a:rPr lang="en-US" altLang="zh-CN" sz="2000" dirty="0" smtClean="0"/>
+              <a:t>—</a:t>
+            </a:r>
+            <a:r>
+              <a:rPr lang="zh-CN" altLang="en-US" sz="2000" dirty="0"/>
+              <a:t>可视报表</a:t>
+            </a:r>
+            <a:r>
+              <a:rPr lang="en-US" altLang="zh-CN" sz="2000" dirty="0"/>
+              <a:t>”</a:t>
+            </a:r>
+            <a:r>
+              <a:rPr lang="zh-CN" altLang="en-US" sz="2000" dirty="0"/>
+              <a:t>；</a:t>
+            </a:r>
+            <a:endParaRPr lang="en-US" altLang="zh-CN" sz="2000" dirty="0"/>
+          </a:p>
+          <a:p>
+            <a:pPr marL="720725" lvl="1" indent="-457200">
+              <a:buFont typeface="+mj-lt"/>
+              <a:buAutoNum type="arabicPeriod"/>
+            </a:pPr>
+            <a:r>
+              <a:rPr lang="zh-CN" altLang="en-US" sz="2000" dirty="0"/>
+              <a:t>选择“现金流报表”；</a:t>
+            </a:r>
+            <a:endParaRPr lang="en-US" altLang="zh-CN" sz="2000" dirty="0"/>
+          </a:p>
+          <a:p>
+            <a:pPr marL="720725" lvl="1" indent="-457200">
+              <a:buFont typeface="+mj-lt"/>
+              <a:buAutoNum type="arabicPeriod"/>
+            </a:pPr>
+            <a:r>
+              <a:rPr lang="zh-CN" altLang="en-US" sz="2000" dirty="0"/>
+              <a:t>选择“视图”按钮；</a:t>
+            </a:r>
+            <a:endParaRPr lang="en-US" altLang="zh-CN" sz="2000" dirty="0"/>
+          </a:p>
+          <a:p>
+            <a:pPr marL="720725" lvl="1" indent="-457200">
+              <a:buFont typeface="+mj-lt"/>
+              <a:buAutoNum type="arabicPeriod"/>
+            </a:pPr>
+            <a:r>
+              <a:rPr lang="zh-CN" altLang="en-US" sz="2000" dirty="0"/>
+              <a:t>将生成的</a:t>
+            </a:r>
+            <a:r>
+              <a:rPr lang="en-US" altLang="zh-CN" sz="2000" dirty="0"/>
+              <a:t>Excel</a:t>
+            </a:r>
+            <a:r>
+              <a:rPr lang="zh-CN" altLang="en-US" sz="2000" dirty="0"/>
+              <a:t>文件保存为项目预算文件</a:t>
+            </a:r>
+            <a:r>
+              <a:rPr lang="zh-CN" altLang="en-US" sz="2000" dirty="0" smtClean="0"/>
+              <a:t>；</a:t>
+            </a:r>
+            <a:endParaRPr lang="en-US" altLang="zh-CN" sz="2000" dirty="0" smtClean="0"/>
+          </a:p>
+          <a:p>
+            <a:pPr marL="720725" lvl="1" indent="-457200">
+              <a:buFont typeface="+mj-lt"/>
+              <a:buAutoNum type="arabicPeriod"/>
+            </a:pPr>
+            <a:r>
+              <a:rPr lang="zh-CN" altLang="en-US" sz="2000" dirty="0" smtClean="0"/>
+              <a:t>菜单“项目</a:t>
+            </a:r>
+            <a:r>
+              <a:rPr lang="en-US" altLang="zh-CN" sz="2000" dirty="0" smtClean="0"/>
+              <a:t>—</a:t>
+            </a:r>
+            <a:r>
+              <a:rPr lang="zh-CN" altLang="en-US" sz="2000" dirty="0" smtClean="0"/>
+              <a:t>设置比较基准”</a:t>
+            </a:r>
+            <a:r>
+              <a:rPr lang="en-US" altLang="zh-CN" sz="2000" dirty="0" smtClean="0"/>
+              <a:t>(</a:t>
+            </a:r>
+            <a:r>
+              <a:rPr lang="zh-CN" altLang="en-US" sz="2000" dirty="0" smtClean="0"/>
+              <a:t>通过“项目信息</a:t>
+            </a:r>
+            <a:r>
+              <a:rPr lang="en-US" altLang="zh-CN" sz="2000" dirty="0" smtClean="0"/>
+              <a:t>—</a:t>
+            </a:r>
+            <a:r>
+              <a:rPr lang="zh-CN" altLang="en-US" sz="2000" dirty="0" smtClean="0"/>
+              <a:t>统计信息”查看变化</a:t>
+            </a:r>
+            <a:r>
+              <a:rPr lang="en-US" altLang="zh-CN" sz="2000" dirty="0" smtClean="0"/>
+              <a:t>)</a:t>
+            </a:r>
+            <a:endParaRPr lang="zh-CN" altLang="en-US" sz="2000" dirty="0"/>
+          </a:p>
+          <a:p>
+            <a:r>
               <a:rPr lang="zh-CN" altLang="en-US" sz="2400" dirty="0" smtClean="0"/>
-              <a:t>管理层审查</a:t>
-            </a:r>
-            <a:r>
-              <a:rPr lang="en-US" altLang="zh-CN" sz="2400" dirty="0" smtClean="0"/>
+              <a:t>成果：项目成本预算（</a:t>
+            </a:r>
+            <a:r>
+              <a:rPr lang="en-US" altLang="zh-CN" sz="2400" dirty="0"/>
               <a:t>《</a:t>
             </a:r>
             <a:r>
+              <a:rPr lang="zh-CN" altLang="en-US" sz="2400" dirty="0"/>
+              <a:t>成本绩效基准</a:t>
+            </a:r>
+            <a:r>
+              <a:rPr lang="en-US" altLang="zh-CN" sz="2400" dirty="0"/>
+              <a:t>》</a:t>
+            </a:r>
+            <a:r>
+              <a:rPr lang="zh-CN" altLang="en-US" sz="2400" dirty="0"/>
+              <a:t>）。经过</a:t>
+            </a:r>
+            <a:r>
+              <a:rPr lang="zh-CN" altLang="en-US" sz="2400" dirty="0">
+                <a:solidFill>
+                  <a:srgbClr val="FF0000"/>
+                </a:solidFill>
+              </a:rPr>
+              <a:t>批准</a:t>
+            </a:r>
+            <a:r>
+              <a:rPr lang="zh-CN" altLang="en-US" sz="2400" dirty="0"/>
+              <a:t>且按时间段分配资金的完成预算（</a:t>
+            </a:r>
+            <a:r>
+              <a:rPr lang="en-US" altLang="zh-CN" sz="2400" dirty="0"/>
+              <a:t>BAC</a:t>
+            </a:r>
+            <a:r>
+              <a:rPr lang="zh-CN" altLang="en-US" sz="2400" dirty="0"/>
+              <a:t>），用于测量、监督和控制项目的总体成本</a:t>
+            </a:r>
+            <a:r>
               <a:rPr lang="zh-CN" altLang="en-US" sz="2400" dirty="0" smtClean="0"/>
-              <a:t>项目成本估算</a:t>
-            </a:r>
-            <a:r>
-              <a:rPr lang="en-US" altLang="zh-CN" sz="2400" dirty="0" smtClean="0"/>
-              <a:t>》</a:t>
-            </a:r>
-            <a:r>
-              <a:rPr lang="zh-CN" altLang="en-US" sz="2400" dirty="0" smtClean="0"/>
-              <a:t>文件（通常会深度了解估算的依据等），并决策此估算是否可行；</a:t>
-            </a:r>
-            <a:endParaRPr lang="en-US" altLang="zh-CN" sz="2400" dirty="0" smtClean="0"/>
-          </a:p>
-          <a:p>
-            <a:pPr lvl="1">
-              <a:lnSpc>
-                <a:spcPct val="120000"/>
-              </a:lnSpc>
-            </a:pPr>
-            <a:r>
-              <a:rPr lang="zh-CN" altLang="en-US" sz="2200" dirty="0" smtClean="0"/>
-              <a:t>例如某项目的估算是</a:t>
-            </a:r>
-            <a:r>
-              <a:rPr lang="en-US" altLang="zh-CN" sz="2200" dirty="0" smtClean="0"/>
-              <a:t>100</a:t>
-            </a:r>
-            <a:r>
-              <a:rPr lang="zh-CN" altLang="en-US" sz="2200" dirty="0" smtClean="0"/>
-              <a:t>万，而企业与客户签署合同仅收</a:t>
-            </a:r>
-            <a:r>
-              <a:rPr lang="en-US" altLang="zh-CN" sz="2200" dirty="0" smtClean="0"/>
-              <a:t>80</a:t>
-            </a:r>
-            <a:r>
-              <a:rPr lang="zh-CN" altLang="en-US" sz="2200" dirty="0" smtClean="0"/>
-              <a:t>万，管理层肯定不会批准这个估算结果，需要重新调整估算；</a:t>
-            </a:r>
-            <a:endParaRPr lang="en-US" altLang="zh-CN" sz="2200" dirty="0" smtClean="0"/>
+              <a:t>绩效</a:t>
+            </a:r>
+            <a:endParaRPr lang="zh-CN" altLang="en-US" sz="2400" dirty="0"/>
           </a:p>
         </p:txBody>
       </p:sp>
@@ -10203,294 +10354,6 @@
           <a:p>
             <a:r>
               <a:rPr lang="en-US" altLang="zh-CN" dirty="0"/>
-              <a:t>4</a:t>
-            </a:r>
-            <a:r>
-              <a:rPr lang="en-US" altLang="zh-CN" dirty="0" smtClean="0"/>
-              <a:t>. </a:t>
-            </a:r>
-            <a:r>
-              <a:rPr lang="zh-CN" altLang="en-US" dirty="0" smtClean="0"/>
-              <a:t>制定各时间段的成本开支（预算）</a:t>
-            </a:r>
-            <a:endParaRPr lang="zh-CN" altLang="en-US" dirty="0"/>
-          </a:p>
-        </p:txBody>
-      </p:sp>
-      <p:sp>
-        <p:nvSpPr>
-          <p:cNvPr id="3" name="内容占位符 2"/>
-          <p:cNvSpPr>
-            <a:spLocks noGrp="1"/>
-          </p:cNvSpPr>
-          <p:nvPr>
-            <p:ph idx="1"/>
-          </p:nvPr>
-        </p:nvSpPr>
-        <p:spPr>
-          <a:xfrm>
-            <a:off x="714375" y="1226185"/>
-            <a:ext cx="9732645" cy="4313555"/>
-          </a:xfrm>
-        </p:spPr>
-        <p:txBody>
-          <a:bodyPr/>
-          <a:lstStyle/>
-          <a:p>
-            <a:r>
-              <a:rPr lang="zh-CN" altLang="en-US" sz="2400" dirty="0" smtClean="0"/>
-              <a:t>在已批准的项目估算基础上，结合进度计划安排，制定出以时间段为单位的成本开支计划，用于未来的成本控制；</a:t>
-            </a:r>
-            <a:endParaRPr lang="en-US" altLang="zh-CN" sz="2400" dirty="0" smtClean="0"/>
-          </a:p>
-          <a:p>
-            <a:pPr lvl="1"/>
-            <a:r>
-              <a:rPr lang="zh-CN" altLang="en-US" sz="2000" dirty="0" smtClean="0"/>
-              <a:t>时间段通常以季、月、周为单位；</a:t>
-            </a:r>
-            <a:endParaRPr lang="zh-CN" altLang="en-US" dirty="0" smtClean="0"/>
-          </a:p>
-          <a:p>
-            <a:r>
-              <a:rPr lang="en-US" altLang="zh-CN" sz="2400" dirty="0"/>
-              <a:t>DEMO</a:t>
-            </a:r>
-            <a:r>
-              <a:rPr lang="zh-CN" altLang="en-US" sz="2400" dirty="0"/>
-              <a:t>：使用</a:t>
-            </a:r>
-            <a:r>
-              <a:rPr lang="en-US" altLang="zh-CN" sz="2400" dirty="0"/>
-              <a:t>MS Project</a:t>
-            </a:r>
-            <a:r>
-              <a:rPr lang="zh-CN" altLang="en-US" sz="2400" dirty="0"/>
-              <a:t>软件生成</a:t>
-            </a:r>
-            <a:r>
-              <a:rPr lang="zh-CN" altLang="en-US" sz="2400" dirty="0" smtClean="0"/>
-              <a:t>预算，并保存为基准</a:t>
-            </a:r>
-            <a:endParaRPr lang="en-US" altLang="zh-CN" sz="2400" dirty="0" smtClean="0"/>
-          </a:p>
-          <a:p>
-            <a:pPr marL="720725" lvl="1" indent="-457200">
-              <a:buFont typeface="+mj-lt"/>
-              <a:buAutoNum type="arabicPeriod"/>
-            </a:pPr>
-            <a:r>
-              <a:rPr lang="zh-CN" altLang="en-US" sz="2000" dirty="0"/>
-              <a:t>菜单</a:t>
-            </a:r>
-            <a:r>
-              <a:rPr lang="en-US" altLang="zh-CN" sz="2000" dirty="0" smtClean="0"/>
-              <a:t>”</a:t>
-            </a:r>
-            <a:r>
-              <a:rPr lang="zh-CN" altLang="en-US" sz="2000" dirty="0" smtClean="0"/>
-              <a:t>项目</a:t>
-            </a:r>
-            <a:r>
-              <a:rPr lang="en-US" altLang="zh-CN" sz="2000" dirty="0" smtClean="0"/>
-              <a:t>—</a:t>
-            </a:r>
-            <a:r>
-              <a:rPr lang="zh-CN" altLang="en-US" sz="2000" dirty="0"/>
-              <a:t>可视报表</a:t>
-            </a:r>
-            <a:r>
-              <a:rPr lang="en-US" altLang="zh-CN" sz="2000" dirty="0"/>
-              <a:t>”</a:t>
-            </a:r>
-            <a:r>
-              <a:rPr lang="zh-CN" altLang="en-US" sz="2000" dirty="0"/>
-              <a:t>；</a:t>
-            </a:r>
-            <a:endParaRPr lang="en-US" altLang="zh-CN" sz="2000" dirty="0"/>
-          </a:p>
-          <a:p>
-            <a:pPr marL="720725" lvl="1" indent="-457200">
-              <a:buFont typeface="+mj-lt"/>
-              <a:buAutoNum type="arabicPeriod"/>
-            </a:pPr>
-            <a:r>
-              <a:rPr lang="zh-CN" altLang="en-US" sz="2000" dirty="0"/>
-              <a:t>选择“现金流报表”；</a:t>
-            </a:r>
-            <a:endParaRPr lang="en-US" altLang="zh-CN" sz="2000" dirty="0"/>
-          </a:p>
-          <a:p>
-            <a:pPr marL="720725" lvl="1" indent="-457200">
-              <a:buFont typeface="+mj-lt"/>
-              <a:buAutoNum type="arabicPeriod"/>
-            </a:pPr>
-            <a:r>
-              <a:rPr lang="zh-CN" altLang="en-US" sz="2000" dirty="0"/>
-              <a:t>选择“视图”按钮；</a:t>
-            </a:r>
-            <a:endParaRPr lang="en-US" altLang="zh-CN" sz="2000" dirty="0"/>
-          </a:p>
-          <a:p>
-            <a:pPr marL="720725" lvl="1" indent="-457200">
-              <a:buFont typeface="+mj-lt"/>
-              <a:buAutoNum type="arabicPeriod"/>
-            </a:pPr>
-            <a:r>
-              <a:rPr lang="zh-CN" altLang="en-US" sz="2000" dirty="0"/>
-              <a:t>将生成的</a:t>
-            </a:r>
-            <a:r>
-              <a:rPr lang="en-US" altLang="zh-CN" sz="2000" dirty="0"/>
-              <a:t>Excel</a:t>
-            </a:r>
-            <a:r>
-              <a:rPr lang="zh-CN" altLang="en-US" sz="2000" dirty="0"/>
-              <a:t>文件保存为项目预算文件</a:t>
-            </a:r>
-            <a:r>
-              <a:rPr lang="zh-CN" altLang="en-US" sz="2000" dirty="0" smtClean="0"/>
-              <a:t>；</a:t>
-            </a:r>
-            <a:endParaRPr lang="en-US" altLang="zh-CN" sz="2000" dirty="0" smtClean="0"/>
-          </a:p>
-          <a:p>
-            <a:pPr marL="720725" lvl="1" indent="-457200">
-              <a:buFont typeface="+mj-lt"/>
-              <a:buAutoNum type="arabicPeriod"/>
-            </a:pPr>
-            <a:r>
-              <a:rPr lang="zh-CN" altLang="en-US" sz="2000" dirty="0" smtClean="0"/>
-              <a:t>菜单“项目</a:t>
-            </a:r>
-            <a:r>
-              <a:rPr lang="en-US" altLang="zh-CN" sz="2000" dirty="0" smtClean="0"/>
-              <a:t>—</a:t>
-            </a:r>
-            <a:r>
-              <a:rPr lang="zh-CN" altLang="en-US" sz="2000" dirty="0" smtClean="0"/>
-              <a:t>设置比较基准”</a:t>
-            </a:r>
-            <a:r>
-              <a:rPr lang="en-US" altLang="zh-CN" sz="2000" dirty="0" smtClean="0"/>
-              <a:t>(</a:t>
-            </a:r>
-            <a:r>
-              <a:rPr lang="zh-CN" altLang="en-US" sz="2000" dirty="0" smtClean="0"/>
-              <a:t>通过“项目信息</a:t>
-            </a:r>
-            <a:r>
-              <a:rPr lang="en-US" altLang="zh-CN" sz="2000" dirty="0" smtClean="0"/>
-              <a:t>—</a:t>
-            </a:r>
-            <a:r>
-              <a:rPr lang="zh-CN" altLang="en-US" sz="2000" dirty="0" smtClean="0"/>
-              <a:t>统计信息”查看变化</a:t>
-            </a:r>
-            <a:r>
-              <a:rPr lang="en-US" altLang="zh-CN" sz="2000" dirty="0" smtClean="0"/>
-              <a:t>)</a:t>
-            </a:r>
-            <a:endParaRPr lang="zh-CN" altLang="en-US" sz="2000" dirty="0"/>
-          </a:p>
-          <a:p>
-            <a:r>
-              <a:rPr lang="zh-CN" altLang="en-US" sz="2400" dirty="0" smtClean="0"/>
-              <a:t>成果：项目成本预算（</a:t>
-            </a:r>
-            <a:r>
-              <a:rPr lang="en-US" altLang="zh-CN" sz="2400" dirty="0"/>
-              <a:t>《</a:t>
-            </a:r>
-            <a:r>
-              <a:rPr lang="zh-CN" altLang="en-US" sz="2400" dirty="0"/>
-              <a:t>成本绩效基准</a:t>
-            </a:r>
-            <a:r>
-              <a:rPr lang="en-US" altLang="zh-CN" sz="2400" dirty="0"/>
-              <a:t>》</a:t>
-            </a:r>
-            <a:r>
-              <a:rPr lang="zh-CN" altLang="en-US" sz="2400" dirty="0"/>
-              <a:t>）。经过</a:t>
-            </a:r>
-            <a:r>
-              <a:rPr lang="zh-CN" altLang="en-US" sz="2400" dirty="0">
-                <a:solidFill>
-                  <a:srgbClr val="FF0000"/>
-                </a:solidFill>
-              </a:rPr>
-              <a:t>批准</a:t>
-            </a:r>
-            <a:r>
-              <a:rPr lang="zh-CN" altLang="en-US" sz="2400" dirty="0"/>
-              <a:t>且按时间段分配资金的完成预算（</a:t>
-            </a:r>
-            <a:r>
-              <a:rPr lang="en-US" altLang="zh-CN" sz="2400" dirty="0"/>
-              <a:t>BAC</a:t>
-            </a:r>
-            <a:r>
-              <a:rPr lang="zh-CN" altLang="en-US" sz="2400" dirty="0"/>
-              <a:t>），用于测量、监督和控制项目的总体成本</a:t>
-            </a:r>
-            <a:r>
-              <a:rPr lang="zh-CN" altLang="en-US" sz="2400" dirty="0" smtClean="0"/>
-              <a:t>绩效</a:t>
-            </a:r>
-            <a:endParaRPr lang="zh-CN" altLang="en-US" sz="2400" dirty="0"/>
-          </a:p>
-        </p:txBody>
-      </p:sp>
-    </p:spTree>
-  </p:cSld>
-  <p:clrMapOvr>
-    <a:masterClrMapping/>
-  </p:clrMapOvr>
-  <p:timing>
-    <p:tnLst>
-      <p:par>
-        <p:cTn id="1" dur="indefinite" restart="never" nodeType="tmRoot"/>
-      </p:par>
-    </p:tnLst>
-  </p:timing>
-</p:sld>
-</file>
-
-<file path=ppt/slides/slide12.xml><?xml version="1.0" encoding="utf-8"?>
-<p:sld xmlns:a="http://schemas.openxmlformats.org/drawingml/2006/main" xmlns:r="http://schemas.openxmlformats.org/officeDocument/2006/relationships" xmlns:p="http://schemas.openxmlformats.org/presentationml/2006/main">
-  <p:cSld>
-    <p:spTree>
-      <p:nvGrpSpPr>
-        <p:cNvPr id="1" name=""/>
-        <p:cNvGrpSpPr/>
-        <p:nvPr/>
-      </p:nvGrpSpPr>
-      <p:grpSpPr>
-        <a:xfrm>
-          <a:off x="0" y="0"/>
-          <a:ext cx="0" cy="0"/>
-          <a:chOff x="0" y="0"/>
-          <a:chExt cx="0" cy="0"/>
-        </a:xfrm>
-      </p:grpSpPr>
-      <p:sp>
-        <p:nvSpPr>
-          <p:cNvPr id="2" name="标题 1"/>
-          <p:cNvSpPr>
-            <a:spLocks noGrp="1"/>
-          </p:cNvSpPr>
-          <p:nvPr>
-            <p:ph type="title"/>
-          </p:nvPr>
-        </p:nvSpPr>
-        <p:spPr/>
-        <p:txBody>
-          <a:bodyPr/>
-          <a:lstStyle/>
-          <a:p>
-            <a:r>
-              <a:rPr lang="en-US" altLang="zh-CN" dirty="0"/>
               <a:t>5</a:t>
             </a:r>
             <a:r>
@@ -10637,7 +10500,7 @@
 </p:sld>
 </file>
 
-<file path=ppt/slides/slide13.xml><?xml version="1.0" encoding="utf-8"?>
+<file path=ppt/slides/slide12.xml><?xml version="1.0" encoding="utf-8"?>
 <p:sld xmlns:a="http://schemas.openxmlformats.org/drawingml/2006/main" xmlns:r="http://schemas.openxmlformats.org/officeDocument/2006/relationships" xmlns:p="http://schemas.openxmlformats.org/presentationml/2006/main">
   <p:cSld>
     <p:spTree>
@@ -12663,7 +12526,7 @@
 </p:sld>
 </file>
 
-<file path=ppt/slides/slide14.xml><?xml version="1.0" encoding="utf-8"?>
+<file path=ppt/slides/slide13.xml><?xml version="1.0" encoding="utf-8"?>
 <p:sld xmlns:a="http://schemas.openxmlformats.org/drawingml/2006/main" xmlns:r="http://schemas.openxmlformats.org/officeDocument/2006/relationships" xmlns:p="http://schemas.openxmlformats.org/presentationml/2006/main">
   <p:cSld>
     <p:spTree>
@@ -12795,7 +12658,7 @@
 </p:sld>
 </file>
 
-<file path=ppt/slides/slide15.xml><?xml version="1.0" encoding="utf-8"?>
+<file path=ppt/slides/slide14.xml><?xml version="1.0" encoding="utf-8"?>
 <p:sld xmlns:a="http://schemas.openxmlformats.org/drawingml/2006/main" xmlns:r="http://schemas.openxmlformats.org/officeDocument/2006/relationships" xmlns:p="http://schemas.openxmlformats.org/presentationml/2006/main">
   <p:cSld>
     <p:spTree>
@@ -12943,7 +12806,7 @@
 </p:sld>
 </file>
 
-<file path=ppt/slides/slide16.xml><?xml version="1.0" encoding="utf-8"?>
+<file path=ppt/slides/slide15.xml><?xml version="1.0" encoding="utf-8"?>
 <p:sld xmlns:a="http://schemas.openxmlformats.org/drawingml/2006/main" xmlns:r="http://schemas.openxmlformats.org/officeDocument/2006/relationships" xmlns:p="http://schemas.openxmlformats.org/presentationml/2006/main">
   <p:cSld>
     <p:spTree>
@@ -13210,473 +13073,6 @@
           <a:chExt cx="0" cy="0"/>
         </a:xfrm>
       </p:grpSpPr>
-      <p:sp>
-        <p:nvSpPr>
-          <p:cNvPr id="2" name="标题 1"/>
-          <p:cNvSpPr>
-            <a:spLocks noGrp="1"/>
-          </p:cNvSpPr>
-          <p:nvPr>
-            <p:ph type="title"/>
-          </p:nvPr>
-        </p:nvSpPr>
-        <p:spPr/>
-        <p:txBody>
-          <a:bodyPr/>
-          <a:lstStyle/>
-          <a:p>
-            <a:r>
-              <a:rPr lang="zh-CN" altLang="en-US" dirty="0"/>
-              <a:t>上节回顾</a:t>
-            </a:r>
-            <a:endParaRPr lang="zh-CN" altLang="en-US" dirty="0"/>
-          </a:p>
-        </p:txBody>
-      </p:sp>
-      <p:sp>
-        <p:nvSpPr>
-          <p:cNvPr id="3" name="内容占位符 2"/>
-          <p:cNvSpPr>
-            <a:spLocks noGrp="1"/>
-          </p:cNvSpPr>
-          <p:nvPr>
-            <p:ph idx="1"/>
-          </p:nvPr>
-        </p:nvSpPr>
-        <p:spPr/>
-        <p:txBody>
-          <a:bodyPr/>
-          <a:lstStyle/>
-          <a:p>
-            <a:pPr marL="0" indent="0">
-              <a:buNone/>
-            </a:pPr>
-            <a:r>
-              <a:rPr lang="en-US" altLang="zh-CN" sz="2400" dirty="0"/>
-              <a:t>1.</a:t>
-            </a:r>
-            <a:r>
-              <a:rPr lang="zh-CN" altLang="en-US" sz="2400" dirty="0"/>
-              <a:t>项目来源、论证、立项  </a:t>
-            </a:r>
-            <a:endParaRPr lang="zh-CN" altLang="en-US" sz="2400" dirty="0"/>
-          </a:p>
-          <a:p>
-            <a:pPr marL="0" indent="0">
-              <a:buNone/>
-            </a:pPr>
-            <a:r>
-              <a:rPr lang="en-US" altLang="zh-CN" sz="2400" dirty="0"/>
-              <a:t>2.</a:t>
-            </a:r>
-            <a:r>
-              <a:rPr lang="zh-CN" altLang="en-US" sz="2400" dirty="0">
-                <a:sym typeface="+mn-ea"/>
-              </a:rPr>
-              <a:t>项目启动 </a:t>
-            </a:r>
-            <a:endParaRPr lang="en-US" altLang="zh-CN" sz="2400" dirty="0"/>
-          </a:p>
-          <a:p>
-            <a:endParaRPr lang="en-US" altLang="zh-CN" sz="2400" dirty="0"/>
-          </a:p>
-          <a:p>
-            <a:endParaRPr lang="en-US" altLang="zh-CN" sz="2400" dirty="0"/>
-          </a:p>
-        </p:txBody>
-      </p:sp>
-      <p:pic>
-        <p:nvPicPr>
-          <p:cNvPr id="4" name="内容占位符 4"/>
-          <p:cNvPicPr>
-            <a:picLocks noChangeAspect="1"/>
-          </p:cNvPicPr>
-          <p:nvPr/>
-        </p:nvPicPr>
-        <p:blipFill>
-          <a:blip r:embed="rId1">
-            <a:extLst>
-              <a:ext uri="{28A0092B-C50C-407E-A947-70E740481C1C}">
-                <a14:useLocalDpi xmlns:a14="http://schemas.microsoft.com/office/drawing/2010/main" val="0"/>
-              </a:ext>
-            </a:extLst>
-          </a:blip>
-          <a:stretch>
-            <a:fillRect/>
-          </a:stretch>
-        </p:blipFill>
-        <p:spPr bwMode="auto">
-          <a:xfrm>
-            <a:off x="2424430" y="2096135"/>
-            <a:ext cx="7304405" cy="4291965"/>
-          </a:xfrm>
-          <a:prstGeom prst="rect">
-            <a:avLst/>
-          </a:prstGeom>
-          <a:noFill/>
-          <a:ln w="9525">
-            <a:noFill/>
-            <a:miter lim="800000"/>
-            <a:headEnd/>
-            <a:tailEnd/>
-          </a:ln>
-        </p:spPr>
-      </p:pic>
-      <p:sp>
-        <p:nvSpPr>
-          <p:cNvPr id="6" name="圆角矩形 5"/>
-          <p:cNvSpPr/>
-          <p:nvPr/>
-        </p:nvSpPr>
-        <p:spPr bwMode="auto">
-          <a:xfrm>
-            <a:off x="3848100" y="2404110"/>
-            <a:ext cx="2437130" cy="3983355"/>
-          </a:xfrm>
-          <a:prstGeom prst="roundRect">
-            <a:avLst/>
-          </a:prstGeom>
-          <a:noFill/>
-          <a:ln w="28575" cap="flat" cmpd="sng" algn="ctr">
-            <a:solidFill>
-              <a:srgbClr val="FF0000"/>
-            </a:solidFill>
-            <a:prstDash val="solid"/>
-            <a:round/>
-            <a:headEnd type="none" w="med" len="med"/>
-            <a:tailEnd type="none" w="med" len="med"/>
-          </a:ln>
-          <a:effectLst/>
-        </p:spPr>
-        <p:txBody>
-          <a:bodyPr vert="horz" wrap="none" lIns="90000" tIns="46800" rIns="90000" bIns="46800" numCol="1" rtlCol="0" anchor="ctr" anchorCtr="0" compatLnSpc="1"/>
-          <a:p>
-            <a:pPr marL="0" marR="0" indent="0" algn="l" defTabSz="914400" rtl="0" eaLnBrk="1" fontAlgn="base" latinLnBrk="0" hangingPunct="1">
-              <a:lnSpc>
-                <a:spcPct val="100000"/>
-              </a:lnSpc>
-              <a:spcBef>
-                <a:spcPct val="0"/>
-              </a:spcBef>
-              <a:spcAft>
-                <a:spcPct val="0"/>
-              </a:spcAft>
-              <a:buClrTx/>
-              <a:buSzTx/>
-              <a:buFontTx/>
-              <a:buNone/>
-            </a:pPr>
-            <a:endParaRPr kumimoji="0" lang="zh-CN" altLang="en-US" sz="2000" b="0" i="0" u="none" strike="noStrike" cap="none" normalizeH="0" baseline="0">
-              <a:ln>
-                <a:noFill/>
-              </a:ln>
-              <a:solidFill>
-                <a:schemeClr val="tx1"/>
-              </a:solidFill>
-              <a:effectLst/>
-              <a:latin typeface="Arial" panose="020B0604020202020204" pitchFamily="34" charset="0"/>
-            </a:endParaRPr>
-          </a:p>
-        </p:txBody>
-      </p:sp>
-      <p:sp>
-        <p:nvSpPr>
-          <p:cNvPr id="5" name="圆角矩形 4"/>
-          <p:cNvSpPr/>
-          <p:nvPr/>
-        </p:nvSpPr>
-        <p:spPr bwMode="auto">
-          <a:xfrm>
-            <a:off x="6367145" y="2404745"/>
-            <a:ext cx="3239135" cy="3982720"/>
-          </a:xfrm>
-          <a:prstGeom prst="roundRect">
-            <a:avLst/>
-          </a:prstGeom>
-          <a:noFill/>
-          <a:ln w="28575" cap="flat" cmpd="sng" algn="ctr">
-            <a:solidFill>
-              <a:srgbClr val="FF0000"/>
-            </a:solidFill>
-            <a:prstDash val="solid"/>
-            <a:round/>
-            <a:headEnd type="none" w="med" len="med"/>
-            <a:tailEnd type="none" w="med" len="med"/>
-          </a:ln>
-          <a:effectLst/>
-        </p:spPr>
-        <p:txBody>
-          <a:bodyPr vert="horz" wrap="none" lIns="90000" tIns="46800" rIns="90000" bIns="46800" numCol="1" rtlCol="0" anchor="ctr" anchorCtr="0" compatLnSpc="1"/>
-          <a:p>
-            <a:pPr marL="0" marR="0" indent="0" algn="l" defTabSz="914400" rtl="0" eaLnBrk="1" fontAlgn="base" latinLnBrk="0" hangingPunct="1">
-              <a:lnSpc>
-                <a:spcPct val="100000"/>
-              </a:lnSpc>
-              <a:spcBef>
-                <a:spcPct val="0"/>
-              </a:spcBef>
-              <a:spcAft>
-                <a:spcPct val="0"/>
-              </a:spcAft>
-              <a:buClrTx/>
-              <a:buSzTx/>
-              <a:buFontTx/>
-              <a:buNone/>
-            </a:pPr>
-            <a:endParaRPr kumimoji="0" lang="zh-CN" altLang="en-US" sz="2000" b="0" i="0" u="none" strike="noStrike" cap="none" normalizeH="0" baseline="0">
-              <a:ln>
-                <a:noFill/>
-              </a:ln>
-              <a:solidFill>
-                <a:schemeClr val="tx1"/>
-              </a:solidFill>
-              <a:effectLst/>
-              <a:latin typeface="Arial" panose="020B0604020202020204" pitchFamily="34" charset="0"/>
-            </a:endParaRPr>
-          </a:p>
-        </p:txBody>
-      </p:sp>
-    </p:spTree>
-  </p:cSld>
-  <p:clrMapOvr>
-    <a:masterClrMapping/>
-  </p:clrMapOvr>
-  <p:timing>
-    <p:tnLst>
-      <p:par>
-        <p:cTn id="1" dur="indefinite" restart="never" nodeType="tmRoot">
-          <p:childTnLst>
-            <p:seq concurrent="1" nextAc="seek">
-              <p:cTn id="2" dur="indefinite" nodeType="mainSeq">
-                <p:childTnLst>
-                  <p:par>
-                    <p:cTn id="3" fill="hold">
-                      <p:stCondLst>
-                        <p:cond delay="indefinite"/>
-                      </p:stCondLst>
-                      <p:childTnLst>
-                        <p:par>
-                          <p:cTn id="4" fill="hold">
-                            <p:stCondLst>
-                              <p:cond delay="0"/>
-                            </p:stCondLst>
-                            <p:childTnLst>
-                              <p:par>
-                                <p:cTn id="5" presetID="2" presetClass="entr" presetSubtype="4" fill="hold" grpId="0" nodeType="clickEffect">
-                                  <p:stCondLst>
-                                    <p:cond delay="0"/>
-                                  </p:stCondLst>
-                                  <p:childTnLst>
-                                    <p:set>
-                                      <p:cBhvr>
-                                        <p:cTn id="6" dur="1" fill="hold">
-                                          <p:stCondLst>
-                                            <p:cond delay="0"/>
-                                          </p:stCondLst>
-                                        </p:cTn>
-                                        <p:tgtEl>
-                                          <p:spTgt spid="6"/>
-                                        </p:tgtEl>
-                                        <p:attrNameLst>
-                                          <p:attrName>style.visibility</p:attrName>
-                                        </p:attrNameLst>
-                                      </p:cBhvr>
-                                      <p:to>
-                                        <p:strVal val="visible"/>
-                                      </p:to>
-                                    </p:set>
-                                    <p:anim calcmode="lin" valueType="num">
-                                      <p:cBhvr additive="base">
-                                        <p:cTn id="7" dur="500" fill="hold"/>
-                                        <p:tgtEl>
-                                          <p:spTgt spid="6"/>
-                                        </p:tgtEl>
-                                        <p:attrNameLst>
-                                          <p:attrName>ppt_x</p:attrName>
-                                        </p:attrNameLst>
-                                      </p:cBhvr>
-                                      <p:tavLst>
-                                        <p:tav tm="0">
-                                          <p:val>
-                                            <p:strVal val="#ppt_x"/>
-                                          </p:val>
-                                        </p:tav>
-                                        <p:tav tm="100000">
-                                          <p:val>
-                                            <p:strVal val="#ppt_x"/>
-                                          </p:val>
-                                        </p:tav>
-                                      </p:tavLst>
-                                    </p:anim>
-                                    <p:anim calcmode="lin" valueType="num">
-                                      <p:cBhvr additive="base">
-                                        <p:cTn id="8" dur="500" fill="hold"/>
-                                        <p:tgtEl>
-                                          <p:spTgt spid="6"/>
-                                        </p:tgtEl>
-                                        <p:attrNameLst>
-                                          <p:attrName>ppt_y</p:attrName>
-                                        </p:attrNameLst>
-                                      </p:cBhvr>
-                                      <p:tavLst>
-                                        <p:tav tm="0">
-                                          <p:val>
-                                            <p:strVal val="1+#ppt_h/2"/>
-                                          </p:val>
-                                        </p:tav>
-                                        <p:tav tm="100000">
-                                          <p:val>
-                                            <p:strVal val="#ppt_y"/>
-                                          </p:val>
-                                        </p:tav>
-                                      </p:tavLst>
-                                    </p:anim>
-                                  </p:childTnLst>
-                                </p:cTn>
-                              </p:par>
-                            </p:childTnLst>
-                          </p:cTn>
-                        </p:par>
-                      </p:childTnLst>
-                    </p:cTn>
-                  </p:par>
-                  <p:par>
-                    <p:cTn id="9" fill="hold">
-                      <p:stCondLst>
-                        <p:cond delay="indefinite"/>
-                      </p:stCondLst>
-                      <p:childTnLst>
-                        <p:par>
-                          <p:cTn id="10" fill="hold">
-                            <p:stCondLst>
-                              <p:cond delay="0"/>
-                            </p:stCondLst>
-                            <p:childTnLst>
-                              <p:par>
-                                <p:cTn id="11" presetID="2" presetClass="entr" presetSubtype="4" fill="hold" grpId="0" nodeType="clickEffect">
-                                  <p:stCondLst>
-                                    <p:cond delay="0"/>
-                                  </p:stCondLst>
-                                  <p:childTnLst>
-                                    <p:set>
-                                      <p:cBhvr>
-                                        <p:cTn id="12" dur="1" fill="hold">
-                                          <p:stCondLst>
-                                            <p:cond delay="0"/>
-                                          </p:stCondLst>
-                                        </p:cTn>
-                                        <p:tgtEl>
-                                          <p:spTgt spid="5"/>
-                                        </p:tgtEl>
-                                        <p:attrNameLst>
-                                          <p:attrName>style.visibility</p:attrName>
-                                        </p:attrNameLst>
-                                      </p:cBhvr>
-                                      <p:to>
-                                        <p:strVal val="visible"/>
-                                      </p:to>
-                                    </p:set>
-                                    <p:anim calcmode="lin" valueType="num">
-                                      <p:cBhvr additive="base">
-                                        <p:cTn id="13" dur="500" fill="hold"/>
-                                        <p:tgtEl>
-                                          <p:spTgt spid="5"/>
-                                        </p:tgtEl>
-                                        <p:attrNameLst>
-                                          <p:attrName>ppt_x</p:attrName>
-                                        </p:attrNameLst>
-                                      </p:cBhvr>
-                                      <p:tavLst>
-                                        <p:tav tm="0">
-                                          <p:val>
-                                            <p:strVal val="#ppt_x"/>
-                                          </p:val>
-                                        </p:tav>
-                                        <p:tav tm="100000">
-                                          <p:val>
-                                            <p:strVal val="#ppt_x"/>
-                                          </p:val>
-                                        </p:tav>
-                                      </p:tavLst>
-                                    </p:anim>
-                                    <p:anim calcmode="lin" valueType="num">
-                                      <p:cBhvr additive="base">
-                                        <p:cTn id="14" dur="500" fill="hold"/>
-                                        <p:tgtEl>
-                                          <p:spTgt spid="5"/>
-                                        </p:tgtEl>
-                                        <p:attrNameLst>
-                                          <p:attrName>ppt_y</p:attrName>
-                                        </p:attrNameLst>
-                                      </p:cBhvr>
-                                      <p:tavLst>
-                                        <p:tav tm="0">
-                                          <p:val>
-                                            <p:strVal val="1+#ppt_h/2"/>
-                                          </p:val>
-                                        </p:tav>
-                                        <p:tav tm="100000">
-                                          <p:val>
-                                            <p:strVal val="#ppt_y"/>
-                                          </p:val>
-                                        </p:tav>
-                                      </p:tavLst>
-                                    </p:anim>
-                                  </p:childTnLst>
-                                </p:cTn>
-                              </p:par>
-                            </p:childTnLst>
-                          </p:cTn>
-                        </p:par>
-                      </p:childTnLst>
-                    </p:cTn>
-                  </p:par>
-                </p:childTnLst>
-              </p:cTn>
-              <p:prevCondLst>
-                <p:cond evt="onPrev" delay="0">
-                  <p:tgtEl>
-                    <p:sldTgt/>
-                  </p:tgtEl>
-                </p:cond>
-              </p:prevCondLst>
-              <p:nextCondLst>
-                <p:cond evt="onNext" delay="0">
-                  <p:tgtEl>
-                    <p:sldTgt/>
-                  </p:tgtEl>
-                </p:cond>
-              </p:nextCondLst>
-            </p:seq>
-          </p:childTnLst>
-        </p:cTn>
-      </p:par>
-    </p:tnLst>
-    <p:bldLst>
-      <p:bldP spid="6" grpId="0" bldLvl="0" animBg="1"/>
-      <p:bldP spid="5" grpId="0" bldLvl="0" animBg="1"/>
-    </p:bldLst>
-  </p:timing>
-</p:sld>
-</file>
-
-<file path=ppt/slides/slide3.xml><?xml version="1.0" encoding="utf-8"?>
-<p:sld xmlns:a="http://schemas.openxmlformats.org/drawingml/2006/main" xmlns:r="http://schemas.openxmlformats.org/officeDocument/2006/relationships" xmlns:p="http://schemas.openxmlformats.org/presentationml/2006/main">
-  <p:cSld>
-    <p:spTree>
-      <p:nvGrpSpPr>
-        <p:cNvPr id="1" name=""/>
-        <p:cNvGrpSpPr/>
-        <p:nvPr/>
-      </p:nvGrpSpPr>
-      <p:grpSpPr>
-        <a:xfrm>
-          <a:off x="0" y="0"/>
-          <a:ext cx="0" cy="0"/>
-          <a:chOff x="0" y="0"/>
-          <a:chExt cx="0" cy="0"/>
-        </a:xfrm>
-      </p:grpSpPr>
       <p:pic>
         <p:nvPicPr>
           <p:cNvPr id="7" name="Picture 2"/>
@@ -13820,7 +13216,7 @@
 </p:sld>
 </file>
 
-<file path=ppt/slides/slide4.xml><?xml version="1.0" encoding="utf-8"?>
+<file path=ppt/slides/slide3.xml><?xml version="1.0" encoding="utf-8"?>
 <p:sld xmlns:a="http://schemas.openxmlformats.org/drawingml/2006/main" xmlns:r="http://schemas.openxmlformats.org/officeDocument/2006/relationships" xmlns:p="http://schemas.openxmlformats.org/presentationml/2006/main">
   <p:cSld>
     <p:spTree>
@@ -14245,7 +13641,7 @@
 </p:sld>
 </file>
 
-<file path=ppt/slides/slide5.xml><?xml version="1.0" encoding="utf-8"?>
+<file path=ppt/slides/slide4.xml><?xml version="1.0" encoding="utf-8"?>
 <p:sld xmlns:a="http://schemas.openxmlformats.org/drawingml/2006/main" xmlns:r="http://schemas.openxmlformats.org/officeDocument/2006/relationships" xmlns:p="http://schemas.openxmlformats.org/presentationml/2006/main">
   <p:cSld>
     <p:spTree>
@@ -15819,1217 +15215,14 @@
   <p:timing>
     <p:tnLst>
       <p:par>
-        <p:cTn id="1" dur="indefinite" restart="never" nodeType="tmRoot">
-          <p:childTnLst>
-            <p:seq concurrent="1" nextAc="seek">
-              <p:cTn id="2" dur="indefinite" nodeType="mainSeq">
-                <p:childTnLst>
-                  <p:par>
-                    <p:cTn id="3" fill="hold">
-                      <p:stCondLst>
-                        <p:cond delay="indefinite"/>
-                      </p:stCondLst>
-                      <p:childTnLst>
-                        <p:par>
-                          <p:cTn id="4" fill="hold">
-                            <p:stCondLst>
-                              <p:cond delay="0"/>
-                            </p:stCondLst>
-                            <p:childTnLst>
-                              <p:par>
-                                <p:cTn id="5" presetID="3" presetClass="entr" presetSubtype="10" fill="hold" grpId="0" nodeType="clickEffect">
-                                  <p:stCondLst>
-                                    <p:cond delay="0"/>
-                                  </p:stCondLst>
-                                  <p:childTnLst>
-                                    <p:set>
-                                      <p:cBhvr>
-                                        <p:cTn id="6" dur="1" fill="hold">
-                                          <p:stCondLst>
-                                            <p:cond delay="0"/>
-                                          </p:stCondLst>
-                                        </p:cTn>
-                                        <p:tgtEl>
-                                          <p:spTgt spid="6"/>
-                                        </p:tgtEl>
-                                        <p:attrNameLst>
-                                          <p:attrName>style.visibility</p:attrName>
-                                        </p:attrNameLst>
-                                      </p:cBhvr>
-                                      <p:to>
-                                        <p:strVal val="visible"/>
-                                      </p:to>
-                                    </p:set>
-                                    <p:animEffect transition="in" filter="blinds(horizontal)">
-                                      <p:cBhvr>
-                                        <p:cTn id="7" dur="500"/>
-                                        <p:tgtEl>
-                                          <p:spTgt spid="6"/>
-                                        </p:tgtEl>
-                                      </p:cBhvr>
-                                    </p:animEffect>
-                                  </p:childTnLst>
-                                </p:cTn>
-                              </p:par>
-                            </p:childTnLst>
-                          </p:cTn>
-                        </p:par>
-                      </p:childTnLst>
-                    </p:cTn>
-                  </p:par>
-                  <p:par>
-                    <p:cTn id="8" fill="hold">
-                      <p:stCondLst>
-                        <p:cond delay="indefinite"/>
-                      </p:stCondLst>
-                      <p:childTnLst>
-                        <p:par>
-                          <p:cTn id="9" fill="hold">
-                            <p:stCondLst>
-                              <p:cond delay="0"/>
-                            </p:stCondLst>
-                            <p:childTnLst>
-                              <p:par>
-                                <p:cTn id="10" presetID="3" presetClass="entr" presetSubtype="10" fill="hold" nodeType="clickEffect">
-                                  <p:stCondLst>
-                                    <p:cond delay="0"/>
-                                  </p:stCondLst>
-                                  <p:childTnLst>
-                                    <p:set>
-                                      <p:cBhvr>
-                                        <p:cTn id="11" dur="1" fill="hold">
-                                          <p:stCondLst>
-                                            <p:cond delay="0"/>
-                                          </p:stCondLst>
-                                        </p:cTn>
-                                        <p:tgtEl>
-                                          <p:spTgt spid="18"/>
-                                        </p:tgtEl>
-                                        <p:attrNameLst>
-                                          <p:attrName>style.visibility</p:attrName>
-                                        </p:attrNameLst>
-                                      </p:cBhvr>
-                                      <p:to>
-                                        <p:strVal val="visible"/>
-                                      </p:to>
-                                    </p:set>
-                                    <p:animEffect transition="in" filter="blinds(horizontal)">
-                                      <p:cBhvr>
-                                        <p:cTn id="12" dur="500"/>
-                                        <p:tgtEl>
-                                          <p:spTgt spid="18"/>
-                                        </p:tgtEl>
-                                      </p:cBhvr>
-                                    </p:animEffect>
-                                  </p:childTnLst>
-                                </p:cTn>
-                              </p:par>
-                              <p:par>
-                                <p:cTn id="13" presetID="3" presetClass="entr" presetSubtype="10" fill="hold" grpId="0" nodeType="withEffect">
-                                  <p:stCondLst>
-                                    <p:cond delay="0"/>
-                                  </p:stCondLst>
-                                  <p:childTnLst>
-                                    <p:set>
-                                      <p:cBhvr>
-                                        <p:cTn id="14" dur="1" fill="hold">
-                                          <p:stCondLst>
-                                            <p:cond delay="0"/>
-                                          </p:stCondLst>
-                                        </p:cTn>
-                                        <p:tgtEl>
-                                          <p:spTgt spid="7"/>
-                                        </p:tgtEl>
-                                        <p:attrNameLst>
-                                          <p:attrName>style.visibility</p:attrName>
-                                        </p:attrNameLst>
-                                      </p:cBhvr>
-                                      <p:to>
-                                        <p:strVal val="visible"/>
-                                      </p:to>
-                                    </p:set>
-                                    <p:animEffect transition="in" filter="blinds(horizontal)">
-                                      <p:cBhvr>
-                                        <p:cTn id="15" dur="500"/>
-                                        <p:tgtEl>
-                                          <p:spTgt spid="7"/>
-                                        </p:tgtEl>
-                                      </p:cBhvr>
-                                    </p:animEffect>
-                                  </p:childTnLst>
-                                </p:cTn>
-                              </p:par>
-                            </p:childTnLst>
-                          </p:cTn>
-                        </p:par>
-                      </p:childTnLst>
-                    </p:cTn>
-                  </p:par>
-                  <p:par>
-                    <p:cTn id="16" fill="hold">
-                      <p:stCondLst>
-                        <p:cond delay="indefinite"/>
-                      </p:stCondLst>
-                      <p:childTnLst>
-                        <p:par>
-                          <p:cTn id="17" fill="hold">
-                            <p:stCondLst>
-                              <p:cond delay="0"/>
-                            </p:stCondLst>
-                            <p:childTnLst>
-                              <p:par>
-                                <p:cTn id="18" presetID="3" presetClass="entr" presetSubtype="10" fill="hold" nodeType="clickEffect">
-                                  <p:stCondLst>
-                                    <p:cond delay="0"/>
-                                  </p:stCondLst>
-                                  <p:childTnLst>
-                                    <p:set>
-                                      <p:cBhvr>
-                                        <p:cTn id="19" dur="1" fill="hold">
-                                          <p:stCondLst>
-                                            <p:cond delay="0"/>
-                                          </p:stCondLst>
-                                        </p:cTn>
-                                        <p:tgtEl>
-                                          <p:spTgt spid="20"/>
-                                        </p:tgtEl>
-                                        <p:attrNameLst>
-                                          <p:attrName>style.visibility</p:attrName>
-                                        </p:attrNameLst>
-                                      </p:cBhvr>
-                                      <p:to>
-                                        <p:strVal val="visible"/>
-                                      </p:to>
-                                    </p:set>
-                                    <p:animEffect transition="in" filter="blinds(horizontal)">
-                                      <p:cBhvr>
-                                        <p:cTn id="20" dur="500"/>
-                                        <p:tgtEl>
-                                          <p:spTgt spid="20"/>
-                                        </p:tgtEl>
-                                      </p:cBhvr>
-                                    </p:animEffect>
-                                  </p:childTnLst>
-                                </p:cTn>
-                              </p:par>
-                              <p:par>
-                                <p:cTn id="21" presetID="3" presetClass="entr" presetSubtype="10" fill="hold" grpId="0" nodeType="withEffect">
-                                  <p:stCondLst>
-                                    <p:cond delay="0"/>
-                                  </p:stCondLst>
-                                  <p:childTnLst>
-                                    <p:set>
-                                      <p:cBhvr>
-                                        <p:cTn id="22" dur="1" fill="hold">
-                                          <p:stCondLst>
-                                            <p:cond delay="0"/>
-                                          </p:stCondLst>
-                                        </p:cTn>
-                                        <p:tgtEl>
-                                          <p:spTgt spid="8"/>
-                                        </p:tgtEl>
-                                        <p:attrNameLst>
-                                          <p:attrName>style.visibility</p:attrName>
-                                        </p:attrNameLst>
-                                      </p:cBhvr>
-                                      <p:to>
-                                        <p:strVal val="visible"/>
-                                      </p:to>
-                                    </p:set>
-                                    <p:animEffect transition="in" filter="blinds(horizontal)">
-                                      <p:cBhvr>
-                                        <p:cTn id="23" dur="500"/>
-                                        <p:tgtEl>
-                                          <p:spTgt spid="8"/>
-                                        </p:tgtEl>
-                                      </p:cBhvr>
-                                    </p:animEffect>
-                                  </p:childTnLst>
-                                </p:cTn>
-                              </p:par>
-                            </p:childTnLst>
-                          </p:cTn>
-                        </p:par>
-                      </p:childTnLst>
-                    </p:cTn>
-                  </p:par>
-                  <p:par>
-                    <p:cTn id="24" fill="hold">
-                      <p:stCondLst>
-                        <p:cond delay="indefinite"/>
-                      </p:stCondLst>
-                      <p:childTnLst>
-                        <p:par>
-                          <p:cTn id="25" fill="hold">
-                            <p:stCondLst>
-                              <p:cond delay="0"/>
-                            </p:stCondLst>
-                            <p:childTnLst>
-                              <p:par>
-                                <p:cTn id="26" presetID="3" presetClass="entr" presetSubtype="10" fill="hold" nodeType="clickEffect">
-                                  <p:stCondLst>
-                                    <p:cond delay="0"/>
-                                  </p:stCondLst>
-                                  <p:childTnLst>
-                                    <p:set>
-                                      <p:cBhvr>
-                                        <p:cTn id="27" dur="1" fill="hold">
-                                          <p:stCondLst>
-                                            <p:cond delay="0"/>
-                                          </p:stCondLst>
-                                        </p:cTn>
-                                        <p:tgtEl>
-                                          <p:spTgt spid="22"/>
-                                        </p:tgtEl>
-                                        <p:attrNameLst>
-                                          <p:attrName>style.visibility</p:attrName>
-                                        </p:attrNameLst>
-                                      </p:cBhvr>
-                                      <p:to>
-                                        <p:strVal val="visible"/>
-                                      </p:to>
-                                    </p:set>
-                                    <p:animEffect transition="in" filter="blinds(horizontal)">
-                                      <p:cBhvr>
-                                        <p:cTn id="28" dur="500"/>
-                                        <p:tgtEl>
-                                          <p:spTgt spid="22"/>
-                                        </p:tgtEl>
-                                      </p:cBhvr>
-                                    </p:animEffect>
-                                  </p:childTnLst>
-                                </p:cTn>
-                              </p:par>
-                              <p:par>
-                                <p:cTn id="29" presetID="3" presetClass="entr" presetSubtype="10" fill="hold" grpId="0" nodeType="withEffect">
-                                  <p:stCondLst>
-                                    <p:cond delay="0"/>
-                                  </p:stCondLst>
-                                  <p:childTnLst>
-                                    <p:set>
-                                      <p:cBhvr>
-                                        <p:cTn id="30" dur="1" fill="hold">
-                                          <p:stCondLst>
-                                            <p:cond delay="0"/>
-                                          </p:stCondLst>
-                                        </p:cTn>
-                                        <p:tgtEl>
-                                          <p:spTgt spid="9"/>
-                                        </p:tgtEl>
-                                        <p:attrNameLst>
-                                          <p:attrName>style.visibility</p:attrName>
-                                        </p:attrNameLst>
-                                      </p:cBhvr>
-                                      <p:to>
-                                        <p:strVal val="visible"/>
-                                      </p:to>
-                                    </p:set>
-                                    <p:animEffect transition="in" filter="blinds(horizontal)">
-                                      <p:cBhvr>
-                                        <p:cTn id="31" dur="500"/>
-                                        <p:tgtEl>
-                                          <p:spTgt spid="9"/>
-                                        </p:tgtEl>
-                                      </p:cBhvr>
-                                    </p:animEffect>
-                                  </p:childTnLst>
-                                </p:cTn>
-                              </p:par>
-                            </p:childTnLst>
-                          </p:cTn>
-                        </p:par>
-                      </p:childTnLst>
-                    </p:cTn>
-                  </p:par>
-                  <p:par>
-                    <p:cTn id="32" fill="hold">
-                      <p:stCondLst>
-                        <p:cond delay="indefinite"/>
-                      </p:stCondLst>
-                      <p:childTnLst>
-                        <p:par>
-                          <p:cTn id="33" fill="hold">
-                            <p:stCondLst>
-                              <p:cond delay="0"/>
-                            </p:stCondLst>
-                            <p:childTnLst>
-                              <p:par>
-                                <p:cTn id="34" presetID="3" presetClass="entr" presetSubtype="10" fill="hold" nodeType="clickEffect">
-                                  <p:stCondLst>
-                                    <p:cond delay="0"/>
-                                  </p:stCondLst>
-                                  <p:childTnLst>
-                                    <p:set>
-                                      <p:cBhvr>
-                                        <p:cTn id="35" dur="1" fill="hold">
-                                          <p:stCondLst>
-                                            <p:cond delay="0"/>
-                                          </p:stCondLst>
-                                        </p:cTn>
-                                        <p:tgtEl>
-                                          <p:spTgt spid="24"/>
-                                        </p:tgtEl>
-                                        <p:attrNameLst>
-                                          <p:attrName>style.visibility</p:attrName>
-                                        </p:attrNameLst>
-                                      </p:cBhvr>
-                                      <p:to>
-                                        <p:strVal val="visible"/>
-                                      </p:to>
-                                    </p:set>
-                                    <p:animEffect transition="in" filter="blinds(horizontal)">
-                                      <p:cBhvr>
-                                        <p:cTn id="36" dur="500"/>
-                                        <p:tgtEl>
-                                          <p:spTgt spid="24"/>
-                                        </p:tgtEl>
-                                      </p:cBhvr>
-                                    </p:animEffect>
-                                  </p:childTnLst>
-                                </p:cTn>
-                              </p:par>
-                              <p:par>
-                                <p:cTn id="37" presetID="3" presetClass="entr" presetSubtype="10" fill="hold" nodeType="withEffect">
-                                  <p:stCondLst>
-                                    <p:cond delay="0"/>
-                                  </p:stCondLst>
-                                  <p:childTnLst>
-                                    <p:set>
-                                      <p:cBhvr>
-                                        <p:cTn id="38" dur="1" fill="hold">
-                                          <p:stCondLst>
-                                            <p:cond delay="0"/>
-                                          </p:stCondLst>
-                                        </p:cTn>
-                                        <p:tgtEl>
-                                          <p:spTgt spid="26"/>
-                                        </p:tgtEl>
-                                        <p:attrNameLst>
-                                          <p:attrName>style.visibility</p:attrName>
-                                        </p:attrNameLst>
-                                      </p:cBhvr>
-                                      <p:to>
-                                        <p:strVal val="visible"/>
-                                      </p:to>
-                                    </p:set>
-                                    <p:animEffect transition="in" filter="blinds(horizontal)">
-                                      <p:cBhvr>
-                                        <p:cTn id="39" dur="500"/>
-                                        <p:tgtEl>
-                                          <p:spTgt spid="26"/>
-                                        </p:tgtEl>
-                                      </p:cBhvr>
-                                    </p:animEffect>
-                                  </p:childTnLst>
-                                </p:cTn>
-                              </p:par>
-                              <p:par>
-                                <p:cTn id="40" presetID="3" presetClass="entr" presetSubtype="10" fill="hold" nodeType="withEffect">
-                                  <p:stCondLst>
-                                    <p:cond delay="0"/>
-                                  </p:stCondLst>
-                                  <p:childTnLst>
-                                    <p:set>
-                                      <p:cBhvr>
-                                        <p:cTn id="41" dur="1" fill="hold">
-                                          <p:stCondLst>
-                                            <p:cond delay="0"/>
-                                          </p:stCondLst>
-                                        </p:cTn>
-                                        <p:tgtEl>
-                                          <p:spTgt spid="30"/>
-                                        </p:tgtEl>
-                                        <p:attrNameLst>
-                                          <p:attrName>style.visibility</p:attrName>
-                                        </p:attrNameLst>
-                                      </p:cBhvr>
-                                      <p:to>
-                                        <p:strVal val="visible"/>
-                                      </p:to>
-                                    </p:set>
-                                    <p:animEffect transition="in" filter="blinds(horizontal)">
-                                      <p:cBhvr>
-                                        <p:cTn id="42" dur="500"/>
-                                        <p:tgtEl>
-                                          <p:spTgt spid="30"/>
-                                        </p:tgtEl>
-                                      </p:cBhvr>
-                                    </p:animEffect>
-                                  </p:childTnLst>
-                                </p:cTn>
-                              </p:par>
-                              <p:par>
-                                <p:cTn id="43" presetID="3" presetClass="entr" presetSubtype="10" fill="hold" grpId="0" nodeType="withEffect">
-                                  <p:stCondLst>
-                                    <p:cond delay="0"/>
-                                  </p:stCondLst>
-                                  <p:childTnLst>
-                                    <p:set>
-                                      <p:cBhvr>
-                                        <p:cTn id="44" dur="1" fill="hold">
-                                          <p:stCondLst>
-                                            <p:cond delay="0"/>
-                                          </p:stCondLst>
-                                        </p:cTn>
-                                        <p:tgtEl>
-                                          <p:spTgt spid="10"/>
-                                        </p:tgtEl>
-                                        <p:attrNameLst>
-                                          <p:attrName>style.visibility</p:attrName>
-                                        </p:attrNameLst>
-                                      </p:cBhvr>
-                                      <p:to>
-                                        <p:strVal val="visible"/>
-                                      </p:to>
-                                    </p:set>
-                                    <p:animEffect transition="in" filter="blinds(horizontal)">
-                                      <p:cBhvr>
-                                        <p:cTn id="45" dur="500"/>
-                                        <p:tgtEl>
-                                          <p:spTgt spid="10"/>
-                                        </p:tgtEl>
-                                      </p:cBhvr>
-                                    </p:animEffect>
-                                  </p:childTnLst>
-                                </p:cTn>
-                              </p:par>
-                            </p:childTnLst>
-                          </p:cTn>
-                        </p:par>
-                      </p:childTnLst>
-                    </p:cTn>
-                  </p:par>
-                  <p:par>
-                    <p:cTn id="46" fill="hold">
-                      <p:stCondLst>
-                        <p:cond delay="indefinite"/>
-                      </p:stCondLst>
-                      <p:childTnLst>
-                        <p:par>
-                          <p:cTn id="47" fill="hold">
-                            <p:stCondLst>
-                              <p:cond delay="0"/>
-                            </p:stCondLst>
-                            <p:childTnLst>
-                              <p:par>
-                                <p:cTn id="48" presetID="3" presetClass="entr" presetSubtype="10" fill="hold" nodeType="clickEffect">
-                                  <p:stCondLst>
-                                    <p:cond delay="0"/>
-                                  </p:stCondLst>
-                                  <p:childTnLst>
-                                    <p:set>
-                                      <p:cBhvr>
-                                        <p:cTn id="49" dur="1" fill="hold">
-                                          <p:stCondLst>
-                                            <p:cond delay="0"/>
-                                          </p:stCondLst>
-                                        </p:cTn>
-                                        <p:tgtEl>
-                                          <p:spTgt spid="32"/>
-                                        </p:tgtEl>
-                                        <p:attrNameLst>
-                                          <p:attrName>style.visibility</p:attrName>
-                                        </p:attrNameLst>
-                                      </p:cBhvr>
-                                      <p:to>
-                                        <p:strVal val="visible"/>
-                                      </p:to>
-                                    </p:set>
-                                    <p:animEffect transition="in" filter="blinds(horizontal)">
-                                      <p:cBhvr>
-                                        <p:cTn id="50" dur="500"/>
-                                        <p:tgtEl>
-                                          <p:spTgt spid="32"/>
-                                        </p:tgtEl>
-                                      </p:cBhvr>
-                                    </p:animEffect>
-                                  </p:childTnLst>
-                                </p:cTn>
-                              </p:par>
-                              <p:par>
-                                <p:cTn id="51" presetID="3" presetClass="entr" presetSubtype="10" fill="hold" grpId="0" nodeType="withEffect">
-                                  <p:stCondLst>
-                                    <p:cond delay="0"/>
-                                  </p:stCondLst>
-                                  <p:childTnLst>
-                                    <p:set>
-                                      <p:cBhvr>
-                                        <p:cTn id="52" dur="1" fill="hold">
-                                          <p:stCondLst>
-                                            <p:cond delay="0"/>
-                                          </p:stCondLst>
-                                        </p:cTn>
-                                        <p:tgtEl>
-                                          <p:spTgt spid="12"/>
-                                        </p:tgtEl>
-                                        <p:attrNameLst>
-                                          <p:attrName>style.visibility</p:attrName>
-                                        </p:attrNameLst>
-                                      </p:cBhvr>
-                                      <p:to>
-                                        <p:strVal val="visible"/>
-                                      </p:to>
-                                    </p:set>
-                                    <p:animEffect transition="in" filter="blinds(horizontal)">
-                                      <p:cBhvr>
-                                        <p:cTn id="53" dur="500"/>
-                                        <p:tgtEl>
-                                          <p:spTgt spid="12"/>
-                                        </p:tgtEl>
-                                      </p:cBhvr>
-                                    </p:animEffect>
-                                  </p:childTnLst>
-                                </p:cTn>
-                              </p:par>
-                            </p:childTnLst>
-                          </p:cTn>
-                        </p:par>
-                      </p:childTnLst>
-                    </p:cTn>
-                  </p:par>
-                  <p:par>
-                    <p:cTn id="54" fill="hold">
-                      <p:stCondLst>
-                        <p:cond delay="indefinite"/>
-                      </p:stCondLst>
-                      <p:childTnLst>
-                        <p:par>
-                          <p:cTn id="55" fill="hold">
-                            <p:stCondLst>
-                              <p:cond delay="0"/>
-                            </p:stCondLst>
-                            <p:childTnLst>
-                              <p:par>
-                                <p:cTn id="56" presetID="3" presetClass="entr" presetSubtype="10" fill="hold" nodeType="clickEffect">
-                                  <p:stCondLst>
-                                    <p:cond delay="0"/>
-                                  </p:stCondLst>
-                                  <p:childTnLst>
-                                    <p:set>
-                                      <p:cBhvr>
-                                        <p:cTn id="57" dur="1" fill="hold">
-                                          <p:stCondLst>
-                                            <p:cond delay="0"/>
-                                          </p:stCondLst>
-                                        </p:cTn>
-                                        <p:tgtEl>
-                                          <p:spTgt spid="34"/>
-                                        </p:tgtEl>
-                                        <p:attrNameLst>
-                                          <p:attrName>style.visibility</p:attrName>
-                                        </p:attrNameLst>
-                                      </p:cBhvr>
-                                      <p:to>
-                                        <p:strVal val="visible"/>
-                                      </p:to>
-                                    </p:set>
-                                    <p:animEffect transition="in" filter="blinds(horizontal)">
-                                      <p:cBhvr>
-                                        <p:cTn id="58" dur="500"/>
-                                        <p:tgtEl>
-                                          <p:spTgt spid="34"/>
-                                        </p:tgtEl>
-                                      </p:cBhvr>
-                                    </p:animEffect>
-                                  </p:childTnLst>
-                                </p:cTn>
-                              </p:par>
-                              <p:par>
-                                <p:cTn id="59" presetID="3" presetClass="entr" presetSubtype="10" fill="hold" grpId="0" nodeType="withEffect">
-                                  <p:stCondLst>
-                                    <p:cond delay="0"/>
-                                  </p:stCondLst>
-                                  <p:childTnLst>
-                                    <p:set>
-                                      <p:cBhvr>
-                                        <p:cTn id="60" dur="1" fill="hold">
-                                          <p:stCondLst>
-                                            <p:cond delay="0"/>
-                                          </p:stCondLst>
-                                        </p:cTn>
-                                        <p:tgtEl>
-                                          <p:spTgt spid="13"/>
-                                        </p:tgtEl>
-                                        <p:attrNameLst>
-                                          <p:attrName>style.visibility</p:attrName>
-                                        </p:attrNameLst>
-                                      </p:cBhvr>
-                                      <p:to>
-                                        <p:strVal val="visible"/>
-                                      </p:to>
-                                    </p:set>
-                                    <p:animEffect transition="in" filter="blinds(horizontal)">
-                                      <p:cBhvr>
-                                        <p:cTn id="61" dur="500"/>
-                                        <p:tgtEl>
-                                          <p:spTgt spid="13"/>
-                                        </p:tgtEl>
-                                      </p:cBhvr>
-                                    </p:animEffect>
-                                  </p:childTnLst>
-                                </p:cTn>
-                              </p:par>
-                            </p:childTnLst>
-                          </p:cTn>
-                        </p:par>
-                      </p:childTnLst>
-                    </p:cTn>
-                  </p:par>
-                  <p:par>
-                    <p:cTn id="62" fill="hold">
-                      <p:stCondLst>
-                        <p:cond delay="indefinite"/>
-                      </p:stCondLst>
-                      <p:childTnLst>
-                        <p:par>
-                          <p:cTn id="63" fill="hold">
-                            <p:stCondLst>
-                              <p:cond delay="0"/>
-                            </p:stCondLst>
-                            <p:childTnLst>
-                              <p:par>
-                                <p:cTn id="64" presetID="3" presetClass="entr" presetSubtype="10" fill="hold" nodeType="clickEffect">
-                                  <p:stCondLst>
-                                    <p:cond delay="0"/>
-                                  </p:stCondLst>
-                                  <p:childTnLst>
-                                    <p:set>
-                                      <p:cBhvr>
-                                        <p:cTn id="65" dur="1" fill="hold">
-                                          <p:stCondLst>
-                                            <p:cond delay="0"/>
-                                          </p:stCondLst>
-                                        </p:cTn>
-                                        <p:tgtEl>
-                                          <p:spTgt spid="36"/>
-                                        </p:tgtEl>
-                                        <p:attrNameLst>
-                                          <p:attrName>style.visibility</p:attrName>
-                                        </p:attrNameLst>
-                                      </p:cBhvr>
-                                      <p:to>
-                                        <p:strVal val="visible"/>
-                                      </p:to>
-                                    </p:set>
-                                    <p:animEffect transition="in" filter="blinds(horizontal)">
-                                      <p:cBhvr>
-                                        <p:cTn id="66" dur="500"/>
-                                        <p:tgtEl>
-                                          <p:spTgt spid="36"/>
-                                        </p:tgtEl>
-                                      </p:cBhvr>
-                                    </p:animEffect>
-                                  </p:childTnLst>
-                                </p:cTn>
-                              </p:par>
-                              <p:par>
-                                <p:cTn id="67" presetID="3" presetClass="entr" presetSubtype="10" fill="hold" nodeType="withEffect">
-                                  <p:stCondLst>
-                                    <p:cond delay="0"/>
-                                  </p:stCondLst>
-                                  <p:childTnLst>
-                                    <p:set>
-                                      <p:cBhvr>
-                                        <p:cTn id="68" dur="1" fill="hold">
-                                          <p:stCondLst>
-                                            <p:cond delay="0"/>
-                                          </p:stCondLst>
-                                        </p:cTn>
-                                        <p:tgtEl>
-                                          <p:spTgt spid="38"/>
-                                        </p:tgtEl>
-                                        <p:attrNameLst>
-                                          <p:attrName>style.visibility</p:attrName>
-                                        </p:attrNameLst>
-                                      </p:cBhvr>
-                                      <p:to>
-                                        <p:strVal val="visible"/>
-                                      </p:to>
-                                    </p:set>
-                                    <p:animEffect transition="in" filter="blinds(horizontal)">
-                                      <p:cBhvr>
-                                        <p:cTn id="69" dur="500"/>
-                                        <p:tgtEl>
-                                          <p:spTgt spid="38"/>
-                                        </p:tgtEl>
-                                      </p:cBhvr>
-                                    </p:animEffect>
-                                  </p:childTnLst>
-                                </p:cTn>
-                              </p:par>
-                              <p:par>
-                                <p:cTn id="70" presetID="3" presetClass="entr" presetSubtype="10" fill="hold" grpId="0" nodeType="withEffect">
-                                  <p:stCondLst>
-                                    <p:cond delay="0"/>
-                                  </p:stCondLst>
-                                  <p:childTnLst>
-                                    <p:set>
-                                      <p:cBhvr>
-                                        <p:cTn id="71" dur="1" fill="hold">
-                                          <p:stCondLst>
-                                            <p:cond delay="0"/>
-                                          </p:stCondLst>
-                                        </p:cTn>
-                                        <p:tgtEl>
-                                          <p:spTgt spid="14"/>
-                                        </p:tgtEl>
-                                        <p:attrNameLst>
-                                          <p:attrName>style.visibility</p:attrName>
-                                        </p:attrNameLst>
-                                      </p:cBhvr>
-                                      <p:to>
-                                        <p:strVal val="visible"/>
-                                      </p:to>
-                                    </p:set>
-                                    <p:animEffect transition="in" filter="blinds(horizontal)">
-                                      <p:cBhvr>
-                                        <p:cTn id="72" dur="500"/>
-                                        <p:tgtEl>
-                                          <p:spTgt spid="14"/>
-                                        </p:tgtEl>
-                                      </p:cBhvr>
-                                    </p:animEffect>
-                                  </p:childTnLst>
-                                </p:cTn>
-                              </p:par>
-                            </p:childTnLst>
-                          </p:cTn>
-                        </p:par>
-                      </p:childTnLst>
-                    </p:cTn>
-                  </p:par>
-                  <p:par>
-                    <p:cTn id="73" fill="hold">
-                      <p:stCondLst>
-                        <p:cond delay="indefinite"/>
-                      </p:stCondLst>
-                      <p:childTnLst>
-                        <p:par>
-                          <p:cTn id="74" fill="hold">
-                            <p:stCondLst>
-                              <p:cond delay="0"/>
-                            </p:stCondLst>
-                            <p:childTnLst>
-                              <p:par>
-                                <p:cTn id="75" presetID="3" presetClass="entr" presetSubtype="10" fill="hold" grpId="0" nodeType="clickEffect">
-                                  <p:stCondLst>
-                                    <p:cond delay="0"/>
-                                  </p:stCondLst>
-                                  <p:childTnLst>
-                                    <p:set>
-                                      <p:cBhvr>
-                                        <p:cTn id="76" dur="1" fill="hold">
-                                          <p:stCondLst>
-                                            <p:cond delay="0"/>
-                                          </p:stCondLst>
-                                        </p:cTn>
-                                        <p:tgtEl>
-                                          <p:spTgt spid="46"/>
-                                        </p:tgtEl>
-                                        <p:attrNameLst>
-                                          <p:attrName>style.visibility</p:attrName>
-                                        </p:attrNameLst>
-                                      </p:cBhvr>
-                                      <p:to>
-                                        <p:strVal val="visible"/>
-                                      </p:to>
-                                    </p:set>
-                                    <p:animEffect transition="in" filter="blinds(horizontal)">
-                                      <p:cBhvr>
-                                        <p:cTn id="77" dur="500"/>
-                                        <p:tgtEl>
-                                          <p:spTgt spid="46"/>
-                                        </p:tgtEl>
-                                      </p:cBhvr>
-                                    </p:animEffect>
-                                  </p:childTnLst>
-                                </p:cTn>
-                              </p:par>
-                              <p:par>
-                                <p:cTn id="78" presetID="3" presetClass="entr" presetSubtype="10" fill="hold" grpId="0" nodeType="withEffect">
-                                  <p:stCondLst>
-                                    <p:cond delay="0"/>
-                                  </p:stCondLst>
-                                  <p:childTnLst>
-                                    <p:set>
-                                      <p:cBhvr>
-                                        <p:cTn id="79" dur="1" fill="hold">
-                                          <p:stCondLst>
-                                            <p:cond delay="0"/>
-                                          </p:stCondLst>
-                                        </p:cTn>
-                                        <p:tgtEl>
-                                          <p:spTgt spid="45"/>
-                                        </p:tgtEl>
-                                        <p:attrNameLst>
-                                          <p:attrName>style.visibility</p:attrName>
-                                        </p:attrNameLst>
-                                      </p:cBhvr>
-                                      <p:to>
-                                        <p:strVal val="visible"/>
-                                      </p:to>
-                                    </p:set>
-                                    <p:animEffect transition="in" filter="blinds(horizontal)">
-                                      <p:cBhvr>
-                                        <p:cTn id="80" dur="500"/>
-                                        <p:tgtEl>
-                                          <p:spTgt spid="45"/>
-                                        </p:tgtEl>
-                                      </p:cBhvr>
-                                    </p:animEffect>
-                                  </p:childTnLst>
-                                </p:cTn>
-                              </p:par>
-                              <p:par>
-                                <p:cTn id="81" presetID="3" presetClass="entr" presetSubtype="10" fill="hold" grpId="0" nodeType="withEffect">
-                                  <p:stCondLst>
-                                    <p:cond delay="0"/>
-                                  </p:stCondLst>
-                                  <p:childTnLst>
-                                    <p:set>
-                                      <p:cBhvr>
-                                        <p:cTn id="82" dur="1" fill="hold">
-                                          <p:stCondLst>
-                                            <p:cond delay="0"/>
-                                          </p:stCondLst>
-                                        </p:cTn>
-                                        <p:tgtEl>
-                                          <p:spTgt spid="47"/>
-                                        </p:tgtEl>
-                                        <p:attrNameLst>
-                                          <p:attrName>style.visibility</p:attrName>
-                                        </p:attrNameLst>
-                                      </p:cBhvr>
-                                      <p:to>
-                                        <p:strVal val="visible"/>
-                                      </p:to>
-                                    </p:set>
-                                    <p:animEffect transition="in" filter="blinds(horizontal)">
-                                      <p:cBhvr>
-                                        <p:cTn id="83" dur="500"/>
-                                        <p:tgtEl>
-                                          <p:spTgt spid="47"/>
-                                        </p:tgtEl>
-                                      </p:cBhvr>
-                                    </p:animEffect>
-                                  </p:childTnLst>
-                                </p:cTn>
-                              </p:par>
-                              <p:par>
-                                <p:cTn id="84" presetID="3" presetClass="entr" presetSubtype="10" fill="hold" grpId="0" nodeType="withEffect">
-                                  <p:stCondLst>
-                                    <p:cond delay="0"/>
-                                  </p:stCondLst>
-                                  <p:childTnLst>
-                                    <p:set>
-                                      <p:cBhvr>
-                                        <p:cTn id="85" dur="1" fill="hold">
-                                          <p:stCondLst>
-                                            <p:cond delay="0"/>
-                                          </p:stCondLst>
-                                        </p:cTn>
-                                        <p:tgtEl>
-                                          <p:spTgt spid="48"/>
-                                        </p:tgtEl>
-                                        <p:attrNameLst>
-                                          <p:attrName>style.visibility</p:attrName>
-                                        </p:attrNameLst>
-                                      </p:cBhvr>
-                                      <p:to>
-                                        <p:strVal val="visible"/>
-                                      </p:to>
-                                    </p:set>
-                                    <p:animEffect transition="in" filter="blinds(horizontal)">
-                                      <p:cBhvr>
-                                        <p:cTn id="86" dur="500"/>
-                                        <p:tgtEl>
-                                          <p:spTgt spid="48"/>
-                                        </p:tgtEl>
-                                      </p:cBhvr>
-                                    </p:animEffect>
-                                  </p:childTnLst>
-                                </p:cTn>
-                              </p:par>
-                              <p:par>
-                                <p:cTn id="87" presetID="3" presetClass="entr" presetSubtype="10" fill="hold" grpId="0" nodeType="withEffect">
-                                  <p:stCondLst>
-                                    <p:cond delay="0"/>
-                                  </p:stCondLst>
-                                  <p:childTnLst>
-                                    <p:set>
-                                      <p:cBhvr>
-                                        <p:cTn id="88" dur="1" fill="hold">
-                                          <p:stCondLst>
-                                            <p:cond delay="0"/>
-                                          </p:stCondLst>
-                                        </p:cTn>
-                                        <p:tgtEl>
-                                          <p:spTgt spid="16"/>
-                                        </p:tgtEl>
-                                        <p:attrNameLst>
-                                          <p:attrName>style.visibility</p:attrName>
-                                        </p:attrNameLst>
-                                      </p:cBhvr>
-                                      <p:to>
-                                        <p:strVal val="visible"/>
-                                      </p:to>
-                                    </p:set>
-                                    <p:animEffect transition="in" filter="blinds(horizontal)">
-                                      <p:cBhvr>
-                                        <p:cTn id="89" dur="500"/>
-                                        <p:tgtEl>
-                                          <p:spTgt spid="16"/>
-                                        </p:tgtEl>
-                                      </p:cBhvr>
-                                    </p:animEffect>
-                                  </p:childTnLst>
-                                </p:cTn>
-                              </p:par>
-                            </p:childTnLst>
-                          </p:cTn>
-                        </p:par>
-                      </p:childTnLst>
-                    </p:cTn>
-                  </p:par>
-                  <p:par>
-                    <p:cTn id="90" fill="hold">
-                      <p:stCondLst>
-                        <p:cond delay="indefinite"/>
-                      </p:stCondLst>
-                      <p:childTnLst>
-                        <p:par>
-                          <p:cTn id="91" fill="hold">
-                            <p:stCondLst>
-                              <p:cond delay="0"/>
-                            </p:stCondLst>
-                            <p:childTnLst>
-                              <p:par>
-                                <p:cTn id="92" presetID="3" presetClass="entr" presetSubtype="10" fill="hold" grpId="0" nodeType="clickEffect">
-                                  <p:stCondLst>
-                                    <p:cond delay="0"/>
-                                  </p:stCondLst>
-                                  <p:childTnLst>
-                                    <p:set>
-                                      <p:cBhvr>
-                                        <p:cTn id="93" dur="1" fill="hold">
-                                          <p:stCondLst>
-                                            <p:cond delay="0"/>
-                                          </p:stCondLst>
-                                        </p:cTn>
-                                        <p:tgtEl>
-                                          <p:spTgt spid="42"/>
-                                        </p:tgtEl>
-                                        <p:attrNameLst>
-                                          <p:attrName>style.visibility</p:attrName>
-                                        </p:attrNameLst>
-                                      </p:cBhvr>
-                                      <p:to>
-                                        <p:strVal val="visible"/>
-                                      </p:to>
-                                    </p:set>
-                                    <p:animEffect transition="in" filter="blinds(horizontal)">
-                                      <p:cBhvr>
-                                        <p:cTn id="94" dur="500"/>
-                                        <p:tgtEl>
-                                          <p:spTgt spid="42"/>
-                                        </p:tgtEl>
-                                      </p:cBhvr>
-                                    </p:animEffect>
-                                  </p:childTnLst>
-                                </p:cTn>
-                              </p:par>
-                              <p:par>
-                                <p:cTn id="95" presetID="3" presetClass="entr" presetSubtype="10" fill="hold" grpId="0" nodeType="withEffect">
-                                  <p:stCondLst>
-                                    <p:cond delay="0"/>
-                                  </p:stCondLst>
-                                  <p:childTnLst>
-                                    <p:set>
-                                      <p:cBhvr>
-                                        <p:cTn id="96" dur="1" fill="hold">
-                                          <p:stCondLst>
-                                            <p:cond delay="0"/>
-                                          </p:stCondLst>
-                                        </p:cTn>
-                                        <p:tgtEl>
-                                          <p:spTgt spid="40"/>
-                                        </p:tgtEl>
-                                        <p:attrNameLst>
-                                          <p:attrName>style.visibility</p:attrName>
-                                        </p:attrNameLst>
-                                      </p:cBhvr>
-                                      <p:to>
-                                        <p:strVal val="visible"/>
-                                      </p:to>
-                                    </p:set>
-                                    <p:animEffect transition="in" filter="blinds(horizontal)">
-                                      <p:cBhvr>
-                                        <p:cTn id="97" dur="500"/>
-                                        <p:tgtEl>
-                                          <p:spTgt spid="40"/>
-                                        </p:tgtEl>
-                                      </p:cBhvr>
-                                    </p:animEffect>
-                                  </p:childTnLst>
-                                </p:cTn>
-                              </p:par>
-                              <p:par>
-                                <p:cTn id="98" presetID="3" presetClass="entr" presetSubtype="10" fill="hold" grpId="0" nodeType="withEffect">
-                                  <p:stCondLst>
-                                    <p:cond delay="0"/>
-                                  </p:stCondLst>
-                                  <p:childTnLst>
-                                    <p:set>
-                                      <p:cBhvr>
-                                        <p:cTn id="99" dur="1" fill="hold">
-                                          <p:stCondLst>
-                                            <p:cond delay="0"/>
-                                          </p:stCondLst>
-                                        </p:cTn>
-                                        <p:tgtEl>
-                                          <p:spTgt spid="43"/>
-                                        </p:tgtEl>
-                                        <p:attrNameLst>
-                                          <p:attrName>style.visibility</p:attrName>
-                                        </p:attrNameLst>
-                                      </p:cBhvr>
-                                      <p:to>
-                                        <p:strVal val="visible"/>
-                                      </p:to>
-                                    </p:set>
-                                    <p:animEffect transition="in" filter="blinds(horizontal)">
-                                      <p:cBhvr>
-                                        <p:cTn id="100" dur="500"/>
-                                        <p:tgtEl>
-                                          <p:spTgt spid="43"/>
-                                        </p:tgtEl>
-                                      </p:cBhvr>
-                                    </p:animEffect>
-                                  </p:childTnLst>
-                                </p:cTn>
-                              </p:par>
-                              <p:par>
-                                <p:cTn id="101" presetID="3" presetClass="entr" presetSubtype="10" fill="hold" grpId="0" nodeType="withEffect">
-                                  <p:stCondLst>
-                                    <p:cond delay="0"/>
-                                  </p:stCondLst>
-                                  <p:childTnLst>
-                                    <p:set>
-                                      <p:cBhvr>
-                                        <p:cTn id="102" dur="1" fill="hold">
-                                          <p:stCondLst>
-                                            <p:cond delay="0"/>
-                                          </p:stCondLst>
-                                        </p:cTn>
-                                        <p:tgtEl>
-                                          <p:spTgt spid="44"/>
-                                        </p:tgtEl>
-                                        <p:attrNameLst>
-                                          <p:attrName>style.visibility</p:attrName>
-                                        </p:attrNameLst>
-                                      </p:cBhvr>
-                                      <p:to>
-                                        <p:strVal val="visible"/>
-                                      </p:to>
-                                    </p:set>
-                                    <p:animEffect transition="in" filter="blinds(horizontal)">
-                                      <p:cBhvr>
-                                        <p:cTn id="103" dur="500"/>
-                                        <p:tgtEl>
-                                          <p:spTgt spid="44"/>
-                                        </p:tgtEl>
-                                      </p:cBhvr>
-                                    </p:animEffect>
-                                  </p:childTnLst>
-                                </p:cTn>
-                              </p:par>
-                              <p:par>
-                                <p:cTn id="104" presetID="3" presetClass="entr" presetSubtype="10" fill="hold" grpId="0" nodeType="withEffect">
-                                  <p:stCondLst>
-                                    <p:cond delay="0"/>
-                                  </p:stCondLst>
-                                  <p:childTnLst>
-                                    <p:set>
-                                      <p:cBhvr>
-                                        <p:cTn id="105" dur="1" fill="hold">
-                                          <p:stCondLst>
-                                            <p:cond delay="0"/>
-                                          </p:stCondLst>
-                                        </p:cTn>
-                                        <p:tgtEl>
-                                          <p:spTgt spid="15"/>
-                                        </p:tgtEl>
-                                        <p:attrNameLst>
-                                          <p:attrName>style.visibility</p:attrName>
-                                        </p:attrNameLst>
-                                      </p:cBhvr>
-                                      <p:to>
-                                        <p:strVal val="visible"/>
-                                      </p:to>
-                                    </p:set>
-                                    <p:animEffect transition="in" filter="blinds(horizontal)">
-                                      <p:cBhvr>
-                                        <p:cTn id="106" dur="500"/>
-                                        <p:tgtEl>
-                                          <p:spTgt spid="15"/>
-                                        </p:tgtEl>
-                                      </p:cBhvr>
-                                    </p:animEffect>
-                                  </p:childTnLst>
-                                </p:cTn>
-                              </p:par>
-                            </p:childTnLst>
-                          </p:cTn>
-                        </p:par>
-                      </p:childTnLst>
-                    </p:cTn>
-                  </p:par>
-                </p:childTnLst>
-              </p:cTn>
-              <p:prevCondLst>
-                <p:cond evt="onPrev" delay="0">
-                  <p:tgtEl>
-                    <p:sldTgt/>
-                  </p:tgtEl>
-                </p:cond>
-              </p:prevCondLst>
-              <p:nextCondLst>
-                <p:cond evt="onNext" delay="0">
-                  <p:tgtEl>
-                    <p:sldTgt/>
-                  </p:tgtEl>
-                </p:cond>
-              </p:nextCondLst>
-            </p:seq>
-          </p:childTnLst>
-        </p:cTn>
+        <p:cTn id="1" dur="indefinite" restart="never" nodeType="tmRoot"/>
       </p:par>
     </p:tnLst>
-    <p:bldLst>
-      <p:bldP spid="6" grpId="0" bldLvl="0" animBg="1"/>
-      <p:bldP spid="7" grpId="0" bldLvl="0" animBg="1"/>
-      <p:bldP spid="8" grpId="0" bldLvl="0" animBg="1"/>
-      <p:bldP spid="9" grpId="0" bldLvl="0" animBg="1"/>
-      <p:bldP spid="10" grpId="0" bldLvl="0" animBg="1"/>
-      <p:bldP spid="12" grpId="0" bldLvl="0" animBg="1"/>
-      <p:bldP spid="13" grpId="0" bldLvl="0" animBg="1"/>
-      <p:bldP spid="14" grpId="0" bldLvl="0" animBg="1"/>
-      <p:bldP spid="15" grpId="0" bldLvl="0" animBg="1"/>
-      <p:bldP spid="16" grpId="0" bldLvl="0" animBg="1"/>
-      <p:bldP spid="40" grpId="0" bldLvl="0" animBg="1"/>
-      <p:bldP spid="42" grpId="0" bldLvl="0" animBg="1"/>
-      <p:bldP spid="43" grpId="0" bldLvl="0" animBg="1"/>
-      <p:bldP spid="44" grpId="0" bldLvl="0" animBg="1"/>
-      <p:bldP spid="45" grpId="0" bldLvl="0" animBg="1"/>
-      <p:bldP spid="46" grpId="0" bldLvl="0" animBg="1"/>
-      <p:bldP spid="47" grpId="0" bldLvl="0" animBg="1"/>
-      <p:bldP spid="48" grpId="0" bldLvl="0" animBg="1"/>
-    </p:bldLst>
   </p:timing>
 </p:sld>
 </file>
 
-<file path=ppt/slides/slide6.xml><?xml version="1.0" encoding="utf-8"?>
+<file path=ppt/slides/slide5.xml><?xml version="1.0" encoding="utf-8"?>
 <p:sld xmlns:a="http://schemas.openxmlformats.org/drawingml/2006/main" xmlns:r="http://schemas.openxmlformats.org/officeDocument/2006/relationships" xmlns:p="http://schemas.openxmlformats.org/presentationml/2006/main">
   <p:cSld>
     <p:spTree>
@@ -17183,7 +15376,7 @@
 </p:sld>
 </file>
 
-<file path=ppt/slides/slide7.xml><?xml version="1.0" encoding="utf-8"?>
+<file path=ppt/slides/slide6.xml><?xml version="1.0" encoding="utf-8"?>
 <p:sld xmlns:a="http://schemas.openxmlformats.org/drawingml/2006/main" xmlns:r="http://schemas.openxmlformats.org/officeDocument/2006/relationships" xmlns:p="http://schemas.openxmlformats.org/presentationml/2006/main">
   <p:cSld>
     <p:spTree>
@@ -17897,6 +16090,167 @@
 </p:sld>
 </file>
 
+<file path=ppt/slides/slide7.xml><?xml version="1.0" encoding="utf-8"?>
+<p:sld xmlns:a="http://schemas.openxmlformats.org/drawingml/2006/main" xmlns:r="http://schemas.openxmlformats.org/officeDocument/2006/relationships" xmlns:p="http://schemas.openxmlformats.org/presentationml/2006/main">
+  <p:cSld>
+    <p:spTree>
+      <p:nvGrpSpPr>
+        <p:cNvPr id="1" name=""/>
+        <p:cNvGrpSpPr/>
+        <p:nvPr/>
+      </p:nvGrpSpPr>
+      <p:grpSpPr>
+        <a:xfrm>
+          <a:off x="0" y="0"/>
+          <a:ext cx="0" cy="0"/>
+          <a:chOff x="0" y="0"/>
+          <a:chExt cx="0" cy="0"/>
+        </a:xfrm>
+      </p:grpSpPr>
+      <p:sp>
+        <p:nvSpPr>
+          <p:cNvPr id="2" name="标题 1"/>
+          <p:cNvSpPr>
+            <a:spLocks noGrp="1"/>
+          </p:cNvSpPr>
+          <p:nvPr>
+            <p:ph type="title"/>
+          </p:nvPr>
+        </p:nvSpPr>
+        <p:spPr/>
+        <p:txBody>
+          <a:bodyPr/>
+          <a:lstStyle/>
+          <a:p>
+            <a:r>
+              <a:rPr lang="en-US" altLang="zh-CN" dirty="0" smtClean="0"/>
+              <a:t>DEMO</a:t>
+            </a:r>
+            <a:r>
+              <a:rPr lang="zh-CN" altLang="en-US" dirty="0" smtClean="0"/>
+              <a:t>：使用</a:t>
+            </a:r>
+            <a:r>
+              <a:rPr lang="en-US" altLang="zh-CN" dirty="0" smtClean="0"/>
+              <a:t>MS Project</a:t>
+            </a:r>
+            <a:r>
+              <a:rPr lang="zh-CN" altLang="en-US" dirty="0" smtClean="0"/>
+              <a:t>软件估算工作包的直接成本</a:t>
+            </a:r>
+            <a:endParaRPr lang="zh-CN" altLang="en-US" dirty="0"/>
+          </a:p>
+        </p:txBody>
+      </p:sp>
+      <p:sp>
+        <p:nvSpPr>
+          <p:cNvPr id="3" name="内容占位符 2"/>
+          <p:cNvSpPr>
+            <a:spLocks noGrp="1"/>
+          </p:cNvSpPr>
+          <p:nvPr>
+            <p:ph idx="1"/>
+          </p:nvPr>
+        </p:nvSpPr>
+        <p:spPr/>
+        <p:txBody>
+          <a:bodyPr/>
+          <a:lstStyle/>
+          <a:p>
+            <a:r>
+              <a:rPr lang="zh-CN" altLang="en-US" sz="2400" dirty="0" smtClean="0"/>
+              <a:t>定义工时资源</a:t>
+            </a:r>
+            <a:endParaRPr lang="en-US" altLang="zh-CN" sz="2400" dirty="0" smtClean="0"/>
+          </a:p>
+          <a:p>
+            <a:pPr lvl="1"/>
+            <a:r>
+              <a:rPr lang="zh-CN" altLang="en-US" sz="2000" dirty="0" smtClean="0"/>
+              <a:t>人员（未明确到具体人的，可根据能力要求给出预估成本，例如程序员</a:t>
+            </a:r>
+            <a:r>
+              <a:rPr lang="en-US" altLang="zh-CN" sz="2000" dirty="0" smtClean="0"/>
+              <a:t>1</a:t>
+            </a:r>
+            <a:r>
+              <a:rPr lang="zh-CN" altLang="en-US" sz="2000" dirty="0" smtClean="0"/>
+              <a:t>期望是</a:t>
+            </a:r>
+            <a:r>
+              <a:rPr lang="en-US" altLang="zh-CN" sz="2000" dirty="0" smtClean="0"/>
+              <a:t>JAVA</a:t>
+            </a:r>
+            <a:r>
+              <a:rPr lang="zh-CN" altLang="en-US" sz="2000" dirty="0" smtClean="0"/>
+              <a:t>开发专家，预估成本为</a:t>
+            </a:r>
+            <a:r>
+              <a:rPr lang="en-US" altLang="zh-CN" sz="2000" dirty="0" smtClean="0"/>
+              <a:t>8000</a:t>
+            </a:r>
+            <a:r>
+              <a:rPr lang="zh-CN" altLang="en-US" sz="2000" dirty="0" smtClean="0"/>
+              <a:t>元</a:t>
+            </a:r>
+            <a:r>
+              <a:rPr lang="en-US" altLang="zh-CN" sz="2000" dirty="0" smtClean="0"/>
+              <a:t>/</a:t>
+            </a:r>
+            <a:r>
+              <a:rPr lang="zh-CN" altLang="en-US" sz="2000" dirty="0" smtClean="0"/>
+              <a:t>月）</a:t>
+            </a:r>
+            <a:endParaRPr lang="en-US" altLang="zh-CN" sz="2000" dirty="0" smtClean="0"/>
+          </a:p>
+          <a:p>
+            <a:pPr lvl="1"/>
+            <a:r>
+              <a:rPr lang="zh-CN" altLang="en-US" sz="2000" dirty="0" smtClean="0"/>
+              <a:t>设备</a:t>
+            </a:r>
+            <a:r>
+              <a:rPr lang="zh-CN" altLang="en-US" sz="2000" dirty="0" smtClean="0">
+                <a:sym typeface="+mn-ea"/>
+              </a:rPr>
+              <a:t>（开发设备、测试设备等）</a:t>
+            </a:r>
+            <a:endParaRPr lang="en-US" altLang="zh-CN" sz="2000" dirty="0" smtClean="0"/>
+          </a:p>
+          <a:p>
+            <a:r>
+              <a:rPr lang="zh-CN" altLang="en-US" sz="2400" dirty="0" smtClean="0"/>
+              <a:t>定义材料资源</a:t>
+            </a:r>
+            <a:endParaRPr lang="en-US" altLang="zh-CN" sz="2400" dirty="0" smtClean="0"/>
+          </a:p>
+          <a:p>
+            <a:r>
+              <a:rPr lang="zh-CN" altLang="en-US" sz="2400" dirty="0" smtClean="0"/>
+              <a:t>定义成本资源</a:t>
+            </a:r>
+            <a:endParaRPr lang="en-US" altLang="zh-CN" sz="2400" dirty="0" smtClean="0"/>
+          </a:p>
+          <a:p>
+            <a:endParaRPr lang="zh-CN" altLang="en-US" sz="2400" dirty="0"/>
+          </a:p>
+        </p:txBody>
+      </p:sp>
+    </p:spTree>
+  </p:cSld>
+  <p:clrMapOvr>
+    <a:masterClrMapping/>
+  </p:clrMapOvr>
+  <p:timing>
+    <p:tnLst>
+      <p:par>
+        <p:cTn id="1" dur="indefinite" restart="never" nodeType="tmRoot"/>
+      </p:par>
+    </p:tnLst>
+  </p:timing>
+</p:sld>
+</file>
+
 <file path=ppt/slides/slide8.xml><?xml version="1.0" encoding="utf-8"?>
 <p:sld xmlns:a="http://schemas.openxmlformats.org/drawingml/2006/main" xmlns:r="http://schemas.openxmlformats.org/officeDocument/2006/relationships" xmlns:p="http://schemas.openxmlformats.org/presentationml/2006/main">
   <p:cSld>
@@ -17930,20 +16284,16 @@
           <a:lstStyle/>
           <a:p>
             <a:r>
+              <a:rPr lang="en-US" altLang="zh-CN" dirty="0"/>
+              <a:t>2</a:t>
+            </a:r>
+            <a:r>
               <a:rPr lang="en-US" altLang="zh-CN" dirty="0" smtClean="0"/>
-              <a:t>DEMO</a:t>
+              <a:t>. </a:t>
             </a:r>
             <a:r>
               <a:rPr lang="zh-CN" altLang="en-US" dirty="0" smtClean="0"/>
-              <a:t>：使用</a:t>
-            </a:r>
-            <a:r>
-              <a:rPr lang="en-US" altLang="zh-CN" dirty="0" smtClean="0"/>
-              <a:t>MS Project</a:t>
-            </a:r>
-            <a:r>
-              <a:rPr lang="zh-CN" altLang="en-US" dirty="0" smtClean="0"/>
-              <a:t>软件估算工作包的直接成本</a:t>
+              <a:t>估算间接成本和储备</a:t>
             </a:r>
             <a:endParaRPr lang="zh-CN" altLang="en-US" dirty="0"/>
           </a:p>
@@ -17959,81 +16309,164 @@
             <p:ph idx="1"/>
           </p:nvPr>
         </p:nvSpPr>
-        <p:spPr/>
+        <p:spPr>
+          <a:xfrm>
+            <a:off x="537845" y="1489075"/>
+            <a:ext cx="10160000" cy="4683125"/>
+          </a:xfrm>
+        </p:spPr>
         <p:txBody>
           <a:bodyPr/>
           <a:lstStyle/>
           <a:p>
+            <a:pPr>
+              <a:lnSpc>
+                <a:spcPct val="120000"/>
+              </a:lnSpc>
+            </a:pPr>
             <a:r>
               <a:rPr lang="zh-CN" altLang="en-US" sz="2400" dirty="0" smtClean="0"/>
-              <a:t>定义工时资源</a:t>
+              <a:t>依据前一阶段的成果</a:t>
+            </a:r>
+            <a:r>
+              <a:rPr lang="en-US" altLang="zh-CN" sz="2400" dirty="0" smtClean="0"/>
+              <a:t>《</a:t>
+            </a:r>
+            <a:r>
+              <a:rPr lang="zh-CN" altLang="en-US" sz="2400" dirty="0" smtClean="0"/>
+              <a:t>项目进度计划</a:t>
+            </a:r>
+            <a:r>
+              <a:rPr lang="en-US" altLang="zh-CN" sz="2400" dirty="0" smtClean="0"/>
+              <a:t>》</a:t>
+            </a:r>
+            <a:r>
+              <a:rPr lang="zh-CN" altLang="en-US" sz="2400" dirty="0" smtClean="0"/>
+              <a:t>，估算工作包或更高级别分类（控制账户甚至整个项目）的间接成本和储备</a:t>
+            </a:r>
+            <a:r>
+              <a:rPr lang="en-US" altLang="zh-CN" sz="2400" dirty="0" smtClean="0"/>
+              <a:t>;</a:t>
             </a:r>
             <a:endParaRPr lang="en-US" altLang="zh-CN" sz="2400" dirty="0" smtClean="0"/>
           </a:p>
           <a:p>
-            <a:pPr lvl="1"/>
+            <a:pPr lvl="1">
+              <a:lnSpc>
+                <a:spcPct val="120000"/>
+              </a:lnSpc>
+            </a:pPr>
+            <a:r>
+              <a:rPr lang="zh-CN" altLang="en-US" sz="2000" dirty="0"/>
+              <a:t>间接成本：不创造项目成果间接相关的成本，例如企业的水电费，管理费分摊；</a:t>
+            </a:r>
+            <a:endParaRPr lang="zh-CN" altLang="en-US" sz="2000" dirty="0"/>
+          </a:p>
+          <a:p>
+            <a:pPr lvl="1">
+              <a:lnSpc>
+                <a:spcPct val="120000"/>
+              </a:lnSpc>
+            </a:pPr>
             <a:r>
               <a:rPr lang="zh-CN" altLang="en-US" sz="2000" dirty="0" smtClean="0"/>
-              <a:t>人员（未明确到具体人的，可根据能力要求给出预估成本，例如程序员</a:t>
-            </a:r>
-            <a:r>
-              <a:rPr lang="en-US" altLang="zh-CN" sz="2000" dirty="0" smtClean="0"/>
-              <a:t>1</a:t>
+              <a:t>储备：</a:t>
+            </a:r>
+            <a:r>
+              <a:rPr lang="zh-CN" altLang="en-US" sz="2000" dirty="0"/>
+              <a:t>为应对未来的风险而预留的成本</a:t>
             </a:r>
             <a:r>
               <a:rPr lang="zh-CN" altLang="en-US" sz="2000" dirty="0" smtClean="0"/>
-              <a:t>期望是</a:t>
-            </a:r>
-            <a:r>
-              <a:rPr lang="en-US" altLang="zh-CN" sz="2000" dirty="0" smtClean="0"/>
-              <a:t>JAVA</a:t>
-            </a:r>
-            <a:r>
-              <a:rPr lang="zh-CN" altLang="en-US" sz="2000" dirty="0" smtClean="0"/>
-              <a:t>开发专家，预估成本为</a:t>
-            </a:r>
-            <a:r>
-              <a:rPr lang="en-US" altLang="zh-CN" sz="2000" dirty="0" smtClean="0"/>
-              <a:t>8000</a:t>
-            </a:r>
-            <a:r>
-              <a:rPr lang="zh-CN" altLang="en-US" sz="2000" dirty="0" smtClean="0"/>
-              <a:t>元</a:t>
-            </a:r>
-            <a:r>
-              <a:rPr lang="en-US" altLang="zh-CN" sz="2000" dirty="0" smtClean="0"/>
-              <a:t>/</a:t>
-            </a:r>
-            <a:r>
-              <a:rPr lang="zh-CN" altLang="en-US" sz="2000" dirty="0" smtClean="0"/>
-              <a:t>月）</a:t>
+              <a:t>；</a:t>
             </a:r>
             <a:endParaRPr lang="en-US" altLang="zh-CN" sz="2000" dirty="0" smtClean="0"/>
           </a:p>
           <a:p>
-            <a:pPr lvl="1"/>
-            <a:r>
-              <a:rPr lang="zh-CN" altLang="en-US" sz="2000" dirty="0" smtClean="0"/>
-              <a:t>设备</a:t>
-            </a:r>
-            <a:endParaRPr lang="en-US" altLang="zh-CN" sz="2000" dirty="0" smtClean="0"/>
-          </a:p>
-          <a:p>
+            <a:pPr>
+              <a:lnSpc>
+                <a:spcPct val="120000"/>
+              </a:lnSpc>
+            </a:pPr>
+            <a:r>
+              <a:rPr lang="zh-CN" altLang="en-US" sz="2400" dirty="0">
+                <a:solidFill>
+                  <a:srgbClr val="FF0000"/>
+                </a:solidFill>
+              </a:rPr>
+              <a:t>通常间接成本和储备在项目级按直接成本的一定比例估算</a:t>
+            </a:r>
+            <a:r>
+              <a:rPr lang="zh-CN" altLang="en-US" sz="2400" dirty="0"/>
+              <a:t>；</a:t>
+            </a:r>
+            <a:endParaRPr lang="en-US" altLang="zh-CN" sz="2400" dirty="0"/>
+          </a:p>
+          <a:p>
+            <a:pPr>
+              <a:lnSpc>
+                <a:spcPct val="120000"/>
+              </a:lnSpc>
+            </a:pPr>
+            <a:r>
+              <a:rPr lang="en-US" altLang="zh-CN" sz="2400" dirty="0" smtClean="0"/>
+              <a:t>DEMO</a:t>
+            </a:r>
             <a:r>
               <a:rPr lang="zh-CN" altLang="en-US" sz="2400" dirty="0" smtClean="0"/>
-              <a:t>定义材料资源</a:t>
+              <a:t>：</a:t>
+            </a:r>
+            <a:r>
+              <a:rPr lang="zh-CN" altLang="en-US" sz="2400" dirty="0"/>
+              <a:t>使用</a:t>
+            </a:r>
+            <a:r>
+              <a:rPr lang="en-US" altLang="zh-CN" sz="2400" dirty="0"/>
+              <a:t>MS Project</a:t>
+            </a:r>
+            <a:r>
+              <a:rPr lang="zh-CN" altLang="en-US" sz="2400" dirty="0"/>
+              <a:t>软件</a:t>
+            </a:r>
+            <a:r>
+              <a:rPr lang="zh-CN" altLang="en-US" sz="2400" dirty="0" smtClean="0"/>
+              <a:t>估算项目的间接成本；</a:t>
             </a:r>
             <a:endParaRPr lang="en-US" altLang="zh-CN" sz="2400" dirty="0" smtClean="0"/>
           </a:p>
           <a:p>
+            <a:pPr>
+              <a:lnSpc>
+                <a:spcPct val="120000"/>
+              </a:lnSpc>
+            </a:pPr>
             <a:r>
               <a:rPr lang="zh-CN" altLang="en-US" sz="2400" dirty="0" smtClean="0"/>
-              <a:t>定义成本资源</a:t>
-            </a:r>
-            <a:endParaRPr lang="en-US" altLang="zh-CN" sz="2400" dirty="0" smtClean="0"/>
-          </a:p>
-          <a:p>
-            <a:endParaRPr lang="zh-CN" altLang="en-US" sz="2400" dirty="0"/>
+              <a:t>成果：待审批的</a:t>
+            </a:r>
+            <a:r>
+              <a:rPr lang="en-US" altLang="zh-CN" sz="2400" dirty="0" smtClean="0"/>
+              <a:t>《</a:t>
+            </a:r>
+            <a:r>
+              <a:rPr lang="zh-CN" altLang="en-US" sz="2400" dirty="0" smtClean="0"/>
+              <a:t>项目成本估算</a:t>
+            </a:r>
+            <a:r>
+              <a:rPr lang="en-US" altLang="zh-CN" sz="2400" dirty="0" smtClean="0"/>
+              <a:t>》</a:t>
+            </a:r>
+            <a:r>
+              <a:rPr lang="zh-CN" altLang="en-US" sz="2400" dirty="0" smtClean="0">
+                <a:sym typeface="+mn-ea"/>
+              </a:rPr>
+              <a:t>（包括直接、间接和储备成本）</a:t>
+            </a:r>
+            <a:r>
+              <a:rPr lang="zh-CN" altLang="en-US" sz="2400" dirty="0" smtClean="0"/>
+              <a:t>；</a:t>
+            </a:r>
+            <a:endParaRPr lang="zh-CN" altLang="en-US" sz="2200" dirty="0"/>
           </a:p>
         </p:txBody>
       </p:sp>
@@ -18085,16 +16518,12 @@
           <a:lstStyle/>
           <a:p>
             <a:r>
-              <a:rPr lang="en-US" altLang="zh-CN" dirty="0"/>
-              <a:t>2</a:t>
-            </a:r>
-            <a:r>
               <a:rPr lang="en-US" altLang="zh-CN" dirty="0" smtClean="0"/>
-              <a:t>. </a:t>
+              <a:t>3. </a:t>
             </a:r>
             <a:r>
               <a:rPr lang="zh-CN" altLang="en-US" dirty="0" smtClean="0"/>
-              <a:t>估算间接成本和储备</a:t>
+              <a:t>管理层决策项目估算是否可行</a:t>
             </a:r>
             <a:endParaRPr lang="zh-CN" altLang="en-US" dirty="0"/>
           </a:p>
@@ -18112,8 +16541,8 @@
         </p:nvSpPr>
         <p:spPr>
           <a:xfrm>
-            <a:off x="537845" y="1489075"/>
-            <a:ext cx="10160000" cy="4683125"/>
+            <a:off x="728980" y="1489075"/>
+            <a:ext cx="9909810" cy="4683125"/>
           </a:xfrm>
         </p:spPr>
         <p:txBody>
@@ -18127,7 +16556,7 @@
             </a:pPr>
             <a:r>
               <a:rPr lang="zh-CN" altLang="en-US" sz="2400" dirty="0" smtClean="0"/>
-              <a:t>依据前一阶段的成果</a:t>
+              <a:t>管理层审查</a:t>
             </a:r>
             <a:r>
               <a:rPr lang="en-US" altLang="zh-CN" sz="2400" dirty="0" smtClean="0"/>
@@ -18135,7 +16564,7 @@
             </a:r>
             <a:r>
               <a:rPr lang="zh-CN" altLang="en-US" sz="2400" dirty="0" smtClean="0"/>
-              <a:t>项目进度计划</a:t>
+              <a:t>项目成本估算</a:t>
             </a:r>
             <a:r>
               <a:rPr lang="en-US" altLang="zh-CN" sz="2400" dirty="0" smtClean="0"/>
@@ -18143,11 +16572,7 @@
             </a:r>
             <a:r>
               <a:rPr lang="zh-CN" altLang="en-US" sz="2400" dirty="0" smtClean="0"/>
-              <a:t>，估算工作包或更高级别分类（控制账户甚至整个项目）的间接成本和储备</a:t>
-            </a:r>
-            <a:r>
-              <a:rPr lang="en-US" altLang="zh-CN" sz="2400" dirty="0" smtClean="0"/>
-              <a:t>;</a:t>
+              <a:t>文件（通常会深度了解估算的依据等），并决策此估算是否可行；</a:t>
             </a:r>
             <a:endParaRPr lang="en-US" altLang="zh-CN" sz="2400" dirty="0" smtClean="0"/>
           </a:p>
@@ -18158,110 +16583,26 @@
               </a:lnSpc>
             </a:pPr>
             <a:r>
-              <a:rPr lang="zh-CN" altLang="en-US" sz="2000" dirty="0"/>
-              <a:t>间接成本：不创造项目成果间接相关的成本，例如企业的水电费，管理费分摊；</a:t>
-            </a:r>
-            <a:endParaRPr lang="zh-CN" altLang="en-US" sz="2000" dirty="0"/>
-          </a:p>
-          <a:p>
-            <a:pPr lvl="1">
-              <a:lnSpc>
-                <a:spcPct val="120000"/>
-              </a:lnSpc>
-            </a:pPr>
-            <a:r>
-              <a:rPr lang="zh-CN" altLang="en-US" sz="2000" dirty="0" smtClean="0"/>
-              <a:t>储备：</a:t>
-            </a:r>
-            <a:r>
-              <a:rPr lang="zh-CN" altLang="en-US" sz="2000" dirty="0"/>
-              <a:t>为应对未来的风险而预留的成本</a:t>
-            </a:r>
-            <a:r>
-              <a:rPr lang="zh-CN" altLang="en-US" sz="2000" dirty="0" smtClean="0"/>
-              <a:t>；</a:t>
-            </a:r>
-            <a:endParaRPr lang="en-US" altLang="zh-CN" sz="2000" dirty="0" smtClean="0"/>
-          </a:p>
-          <a:p>
-            <a:pPr>
-              <a:lnSpc>
-                <a:spcPct val="120000"/>
-              </a:lnSpc>
-            </a:pPr>
-            <a:r>
-              <a:rPr lang="zh-CN" altLang="en-US" sz="2400" dirty="0">
-                <a:solidFill>
-                  <a:srgbClr val="FF0000"/>
-                </a:solidFill>
-              </a:rPr>
-              <a:t>通常间接成本和储备在项目级按直接成本的一定比例估算</a:t>
-            </a:r>
-            <a:r>
-              <a:rPr lang="zh-CN" altLang="en-US" sz="2400" dirty="0"/>
-              <a:t>；</a:t>
-            </a:r>
-            <a:endParaRPr lang="en-US" altLang="zh-CN" sz="2400" dirty="0"/>
-          </a:p>
-          <a:p>
-            <a:pPr>
-              <a:lnSpc>
-                <a:spcPct val="120000"/>
-              </a:lnSpc>
-            </a:pPr>
-            <a:r>
-              <a:rPr lang="en-US" altLang="zh-CN" sz="2400" dirty="0" smtClean="0"/>
-              <a:t>DEMO</a:t>
-            </a:r>
-            <a:r>
-              <a:rPr lang="zh-CN" altLang="en-US" sz="2400" dirty="0" smtClean="0"/>
-              <a:t>：</a:t>
-            </a:r>
-            <a:r>
-              <a:rPr lang="zh-CN" altLang="en-US" sz="2400" dirty="0"/>
-              <a:t>使用</a:t>
-            </a:r>
-            <a:r>
-              <a:rPr lang="en-US" altLang="zh-CN" sz="2400" dirty="0"/>
-              <a:t>MS Project</a:t>
-            </a:r>
-            <a:r>
-              <a:rPr lang="zh-CN" altLang="en-US" sz="2400" dirty="0"/>
-              <a:t>软件</a:t>
-            </a:r>
-            <a:r>
-              <a:rPr lang="zh-CN" altLang="en-US" sz="2400" dirty="0" smtClean="0"/>
-              <a:t>估算项目的间接成本和估算；</a:t>
-            </a:r>
-            <a:endParaRPr lang="en-US" altLang="zh-CN" sz="2400" dirty="0" smtClean="0"/>
-          </a:p>
-          <a:p>
-            <a:pPr>
-              <a:lnSpc>
-                <a:spcPct val="120000"/>
-              </a:lnSpc>
-            </a:pPr>
-            <a:r>
-              <a:rPr lang="zh-CN" altLang="en-US" sz="2400" dirty="0" smtClean="0"/>
-              <a:t>成果：待审批的</a:t>
-            </a:r>
-            <a:r>
-              <a:rPr lang="en-US" altLang="zh-CN" sz="2400" dirty="0" smtClean="0"/>
-              <a:t>《</a:t>
-            </a:r>
-            <a:r>
-              <a:rPr lang="zh-CN" altLang="en-US" sz="2400" dirty="0" smtClean="0"/>
-              <a:t>项目成本估算</a:t>
-            </a:r>
-            <a:r>
-              <a:rPr lang="en-US" altLang="zh-CN" sz="2400" dirty="0" smtClean="0"/>
-              <a:t>》</a:t>
-            </a:r>
-            <a:r>
-              <a:rPr lang="zh-CN" altLang="en-US" sz="2400" dirty="0" smtClean="0"/>
-              <a:t>；</a:t>
-            </a:r>
-            <a:endParaRPr lang="zh-CN" altLang="en-US" sz="2200" dirty="0"/>
+              <a:rPr lang="zh-CN" altLang="en-US" sz="2200" dirty="0" smtClean="0"/>
+              <a:t>例如某项目的估算是</a:t>
+            </a:r>
+            <a:r>
+              <a:rPr lang="en-US" altLang="zh-CN" sz="2200" dirty="0" smtClean="0"/>
+              <a:t>100</a:t>
+            </a:r>
+            <a:r>
+              <a:rPr lang="zh-CN" altLang="en-US" sz="2200" dirty="0" smtClean="0"/>
+              <a:t>万，而企业与客户签署合同仅收</a:t>
+            </a:r>
+            <a:r>
+              <a:rPr lang="en-US" altLang="zh-CN" sz="2200" dirty="0" smtClean="0"/>
+              <a:t>80</a:t>
+            </a:r>
+            <a:r>
+              <a:rPr lang="zh-CN" altLang="en-US" sz="2200" dirty="0" smtClean="0"/>
+              <a:t>万，管理层肯定不会批准这个估算结果，需要重新调整估算；</a:t>
+            </a:r>
+            <a:endParaRPr lang="en-US" altLang="zh-CN" sz="2200" dirty="0" smtClean="0"/>
           </a:p>
         </p:txBody>
       </p:sp>

--- a/materials/slides/ch03-3.pptx
+++ b/materials/slides/ch03-3.pptx
@@ -10313,9 +10313,854 @@
   <p:timing>
     <p:tnLst>
       <p:par>
-        <p:cTn id="1" dur="indefinite" restart="never" nodeType="tmRoot"/>
+        <p:cTn id="1" dur="indefinite" restart="never" nodeType="tmRoot">
+          <p:childTnLst>
+            <p:seq concurrent="1" nextAc="seek">
+              <p:cTn id="2" dur="indefinite" nodeType="mainSeq">
+                <p:childTnLst>
+                  <p:par>
+                    <p:cTn id="3" fill="hold">
+                      <p:stCondLst>
+                        <p:cond delay="indefinite"/>
+                      </p:stCondLst>
+                      <p:childTnLst>
+                        <p:par>
+                          <p:cTn id="4" fill="hold">
+                            <p:stCondLst>
+                              <p:cond delay="0"/>
+                            </p:stCondLst>
+                            <p:childTnLst>
+                              <p:par>
+                                <p:cTn id="5" presetID="2" presetClass="entr" presetSubtype="4" fill="hold" grpId="0" nodeType="clickEffect">
+                                  <p:stCondLst>
+                                    <p:cond delay="0"/>
+                                  </p:stCondLst>
+                                  <p:childTnLst>
+                                    <p:set>
+                                      <p:cBhvr>
+                                        <p:cTn id="6" dur="1" fill="hold">
+                                          <p:stCondLst>
+                                            <p:cond delay="0"/>
+                                          </p:stCondLst>
+                                        </p:cTn>
+                                        <p:tgtEl>
+                                          <p:spTgt spid="3">
+                                            <p:txEl>
+                                              <p:pRg st="0" end="0"/>
+                                            </p:txEl>
+                                          </p:spTgt>
+                                        </p:tgtEl>
+                                        <p:attrNameLst>
+                                          <p:attrName>style.visibility</p:attrName>
+                                        </p:attrNameLst>
+                                      </p:cBhvr>
+                                      <p:to>
+                                        <p:strVal val="visible"/>
+                                      </p:to>
+                                    </p:set>
+                                    <p:anim calcmode="lin" valueType="num">
+                                      <p:cBhvr additive="base">
+                                        <p:cTn id="7" dur="500" fill="hold"/>
+                                        <p:tgtEl>
+                                          <p:spTgt spid="3">
+                                            <p:txEl>
+                                              <p:pRg st="0" end="0"/>
+                                            </p:txEl>
+                                          </p:spTgt>
+                                        </p:tgtEl>
+                                        <p:attrNameLst>
+                                          <p:attrName>ppt_x</p:attrName>
+                                        </p:attrNameLst>
+                                      </p:cBhvr>
+                                      <p:tavLst>
+                                        <p:tav tm="0">
+                                          <p:val>
+                                            <p:strVal val="#ppt_x"/>
+                                          </p:val>
+                                        </p:tav>
+                                        <p:tav tm="100000">
+                                          <p:val>
+                                            <p:strVal val="#ppt_x"/>
+                                          </p:val>
+                                        </p:tav>
+                                      </p:tavLst>
+                                    </p:anim>
+                                    <p:anim calcmode="lin" valueType="num">
+                                      <p:cBhvr additive="base">
+                                        <p:cTn id="8" dur="500" fill="hold"/>
+                                        <p:tgtEl>
+                                          <p:spTgt spid="3">
+                                            <p:txEl>
+                                              <p:pRg st="0" end="0"/>
+                                            </p:txEl>
+                                          </p:spTgt>
+                                        </p:tgtEl>
+                                        <p:attrNameLst>
+                                          <p:attrName>ppt_y</p:attrName>
+                                        </p:attrNameLst>
+                                      </p:cBhvr>
+                                      <p:tavLst>
+                                        <p:tav tm="0">
+                                          <p:val>
+                                            <p:strVal val="1+#ppt_h/2"/>
+                                          </p:val>
+                                        </p:tav>
+                                        <p:tav tm="100000">
+                                          <p:val>
+                                            <p:strVal val="#ppt_y"/>
+                                          </p:val>
+                                        </p:tav>
+                                      </p:tavLst>
+                                    </p:anim>
+                                  </p:childTnLst>
+                                </p:cTn>
+                              </p:par>
+                              <p:par>
+                                <p:cTn id="9" presetID="2" presetClass="entr" presetSubtype="4" fill="hold" grpId="0" nodeType="withEffect">
+                                  <p:stCondLst>
+                                    <p:cond delay="0"/>
+                                  </p:stCondLst>
+                                  <p:childTnLst>
+                                    <p:set>
+                                      <p:cBhvr>
+                                        <p:cTn id="10" dur="1" fill="hold">
+                                          <p:stCondLst>
+                                            <p:cond delay="0"/>
+                                          </p:stCondLst>
+                                        </p:cTn>
+                                        <p:tgtEl>
+                                          <p:spTgt spid="3">
+                                            <p:txEl>
+                                              <p:pRg st="1" end="1"/>
+                                            </p:txEl>
+                                          </p:spTgt>
+                                        </p:tgtEl>
+                                        <p:attrNameLst>
+                                          <p:attrName>style.visibility</p:attrName>
+                                        </p:attrNameLst>
+                                      </p:cBhvr>
+                                      <p:to>
+                                        <p:strVal val="visible"/>
+                                      </p:to>
+                                    </p:set>
+                                    <p:anim calcmode="lin" valueType="num">
+                                      <p:cBhvr additive="base">
+                                        <p:cTn id="11" dur="500" fill="hold"/>
+                                        <p:tgtEl>
+                                          <p:spTgt spid="3">
+                                            <p:txEl>
+                                              <p:pRg st="1" end="1"/>
+                                            </p:txEl>
+                                          </p:spTgt>
+                                        </p:tgtEl>
+                                        <p:attrNameLst>
+                                          <p:attrName>ppt_x</p:attrName>
+                                        </p:attrNameLst>
+                                      </p:cBhvr>
+                                      <p:tavLst>
+                                        <p:tav tm="0">
+                                          <p:val>
+                                            <p:strVal val="#ppt_x"/>
+                                          </p:val>
+                                        </p:tav>
+                                        <p:tav tm="100000">
+                                          <p:val>
+                                            <p:strVal val="#ppt_x"/>
+                                          </p:val>
+                                        </p:tav>
+                                      </p:tavLst>
+                                    </p:anim>
+                                    <p:anim calcmode="lin" valueType="num">
+                                      <p:cBhvr additive="base">
+                                        <p:cTn id="12" dur="500" fill="hold"/>
+                                        <p:tgtEl>
+                                          <p:spTgt spid="3">
+                                            <p:txEl>
+                                              <p:pRg st="1" end="1"/>
+                                            </p:txEl>
+                                          </p:spTgt>
+                                        </p:tgtEl>
+                                        <p:attrNameLst>
+                                          <p:attrName>ppt_y</p:attrName>
+                                        </p:attrNameLst>
+                                      </p:cBhvr>
+                                      <p:tavLst>
+                                        <p:tav tm="0">
+                                          <p:val>
+                                            <p:strVal val="1+#ppt_h/2"/>
+                                          </p:val>
+                                        </p:tav>
+                                        <p:tav tm="100000">
+                                          <p:val>
+                                            <p:strVal val="#ppt_y"/>
+                                          </p:val>
+                                        </p:tav>
+                                      </p:tavLst>
+                                    </p:anim>
+                                  </p:childTnLst>
+                                </p:cTn>
+                              </p:par>
+                            </p:childTnLst>
+                          </p:cTn>
+                        </p:par>
+                      </p:childTnLst>
+                    </p:cTn>
+                  </p:par>
+                  <p:par>
+                    <p:cTn id="13" fill="hold">
+                      <p:stCondLst>
+                        <p:cond delay="indefinite"/>
+                      </p:stCondLst>
+                      <p:childTnLst>
+                        <p:par>
+                          <p:cTn id="14" fill="hold">
+                            <p:stCondLst>
+                              <p:cond delay="0"/>
+                            </p:stCondLst>
+                            <p:childTnLst>
+                              <p:par>
+                                <p:cTn id="15" presetID="2" presetClass="entr" presetSubtype="4" fill="hold" grpId="0" nodeType="clickEffect">
+                                  <p:stCondLst>
+                                    <p:cond delay="0"/>
+                                  </p:stCondLst>
+                                  <p:childTnLst>
+                                    <p:set>
+                                      <p:cBhvr>
+                                        <p:cTn id="16" dur="1" fill="hold">
+                                          <p:stCondLst>
+                                            <p:cond delay="0"/>
+                                          </p:stCondLst>
+                                        </p:cTn>
+                                        <p:tgtEl>
+                                          <p:spTgt spid="3">
+                                            <p:txEl>
+                                              <p:pRg st="2" end="2"/>
+                                            </p:txEl>
+                                          </p:spTgt>
+                                        </p:tgtEl>
+                                        <p:attrNameLst>
+                                          <p:attrName>style.visibility</p:attrName>
+                                        </p:attrNameLst>
+                                      </p:cBhvr>
+                                      <p:to>
+                                        <p:strVal val="visible"/>
+                                      </p:to>
+                                    </p:set>
+                                    <p:anim calcmode="lin" valueType="num">
+                                      <p:cBhvr additive="base">
+                                        <p:cTn id="17" dur="500" fill="hold"/>
+                                        <p:tgtEl>
+                                          <p:spTgt spid="3">
+                                            <p:txEl>
+                                              <p:pRg st="2" end="2"/>
+                                            </p:txEl>
+                                          </p:spTgt>
+                                        </p:tgtEl>
+                                        <p:attrNameLst>
+                                          <p:attrName>ppt_x</p:attrName>
+                                        </p:attrNameLst>
+                                      </p:cBhvr>
+                                      <p:tavLst>
+                                        <p:tav tm="0">
+                                          <p:val>
+                                            <p:strVal val="#ppt_x"/>
+                                          </p:val>
+                                        </p:tav>
+                                        <p:tav tm="100000">
+                                          <p:val>
+                                            <p:strVal val="#ppt_x"/>
+                                          </p:val>
+                                        </p:tav>
+                                      </p:tavLst>
+                                    </p:anim>
+                                    <p:anim calcmode="lin" valueType="num">
+                                      <p:cBhvr additive="base">
+                                        <p:cTn id="18" dur="500" fill="hold"/>
+                                        <p:tgtEl>
+                                          <p:spTgt spid="3">
+                                            <p:txEl>
+                                              <p:pRg st="2" end="2"/>
+                                            </p:txEl>
+                                          </p:spTgt>
+                                        </p:tgtEl>
+                                        <p:attrNameLst>
+                                          <p:attrName>ppt_y</p:attrName>
+                                        </p:attrNameLst>
+                                      </p:cBhvr>
+                                      <p:tavLst>
+                                        <p:tav tm="0">
+                                          <p:val>
+                                            <p:strVal val="1+#ppt_h/2"/>
+                                          </p:val>
+                                        </p:tav>
+                                        <p:tav tm="100000">
+                                          <p:val>
+                                            <p:strVal val="#ppt_y"/>
+                                          </p:val>
+                                        </p:tav>
+                                      </p:tavLst>
+                                    </p:anim>
+                                  </p:childTnLst>
+                                </p:cTn>
+                              </p:par>
+                              <p:par>
+                                <p:cTn id="19" presetID="2" presetClass="entr" presetSubtype="4" fill="hold" grpId="0" nodeType="withEffect">
+                                  <p:stCondLst>
+                                    <p:cond delay="0"/>
+                                  </p:stCondLst>
+                                  <p:childTnLst>
+                                    <p:set>
+                                      <p:cBhvr>
+                                        <p:cTn id="20" dur="1" fill="hold">
+                                          <p:stCondLst>
+                                            <p:cond delay="0"/>
+                                          </p:stCondLst>
+                                        </p:cTn>
+                                        <p:tgtEl>
+                                          <p:spTgt spid="3">
+                                            <p:txEl>
+                                              <p:pRg st="3" end="3"/>
+                                            </p:txEl>
+                                          </p:spTgt>
+                                        </p:tgtEl>
+                                        <p:attrNameLst>
+                                          <p:attrName>style.visibility</p:attrName>
+                                        </p:attrNameLst>
+                                      </p:cBhvr>
+                                      <p:to>
+                                        <p:strVal val="visible"/>
+                                      </p:to>
+                                    </p:set>
+                                    <p:anim calcmode="lin" valueType="num">
+                                      <p:cBhvr additive="base">
+                                        <p:cTn id="21" dur="500" fill="hold"/>
+                                        <p:tgtEl>
+                                          <p:spTgt spid="3">
+                                            <p:txEl>
+                                              <p:pRg st="3" end="3"/>
+                                            </p:txEl>
+                                          </p:spTgt>
+                                        </p:tgtEl>
+                                        <p:attrNameLst>
+                                          <p:attrName>ppt_x</p:attrName>
+                                        </p:attrNameLst>
+                                      </p:cBhvr>
+                                      <p:tavLst>
+                                        <p:tav tm="0">
+                                          <p:val>
+                                            <p:strVal val="#ppt_x"/>
+                                          </p:val>
+                                        </p:tav>
+                                        <p:tav tm="100000">
+                                          <p:val>
+                                            <p:strVal val="#ppt_x"/>
+                                          </p:val>
+                                        </p:tav>
+                                      </p:tavLst>
+                                    </p:anim>
+                                    <p:anim calcmode="lin" valueType="num">
+                                      <p:cBhvr additive="base">
+                                        <p:cTn id="22" dur="500" fill="hold"/>
+                                        <p:tgtEl>
+                                          <p:spTgt spid="3">
+                                            <p:txEl>
+                                              <p:pRg st="3" end="3"/>
+                                            </p:txEl>
+                                          </p:spTgt>
+                                        </p:tgtEl>
+                                        <p:attrNameLst>
+                                          <p:attrName>ppt_y</p:attrName>
+                                        </p:attrNameLst>
+                                      </p:cBhvr>
+                                      <p:tavLst>
+                                        <p:tav tm="0">
+                                          <p:val>
+                                            <p:strVal val="1+#ppt_h/2"/>
+                                          </p:val>
+                                        </p:tav>
+                                        <p:tav tm="100000">
+                                          <p:val>
+                                            <p:strVal val="#ppt_y"/>
+                                          </p:val>
+                                        </p:tav>
+                                      </p:tavLst>
+                                    </p:anim>
+                                  </p:childTnLst>
+                                </p:cTn>
+                              </p:par>
+                              <p:par>
+                                <p:cTn id="23" presetID="2" presetClass="entr" presetSubtype="4" fill="hold" grpId="0" nodeType="withEffect">
+                                  <p:stCondLst>
+                                    <p:cond delay="0"/>
+                                  </p:stCondLst>
+                                  <p:childTnLst>
+                                    <p:set>
+                                      <p:cBhvr>
+                                        <p:cTn id="24" dur="1" fill="hold">
+                                          <p:stCondLst>
+                                            <p:cond delay="0"/>
+                                          </p:stCondLst>
+                                        </p:cTn>
+                                        <p:tgtEl>
+                                          <p:spTgt spid="3">
+                                            <p:txEl>
+                                              <p:pRg st="4" end="4"/>
+                                            </p:txEl>
+                                          </p:spTgt>
+                                        </p:tgtEl>
+                                        <p:attrNameLst>
+                                          <p:attrName>style.visibility</p:attrName>
+                                        </p:attrNameLst>
+                                      </p:cBhvr>
+                                      <p:to>
+                                        <p:strVal val="visible"/>
+                                      </p:to>
+                                    </p:set>
+                                    <p:anim calcmode="lin" valueType="num">
+                                      <p:cBhvr additive="base">
+                                        <p:cTn id="25" dur="500" fill="hold"/>
+                                        <p:tgtEl>
+                                          <p:spTgt spid="3">
+                                            <p:txEl>
+                                              <p:pRg st="4" end="4"/>
+                                            </p:txEl>
+                                          </p:spTgt>
+                                        </p:tgtEl>
+                                        <p:attrNameLst>
+                                          <p:attrName>ppt_x</p:attrName>
+                                        </p:attrNameLst>
+                                      </p:cBhvr>
+                                      <p:tavLst>
+                                        <p:tav tm="0">
+                                          <p:val>
+                                            <p:strVal val="#ppt_x"/>
+                                          </p:val>
+                                        </p:tav>
+                                        <p:tav tm="100000">
+                                          <p:val>
+                                            <p:strVal val="#ppt_x"/>
+                                          </p:val>
+                                        </p:tav>
+                                      </p:tavLst>
+                                    </p:anim>
+                                    <p:anim calcmode="lin" valueType="num">
+                                      <p:cBhvr additive="base">
+                                        <p:cTn id="26" dur="500" fill="hold"/>
+                                        <p:tgtEl>
+                                          <p:spTgt spid="3">
+                                            <p:txEl>
+                                              <p:pRg st="4" end="4"/>
+                                            </p:txEl>
+                                          </p:spTgt>
+                                        </p:tgtEl>
+                                        <p:attrNameLst>
+                                          <p:attrName>ppt_y</p:attrName>
+                                        </p:attrNameLst>
+                                      </p:cBhvr>
+                                      <p:tavLst>
+                                        <p:tav tm="0">
+                                          <p:val>
+                                            <p:strVal val="1+#ppt_h/2"/>
+                                          </p:val>
+                                        </p:tav>
+                                        <p:tav tm="100000">
+                                          <p:val>
+                                            <p:strVal val="#ppt_y"/>
+                                          </p:val>
+                                        </p:tav>
+                                      </p:tavLst>
+                                    </p:anim>
+                                  </p:childTnLst>
+                                </p:cTn>
+                              </p:par>
+                              <p:par>
+                                <p:cTn id="27" presetID="2" presetClass="entr" presetSubtype="4" fill="hold" grpId="0" nodeType="withEffect">
+                                  <p:stCondLst>
+                                    <p:cond delay="0"/>
+                                  </p:stCondLst>
+                                  <p:childTnLst>
+                                    <p:set>
+                                      <p:cBhvr>
+                                        <p:cTn id="28" dur="1" fill="hold">
+                                          <p:stCondLst>
+                                            <p:cond delay="0"/>
+                                          </p:stCondLst>
+                                        </p:cTn>
+                                        <p:tgtEl>
+                                          <p:spTgt spid="3">
+                                            <p:txEl>
+                                              <p:pRg st="5" end="5"/>
+                                            </p:txEl>
+                                          </p:spTgt>
+                                        </p:tgtEl>
+                                        <p:attrNameLst>
+                                          <p:attrName>style.visibility</p:attrName>
+                                        </p:attrNameLst>
+                                      </p:cBhvr>
+                                      <p:to>
+                                        <p:strVal val="visible"/>
+                                      </p:to>
+                                    </p:set>
+                                    <p:anim calcmode="lin" valueType="num">
+                                      <p:cBhvr additive="base">
+                                        <p:cTn id="29" dur="500" fill="hold"/>
+                                        <p:tgtEl>
+                                          <p:spTgt spid="3">
+                                            <p:txEl>
+                                              <p:pRg st="5" end="5"/>
+                                            </p:txEl>
+                                          </p:spTgt>
+                                        </p:tgtEl>
+                                        <p:attrNameLst>
+                                          <p:attrName>ppt_x</p:attrName>
+                                        </p:attrNameLst>
+                                      </p:cBhvr>
+                                      <p:tavLst>
+                                        <p:tav tm="0">
+                                          <p:val>
+                                            <p:strVal val="#ppt_x"/>
+                                          </p:val>
+                                        </p:tav>
+                                        <p:tav tm="100000">
+                                          <p:val>
+                                            <p:strVal val="#ppt_x"/>
+                                          </p:val>
+                                        </p:tav>
+                                      </p:tavLst>
+                                    </p:anim>
+                                    <p:anim calcmode="lin" valueType="num">
+                                      <p:cBhvr additive="base">
+                                        <p:cTn id="30" dur="500" fill="hold"/>
+                                        <p:tgtEl>
+                                          <p:spTgt spid="3">
+                                            <p:txEl>
+                                              <p:pRg st="5" end="5"/>
+                                            </p:txEl>
+                                          </p:spTgt>
+                                        </p:tgtEl>
+                                        <p:attrNameLst>
+                                          <p:attrName>ppt_y</p:attrName>
+                                        </p:attrNameLst>
+                                      </p:cBhvr>
+                                      <p:tavLst>
+                                        <p:tav tm="0">
+                                          <p:val>
+                                            <p:strVal val="1+#ppt_h/2"/>
+                                          </p:val>
+                                        </p:tav>
+                                        <p:tav tm="100000">
+                                          <p:val>
+                                            <p:strVal val="#ppt_y"/>
+                                          </p:val>
+                                        </p:tav>
+                                      </p:tavLst>
+                                    </p:anim>
+                                  </p:childTnLst>
+                                </p:cTn>
+                              </p:par>
+                              <p:par>
+                                <p:cTn id="31" presetID="2" presetClass="entr" presetSubtype="4" fill="hold" grpId="0" nodeType="withEffect">
+                                  <p:stCondLst>
+                                    <p:cond delay="0"/>
+                                  </p:stCondLst>
+                                  <p:childTnLst>
+                                    <p:set>
+                                      <p:cBhvr>
+                                        <p:cTn id="32" dur="1" fill="hold">
+                                          <p:stCondLst>
+                                            <p:cond delay="0"/>
+                                          </p:stCondLst>
+                                        </p:cTn>
+                                        <p:tgtEl>
+                                          <p:spTgt spid="3">
+                                            <p:txEl>
+                                              <p:pRg st="6" end="6"/>
+                                            </p:txEl>
+                                          </p:spTgt>
+                                        </p:tgtEl>
+                                        <p:attrNameLst>
+                                          <p:attrName>style.visibility</p:attrName>
+                                        </p:attrNameLst>
+                                      </p:cBhvr>
+                                      <p:to>
+                                        <p:strVal val="visible"/>
+                                      </p:to>
+                                    </p:set>
+                                    <p:anim calcmode="lin" valueType="num">
+                                      <p:cBhvr additive="base">
+                                        <p:cTn id="33" dur="500" fill="hold"/>
+                                        <p:tgtEl>
+                                          <p:spTgt spid="3">
+                                            <p:txEl>
+                                              <p:pRg st="6" end="6"/>
+                                            </p:txEl>
+                                          </p:spTgt>
+                                        </p:tgtEl>
+                                        <p:attrNameLst>
+                                          <p:attrName>ppt_x</p:attrName>
+                                        </p:attrNameLst>
+                                      </p:cBhvr>
+                                      <p:tavLst>
+                                        <p:tav tm="0">
+                                          <p:val>
+                                            <p:strVal val="#ppt_x"/>
+                                          </p:val>
+                                        </p:tav>
+                                        <p:tav tm="100000">
+                                          <p:val>
+                                            <p:strVal val="#ppt_x"/>
+                                          </p:val>
+                                        </p:tav>
+                                      </p:tavLst>
+                                    </p:anim>
+                                    <p:anim calcmode="lin" valueType="num">
+                                      <p:cBhvr additive="base">
+                                        <p:cTn id="34" dur="500" fill="hold"/>
+                                        <p:tgtEl>
+                                          <p:spTgt spid="3">
+                                            <p:txEl>
+                                              <p:pRg st="6" end="6"/>
+                                            </p:txEl>
+                                          </p:spTgt>
+                                        </p:tgtEl>
+                                        <p:attrNameLst>
+                                          <p:attrName>ppt_y</p:attrName>
+                                        </p:attrNameLst>
+                                      </p:cBhvr>
+                                      <p:tavLst>
+                                        <p:tav tm="0">
+                                          <p:val>
+                                            <p:strVal val="1+#ppt_h/2"/>
+                                          </p:val>
+                                        </p:tav>
+                                        <p:tav tm="100000">
+                                          <p:val>
+                                            <p:strVal val="#ppt_y"/>
+                                          </p:val>
+                                        </p:tav>
+                                      </p:tavLst>
+                                    </p:anim>
+                                  </p:childTnLst>
+                                </p:cTn>
+                              </p:par>
+                              <p:par>
+                                <p:cTn id="35" presetID="2" presetClass="entr" presetSubtype="4" fill="hold" grpId="0" nodeType="withEffect">
+                                  <p:stCondLst>
+                                    <p:cond delay="0"/>
+                                  </p:stCondLst>
+                                  <p:childTnLst>
+                                    <p:set>
+                                      <p:cBhvr>
+                                        <p:cTn id="36" dur="1" fill="hold">
+                                          <p:stCondLst>
+                                            <p:cond delay="0"/>
+                                          </p:stCondLst>
+                                        </p:cTn>
+                                        <p:tgtEl>
+                                          <p:spTgt spid="3">
+                                            <p:txEl>
+                                              <p:pRg st="7" end="7"/>
+                                            </p:txEl>
+                                          </p:spTgt>
+                                        </p:tgtEl>
+                                        <p:attrNameLst>
+                                          <p:attrName>style.visibility</p:attrName>
+                                        </p:attrNameLst>
+                                      </p:cBhvr>
+                                      <p:to>
+                                        <p:strVal val="visible"/>
+                                      </p:to>
+                                    </p:set>
+                                    <p:anim calcmode="lin" valueType="num">
+                                      <p:cBhvr additive="base">
+                                        <p:cTn id="37" dur="500" fill="hold"/>
+                                        <p:tgtEl>
+                                          <p:spTgt spid="3">
+                                            <p:txEl>
+                                              <p:pRg st="7" end="7"/>
+                                            </p:txEl>
+                                          </p:spTgt>
+                                        </p:tgtEl>
+                                        <p:attrNameLst>
+                                          <p:attrName>ppt_x</p:attrName>
+                                        </p:attrNameLst>
+                                      </p:cBhvr>
+                                      <p:tavLst>
+                                        <p:tav tm="0">
+                                          <p:val>
+                                            <p:strVal val="#ppt_x"/>
+                                          </p:val>
+                                        </p:tav>
+                                        <p:tav tm="100000">
+                                          <p:val>
+                                            <p:strVal val="#ppt_x"/>
+                                          </p:val>
+                                        </p:tav>
+                                      </p:tavLst>
+                                    </p:anim>
+                                    <p:anim calcmode="lin" valueType="num">
+                                      <p:cBhvr additive="base">
+                                        <p:cTn id="38" dur="500" fill="hold"/>
+                                        <p:tgtEl>
+                                          <p:spTgt spid="3">
+                                            <p:txEl>
+                                              <p:pRg st="7" end="7"/>
+                                            </p:txEl>
+                                          </p:spTgt>
+                                        </p:tgtEl>
+                                        <p:attrNameLst>
+                                          <p:attrName>ppt_y</p:attrName>
+                                        </p:attrNameLst>
+                                      </p:cBhvr>
+                                      <p:tavLst>
+                                        <p:tav tm="0">
+                                          <p:val>
+                                            <p:strVal val="1+#ppt_h/2"/>
+                                          </p:val>
+                                        </p:tav>
+                                        <p:tav tm="100000">
+                                          <p:val>
+                                            <p:strVal val="#ppt_y"/>
+                                          </p:val>
+                                        </p:tav>
+                                      </p:tavLst>
+                                    </p:anim>
+                                  </p:childTnLst>
+                                </p:cTn>
+                              </p:par>
+                            </p:childTnLst>
+                          </p:cTn>
+                        </p:par>
+                      </p:childTnLst>
+                    </p:cTn>
+                  </p:par>
+                  <p:par>
+                    <p:cTn id="39" fill="hold">
+                      <p:stCondLst>
+                        <p:cond delay="indefinite"/>
+                      </p:stCondLst>
+                      <p:childTnLst>
+                        <p:par>
+                          <p:cTn id="40" fill="hold">
+                            <p:stCondLst>
+                              <p:cond delay="0"/>
+                            </p:stCondLst>
+                            <p:childTnLst>
+                              <p:par>
+                                <p:cTn id="41" presetID="2" presetClass="entr" presetSubtype="4" fill="hold" grpId="0" nodeType="clickEffect">
+                                  <p:stCondLst>
+                                    <p:cond delay="0"/>
+                                  </p:stCondLst>
+                                  <p:childTnLst>
+                                    <p:set>
+                                      <p:cBhvr>
+                                        <p:cTn id="42" dur="1" fill="hold">
+                                          <p:stCondLst>
+                                            <p:cond delay="0"/>
+                                          </p:stCondLst>
+                                        </p:cTn>
+                                        <p:tgtEl>
+                                          <p:spTgt spid="3">
+                                            <p:txEl>
+                                              <p:pRg st="8" end="8"/>
+                                            </p:txEl>
+                                          </p:spTgt>
+                                        </p:tgtEl>
+                                        <p:attrNameLst>
+                                          <p:attrName>style.visibility</p:attrName>
+                                        </p:attrNameLst>
+                                      </p:cBhvr>
+                                      <p:to>
+                                        <p:strVal val="visible"/>
+                                      </p:to>
+                                    </p:set>
+                                    <p:anim calcmode="lin" valueType="num">
+                                      <p:cBhvr additive="base">
+                                        <p:cTn id="43" dur="500" fill="hold"/>
+                                        <p:tgtEl>
+                                          <p:spTgt spid="3">
+                                            <p:txEl>
+                                              <p:pRg st="8" end="8"/>
+                                            </p:txEl>
+                                          </p:spTgt>
+                                        </p:tgtEl>
+                                        <p:attrNameLst>
+                                          <p:attrName>ppt_x</p:attrName>
+                                        </p:attrNameLst>
+                                      </p:cBhvr>
+                                      <p:tavLst>
+                                        <p:tav tm="0">
+                                          <p:val>
+                                            <p:strVal val="#ppt_x"/>
+                                          </p:val>
+                                        </p:tav>
+                                        <p:tav tm="100000">
+                                          <p:val>
+                                            <p:strVal val="#ppt_x"/>
+                                          </p:val>
+                                        </p:tav>
+                                      </p:tavLst>
+                                    </p:anim>
+                                    <p:anim calcmode="lin" valueType="num">
+                                      <p:cBhvr additive="base">
+                                        <p:cTn id="44" dur="500" fill="hold"/>
+                                        <p:tgtEl>
+                                          <p:spTgt spid="3">
+                                            <p:txEl>
+                                              <p:pRg st="8" end="8"/>
+                                            </p:txEl>
+                                          </p:spTgt>
+                                        </p:tgtEl>
+                                        <p:attrNameLst>
+                                          <p:attrName>ppt_y</p:attrName>
+                                        </p:attrNameLst>
+                                      </p:cBhvr>
+                                      <p:tavLst>
+                                        <p:tav tm="0">
+                                          <p:val>
+                                            <p:strVal val="1+#ppt_h/2"/>
+                                          </p:val>
+                                        </p:tav>
+                                        <p:tav tm="100000">
+                                          <p:val>
+                                            <p:strVal val="#ppt_y"/>
+                                          </p:val>
+                                        </p:tav>
+                                      </p:tavLst>
+                                    </p:anim>
+                                  </p:childTnLst>
+                                </p:cTn>
+                              </p:par>
+                            </p:childTnLst>
+                          </p:cTn>
+                        </p:par>
+                      </p:childTnLst>
+                    </p:cTn>
+                  </p:par>
+                </p:childTnLst>
+              </p:cTn>
+              <p:prevCondLst>
+                <p:cond evt="onPrev" delay="0">
+                  <p:tgtEl>
+                    <p:sldTgt/>
+                  </p:tgtEl>
+                </p:cond>
+              </p:prevCondLst>
+              <p:nextCondLst>
+                <p:cond evt="onNext" delay="0">
+                  <p:tgtEl>
+                    <p:sldTgt/>
+                  </p:tgtEl>
+                </p:cond>
+              </p:nextCondLst>
+            </p:seq>
+          </p:childTnLst>
+        </p:cTn>
       </p:par>
     </p:tnLst>
+    <p:bldLst>
+      <p:bldP spid="3" grpId="0" build="p"/>
+    </p:bldLst>
   </p:timing>
 </p:sld>
 </file>
@@ -13424,219 +14269,9 @@
   <p:timing>
     <p:tnLst>
       <p:par>
-        <p:cTn id="1" dur="indefinite" restart="never" nodeType="tmRoot">
-          <p:childTnLst>
-            <p:seq concurrent="1" nextAc="seek">
-              <p:cTn id="2" dur="indefinite" nodeType="mainSeq">
-                <p:childTnLst>
-                  <p:par>
-                    <p:cTn id="3" fill="hold">
-                      <p:stCondLst>
-                        <p:cond delay="indefinite"/>
-                      </p:stCondLst>
-                      <p:childTnLst>
-                        <p:par>
-                          <p:cTn id="4" fill="hold">
-                            <p:stCondLst>
-                              <p:cond delay="0"/>
-                            </p:stCondLst>
-                            <p:childTnLst>
-                              <p:par>
-                                <p:cTn id="5" presetID="2" presetClass="entr" presetSubtype="4" fill="hold" grpId="0" nodeType="clickEffect">
-                                  <p:stCondLst>
-                                    <p:cond delay="0"/>
-                                  </p:stCondLst>
-                                  <p:childTnLst>
-                                    <p:set>
-                                      <p:cBhvr>
-                                        <p:cTn id="6" dur="1" fill="hold">
-                                          <p:stCondLst>
-                                            <p:cond delay="0"/>
-                                          </p:stCondLst>
-                                        </p:cTn>
-                                        <p:tgtEl>
-                                          <p:spTgt spid="7"/>
-                                        </p:tgtEl>
-                                        <p:attrNameLst>
-                                          <p:attrName>style.visibility</p:attrName>
-                                        </p:attrNameLst>
-                                      </p:cBhvr>
-                                      <p:to>
-                                        <p:strVal val="visible"/>
-                                      </p:to>
-                                    </p:set>
-                                    <p:anim calcmode="lin" valueType="num">
-                                      <p:cBhvr additive="base">
-                                        <p:cTn id="7" dur="500" fill="hold"/>
-                                        <p:tgtEl>
-                                          <p:spTgt spid="7"/>
-                                        </p:tgtEl>
-                                        <p:attrNameLst>
-                                          <p:attrName>ppt_x</p:attrName>
-                                        </p:attrNameLst>
-                                      </p:cBhvr>
-                                      <p:tavLst>
-                                        <p:tav tm="0">
-                                          <p:val>
-                                            <p:strVal val="#ppt_x"/>
-                                          </p:val>
-                                        </p:tav>
-                                        <p:tav tm="100000">
-                                          <p:val>
-                                            <p:strVal val="#ppt_x"/>
-                                          </p:val>
-                                        </p:tav>
-                                      </p:tavLst>
-                                    </p:anim>
-                                    <p:anim calcmode="lin" valueType="num">
-                                      <p:cBhvr additive="base">
-                                        <p:cTn id="8" dur="500" fill="hold"/>
-                                        <p:tgtEl>
-                                          <p:spTgt spid="7"/>
-                                        </p:tgtEl>
-                                        <p:attrNameLst>
-                                          <p:attrName>ppt_y</p:attrName>
-                                        </p:attrNameLst>
-                                      </p:cBhvr>
-                                      <p:tavLst>
-                                        <p:tav tm="0">
-                                          <p:val>
-                                            <p:strVal val="1+#ppt_h/2"/>
-                                          </p:val>
-                                        </p:tav>
-                                        <p:tav tm="100000">
-                                          <p:val>
-                                            <p:strVal val="#ppt_y"/>
-                                          </p:val>
-                                        </p:tav>
-                                      </p:tavLst>
-                                    </p:anim>
-                                  </p:childTnLst>
-                                </p:cTn>
-                              </p:par>
-                            </p:childTnLst>
-                          </p:cTn>
-                        </p:par>
-                      </p:childTnLst>
-                    </p:cTn>
-                  </p:par>
-                  <p:par>
-                    <p:cTn id="9" fill="hold">
-                      <p:stCondLst>
-                        <p:cond delay="indefinite"/>
-                      </p:stCondLst>
-                      <p:childTnLst>
-                        <p:par>
-                          <p:cTn id="10" fill="hold">
-                            <p:stCondLst>
-                              <p:cond delay="0"/>
-                            </p:stCondLst>
-                            <p:childTnLst>
-                              <p:par>
-                                <p:cTn id="11" presetID="2" presetClass="entr" presetSubtype="4" fill="hold" nodeType="clickEffect">
-                                  <p:stCondLst>
-                                    <p:cond delay="0"/>
-                                  </p:stCondLst>
-                                  <p:childTnLst>
-                                    <p:set>
-                                      <p:cBhvr>
-                                        <p:cTn id="12" dur="1" fill="hold">
-                                          <p:stCondLst>
-                                            <p:cond delay="0"/>
-                                          </p:stCondLst>
-                                        </p:cTn>
-                                        <p:tgtEl>
-                                          <p:spTgt spid="8"/>
-                                        </p:tgtEl>
-                                        <p:attrNameLst>
-                                          <p:attrName>style.visibility</p:attrName>
-                                        </p:attrNameLst>
-                                      </p:cBhvr>
-                                      <p:to>
-                                        <p:strVal val="visible"/>
-                                      </p:to>
-                                    </p:set>
-                                    <p:anim calcmode="lin" valueType="num">
-                                      <p:cBhvr additive="base">
-                                        <p:cTn id="13" dur="500" fill="hold"/>
-                                        <p:tgtEl>
-                                          <p:spTgt spid="8"/>
-                                        </p:tgtEl>
-                                        <p:attrNameLst>
-                                          <p:attrName>ppt_x</p:attrName>
-                                        </p:attrNameLst>
-                                      </p:cBhvr>
-                                      <p:tavLst>
-                                        <p:tav tm="0">
-                                          <p:val>
-                                            <p:strVal val="#ppt_x"/>
-                                          </p:val>
-                                        </p:tav>
-                                        <p:tav tm="100000">
-                                          <p:val>
-                                            <p:strVal val="#ppt_x"/>
-                                          </p:val>
-                                        </p:tav>
-                                      </p:tavLst>
-                                    </p:anim>
-                                    <p:anim calcmode="lin" valueType="num">
-                                      <p:cBhvr additive="base">
-                                        <p:cTn id="14" dur="500" fill="hold"/>
-                                        <p:tgtEl>
-                                          <p:spTgt spid="8"/>
-                                        </p:tgtEl>
-                                        <p:attrNameLst>
-                                          <p:attrName>ppt_y</p:attrName>
-                                        </p:attrNameLst>
-                                      </p:cBhvr>
-                                      <p:tavLst>
-                                        <p:tav tm="0">
-                                          <p:val>
-                                            <p:strVal val="1+#ppt_h/2"/>
-                                          </p:val>
-                                        </p:tav>
-                                        <p:tav tm="100000">
-                                          <p:val>
-                                            <p:strVal val="#ppt_y"/>
-                                          </p:val>
-                                        </p:tav>
-                                      </p:tavLst>
-                                    </p:anim>
-                                  </p:childTnLst>
-                                </p:cTn>
-                              </p:par>
-                            </p:childTnLst>
-                          </p:cTn>
-                        </p:par>
-                      </p:childTnLst>
-                    </p:cTn>
-                  </p:par>
-                </p:childTnLst>
-              </p:cTn>
-              <p:prevCondLst>
-                <p:cond evt="onPrev" delay="0">
-                  <p:tgtEl>
-                    <p:sldTgt/>
-                  </p:tgtEl>
-                </p:cond>
-              </p:prevCondLst>
-              <p:nextCondLst>
-                <p:cond evt="onNext" delay="0">
-                  <p:tgtEl>
-                    <p:sldTgt/>
-                  </p:tgtEl>
-                </p:cond>
-              </p:nextCondLst>
-            </p:seq>
-          </p:childTnLst>
-        </p:cTn>
+        <p:cTn id="1" dur="indefinite" restart="never" nodeType="tmRoot"/>
       </p:par>
     </p:tnLst>
-    <p:bldLst>
-      <p:bldGraphic spid="7" grpId="0">
-        <p:bldAsOne/>
-      </p:bldGraphic>
-    </p:bldLst>
   </p:timing>
 </p:sld>
 </file>
@@ -16478,9 +17113,617 @@
   <p:timing>
     <p:tnLst>
       <p:par>
-        <p:cTn id="1" dur="indefinite" restart="never" nodeType="tmRoot"/>
+        <p:cTn id="1" dur="indefinite" restart="never" nodeType="tmRoot">
+          <p:childTnLst>
+            <p:seq concurrent="1" nextAc="seek">
+              <p:cTn id="2" dur="indefinite" nodeType="mainSeq">
+                <p:childTnLst>
+                  <p:par>
+                    <p:cTn id="3" fill="hold">
+                      <p:stCondLst>
+                        <p:cond delay="indefinite"/>
+                      </p:stCondLst>
+                      <p:childTnLst>
+                        <p:par>
+                          <p:cTn id="4" fill="hold">
+                            <p:stCondLst>
+                              <p:cond delay="0"/>
+                            </p:stCondLst>
+                            <p:childTnLst>
+                              <p:par>
+                                <p:cTn id="5" presetID="2" presetClass="entr" presetSubtype="4" fill="hold" grpId="0" nodeType="clickEffect">
+                                  <p:stCondLst>
+                                    <p:cond delay="0"/>
+                                  </p:stCondLst>
+                                  <p:childTnLst>
+                                    <p:set>
+                                      <p:cBhvr>
+                                        <p:cTn id="6" dur="1" fill="hold">
+                                          <p:stCondLst>
+                                            <p:cond delay="0"/>
+                                          </p:stCondLst>
+                                        </p:cTn>
+                                        <p:tgtEl>
+                                          <p:spTgt spid="3">
+                                            <p:txEl>
+                                              <p:pRg st="0" end="0"/>
+                                            </p:txEl>
+                                          </p:spTgt>
+                                        </p:tgtEl>
+                                        <p:attrNameLst>
+                                          <p:attrName>style.visibility</p:attrName>
+                                        </p:attrNameLst>
+                                      </p:cBhvr>
+                                      <p:to>
+                                        <p:strVal val="visible"/>
+                                      </p:to>
+                                    </p:set>
+                                    <p:anim calcmode="lin" valueType="num">
+                                      <p:cBhvr additive="base">
+                                        <p:cTn id="7" dur="500" fill="hold"/>
+                                        <p:tgtEl>
+                                          <p:spTgt spid="3">
+                                            <p:txEl>
+                                              <p:pRg st="0" end="0"/>
+                                            </p:txEl>
+                                          </p:spTgt>
+                                        </p:tgtEl>
+                                        <p:attrNameLst>
+                                          <p:attrName>ppt_x</p:attrName>
+                                        </p:attrNameLst>
+                                      </p:cBhvr>
+                                      <p:tavLst>
+                                        <p:tav tm="0">
+                                          <p:val>
+                                            <p:strVal val="#ppt_x"/>
+                                          </p:val>
+                                        </p:tav>
+                                        <p:tav tm="100000">
+                                          <p:val>
+                                            <p:strVal val="#ppt_x"/>
+                                          </p:val>
+                                        </p:tav>
+                                      </p:tavLst>
+                                    </p:anim>
+                                    <p:anim calcmode="lin" valueType="num">
+                                      <p:cBhvr additive="base">
+                                        <p:cTn id="8" dur="500" fill="hold"/>
+                                        <p:tgtEl>
+                                          <p:spTgt spid="3">
+                                            <p:txEl>
+                                              <p:pRg st="0" end="0"/>
+                                            </p:txEl>
+                                          </p:spTgt>
+                                        </p:tgtEl>
+                                        <p:attrNameLst>
+                                          <p:attrName>ppt_y</p:attrName>
+                                        </p:attrNameLst>
+                                      </p:cBhvr>
+                                      <p:tavLst>
+                                        <p:tav tm="0">
+                                          <p:val>
+                                            <p:strVal val="1+#ppt_h/2"/>
+                                          </p:val>
+                                        </p:tav>
+                                        <p:tav tm="100000">
+                                          <p:val>
+                                            <p:strVal val="#ppt_y"/>
+                                          </p:val>
+                                        </p:tav>
+                                      </p:tavLst>
+                                    </p:anim>
+                                  </p:childTnLst>
+                                </p:cTn>
+                              </p:par>
+                              <p:par>
+                                <p:cTn id="9" presetID="2" presetClass="entr" presetSubtype="4" fill="hold" grpId="0" nodeType="withEffect">
+                                  <p:stCondLst>
+                                    <p:cond delay="0"/>
+                                  </p:stCondLst>
+                                  <p:childTnLst>
+                                    <p:set>
+                                      <p:cBhvr>
+                                        <p:cTn id="10" dur="1" fill="hold">
+                                          <p:stCondLst>
+                                            <p:cond delay="0"/>
+                                          </p:stCondLst>
+                                        </p:cTn>
+                                        <p:tgtEl>
+                                          <p:spTgt spid="3">
+                                            <p:txEl>
+                                              <p:pRg st="1" end="1"/>
+                                            </p:txEl>
+                                          </p:spTgt>
+                                        </p:tgtEl>
+                                        <p:attrNameLst>
+                                          <p:attrName>style.visibility</p:attrName>
+                                        </p:attrNameLst>
+                                      </p:cBhvr>
+                                      <p:to>
+                                        <p:strVal val="visible"/>
+                                      </p:to>
+                                    </p:set>
+                                    <p:anim calcmode="lin" valueType="num">
+                                      <p:cBhvr additive="base">
+                                        <p:cTn id="11" dur="500" fill="hold"/>
+                                        <p:tgtEl>
+                                          <p:spTgt spid="3">
+                                            <p:txEl>
+                                              <p:pRg st="1" end="1"/>
+                                            </p:txEl>
+                                          </p:spTgt>
+                                        </p:tgtEl>
+                                        <p:attrNameLst>
+                                          <p:attrName>ppt_x</p:attrName>
+                                        </p:attrNameLst>
+                                      </p:cBhvr>
+                                      <p:tavLst>
+                                        <p:tav tm="0">
+                                          <p:val>
+                                            <p:strVal val="#ppt_x"/>
+                                          </p:val>
+                                        </p:tav>
+                                        <p:tav tm="100000">
+                                          <p:val>
+                                            <p:strVal val="#ppt_x"/>
+                                          </p:val>
+                                        </p:tav>
+                                      </p:tavLst>
+                                    </p:anim>
+                                    <p:anim calcmode="lin" valueType="num">
+                                      <p:cBhvr additive="base">
+                                        <p:cTn id="12" dur="500" fill="hold"/>
+                                        <p:tgtEl>
+                                          <p:spTgt spid="3">
+                                            <p:txEl>
+                                              <p:pRg st="1" end="1"/>
+                                            </p:txEl>
+                                          </p:spTgt>
+                                        </p:tgtEl>
+                                        <p:attrNameLst>
+                                          <p:attrName>ppt_y</p:attrName>
+                                        </p:attrNameLst>
+                                      </p:cBhvr>
+                                      <p:tavLst>
+                                        <p:tav tm="0">
+                                          <p:val>
+                                            <p:strVal val="1+#ppt_h/2"/>
+                                          </p:val>
+                                        </p:tav>
+                                        <p:tav tm="100000">
+                                          <p:val>
+                                            <p:strVal val="#ppt_y"/>
+                                          </p:val>
+                                        </p:tav>
+                                      </p:tavLst>
+                                    </p:anim>
+                                  </p:childTnLst>
+                                </p:cTn>
+                              </p:par>
+                              <p:par>
+                                <p:cTn id="13" presetID="2" presetClass="entr" presetSubtype="4" fill="hold" grpId="0" nodeType="withEffect">
+                                  <p:stCondLst>
+                                    <p:cond delay="0"/>
+                                  </p:stCondLst>
+                                  <p:childTnLst>
+                                    <p:set>
+                                      <p:cBhvr>
+                                        <p:cTn id="14" dur="1" fill="hold">
+                                          <p:stCondLst>
+                                            <p:cond delay="0"/>
+                                          </p:stCondLst>
+                                        </p:cTn>
+                                        <p:tgtEl>
+                                          <p:spTgt spid="3">
+                                            <p:txEl>
+                                              <p:pRg st="2" end="2"/>
+                                            </p:txEl>
+                                          </p:spTgt>
+                                        </p:tgtEl>
+                                        <p:attrNameLst>
+                                          <p:attrName>style.visibility</p:attrName>
+                                        </p:attrNameLst>
+                                      </p:cBhvr>
+                                      <p:to>
+                                        <p:strVal val="visible"/>
+                                      </p:to>
+                                    </p:set>
+                                    <p:anim calcmode="lin" valueType="num">
+                                      <p:cBhvr additive="base">
+                                        <p:cTn id="15" dur="500" fill="hold"/>
+                                        <p:tgtEl>
+                                          <p:spTgt spid="3">
+                                            <p:txEl>
+                                              <p:pRg st="2" end="2"/>
+                                            </p:txEl>
+                                          </p:spTgt>
+                                        </p:tgtEl>
+                                        <p:attrNameLst>
+                                          <p:attrName>ppt_x</p:attrName>
+                                        </p:attrNameLst>
+                                      </p:cBhvr>
+                                      <p:tavLst>
+                                        <p:tav tm="0">
+                                          <p:val>
+                                            <p:strVal val="#ppt_x"/>
+                                          </p:val>
+                                        </p:tav>
+                                        <p:tav tm="100000">
+                                          <p:val>
+                                            <p:strVal val="#ppt_x"/>
+                                          </p:val>
+                                        </p:tav>
+                                      </p:tavLst>
+                                    </p:anim>
+                                    <p:anim calcmode="lin" valueType="num">
+                                      <p:cBhvr additive="base">
+                                        <p:cTn id="16" dur="500" fill="hold"/>
+                                        <p:tgtEl>
+                                          <p:spTgt spid="3">
+                                            <p:txEl>
+                                              <p:pRg st="2" end="2"/>
+                                            </p:txEl>
+                                          </p:spTgt>
+                                        </p:tgtEl>
+                                        <p:attrNameLst>
+                                          <p:attrName>ppt_y</p:attrName>
+                                        </p:attrNameLst>
+                                      </p:cBhvr>
+                                      <p:tavLst>
+                                        <p:tav tm="0">
+                                          <p:val>
+                                            <p:strVal val="1+#ppt_h/2"/>
+                                          </p:val>
+                                        </p:tav>
+                                        <p:tav tm="100000">
+                                          <p:val>
+                                            <p:strVal val="#ppt_y"/>
+                                          </p:val>
+                                        </p:tav>
+                                      </p:tavLst>
+                                    </p:anim>
+                                  </p:childTnLst>
+                                </p:cTn>
+                              </p:par>
+                            </p:childTnLst>
+                          </p:cTn>
+                        </p:par>
+                      </p:childTnLst>
+                    </p:cTn>
+                  </p:par>
+                  <p:par>
+                    <p:cTn id="17" fill="hold">
+                      <p:stCondLst>
+                        <p:cond delay="indefinite"/>
+                      </p:stCondLst>
+                      <p:childTnLst>
+                        <p:par>
+                          <p:cTn id="18" fill="hold">
+                            <p:stCondLst>
+                              <p:cond delay="0"/>
+                            </p:stCondLst>
+                            <p:childTnLst>
+                              <p:par>
+                                <p:cTn id="19" presetID="2" presetClass="entr" presetSubtype="4" fill="hold" grpId="0" nodeType="clickEffect">
+                                  <p:stCondLst>
+                                    <p:cond delay="0"/>
+                                  </p:stCondLst>
+                                  <p:childTnLst>
+                                    <p:set>
+                                      <p:cBhvr>
+                                        <p:cTn id="20" dur="1" fill="hold">
+                                          <p:stCondLst>
+                                            <p:cond delay="0"/>
+                                          </p:stCondLst>
+                                        </p:cTn>
+                                        <p:tgtEl>
+                                          <p:spTgt spid="3">
+                                            <p:txEl>
+                                              <p:pRg st="3" end="3"/>
+                                            </p:txEl>
+                                          </p:spTgt>
+                                        </p:tgtEl>
+                                        <p:attrNameLst>
+                                          <p:attrName>style.visibility</p:attrName>
+                                        </p:attrNameLst>
+                                      </p:cBhvr>
+                                      <p:to>
+                                        <p:strVal val="visible"/>
+                                      </p:to>
+                                    </p:set>
+                                    <p:anim calcmode="lin" valueType="num">
+                                      <p:cBhvr additive="base">
+                                        <p:cTn id="21" dur="500" fill="hold"/>
+                                        <p:tgtEl>
+                                          <p:spTgt spid="3">
+                                            <p:txEl>
+                                              <p:pRg st="3" end="3"/>
+                                            </p:txEl>
+                                          </p:spTgt>
+                                        </p:tgtEl>
+                                        <p:attrNameLst>
+                                          <p:attrName>ppt_x</p:attrName>
+                                        </p:attrNameLst>
+                                      </p:cBhvr>
+                                      <p:tavLst>
+                                        <p:tav tm="0">
+                                          <p:val>
+                                            <p:strVal val="#ppt_x"/>
+                                          </p:val>
+                                        </p:tav>
+                                        <p:tav tm="100000">
+                                          <p:val>
+                                            <p:strVal val="#ppt_x"/>
+                                          </p:val>
+                                        </p:tav>
+                                      </p:tavLst>
+                                    </p:anim>
+                                    <p:anim calcmode="lin" valueType="num">
+                                      <p:cBhvr additive="base">
+                                        <p:cTn id="22" dur="500" fill="hold"/>
+                                        <p:tgtEl>
+                                          <p:spTgt spid="3">
+                                            <p:txEl>
+                                              <p:pRg st="3" end="3"/>
+                                            </p:txEl>
+                                          </p:spTgt>
+                                        </p:tgtEl>
+                                        <p:attrNameLst>
+                                          <p:attrName>ppt_y</p:attrName>
+                                        </p:attrNameLst>
+                                      </p:cBhvr>
+                                      <p:tavLst>
+                                        <p:tav tm="0">
+                                          <p:val>
+                                            <p:strVal val="1+#ppt_h/2"/>
+                                          </p:val>
+                                        </p:tav>
+                                        <p:tav tm="100000">
+                                          <p:val>
+                                            <p:strVal val="#ppt_y"/>
+                                          </p:val>
+                                        </p:tav>
+                                      </p:tavLst>
+                                    </p:anim>
+                                  </p:childTnLst>
+                                </p:cTn>
+                              </p:par>
+                            </p:childTnLst>
+                          </p:cTn>
+                        </p:par>
+                      </p:childTnLst>
+                    </p:cTn>
+                  </p:par>
+                  <p:par>
+                    <p:cTn id="23" fill="hold">
+                      <p:stCondLst>
+                        <p:cond delay="indefinite"/>
+                      </p:stCondLst>
+                      <p:childTnLst>
+                        <p:par>
+                          <p:cTn id="24" fill="hold">
+                            <p:stCondLst>
+                              <p:cond delay="0"/>
+                            </p:stCondLst>
+                            <p:childTnLst>
+                              <p:par>
+                                <p:cTn id="25" presetID="2" presetClass="entr" presetSubtype="4" fill="hold" grpId="0" nodeType="clickEffect">
+                                  <p:stCondLst>
+                                    <p:cond delay="0"/>
+                                  </p:stCondLst>
+                                  <p:childTnLst>
+                                    <p:set>
+                                      <p:cBhvr>
+                                        <p:cTn id="26" dur="1" fill="hold">
+                                          <p:stCondLst>
+                                            <p:cond delay="0"/>
+                                          </p:stCondLst>
+                                        </p:cTn>
+                                        <p:tgtEl>
+                                          <p:spTgt spid="3">
+                                            <p:txEl>
+                                              <p:pRg st="4" end="4"/>
+                                            </p:txEl>
+                                          </p:spTgt>
+                                        </p:tgtEl>
+                                        <p:attrNameLst>
+                                          <p:attrName>style.visibility</p:attrName>
+                                        </p:attrNameLst>
+                                      </p:cBhvr>
+                                      <p:to>
+                                        <p:strVal val="visible"/>
+                                      </p:to>
+                                    </p:set>
+                                    <p:anim calcmode="lin" valueType="num">
+                                      <p:cBhvr additive="base">
+                                        <p:cTn id="27" dur="500" fill="hold"/>
+                                        <p:tgtEl>
+                                          <p:spTgt spid="3">
+                                            <p:txEl>
+                                              <p:pRg st="4" end="4"/>
+                                            </p:txEl>
+                                          </p:spTgt>
+                                        </p:tgtEl>
+                                        <p:attrNameLst>
+                                          <p:attrName>ppt_x</p:attrName>
+                                        </p:attrNameLst>
+                                      </p:cBhvr>
+                                      <p:tavLst>
+                                        <p:tav tm="0">
+                                          <p:val>
+                                            <p:strVal val="#ppt_x"/>
+                                          </p:val>
+                                        </p:tav>
+                                        <p:tav tm="100000">
+                                          <p:val>
+                                            <p:strVal val="#ppt_x"/>
+                                          </p:val>
+                                        </p:tav>
+                                      </p:tavLst>
+                                    </p:anim>
+                                    <p:anim calcmode="lin" valueType="num">
+                                      <p:cBhvr additive="base">
+                                        <p:cTn id="28" dur="500" fill="hold"/>
+                                        <p:tgtEl>
+                                          <p:spTgt spid="3">
+                                            <p:txEl>
+                                              <p:pRg st="4" end="4"/>
+                                            </p:txEl>
+                                          </p:spTgt>
+                                        </p:tgtEl>
+                                        <p:attrNameLst>
+                                          <p:attrName>ppt_y</p:attrName>
+                                        </p:attrNameLst>
+                                      </p:cBhvr>
+                                      <p:tavLst>
+                                        <p:tav tm="0">
+                                          <p:val>
+                                            <p:strVal val="1+#ppt_h/2"/>
+                                          </p:val>
+                                        </p:tav>
+                                        <p:tav tm="100000">
+                                          <p:val>
+                                            <p:strVal val="#ppt_y"/>
+                                          </p:val>
+                                        </p:tav>
+                                      </p:tavLst>
+                                    </p:anim>
+                                  </p:childTnLst>
+                                </p:cTn>
+                              </p:par>
+                            </p:childTnLst>
+                          </p:cTn>
+                        </p:par>
+                      </p:childTnLst>
+                    </p:cTn>
+                  </p:par>
+                  <p:par>
+                    <p:cTn id="29" fill="hold">
+                      <p:stCondLst>
+                        <p:cond delay="indefinite"/>
+                      </p:stCondLst>
+                      <p:childTnLst>
+                        <p:par>
+                          <p:cTn id="30" fill="hold">
+                            <p:stCondLst>
+                              <p:cond delay="0"/>
+                            </p:stCondLst>
+                            <p:childTnLst>
+                              <p:par>
+                                <p:cTn id="31" presetID="2" presetClass="entr" presetSubtype="4" fill="hold" grpId="0" nodeType="clickEffect">
+                                  <p:stCondLst>
+                                    <p:cond delay="0"/>
+                                  </p:stCondLst>
+                                  <p:childTnLst>
+                                    <p:set>
+                                      <p:cBhvr>
+                                        <p:cTn id="32" dur="1" fill="hold">
+                                          <p:stCondLst>
+                                            <p:cond delay="0"/>
+                                          </p:stCondLst>
+                                        </p:cTn>
+                                        <p:tgtEl>
+                                          <p:spTgt spid="3">
+                                            <p:txEl>
+                                              <p:pRg st="5" end="5"/>
+                                            </p:txEl>
+                                          </p:spTgt>
+                                        </p:tgtEl>
+                                        <p:attrNameLst>
+                                          <p:attrName>style.visibility</p:attrName>
+                                        </p:attrNameLst>
+                                      </p:cBhvr>
+                                      <p:to>
+                                        <p:strVal val="visible"/>
+                                      </p:to>
+                                    </p:set>
+                                    <p:anim calcmode="lin" valueType="num">
+                                      <p:cBhvr additive="base">
+                                        <p:cTn id="33" dur="500" fill="hold"/>
+                                        <p:tgtEl>
+                                          <p:spTgt spid="3">
+                                            <p:txEl>
+                                              <p:pRg st="5" end="5"/>
+                                            </p:txEl>
+                                          </p:spTgt>
+                                        </p:tgtEl>
+                                        <p:attrNameLst>
+                                          <p:attrName>ppt_x</p:attrName>
+                                        </p:attrNameLst>
+                                      </p:cBhvr>
+                                      <p:tavLst>
+                                        <p:tav tm="0">
+                                          <p:val>
+                                            <p:strVal val="#ppt_x"/>
+                                          </p:val>
+                                        </p:tav>
+                                        <p:tav tm="100000">
+                                          <p:val>
+                                            <p:strVal val="#ppt_x"/>
+                                          </p:val>
+                                        </p:tav>
+                                      </p:tavLst>
+                                    </p:anim>
+                                    <p:anim calcmode="lin" valueType="num">
+                                      <p:cBhvr additive="base">
+                                        <p:cTn id="34" dur="500" fill="hold"/>
+                                        <p:tgtEl>
+                                          <p:spTgt spid="3">
+                                            <p:txEl>
+                                              <p:pRg st="5" end="5"/>
+                                            </p:txEl>
+                                          </p:spTgt>
+                                        </p:tgtEl>
+                                        <p:attrNameLst>
+                                          <p:attrName>ppt_y</p:attrName>
+                                        </p:attrNameLst>
+                                      </p:cBhvr>
+                                      <p:tavLst>
+                                        <p:tav tm="0">
+                                          <p:val>
+                                            <p:strVal val="1+#ppt_h/2"/>
+                                          </p:val>
+                                        </p:tav>
+                                        <p:tav tm="100000">
+                                          <p:val>
+                                            <p:strVal val="#ppt_y"/>
+                                          </p:val>
+                                        </p:tav>
+                                      </p:tavLst>
+                                    </p:anim>
+                                  </p:childTnLst>
+                                </p:cTn>
+                              </p:par>
+                            </p:childTnLst>
+                          </p:cTn>
+                        </p:par>
+                      </p:childTnLst>
+                    </p:cTn>
+                  </p:par>
+                </p:childTnLst>
+              </p:cTn>
+              <p:prevCondLst>
+                <p:cond evt="onPrev" delay="0">
+                  <p:tgtEl>
+                    <p:sldTgt/>
+                  </p:tgtEl>
+                </p:cond>
+              </p:prevCondLst>
+              <p:nextCondLst>
+                <p:cond evt="onNext" delay="0">
+                  <p:tgtEl>
+                    <p:sldTgt/>
+                  </p:tgtEl>
+                </p:cond>
+              </p:nextCondLst>
+            </p:seq>
+          </p:childTnLst>
+        </p:cTn>
       </p:par>
     </p:tnLst>
+    <p:bldLst>
+      <p:bldP spid="3" grpId="0" build="p"/>
+    </p:bldLst>
   </p:timing>
 </p:sld>
 </file>

--- a/materials/slides/ch03-3.pptx
+++ b/materials/slides/ch03-3.pptx
@@ -10152,7 +10152,7 @@
             </a:r>
             <a:r>
               <a:rPr lang="zh-CN" altLang="en-US" sz="2000" dirty="0" smtClean="0"/>
-              <a:t>项目</a:t>
+              <a:t>报表</a:t>
             </a:r>
             <a:r>
               <a:rPr lang="en-US" altLang="zh-CN" sz="2000" dirty="0" smtClean="0"/>
@@ -10180,17 +10180,6 @@
             <a:r>
               <a:rPr lang="zh-CN" altLang="en-US" sz="2000" dirty="0"/>
               <a:t>选择“现金流报表”；</a:t>
-            </a:r>
-            <a:endParaRPr lang="en-US" altLang="zh-CN" sz="2000" dirty="0"/>
-          </a:p>
-          <a:p>
-            <a:pPr marL="720725" lvl="1" indent="-457200">
-              <a:buFont typeface="+mj-lt"/>
-              <a:buAutoNum type="arabicPeriod"/>
-            </a:pPr>
-            <a:r>
-              <a:rPr lang="zh-CN" altLang="en-US" sz="2000" dirty="0"/>
-              <a:t>选择“视图”按钮；</a:t>
             </a:r>
             <a:endParaRPr lang="en-US" altLang="zh-CN" sz="2000" dirty="0"/>
           </a:p>
@@ -10943,15 +10932,33 @@
                                   </p:childTnLst>
                                 </p:cTn>
                               </p:par>
+                            </p:childTnLst>
+                          </p:cTn>
+                        </p:par>
+                      </p:childTnLst>
+                    </p:cTn>
+                  </p:par>
+                  <p:par>
+                    <p:cTn id="35" fill="hold">
+                      <p:stCondLst>
+                        <p:cond delay="indefinite"/>
+                      </p:stCondLst>
+                      <p:childTnLst>
+                        <p:par>
+                          <p:cTn id="36" fill="hold">
+                            <p:stCondLst>
+                              <p:cond delay="0"/>
+                            </p:stCondLst>
+                            <p:childTnLst>
                               <p:par>
-                                <p:cTn id="35" presetID="2" presetClass="entr" presetSubtype="4" fill="hold" grpId="0" nodeType="withEffect">
+                                <p:cTn id="37" presetID="2" presetClass="entr" presetSubtype="4" fill="hold" grpId="0" nodeType="clickEffect">
                                   <p:stCondLst>
                                     <p:cond delay="0"/>
                                   </p:stCondLst>
                                   <p:childTnLst>
                                     <p:set>
                                       <p:cBhvr>
-                                        <p:cTn id="36" dur="1" fill="hold">
+                                        <p:cTn id="38" dur="1" fill="hold">
                                           <p:stCondLst>
                                             <p:cond delay="0"/>
                                           </p:stCondLst>
@@ -10973,7 +10980,7 @@
                                     </p:set>
                                     <p:anim calcmode="lin" valueType="num">
                                       <p:cBhvr additive="base">
-                                        <p:cTn id="37" dur="500" fill="hold"/>
+                                        <p:cTn id="39" dur="500" fill="hold"/>
                                         <p:tgtEl>
                                           <p:spTgt spid="3">
                                             <p:txEl>
@@ -11000,114 +11007,11 @@
                                     </p:anim>
                                     <p:anim calcmode="lin" valueType="num">
                                       <p:cBhvr additive="base">
-                                        <p:cTn id="38" dur="500" fill="hold"/>
+                                        <p:cTn id="40" dur="500" fill="hold"/>
                                         <p:tgtEl>
                                           <p:spTgt spid="3">
                                             <p:txEl>
                                               <p:pRg st="7" end="7"/>
-                                            </p:txEl>
-                                          </p:spTgt>
-                                        </p:tgtEl>
-                                        <p:attrNameLst>
-                                          <p:attrName>ppt_y</p:attrName>
-                                        </p:attrNameLst>
-                                      </p:cBhvr>
-                                      <p:tavLst>
-                                        <p:tav tm="0">
-                                          <p:val>
-                                            <p:strVal val="1+#ppt_h/2"/>
-                                          </p:val>
-                                        </p:tav>
-                                        <p:tav tm="100000">
-                                          <p:val>
-                                            <p:strVal val="#ppt_y"/>
-                                          </p:val>
-                                        </p:tav>
-                                      </p:tavLst>
-                                    </p:anim>
-                                  </p:childTnLst>
-                                </p:cTn>
-                              </p:par>
-                            </p:childTnLst>
-                          </p:cTn>
-                        </p:par>
-                      </p:childTnLst>
-                    </p:cTn>
-                  </p:par>
-                  <p:par>
-                    <p:cTn id="39" fill="hold">
-                      <p:stCondLst>
-                        <p:cond delay="indefinite"/>
-                      </p:stCondLst>
-                      <p:childTnLst>
-                        <p:par>
-                          <p:cTn id="40" fill="hold">
-                            <p:stCondLst>
-                              <p:cond delay="0"/>
-                            </p:stCondLst>
-                            <p:childTnLst>
-                              <p:par>
-                                <p:cTn id="41" presetID="2" presetClass="entr" presetSubtype="4" fill="hold" grpId="0" nodeType="clickEffect">
-                                  <p:stCondLst>
-                                    <p:cond delay="0"/>
-                                  </p:stCondLst>
-                                  <p:childTnLst>
-                                    <p:set>
-                                      <p:cBhvr>
-                                        <p:cTn id="42" dur="1" fill="hold">
-                                          <p:stCondLst>
-                                            <p:cond delay="0"/>
-                                          </p:stCondLst>
-                                        </p:cTn>
-                                        <p:tgtEl>
-                                          <p:spTgt spid="3">
-                                            <p:txEl>
-                                              <p:pRg st="8" end="8"/>
-                                            </p:txEl>
-                                          </p:spTgt>
-                                        </p:tgtEl>
-                                        <p:attrNameLst>
-                                          <p:attrName>style.visibility</p:attrName>
-                                        </p:attrNameLst>
-                                      </p:cBhvr>
-                                      <p:to>
-                                        <p:strVal val="visible"/>
-                                      </p:to>
-                                    </p:set>
-                                    <p:anim calcmode="lin" valueType="num">
-                                      <p:cBhvr additive="base">
-                                        <p:cTn id="43" dur="500" fill="hold"/>
-                                        <p:tgtEl>
-                                          <p:spTgt spid="3">
-                                            <p:txEl>
-                                              <p:pRg st="8" end="8"/>
-                                            </p:txEl>
-                                          </p:spTgt>
-                                        </p:tgtEl>
-                                        <p:attrNameLst>
-                                          <p:attrName>ppt_x</p:attrName>
-                                        </p:attrNameLst>
-                                      </p:cBhvr>
-                                      <p:tavLst>
-                                        <p:tav tm="0">
-                                          <p:val>
-                                            <p:strVal val="#ppt_x"/>
-                                          </p:val>
-                                        </p:tav>
-                                        <p:tav tm="100000">
-                                          <p:val>
-                                            <p:strVal val="#ppt_x"/>
-                                          </p:val>
-                                        </p:tav>
-                                      </p:tavLst>
-                                    </p:anim>
-                                    <p:anim calcmode="lin" valueType="num">
-                                      <p:cBhvr additive="base">
-                                        <p:cTn id="44" dur="500" fill="hold"/>
-                                        <p:tgtEl>
-                                          <p:spTgt spid="3">
-                                            <p:txEl>
-                                              <p:pRg st="8" end="8"/>
                                             </p:txEl>
                                           </p:spTgt>
                                         </p:tgtEl>
@@ -11159,7 +11063,7 @@
       </p:par>
     </p:tnLst>
     <p:bldLst>
-      <p:bldP spid="3" grpId="0" build="p"/>
+      <p:bldP spid="3" grpId="0" uiExpand="1" build="p"/>
     </p:bldLst>
   </p:timing>
 </p:sld>
